--- a/ipsa/slides/functions.pptx
+++ b/ipsa/slides/functions.pptx
@@ -5,7 +5,7 @@
     <p:sldMasterId id="2147483648" r:id="rId1"/>
   </p:sldMasterIdLst>
   <p:notesMasterIdLst>
-    <p:notesMasterId r:id="rId31"/>
+    <p:notesMasterId r:id="rId32"/>
   </p:notesMasterIdLst>
   <p:sldIdLst>
     <p:sldId id="462" r:id="rId2"/>
@@ -33,10 +33,11 @@
     <p:sldId id="588" r:id="rId24"/>
     <p:sldId id="571" r:id="rId25"/>
     <p:sldId id="586" r:id="rId26"/>
-    <p:sldId id="587" r:id="rId27"/>
-    <p:sldId id="585" r:id="rId28"/>
-    <p:sldId id="590" r:id="rId29"/>
-    <p:sldId id="577" r:id="rId30"/>
+    <p:sldId id="592" r:id="rId27"/>
+    <p:sldId id="587" r:id="rId28"/>
+    <p:sldId id="585" r:id="rId29"/>
+    <p:sldId id="590" r:id="rId30"/>
+    <p:sldId id="577" r:id="rId31"/>
   </p:sldIdLst>
   <p:sldSz cx="12192000" cy="6858000"/>
   <p:notesSz cx="6858000" cy="9144000"/>
@@ -146,7 +147,7 @@
 <file path=ppt/revisionInfo.xml><?xml version="1.0" encoding="utf-8"?>
 <p1510:revInfo xmlns:a="http://schemas.openxmlformats.org/drawingml/2006/main" xmlns:r="http://schemas.openxmlformats.org/officeDocument/2006/relationships" xmlns:p1510="http://schemas.microsoft.com/office/powerpoint/2015/10/main">
   <p1510:revLst>
-    <p1510:client id="{754E53C0-86C1-454F-8E62-4CC3B55D8DD3}" v="7" dt="2022-02-24T08:32:34.984"/>
+    <p1510:client id="{89EC5210-EF5D-482B-9301-5C971FABFA3E}" v="38" dt="2023-02-18T10:27:13.549"/>
   </p1510:revLst>
 </p1510:revInfo>
 </file>
@@ -546,6 +547,425 @@
       </pc:sldChg>
     </pc:docChg>
   </pc:docChgLst>
+  <pc:docChgLst>
+    <pc:chgData name="Gerth Stølting Brodal" userId="04ef4784-6591-4f86-a140-f5c3b108582a" providerId="ADAL" clId="{89EC5210-EF5D-482B-9301-5C971FABFA3E}"/>
+    <pc:docChg chg="undo custSel addSld modSld">
+      <pc:chgData name="Gerth Stølting Brodal" userId="04ef4784-6591-4f86-a140-f5c3b108582a" providerId="ADAL" clId="{89EC5210-EF5D-482B-9301-5C971FABFA3E}" dt="2023-02-18T10:52:08.355" v="1148" actId="1035"/>
+      <pc:docMkLst>
+        <pc:docMk/>
+      </pc:docMkLst>
+      <pc:sldChg chg="modSp mod">
+        <pc:chgData name="Gerth Stølting Brodal" userId="04ef4784-6591-4f86-a140-f5c3b108582a" providerId="ADAL" clId="{89EC5210-EF5D-482B-9301-5C971FABFA3E}" dt="2023-02-18T10:43:43.554" v="1027" actId="20577"/>
+        <pc:sldMkLst>
+          <pc:docMk/>
+          <pc:sldMk cId="3628447800" sldId="561"/>
+        </pc:sldMkLst>
+        <pc:spChg chg="mod">
+          <ac:chgData name="Gerth Stølting Brodal" userId="04ef4784-6591-4f86-a140-f5c3b108582a" providerId="ADAL" clId="{89EC5210-EF5D-482B-9301-5C971FABFA3E}" dt="2023-02-18T10:43:43.554" v="1027" actId="20577"/>
+          <ac:spMkLst>
+            <pc:docMk/>
+            <pc:sldMk cId="3628447800" sldId="561"/>
+            <ac:spMk id="3" creationId="{00000000-0000-0000-0000-000000000000}"/>
+          </ac:spMkLst>
+        </pc:spChg>
+        <pc:graphicFrameChg chg="modGraphic">
+          <ac:chgData name="Gerth Stølting Brodal" userId="04ef4784-6591-4f86-a140-f5c3b108582a" providerId="ADAL" clId="{89EC5210-EF5D-482B-9301-5C971FABFA3E}" dt="2023-02-18T08:04:18.900" v="3" actId="20577"/>
+          <ac:graphicFrameMkLst>
+            <pc:docMk/>
+            <pc:sldMk cId="3628447800" sldId="561"/>
+            <ac:graphicFrameMk id="4" creationId="{00000000-0000-0000-0000-000000000000}"/>
+          </ac:graphicFrameMkLst>
+        </pc:graphicFrameChg>
+      </pc:sldChg>
+      <pc:sldChg chg="modSp mod">
+        <pc:chgData name="Gerth Stølting Brodal" userId="04ef4784-6591-4f86-a140-f5c3b108582a" providerId="ADAL" clId="{89EC5210-EF5D-482B-9301-5C971FABFA3E}" dt="2023-02-18T10:49:11.683" v="1143" actId="14100"/>
+        <pc:sldMkLst>
+          <pc:docMk/>
+          <pc:sldMk cId="3627704936" sldId="566"/>
+        </pc:sldMkLst>
+        <pc:spChg chg="mod">
+          <ac:chgData name="Gerth Stølting Brodal" userId="04ef4784-6591-4f86-a140-f5c3b108582a" providerId="ADAL" clId="{89EC5210-EF5D-482B-9301-5C971FABFA3E}" dt="2023-02-18T10:49:11.683" v="1143" actId="14100"/>
+          <ac:spMkLst>
+            <pc:docMk/>
+            <pc:sldMk cId="3627704936" sldId="566"/>
+            <ac:spMk id="3" creationId="{00000000-0000-0000-0000-000000000000}"/>
+          </ac:spMkLst>
+        </pc:spChg>
+      </pc:sldChg>
+      <pc:sldChg chg="modSp mod">
+        <pc:chgData name="Gerth Stølting Brodal" userId="04ef4784-6591-4f86-a140-f5c3b108582a" providerId="ADAL" clId="{89EC5210-EF5D-482B-9301-5C971FABFA3E}" dt="2023-02-18T08:42:02.465" v="183" actId="20577"/>
+        <pc:sldMkLst>
+          <pc:docMk/>
+          <pc:sldMk cId="2099313752" sldId="567"/>
+        </pc:sldMkLst>
+        <pc:spChg chg="mod">
+          <ac:chgData name="Gerth Stølting Brodal" userId="04ef4784-6591-4f86-a140-f5c3b108582a" providerId="ADAL" clId="{89EC5210-EF5D-482B-9301-5C971FABFA3E}" dt="2023-02-18T08:42:02.465" v="183" actId="20577"/>
+          <ac:spMkLst>
+            <pc:docMk/>
+            <pc:sldMk cId="2099313752" sldId="567"/>
+            <ac:spMk id="3" creationId="{00000000-0000-0000-0000-000000000000}"/>
+          </ac:spMkLst>
+        </pc:spChg>
+        <pc:graphicFrameChg chg="mod">
+          <ac:chgData name="Gerth Stølting Brodal" userId="04ef4784-6591-4f86-a140-f5c3b108582a" providerId="ADAL" clId="{89EC5210-EF5D-482B-9301-5C971FABFA3E}" dt="2023-02-18T08:41:45.085" v="182" actId="1076"/>
+          <ac:graphicFrameMkLst>
+            <pc:docMk/>
+            <pc:sldMk cId="2099313752" sldId="567"/>
+            <ac:graphicFrameMk id="5" creationId="{00000000-0000-0000-0000-000000000000}"/>
+          </ac:graphicFrameMkLst>
+        </pc:graphicFrameChg>
+      </pc:sldChg>
+      <pc:sldChg chg="modSp mod">
+        <pc:chgData name="Gerth Stølting Brodal" userId="04ef4784-6591-4f86-a140-f5c3b108582a" providerId="ADAL" clId="{89EC5210-EF5D-482B-9301-5C971FABFA3E}" dt="2023-02-18T10:44:22.250" v="1029" actId="20577"/>
+        <pc:sldMkLst>
+          <pc:docMk/>
+          <pc:sldMk cId="100858788" sldId="568"/>
+        </pc:sldMkLst>
+        <pc:spChg chg="mod">
+          <ac:chgData name="Gerth Stølting Brodal" userId="04ef4784-6591-4f86-a140-f5c3b108582a" providerId="ADAL" clId="{89EC5210-EF5D-482B-9301-5C971FABFA3E}" dt="2023-02-18T10:44:22.250" v="1029" actId="20577"/>
+          <ac:spMkLst>
+            <pc:docMk/>
+            <pc:sldMk cId="100858788" sldId="568"/>
+            <ac:spMk id="3" creationId="{00000000-0000-0000-0000-000000000000}"/>
+          </ac:spMkLst>
+        </pc:spChg>
+      </pc:sldChg>
+      <pc:sldChg chg="modSp mod">
+        <pc:chgData name="Gerth Stølting Brodal" userId="04ef4784-6591-4f86-a140-f5c3b108582a" providerId="ADAL" clId="{89EC5210-EF5D-482B-9301-5C971FABFA3E}" dt="2023-02-18T09:43:22.806" v="206" actId="1076"/>
+        <pc:sldMkLst>
+          <pc:docMk/>
+          <pc:sldMk cId="4291965801" sldId="571"/>
+        </pc:sldMkLst>
+        <pc:spChg chg="mod">
+          <ac:chgData name="Gerth Stølting Brodal" userId="04ef4784-6591-4f86-a140-f5c3b108582a" providerId="ADAL" clId="{89EC5210-EF5D-482B-9301-5C971FABFA3E}" dt="2023-02-18T09:43:16.124" v="205" actId="1076"/>
+          <ac:spMkLst>
+            <pc:docMk/>
+            <pc:sldMk cId="4291965801" sldId="571"/>
+            <ac:spMk id="6" creationId="{00000000-0000-0000-0000-000000000000}"/>
+          </ac:spMkLst>
+        </pc:spChg>
+        <pc:spChg chg="mod">
+          <ac:chgData name="Gerth Stølting Brodal" userId="04ef4784-6591-4f86-a140-f5c3b108582a" providerId="ADAL" clId="{89EC5210-EF5D-482B-9301-5C971FABFA3E}" dt="2023-02-18T09:43:16.124" v="205" actId="1076"/>
+          <ac:spMkLst>
+            <pc:docMk/>
+            <pc:sldMk cId="4291965801" sldId="571"/>
+            <ac:spMk id="7" creationId="{00000000-0000-0000-0000-000000000000}"/>
+          </ac:spMkLst>
+        </pc:spChg>
+        <pc:spChg chg="mod">
+          <ac:chgData name="Gerth Stølting Brodal" userId="04ef4784-6591-4f86-a140-f5c3b108582a" providerId="ADAL" clId="{89EC5210-EF5D-482B-9301-5C971FABFA3E}" dt="2023-02-18T09:43:16.124" v="205" actId="1076"/>
+          <ac:spMkLst>
+            <pc:docMk/>
+            <pc:sldMk cId="4291965801" sldId="571"/>
+            <ac:spMk id="8" creationId="{00000000-0000-0000-0000-000000000000}"/>
+          </ac:spMkLst>
+        </pc:spChg>
+        <pc:spChg chg="mod">
+          <ac:chgData name="Gerth Stølting Brodal" userId="04ef4784-6591-4f86-a140-f5c3b108582a" providerId="ADAL" clId="{89EC5210-EF5D-482B-9301-5C971FABFA3E}" dt="2023-02-18T09:43:16.124" v="205" actId="1076"/>
+          <ac:spMkLst>
+            <pc:docMk/>
+            <pc:sldMk cId="4291965801" sldId="571"/>
+            <ac:spMk id="9" creationId="{00000000-0000-0000-0000-000000000000}"/>
+          </ac:spMkLst>
+        </pc:spChg>
+        <pc:spChg chg="mod">
+          <ac:chgData name="Gerth Stølting Brodal" userId="04ef4784-6591-4f86-a140-f5c3b108582a" providerId="ADAL" clId="{89EC5210-EF5D-482B-9301-5C971FABFA3E}" dt="2023-02-18T09:43:22.806" v="206" actId="1076"/>
+          <ac:spMkLst>
+            <pc:docMk/>
+            <pc:sldMk cId="4291965801" sldId="571"/>
+            <ac:spMk id="10" creationId="{00000000-0000-0000-0000-000000000000}"/>
+          </ac:spMkLst>
+        </pc:spChg>
+        <pc:spChg chg="mod">
+          <ac:chgData name="Gerth Stølting Brodal" userId="04ef4784-6591-4f86-a140-f5c3b108582a" providerId="ADAL" clId="{89EC5210-EF5D-482B-9301-5C971FABFA3E}" dt="2023-02-18T09:43:22.806" v="206" actId="1076"/>
+          <ac:spMkLst>
+            <pc:docMk/>
+            <pc:sldMk cId="4291965801" sldId="571"/>
+            <ac:spMk id="11" creationId="{00000000-0000-0000-0000-000000000000}"/>
+          </ac:spMkLst>
+        </pc:spChg>
+        <pc:spChg chg="mod">
+          <ac:chgData name="Gerth Stølting Brodal" userId="04ef4784-6591-4f86-a140-f5c3b108582a" providerId="ADAL" clId="{89EC5210-EF5D-482B-9301-5C971FABFA3E}" dt="2023-02-18T09:43:22.806" v="206" actId="1076"/>
+          <ac:spMkLst>
+            <pc:docMk/>
+            <pc:sldMk cId="4291965801" sldId="571"/>
+            <ac:spMk id="12" creationId="{00000000-0000-0000-0000-000000000000}"/>
+          </ac:spMkLst>
+        </pc:spChg>
+        <pc:spChg chg="mod">
+          <ac:chgData name="Gerth Stølting Brodal" userId="04ef4784-6591-4f86-a140-f5c3b108582a" providerId="ADAL" clId="{89EC5210-EF5D-482B-9301-5C971FABFA3E}" dt="2023-02-18T09:43:22.806" v="206" actId="1076"/>
+          <ac:spMkLst>
+            <pc:docMk/>
+            <pc:sldMk cId="4291965801" sldId="571"/>
+            <ac:spMk id="13" creationId="{00000000-0000-0000-0000-000000000000}"/>
+          </ac:spMkLst>
+        </pc:spChg>
+        <pc:spChg chg="mod">
+          <ac:chgData name="Gerth Stølting Brodal" userId="04ef4784-6591-4f86-a140-f5c3b108582a" providerId="ADAL" clId="{89EC5210-EF5D-482B-9301-5C971FABFA3E}" dt="2023-02-18T09:43:22.806" v="206" actId="1076"/>
+          <ac:spMkLst>
+            <pc:docMk/>
+            <pc:sldMk cId="4291965801" sldId="571"/>
+            <ac:spMk id="14" creationId="{00000000-0000-0000-0000-000000000000}"/>
+          </ac:spMkLst>
+        </pc:spChg>
+        <pc:spChg chg="mod">
+          <ac:chgData name="Gerth Stølting Brodal" userId="04ef4784-6591-4f86-a140-f5c3b108582a" providerId="ADAL" clId="{89EC5210-EF5D-482B-9301-5C971FABFA3E}" dt="2023-02-18T09:43:22.806" v="206" actId="1076"/>
+          <ac:spMkLst>
+            <pc:docMk/>
+            <pc:sldMk cId="4291965801" sldId="571"/>
+            <ac:spMk id="15" creationId="{00000000-0000-0000-0000-000000000000}"/>
+          </ac:spMkLst>
+        </pc:spChg>
+        <pc:spChg chg="mod">
+          <ac:chgData name="Gerth Stølting Brodal" userId="04ef4784-6591-4f86-a140-f5c3b108582a" providerId="ADAL" clId="{89EC5210-EF5D-482B-9301-5C971FABFA3E}" dt="2023-02-18T09:43:22.806" v="206" actId="1076"/>
+          <ac:spMkLst>
+            <pc:docMk/>
+            <pc:sldMk cId="4291965801" sldId="571"/>
+            <ac:spMk id="16" creationId="{00000000-0000-0000-0000-000000000000}"/>
+          </ac:spMkLst>
+        </pc:spChg>
+        <pc:spChg chg="mod">
+          <ac:chgData name="Gerth Stølting Brodal" userId="04ef4784-6591-4f86-a140-f5c3b108582a" providerId="ADAL" clId="{89EC5210-EF5D-482B-9301-5C971FABFA3E}" dt="2023-02-18T09:43:22.806" v="206" actId="1076"/>
+          <ac:spMkLst>
+            <pc:docMk/>
+            <pc:sldMk cId="4291965801" sldId="571"/>
+            <ac:spMk id="17" creationId="{00000000-0000-0000-0000-000000000000}"/>
+          </ac:spMkLst>
+        </pc:spChg>
+        <pc:spChg chg="mod">
+          <ac:chgData name="Gerth Stølting Brodal" userId="04ef4784-6591-4f86-a140-f5c3b108582a" providerId="ADAL" clId="{89EC5210-EF5D-482B-9301-5C971FABFA3E}" dt="2023-02-18T09:43:22.806" v="206" actId="1076"/>
+          <ac:spMkLst>
+            <pc:docMk/>
+            <pc:sldMk cId="4291965801" sldId="571"/>
+            <ac:spMk id="18" creationId="{00000000-0000-0000-0000-000000000000}"/>
+          </ac:spMkLst>
+        </pc:spChg>
+        <pc:spChg chg="mod">
+          <ac:chgData name="Gerth Stølting Brodal" userId="04ef4784-6591-4f86-a140-f5c3b108582a" providerId="ADAL" clId="{89EC5210-EF5D-482B-9301-5C971FABFA3E}" dt="2023-02-18T09:43:22.806" v="206" actId="1076"/>
+          <ac:spMkLst>
+            <pc:docMk/>
+            <pc:sldMk cId="4291965801" sldId="571"/>
+            <ac:spMk id="19" creationId="{00000000-0000-0000-0000-000000000000}"/>
+          </ac:spMkLst>
+        </pc:spChg>
+        <pc:spChg chg="mod">
+          <ac:chgData name="Gerth Stølting Brodal" userId="04ef4784-6591-4f86-a140-f5c3b108582a" providerId="ADAL" clId="{89EC5210-EF5D-482B-9301-5C971FABFA3E}" dt="2023-02-18T09:43:22.806" v="206" actId="1076"/>
+          <ac:spMkLst>
+            <pc:docMk/>
+            <pc:sldMk cId="4291965801" sldId="571"/>
+            <ac:spMk id="20" creationId="{00000000-0000-0000-0000-000000000000}"/>
+          </ac:spMkLst>
+        </pc:spChg>
+        <pc:spChg chg="mod">
+          <ac:chgData name="Gerth Stølting Brodal" userId="04ef4784-6591-4f86-a140-f5c3b108582a" providerId="ADAL" clId="{89EC5210-EF5D-482B-9301-5C971FABFA3E}" dt="2023-02-18T09:43:22.806" v="206" actId="1076"/>
+          <ac:spMkLst>
+            <pc:docMk/>
+            <pc:sldMk cId="4291965801" sldId="571"/>
+            <ac:spMk id="21" creationId="{00000000-0000-0000-0000-000000000000}"/>
+          </ac:spMkLst>
+        </pc:spChg>
+        <pc:spChg chg="mod">
+          <ac:chgData name="Gerth Stølting Brodal" userId="04ef4784-6591-4f86-a140-f5c3b108582a" providerId="ADAL" clId="{89EC5210-EF5D-482B-9301-5C971FABFA3E}" dt="2023-02-18T09:43:22.806" v="206" actId="1076"/>
+          <ac:spMkLst>
+            <pc:docMk/>
+            <pc:sldMk cId="4291965801" sldId="571"/>
+            <ac:spMk id="24" creationId="{00000000-0000-0000-0000-000000000000}"/>
+          </ac:spMkLst>
+        </pc:spChg>
+        <pc:spChg chg="mod">
+          <ac:chgData name="Gerth Stølting Brodal" userId="04ef4784-6591-4f86-a140-f5c3b108582a" providerId="ADAL" clId="{89EC5210-EF5D-482B-9301-5C971FABFA3E}" dt="2023-02-18T09:43:22.806" v="206" actId="1076"/>
+          <ac:spMkLst>
+            <pc:docMk/>
+            <pc:sldMk cId="4291965801" sldId="571"/>
+            <ac:spMk id="25" creationId="{00000000-0000-0000-0000-000000000000}"/>
+          </ac:spMkLst>
+        </pc:spChg>
+        <pc:spChg chg="mod">
+          <ac:chgData name="Gerth Stølting Brodal" userId="04ef4784-6591-4f86-a140-f5c3b108582a" providerId="ADAL" clId="{89EC5210-EF5D-482B-9301-5C971FABFA3E}" dt="2023-02-18T09:43:22.806" v="206" actId="1076"/>
+          <ac:spMkLst>
+            <pc:docMk/>
+            <pc:sldMk cId="4291965801" sldId="571"/>
+            <ac:spMk id="27" creationId="{00000000-0000-0000-0000-000000000000}"/>
+          </ac:spMkLst>
+        </pc:spChg>
+        <pc:spChg chg="mod">
+          <ac:chgData name="Gerth Stølting Brodal" userId="04ef4784-6591-4f86-a140-f5c3b108582a" providerId="ADAL" clId="{89EC5210-EF5D-482B-9301-5C971FABFA3E}" dt="2023-02-18T09:43:22.806" v="206" actId="1076"/>
+          <ac:spMkLst>
+            <pc:docMk/>
+            <pc:sldMk cId="4291965801" sldId="571"/>
+            <ac:spMk id="28" creationId="{00000000-0000-0000-0000-000000000000}"/>
+          </ac:spMkLst>
+        </pc:spChg>
+        <pc:graphicFrameChg chg="mod modGraphic">
+          <ac:chgData name="Gerth Stølting Brodal" userId="04ef4784-6591-4f86-a140-f5c3b108582a" providerId="ADAL" clId="{89EC5210-EF5D-482B-9301-5C971FABFA3E}" dt="2023-02-18T09:43:16.124" v="205" actId="1076"/>
+          <ac:graphicFrameMkLst>
+            <pc:docMk/>
+            <pc:sldMk cId="4291965801" sldId="571"/>
+            <ac:graphicFrameMk id="4" creationId="{00000000-0000-0000-0000-000000000000}"/>
+          </ac:graphicFrameMkLst>
+        </pc:graphicFrameChg>
+        <pc:graphicFrameChg chg="mod">
+          <ac:chgData name="Gerth Stølting Brodal" userId="04ef4784-6591-4f86-a140-f5c3b108582a" providerId="ADAL" clId="{89EC5210-EF5D-482B-9301-5C971FABFA3E}" dt="2023-02-18T09:43:22.806" v="206" actId="1076"/>
+          <ac:graphicFrameMkLst>
+            <pc:docMk/>
+            <pc:sldMk cId="4291965801" sldId="571"/>
+            <ac:graphicFrameMk id="5" creationId="{00000000-0000-0000-0000-000000000000}"/>
+          </ac:graphicFrameMkLst>
+        </pc:graphicFrameChg>
+        <pc:cxnChg chg="mod">
+          <ac:chgData name="Gerth Stølting Brodal" userId="04ef4784-6591-4f86-a140-f5c3b108582a" providerId="ADAL" clId="{89EC5210-EF5D-482B-9301-5C971FABFA3E}" dt="2023-02-18T09:43:22.806" v="206" actId="1076"/>
+          <ac:cxnSpMkLst>
+            <pc:docMk/>
+            <pc:sldMk cId="4291965801" sldId="571"/>
+            <ac:cxnSpMk id="23" creationId="{00000000-0000-0000-0000-000000000000}"/>
+          </ac:cxnSpMkLst>
+        </pc:cxnChg>
+      </pc:sldChg>
+      <pc:sldChg chg="modNotesTx">
+        <pc:chgData name="Gerth Stølting Brodal" userId="04ef4784-6591-4f86-a140-f5c3b108582a" providerId="ADAL" clId="{89EC5210-EF5D-482B-9301-5C971FABFA3E}" dt="2023-02-18T08:20:47.793" v="20" actId="20577"/>
+        <pc:sldMkLst>
+          <pc:docMk/>
+          <pc:sldMk cId="1437013171" sldId="572"/>
+        </pc:sldMkLst>
+      </pc:sldChg>
+      <pc:sldChg chg="modNotesTx">
+        <pc:chgData name="Gerth Stølting Brodal" userId="04ef4784-6591-4f86-a140-f5c3b108582a" providerId="ADAL" clId="{89EC5210-EF5D-482B-9301-5C971FABFA3E}" dt="2023-02-18T08:21:34.319" v="34" actId="313"/>
+        <pc:sldMkLst>
+          <pc:docMk/>
+          <pc:sldMk cId="2250928843" sldId="573"/>
+        </pc:sldMkLst>
+      </pc:sldChg>
+      <pc:sldChg chg="modSp mod">
+        <pc:chgData name="Gerth Stølting Brodal" userId="04ef4784-6591-4f86-a140-f5c3b108582a" providerId="ADAL" clId="{89EC5210-EF5D-482B-9301-5C971FABFA3E}" dt="2023-02-18T08:37:20.565" v="114" actId="20577"/>
+        <pc:sldMkLst>
+          <pc:docMk/>
+          <pc:sldMk cId="1619579666" sldId="574"/>
+        </pc:sldMkLst>
+        <pc:spChg chg="mod">
+          <ac:chgData name="Gerth Stølting Brodal" userId="04ef4784-6591-4f86-a140-f5c3b108582a" providerId="ADAL" clId="{89EC5210-EF5D-482B-9301-5C971FABFA3E}" dt="2023-02-18T08:37:20.565" v="114" actId="20577"/>
+          <ac:spMkLst>
+            <pc:docMk/>
+            <pc:sldMk cId="1619579666" sldId="574"/>
+            <ac:spMk id="3" creationId="{00000000-0000-0000-0000-000000000000}"/>
+          </ac:spMkLst>
+        </pc:spChg>
+      </pc:sldChg>
+      <pc:sldChg chg="modSp mod">
+        <pc:chgData name="Gerth Stølting Brodal" userId="04ef4784-6591-4f86-a140-f5c3b108582a" providerId="ADAL" clId="{89EC5210-EF5D-482B-9301-5C971FABFA3E}" dt="2023-02-18T09:22:50.725" v="192" actId="20577"/>
+        <pc:sldMkLst>
+          <pc:docMk/>
+          <pc:sldMk cId="4009993959" sldId="582"/>
+        </pc:sldMkLst>
+        <pc:spChg chg="mod">
+          <ac:chgData name="Gerth Stølting Brodal" userId="04ef4784-6591-4f86-a140-f5c3b108582a" providerId="ADAL" clId="{89EC5210-EF5D-482B-9301-5C971FABFA3E}" dt="2023-02-18T09:22:50.725" v="192" actId="20577"/>
+          <ac:spMkLst>
+            <pc:docMk/>
+            <pc:sldMk cId="4009993959" sldId="582"/>
+            <ac:spMk id="3" creationId="{00000000-0000-0000-0000-000000000000}"/>
+          </ac:spMkLst>
+        </pc:spChg>
+      </pc:sldChg>
+      <pc:sldChg chg="modSp mod modNotesTx">
+        <pc:chgData name="Gerth Stølting Brodal" userId="04ef4784-6591-4f86-a140-f5c3b108582a" providerId="ADAL" clId="{89EC5210-EF5D-482B-9301-5C971FABFA3E}" dt="2023-02-18T10:52:08.355" v="1148" actId="1035"/>
+        <pc:sldMkLst>
+          <pc:docMk/>
+          <pc:sldMk cId="1896777206" sldId="585"/>
+        </pc:sldMkLst>
+        <pc:spChg chg="mod">
+          <ac:chgData name="Gerth Stølting Brodal" userId="04ef4784-6591-4f86-a140-f5c3b108582a" providerId="ADAL" clId="{89EC5210-EF5D-482B-9301-5C971FABFA3E}" dt="2023-02-18T10:52:08.355" v="1148" actId="1035"/>
+          <ac:spMkLst>
+            <pc:docMk/>
+            <pc:sldMk cId="1896777206" sldId="585"/>
+            <ac:spMk id="3" creationId="{00000000-0000-0000-0000-000000000000}"/>
+          </ac:spMkLst>
+        </pc:spChg>
+        <pc:graphicFrameChg chg="mod modGraphic">
+          <ac:chgData name="Gerth Stølting Brodal" userId="04ef4784-6591-4f86-a140-f5c3b108582a" providerId="ADAL" clId="{89EC5210-EF5D-482B-9301-5C971FABFA3E}" dt="2023-02-18T10:28:13.889" v="943" actId="1076"/>
+          <ac:graphicFrameMkLst>
+            <pc:docMk/>
+            <pc:sldMk cId="1896777206" sldId="585"/>
+            <ac:graphicFrameMk id="6" creationId="{00000000-0000-0000-0000-000000000000}"/>
+          </ac:graphicFrameMkLst>
+        </pc:graphicFrameChg>
+      </pc:sldChg>
+      <pc:sldChg chg="modSp mod">
+        <pc:chgData name="Gerth Stølting Brodal" userId="04ef4784-6591-4f86-a140-f5c3b108582a" providerId="ADAL" clId="{89EC5210-EF5D-482B-9301-5C971FABFA3E}" dt="2023-02-18T09:49:05.144" v="328" actId="20577"/>
+        <pc:sldMkLst>
+          <pc:docMk/>
+          <pc:sldMk cId="653558519" sldId="586"/>
+        </pc:sldMkLst>
+        <pc:graphicFrameChg chg="modGraphic">
+          <ac:chgData name="Gerth Stølting Brodal" userId="04ef4784-6591-4f86-a140-f5c3b108582a" providerId="ADAL" clId="{89EC5210-EF5D-482B-9301-5C971FABFA3E}" dt="2023-02-18T09:49:05.144" v="328" actId="20577"/>
+          <ac:graphicFrameMkLst>
+            <pc:docMk/>
+            <pc:sldMk cId="653558519" sldId="586"/>
+            <ac:graphicFrameMk id="4" creationId="{00000000-0000-0000-0000-000000000000}"/>
+          </ac:graphicFrameMkLst>
+        </pc:graphicFrameChg>
+      </pc:sldChg>
+      <pc:sldChg chg="modSp mod">
+        <pc:chgData name="Gerth Stølting Brodal" userId="04ef4784-6591-4f86-a140-f5c3b108582a" providerId="ADAL" clId="{89EC5210-EF5D-482B-9301-5C971FABFA3E}" dt="2023-02-18T08:13:17.127" v="6" actId="20577"/>
+        <pc:sldMkLst>
+          <pc:docMk/>
+          <pc:sldMk cId="4039368805" sldId="589"/>
+        </pc:sldMkLst>
+        <pc:graphicFrameChg chg="modGraphic">
+          <ac:chgData name="Gerth Stølting Brodal" userId="04ef4784-6591-4f86-a140-f5c3b108582a" providerId="ADAL" clId="{89EC5210-EF5D-482B-9301-5C971FABFA3E}" dt="2023-02-18T08:13:17.127" v="6" actId="20577"/>
+          <ac:graphicFrameMkLst>
+            <pc:docMk/>
+            <pc:sldMk cId="4039368805" sldId="589"/>
+            <ac:graphicFrameMk id="4" creationId="{00000000-0000-0000-0000-000000000000}"/>
+          </ac:graphicFrameMkLst>
+        </pc:graphicFrameChg>
+      </pc:sldChg>
+      <pc:sldChg chg="modSp mod">
+        <pc:chgData name="Gerth Stølting Brodal" userId="04ef4784-6591-4f86-a140-f5c3b108582a" providerId="ADAL" clId="{89EC5210-EF5D-482B-9301-5C971FABFA3E}" dt="2023-02-18T08:38:31.754" v="128" actId="20577"/>
+        <pc:sldMkLst>
+          <pc:docMk/>
+          <pc:sldMk cId="3860775354" sldId="590"/>
+        </pc:sldMkLst>
+        <pc:spChg chg="mod">
+          <ac:chgData name="Gerth Stølting Brodal" userId="04ef4784-6591-4f86-a140-f5c3b108582a" providerId="ADAL" clId="{89EC5210-EF5D-482B-9301-5C971FABFA3E}" dt="2023-02-18T08:38:31.754" v="128" actId="20577"/>
+          <ac:spMkLst>
+            <pc:docMk/>
+            <pc:sldMk cId="3860775354" sldId="590"/>
+            <ac:spMk id="3" creationId="{833CE651-B63C-4186-9D3C-ECB731028B26}"/>
+          </ac:spMkLst>
+        </pc:spChg>
+      </pc:sldChg>
+      <pc:sldChg chg="addSp modSp add mod modNotesTx">
+        <pc:chgData name="Gerth Stølting Brodal" userId="04ef4784-6591-4f86-a140-f5c3b108582a" providerId="ADAL" clId="{89EC5210-EF5D-482B-9301-5C971FABFA3E}" dt="2023-02-18T10:40:07.227" v="962" actId="1036"/>
+        <pc:sldMkLst>
+          <pc:docMk/>
+          <pc:sldMk cId="4032496496" sldId="592"/>
+        </pc:sldMkLst>
+        <pc:spChg chg="mod">
+          <ac:chgData name="Gerth Stølting Brodal" userId="04ef4784-6591-4f86-a140-f5c3b108582a" providerId="ADAL" clId="{89EC5210-EF5D-482B-9301-5C971FABFA3E}" dt="2023-02-18T09:56:08.573" v="395" actId="5793"/>
+          <ac:spMkLst>
+            <pc:docMk/>
+            <pc:sldMk cId="4032496496" sldId="592"/>
+            <ac:spMk id="2" creationId="{00000000-0000-0000-0000-000000000000}"/>
+          </ac:spMkLst>
+        </pc:spChg>
+        <pc:graphicFrameChg chg="mod modGraphic">
+          <ac:chgData name="Gerth Stølting Brodal" userId="04ef4784-6591-4f86-a140-f5c3b108582a" providerId="ADAL" clId="{89EC5210-EF5D-482B-9301-5C971FABFA3E}" dt="2023-02-18T10:40:01.839" v="960" actId="20577"/>
+          <ac:graphicFrameMkLst>
+            <pc:docMk/>
+            <pc:sldMk cId="4032496496" sldId="592"/>
+            <ac:graphicFrameMk id="4" creationId="{00000000-0000-0000-0000-000000000000}"/>
+          </ac:graphicFrameMkLst>
+        </pc:graphicFrameChg>
+        <pc:picChg chg="add mod">
+          <ac:chgData name="Gerth Stølting Brodal" userId="04ef4784-6591-4f86-a140-f5c3b108582a" providerId="ADAL" clId="{89EC5210-EF5D-482B-9301-5C971FABFA3E}" dt="2023-02-18T10:40:07.227" v="962" actId="1036"/>
+          <ac:picMkLst>
+            <pc:docMk/>
+            <pc:sldMk cId="4032496496" sldId="592"/>
+            <ac:picMk id="3" creationId="{2B43A2BC-779E-C234-99D4-577D483AB71A}"/>
+          </ac:picMkLst>
+        </pc:picChg>
+      </pc:sldChg>
+    </pc:docChg>
+  </pc:docChgLst>
 </pc:chgInfo>
 </file>
 
@@ -631,7 +1051,7 @@
           <a:p>
             <a:fld id="{FB1A172F-81D4-4DC4-9113-1DBD56EC3646}" type="datetimeFigureOut">
               <a:rPr lang="en-US" smtClean="0"/>
-              <a:t>2/24/2022</a:t>
+              <a:t>2/18/2023</a:t>
             </a:fld>
             <a:endParaRPr lang="en-US"/>
           </a:p>
@@ -1038,6 +1458,174 @@
           <a:bodyPr/>
           <a:lstStyle/>
           <a:p>
+            <a:endParaRPr lang="en-US" dirty="0"/>
+          </a:p>
+        </p:txBody>
+      </p:sp>
+      <p:sp>
+        <p:nvSpPr>
+          <p:cNvPr id="4" name="Slide Number Placeholder 3"/>
+          <p:cNvSpPr>
+            <a:spLocks noGrp="1"/>
+          </p:cNvSpPr>
+          <p:nvPr>
+            <p:ph type="sldNum" sz="quarter" idx="10"/>
+          </p:nvPr>
+        </p:nvSpPr>
+        <p:spPr/>
+        <p:txBody>
+          <a:bodyPr/>
+          <a:lstStyle/>
+          <a:p>
+            <a:fld id="{CD563DD8-32AB-41BE-B1C6-8EAC45222ACE}" type="slidenum">
+              <a:rPr lang="en-US" smtClean="0"/>
+              <a:t>18</a:t>
+            </a:fld>
+            <a:endParaRPr lang="en-US"/>
+          </a:p>
+        </p:txBody>
+      </p:sp>
+    </p:spTree>
+    <p:extLst>
+      <p:ext uri="{BB962C8B-B14F-4D97-AF65-F5344CB8AC3E}">
+        <p14:creationId xmlns:p14="http://schemas.microsoft.com/office/powerpoint/2010/main" val="555791814"/>
+      </p:ext>
+    </p:extLst>
+  </p:cSld>
+  <p:clrMapOvr>
+    <a:masterClrMapping/>
+  </p:clrMapOvr>
+</p:notes>
+</file>
+
+<file path=ppt/notesSlides/notesSlide11.xml><?xml version="1.0" encoding="utf-8"?>
+<p:notes xmlns:a="http://schemas.openxmlformats.org/drawingml/2006/main" xmlns:r="http://schemas.openxmlformats.org/officeDocument/2006/relationships" xmlns:p="http://schemas.openxmlformats.org/presentationml/2006/main">
+  <p:cSld>
+    <p:spTree>
+      <p:nvGrpSpPr>
+        <p:cNvPr id="1" name=""/>
+        <p:cNvGrpSpPr/>
+        <p:nvPr/>
+      </p:nvGrpSpPr>
+      <p:grpSpPr>
+        <a:xfrm>
+          <a:off x="0" y="0"/>
+          <a:ext cx="0" cy="0"/>
+          <a:chOff x="0" y="0"/>
+          <a:chExt cx="0" cy="0"/>
+        </a:xfrm>
+      </p:grpSpPr>
+      <p:sp>
+        <p:nvSpPr>
+          <p:cNvPr id="2" name="Slide Image Placeholder 1"/>
+          <p:cNvSpPr>
+            <a:spLocks noGrp="1" noRot="1" noChangeAspect="1"/>
+          </p:cNvSpPr>
+          <p:nvPr>
+            <p:ph type="sldImg"/>
+          </p:nvPr>
+        </p:nvSpPr>
+        <p:spPr/>
+      </p:sp>
+      <p:sp>
+        <p:nvSpPr>
+          <p:cNvPr id="3" name="Notes Placeholder 2"/>
+          <p:cNvSpPr>
+            <a:spLocks noGrp="1"/>
+          </p:cNvSpPr>
+          <p:nvPr>
+            <p:ph type="body" idx="1"/>
+          </p:nvPr>
+        </p:nvSpPr>
+        <p:spPr/>
+        <p:txBody>
+          <a:bodyPr/>
+          <a:lstStyle/>
+          <a:p>
+            <a:endParaRPr lang="en-US" dirty="0"/>
+          </a:p>
+        </p:txBody>
+      </p:sp>
+      <p:sp>
+        <p:nvSpPr>
+          <p:cNvPr id="4" name="Slide Number Placeholder 3"/>
+          <p:cNvSpPr>
+            <a:spLocks noGrp="1"/>
+          </p:cNvSpPr>
+          <p:nvPr>
+            <p:ph type="sldNum" sz="quarter" idx="10"/>
+          </p:nvPr>
+        </p:nvSpPr>
+        <p:spPr/>
+        <p:txBody>
+          <a:bodyPr/>
+          <a:lstStyle/>
+          <a:p>
+            <a:fld id="{CD563DD8-32AB-41BE-B1C6-8EAC45222ACE}" type="slidenum">
+              <a:rPr lang="en-US" smtClean="0"/>
+              <a:t>19</a:t>
+            </a:fld>
+            <a:endParaRPr lang="en-US"/>
+          </a:p>
+        </p:txBody>
+      </p:sp>
+    </p:spTree>
+    <p:extLst>
+      <p:ext uri="{BB962C8B-B14F-4D97-AF65-F5344CB8AC3E}">
+        <p14:creationId xmlns:p14="http://schemas.microsoft.com/office/powerpoint/2010/main" val="1067241433"/>
+      </p:ext>
+    </p:extLst>
+  </p:cSld>
+  <p:clrMapOvr>
+    <a:masterClrMapping/>
+  </p:clrMapOvr>
+</p:notes>
+</file>
+
+<file path=ppt/notesSlides/notesSlide12.xml><?xml version="1.0" encoding="utf-8"?>
+<p:notes xmlns:a="http://schemas.openxmlformats.org/drawingml/2006/main" xmlns:r="http://schemas.openxmlformats.org/officeDocument/2006/relationships" xmlns:p="http://schemas.openxmlformats.org/presentationml/2006/main">
+  <p:cSld>
+    <p:spTree>
+      <p:nvGrpSpPr>
+        <p:cNvPr id="1" name=""/>
+        <p:cNvGrpSpPr/>
+        <p:nvPr/>
+      </p:nvGrpSpPr>
+      <p:grpSpPr>
+        <a:xfrm>
+          <a:off x="0" y="0"/>
+          <a:ext cx="0" cy="0"/>
+          <a:chOff x="0" y="0"/>
+          <a:chExt cx="0" cy="0"/>
+        </a:xfrm>
+      </p:grpSpPr>
+      <p:sp>
+        <p:nvSpPr>
+          <p:cNvPr id="2" name="Slide Image Placeholder 1"/>
+          <p:cNvSpPr>
+            <a:spLocks noGrp="1" noRot="1" noChangeAspect="1"/>
+          </p:cNvSpPr>
+          <p:nvPr>
+            <p:ph type="sldImg"/>
+          </p:nvPr>
+        </p:nvSpPr>
+        <p:spPr/>
+      </p:sp>
+      <p:sp>
+        <p:nvSpPr>
+          <p:cNvPr id="3" name="Notes Placeholder 2"/>
+          <p:cNvSpPr>
+            <a:spLocks noGrp="1"/>
+          </p:cNvSpPr>
+          <p:nvPr>
+            <p:ph type="body" idx="1"/>
+          </p:nvPr>
+        </p:nvSpPr>
+        <p:spPr/>
+        <p:txBody>
+          <a:bodyPr/>
+          <a:lstStyle/>
+          <a:p>
             <a:r>
               <a:rPr lang="en-US" dirty="0"/>
               <a:t>example:</a:t>
@@ -1197,7 +1785,7 @@
 </p:notes>
 </file>
 
-<file path=ppt/notesSlides/notesSlide11.xml><?xml version="1.0" encoding="utf-8"?>
+<file path=ppt/notesSlides/notesSlide13.xml><?xml version="1.0" encoding="utf-8"?>
 <p:notes xmlns:a="http://schemas.openxmlformats.org/drawingml/2006/main" xmlns:r="http://schemas.openxmlformats.org/officeDocument/2006/relationships" xmlns:p="http://schemas.openxmlformats.org/presentationml/2006/main">
   <p:cSld>
     <p:spTree>
@@ -1281,291 +1869,6 @@
 </p:notes>
 </file>
 
-<file path=ppt/notesSlides/notesSlide12.xml><?xml version="1.0" encoding="utf-8"?>
-<p:notes xmlns:a="http://schemas.openxmlformats.org/drawingml/2006/main" xmlns:r="http://schemas.openxmlformats.org/officeDocument/2006/relationships" xmlns:p="http://schemas.openxmlformats.org/presentationml/2006/main">
-  <p:cSld>
-    <p:spTree>
-      <p:nvGrpSpPr>
-        <p:cNvPr id="1" name=""/>
-        <p:cNvGrpSpPr/>
-        <p:nvPr/>
-      </p:nvGrpSpPr>
-      <p:grpSpPr>
-        <a:xfrm>
-          <a:off x="0" y="0"/>
-          <a:ext cx="0" cy="0"/>
-          <a:chOff x="0" y="0"/>
-          <a:chExt cx="0" cy="0"/>
-        </a:xfrm>
-      </p:grpSpPr>
-      <p:sp>
-        <p:nvSpPr>
-          <p:cNvPr id="2" name="Slide Image Placeholder 1"/>
-          <p:cNvSpPr>
-            <a:spLocks noGrp="1" noRot="1" noChangeAspect="1"/>
-          </p:cNvSpPr>
-          <p:nvPr>
-            <p:ph type="sldImg"/>
-          </p:nvPr>
-        </p:nvSpPr>
-        <p:spPr/>
-      </p:sp>
-      <p:sp>
-        <p:nvSpPr>
-          <p:cNvPr id="3" name="Notes Placeholder 2"/>
-          <p:cNvSpPr>
-            <a:spLocks noGrp="1"/>
-          </p:cNvSpPr>
-          <p:nvPr>
-            <p:ph type="body" idx="1"/>
-          </p:nvPr>
-        </p:nvSpPr>
-        <p:spPr/>
-        <p:txBody>
-          <a:bodyPr/>
-          <a:lstStyle/>
-          <a:p>
-            <a:r>
-              <a:rPr lang="da-DK" dirty="0"/>
-              <a:t>c </a:t>
-            </a:r>
-            <a:r>
-              <a:rPr lang="da-DK" dirty="0" err="1"/>
-              <a:t>can</a:t>
-            </a:r>
-            <a:r>
-              <a:rPr lang="da-DK" dirty="0"/>
-              <a:t> </a:t>
-            </a:r>
-            <a:r>
-              <a:rPr lang="da-DK" dirty="0" err="1"/>
-              <a:t>see</a:t>
-            </a:r>
-            <a:r>
-              <a:rPr lang="da-DK" baseline="0" dirty="0"/>
-              <a:t> </a:t>
-            </a:r>
-            <a:r>
-              <a:rPr lang="da-DK" baseline="0" dirty="0" err="1"/>
-              <a:t>itself</a:t>
-            </a:r>
-            <a:r>
-              <a:rPr lang="da-DK" baseline="0" dirty="0"/>
-              <a:t> </a:t>
-            </a:r>
-            <a:r>
-              <a:rPr lang="da-DK" baseline="0" dirty="0" err="1"/>
-              <a:t>since</a:t>
-            </a:r>
-            <a:r>
-              <a:rPr lang="da-DK" baseline="0" dirty="0"/>
-              <a:t> c is in b’s </a:t>
-            </a:r>
-            <a:r>
-              <a:rPr lang="da-DK" baseline="0" dirty="0" err="1"/>
-              <a:t>scope</a:t>
-            </a:r>
-            <a:endParaRPr lang="da-DK" baseline="0" dirty="0"/>
-          </a:p>
-          <a:p>
-            <a:endParaRPr lang="da-DK" baseline="0" dirty="0"/>
-          </a:p>
-          <a:p>
-            <a:r>
-              <a:rPr lang="da-DK" baseline="0" dirty="0"/>
-              <a:t>Java: </a:t>
-            </a:r>
-            <a:r>
-              <a:rPr lang="da-DK" baseline="0" dirty="0" err="1"/>
-              <a:t>Does</a:t>
-            </a:r>
-            <a:r>
-              <a:rPr lang="da-DK" baseline="0" dirty="0"/>
-              <a:t> not </a:t>
-            </a:r>
-            <a:r>
-              <a:rPr lang="da-DK" baseline="0" dirty="0" err="1"/>
-              <a:t>allow</a:t>
-            </a:r>
-            <a:r>
-              <a:rPr lang="da-DK" baseline="0" dirty="0"/>
-              <a:t> </a:t>
-            </a:r>
-            <a:r>
-              <a:rPr lang="da-DK" baseline="0" dirty="0" err="1"/>
-              <a:t>nested</a:t>
-            </a:r>
-            <a:r>
-              <a:rPr lang="da-DK" baseline="0" dirty="0"/>
-              <a:t> </a:t>
-            </a:r>
-            <a:r>
-              <a:rPr lang="da-DK" baseline="0" dirty="0" err="1"/>
-              <a:t>methos</a:t>
-            </a:r>
-            <a:r>
-              <a:rPr lang="da-DK" baseline="0" dirty="0"/>
-              <a:t> (</a:t>
-            </a:r>
-            <a:r>
-              <a:rPr lang="da-DK" baseline="0" dirty="0" err="1"/>
-              <a:t>needs</a:t>
-            </a:r>
-            <a:r>
-              <a:rPr lang="da-DK" baseline="0" dirty="0"/>
-              <a:t> to </a:t>
-            </a:r>
-            <a:r>
-              <a:rPr lang="da-DK" baseline="0" dirty="0" err="1"/>
-              <a:t>define</a:t>
-            </a:r>
-            <a:r>
-              <a:rPr lang="da-DK" baseline="0" dirty="0"/>
-              <a:t> a </a:t>
-            </a:r>
-            <a:r>
-              <a:rPr lang="da-DK" baseline="0" dirty="0" err="1"/>
-              <a:t>local</a:t>
-            </a:r>
-            <a:r>
-              <a:rPr lang="da-DK" baseline="0" dirty="0"/>
-              <a:t> </a:t>
-            </a:r>
-            <a:r>
-              <a:rPr lang="da-DK" baseline="0" dirty="0" err="1"/>
-              <a:t>class</a:t>
-            </a:r>
-            <a:r>
-              <a:rPr lang="da-DK" baseline="0" dirty="0"/>
-              <a:t>)</a:t>
-            </a:r>
-            <a:endParaRPr lang="en-US" dirty="0"/>
-          </a:p>
-        </p:txBody>
-      </p:sp>
-      <p:sp>
-        <p:nvSpPr>
-          <p:cNvPr id="4" name="Slide Number Placeholder 3"/>
-          <p:cNvSpPr>
-            <a:spLocks noGrp="1"/>
-          </p:cNvSpPr>
-          <p:nvPr>
-            <p:ph type="sldNum" sz="quarter" idx="10"/>
-          </p:nvPr>
-        </p:nvSpPr>
-        <p:spPr/>
-        <p:txBody>
-          <a:bodyPr/>
-          <a:lstStyle/>
-          <a:p>
-            <a:fld id="{CD563DD8-32AB-41BE-B1C6-8EAC45222ACE}" type="slidenum">
-              <a:rPr lang="en-US" smtClean="0"/>
-              <a:t>24</a:t>
-            </a:fld>
-            <a:endParaRPr lang="en-US"/>
-          </a:p>
-        </p:txBody>
-      </p:sp>
-    </p:spTree>
-    <p:extLst>
-      <p:ext uri="{BB962C8B-B14F-4D97-AF65-F5344CB8AC3E}">
-        <p14:creationId xmlns:p14="http://schemas.microsoft.com/office/powerpoint/2010/main" val="2083894679"/>
-      </p:ext>
-    </p:extLst>
-  </p:cSld>
-  <p:clrMapOvr>
-    <a:masterClrMapping/>
-  </p:clrMapOvr>
-</p:notes>
-</file>
-
-<file path=ppt/notesSlides/notesSlide13.xml><?xml version="1.0" encoding="utf-8"?>
-<p:notes xmlns:a="http://schemas.openxmlformats.org/drawingml/2006/main" xmlns:r="http://schemas.openxmlformats.org/officeDocument/2006/relationships" xmlns:p="http://schemas.openxmlformats.org/presentationml/2006/main">
-  <p:cSld>
-    <p:spTree>
-      <p:nvGrpSpPr>
-        <p:cNvPr id="1" name=""/>
-        <p:cNvGrpSpPr/>
-        <p:nvPr/>
-      </p:nvGrpSpPr>
-      <p:grpSpPr>
-        <a:xfrm>
-          <a:off x="0" y="0"/>
-          <a:ext cx="0" cy="0"/>
-          <a:chOff x="0" y="0"/>
-          <a:chExt cx="0" cy="0"/>
-        </a:xfrm>
-      </p:grpSpPr>
-      <p:sp>
-        <p:nvSpPr>
-          <p:cNvPr id="2" name="Slide Image Placeholder 1"/>
-          <p:cNvSpPr>
-            <a:spLocks noGrp="1" noRot="1" noChangeAspect="1"/>
-          </p:cNvSpPr>
-          <p:nvPr>
-            <p:ph type="sldImg"/>
-          </p:nvPr>
-        </p:nvSpPr>
-        <p:spPr/>
-      </p:sp>
-      <p:sp>
-        <p:nvSpPr>
-          <p:cNvPr id="3" name="Notes Placeholder 2"/>
-          <p:cNvSpPr>
-            <a:spLocks noGrp="1"/>
-          </p:cNvSpPr>
-          <p:nvPr>
-            <p:ph type="body" idx="1"/>
-          </p:nvPr>
-        </p:nvSpPr>
-        <p:spPr/>
-        <p:txBody>
-          <a:bodyPr/>
-          <a:lstStyle/>
-          <a:p>
-            <a:r>
-              <a:rPr lang="en-US" dirty="0"/>
-              <a:t>Without global and nonlocal in the examples the variables x and y would be assumed local variables since they are assigned new values</a:t>
-            </a:r>
-          </a:p>
-        </p:txBody>
-      </p:sp>
-      <p:sp>
-        <p:nvSpPr>
-          <p:cNvPr id="4" name="Slide Number Placeholder 3"/>
-          <p:cNvSpPr>
-            <a:spLocks noGrp="1"/>
-          </p:cNvSpPr>
-          <p:nvPr>
-            <p:ph type="sldNum" sz="quarter" idx="5"/>
-          </p:nvPr>
-        </p:nvSpPr>
-        <p:spPr/>
-        <p:txBody>
-          <a:bodyPr/>
-          <a:lstStyle/>
-          <a:p>
-            <a:fld id="{CD563DD8-32AB-41BE-B1C6-8EAC45222ACE}" type="slidenum">
-              <a:rPr lang="en-US" smtClean="0"/>
-              <a:t>27</a:t>
-            </a:fld>
-            <a:endParaRPr lang="en-US"/>
-          </a:p>
-        </p:txBody>
-      </p:sp>
-    </p:spTree>
-    <p:extLst>
-      <p:ext uri="{BB962C8B-B14F-4D97-AF65-F5344CB8AC3E}">
-        <p14:creationId xmlns:p14="http://schemas.microsoft.com/office/powerpoint/2010/main" val="1237157003"/>
-      </p:ext>
-    </p:extLst>
-  </p:cSld>
-  <p:clrMapOvr>
-    <a:masterClrMapping/>
-  </p:clrMapOvr>
-</p:notes>
-</file>
-
 <file path=ppt/notesSlides/notesSlide14.xml><?xml version="1.0" encoding="utf-8"?>
 <p:notes xmlns:a="http://schemas.openxmlformats.org/drawingml/2006/main" xmlns:r="http://schemas.openxmlformats.org/officeDocument/2006/relationships" xmlns:p="http://schemas.openxmlformats.org/presentationml/2006/main">
   <p:cSld>
@@ -1611,6 +1914,391 @@
           <a:lstStyle/>
           <a:p>
             <a:r>
+              <a:rPr lang="da-DK" dirty="0"/>
+              <a:t>c </a:t>
+            </a:r>
+            <a:r>
+              <a:rPr lang="da-DK" dirty="0" err="1"/>
+              <a:t>can</a:t>
+            </a:r>
+            <a:r>
+              <a:rPr lang="da-DK" dirty="0"/>
+              <a:t> </a:t>
+            </a:r>
+            <a:r>
+              <a:rPr lang="da-DK" dirty="0" err="1"/>
+              <a:t>see</a:t>
+            </a:r>
+            <a:r>
+              <a:rPr lang="da-DK" baseline="0" dirty="0"/>
+              <a:t> </a:t>
+            </a:r>
+            <a:r>
+              <a:rPr lang="da-DK" baseline="0" dirty="0" err="1"/>
+              <a:t>itself</a:t>
+            </a:r>
+            <a:r>
+              <a:rPr lang="da-DK" baseline="0" dirty="0"/>
+              <a:t> </a:t>
+            </a:r>
+            <a:r>
+              <a:rPr lang="da-DK" baseline="0" dirty="0" err="1"/>
+              <a:t>since</a:t>
+            </a:r>
+            <a:r>
+              <a:rPr lang="da-DK" baseline="0" dirty="0"/>
+              <a:t> c is in b’s </a:t>
+            </a:r>
+            <a:r>
+              <a:rPr lang="da-DK" baseline="0" dirty="0" err="1"/>
+              <a:t>scope</a:t>
+            </a:r>
+            <a:endParaRPr lang="da-DK" baseline="0" dirty="0"/>
+          </a:p>
+          <a:p>
+            <a:endParaRPr lang="da-DK" baseline="0" dirty="0"/>
+          </a:p>
+          <a:p>
+            <a:r>
+              <a:rPr lang="da-DK" baseline="0" dirty="0"/>
+              <a:t>Java: </a:t>
+            </a:r>
+            <a:r>
+              <a:rPr lang="da-DK" baseline="0" dirty="0" err="1"/>
+              <a:t>Does</a:t>
+            </a:r>
+            <a:r>
+              <a:rPr lang="da-DK" baseline="0" dirty="0"/>
+              <a:t> not </a:t>
+            </a:r>
+            <a:r>
+              <a:rPr lang="da-DK" baseline="0" dirty="0" err="1"/>
+              <a:t>allow</a:t>
+            </a:r>
+            <a:r>
+              <a:rPr lang="da-DK" baseline="0" dirty="0"/>
+              <a:t> </a:t>
+            </a:r>
+            <a:r>
+              <a:rPr lang="da-DK" baseline="0" dirty="0" err="1"/>
+              <a:t>nested</a:t>
+            </a:r>
+            <a:r>
+              <a:rPr lang="da-DK" baseline="0" dirty="0"/>
+              <a:t> </a:t>
+            </a:r>
+            <a:r>
+              <a:rPr lang="da-DK" baseline="0" dirty="0" err="1"/>
+              <a:t>methos</a:t>
+            </a:r>
+            <a:r>
+              <a:rPr lang="da-DK" baseline="0" dirty="0"/>
+              <a:t> (</a:t>
+            </a:r>
+            <a:r>
+              <a:rPr lang="da-DK" baseline="0" dirty="0" err="1"/>
+              <a:t>needs</a:t>
+            </a:r>
+            <a:r>
+              <a:rPr lang="da-DK" baseline="0" dirty="0"/>
+              <a:t> to </a:t>
+            </a:r>
+            <a:r>
+              <a:rPr lang="da-DK" baseline="0" dirty="0" err="1"/>
+              <a:t>define</a:t>
+            </a:r>
+            <a:r>
+              <a:rPr lang="da-DK" baseline="0" dirty="0"/>
+              <a:t> a </a:t>
+            </a:r>
+            <a:r>
+              <a:rPr lang="da-DK" baseline="0" dirty="0" err="1"/>
+              <a:t>local</a:t>
+            </a:r>
+            <a:r>
+              <a:rPr lang="da-DK" baseline="0" dirty="0"/>
+              <a:t> </a:t>
+            </a:r>
+            <a:r>
+              <a:rPr lang="da-DK" baseline="0" dirty="0" err="1"/>
+              <a:t>class</a:t>
+            </a:r>
+            <a:r>
+              <a:rPr lang="da-DK" baseline="0" dirty="0"/>
+              <a:t>)</a:t>
+            </a:r>
+            <a:endParaRPr lang="en-US" dirty="0"/>
+          </a:p>
+        </p:txBody>
+      </p:sp>
+      <p:sp>
+        <p:nvSpPr>
+          <p:cNvPr id="4" name="Slide Number Placeholder 3"/>
+          <p:cNvSpPr>
+            <a:spLocks noGrp="1"/>
+          </p:cNvSpPr>
+          <p:nvPr>
+            <p:ph type="sldNum" sz="quarter" idx="10"/>
+          </p:nvPr>
+        </p:nvSpPr>
+        <p:spPr/>
+        <p:txBody>
+          <a:bodyPr/>
+          <a:lstStyle/>
+          <a:p>
+            <a:fld id="{CD563DD8-32AB-41BE-B1C6-8EAC45222ACE}" type="slidenum">
+              <a:rPr lang="en-US" smtClean="0"/>
+              <a:t>24</a:t>
+            </a:fld>
+            <a:endParaRPr lang="en-US"/>
+          </a:p>
+        </p:txBody>
+      </p:sp>
+    </p:spTree>
+    <p:extLst>
+      <p:ext uri="{BB962C8B-B14F-4D97-AF65-F5344CB8AC3E}">
+        <p14:creationId xmlns:p14="http://schemas.microsoft.com/office/powerpoint/2010/main" val="2083894679"/>
+      </p:ext>
+    </p:extLst>
+  </p:cSld>
+  <p:clrMapOvr>
+    <a:masterClrMapping/>
+  </p:clrMapOvr>
+</p:notes>
+</file>
+
+<file path=ppt/notesSlides/notesSlide15.xml><?xml version="1.0" encoding="utf-8"?>
+<p:notes xmlns:a="http://schemas.openxmlformats.org/drawingml/2006/main" xmlns:r="http://schemas.openxmlformats.org/officeDocument/2006/relationships" xmlns:p="http://schemas.openxmlformats.org/presentationml/2006/main">
+  <p:cSld>
+    <p:spTree>
+      <p:nvGrpSpPr>
+        <p:cNvPr id="1" name=""/>
+        <p:cNvGrpSpPr/>
+        <p:nvPr/>
+      </p:nvGrpSpPr>
+      <p:grpSpPr>
+        <a:xfrm>
+          <a:off x="0" y="0"/>
+          <a:ext cx="0" cy="0"/>
+          <a:chOff x="0" y="0"/>
+          <a:chExt cx="0" cy="0"/>
+        </a:xfrm>
+      </p:grpSpPr>
+      <p:sp>
+        <p:nvSpPr>
+          <p:cNvPr id="2" name="Slide Image Placeholder 1"/>
+          <p:cNvSpPr>
+            <a:spLocks noGrp="1" noRot="1" noChangeAspect="1"/>
+          </p:cNvSpPr>
+          <p:nvPr>
+            <p:ph type="sldImg"/>
+          </p:nvPr>
+        </p:nvSpPr>
+        <p:spPr/>
+      </p:sp>
+      <p:sp>
+        <p:nvSpPr>
+          <p:cNvPr id="3" name="Notes Placeholder 2"/>
+          <p:cNvSpPr>
+            <a:spLocks noGrp="1"/>
+          </p:cNvSpPr>
+          <p:nvPr>
+            <p:ph type="body" idx="1"/>
+          </p:nvPr>
+        </p:nvSpPr>
+        <p:spPr/>
+        <p:txBody>
+          <a:bodyPr/>
+          <a:lstStyle/>
+          <a:p>
+            <a:r>
+              <a:rPr lang="en-US" dirty="0"/>
+              <a:t>Some programming languages allow you to refer to names first defined further below</a:t>
+            </a:r>
+          </a:p>
+          <a:p>
+            <a:r>
+              <a:rPr lang="en-US" dirty="0"/>
+              <a:t>Java allows you to refer to classes defined further below in the file</a:t>
+            </a:r>
+          </a:p>
+          <a:p>
+            <a:r>
+              <a:rPr lang="en-US" dirty="0"/>
+              <a:t>In C functions need to be declared above the usage but can be defined below the usage</a:t>
+            </a:r>
+            <a:endParaRPr lang="da-DK" dirty="0"/>
+          </a:p>
+        </p:txBody>
+      </p:sp>
+      <p:sp>
+        <p:nvSpPr>
+          <p:cNvPr id="4" name="Slide Number Placeholder 3"/>
+          <p:cNvSpPr>
+            <a:spLocks noGrp="1"/>
+          </p:cNvSpPr>
+          <p:nvPr>
+            <p:ph type="sldNum" sz="quarter" idx="5"/>
+          </p:nvPr>
+        </p:nvSpPr>
+        <p:spPr/>
+        <p:txBody>
+          <a:bodyPr/>
+          <a:lstStyle/>
+          <a:p>
+            <a:fld id="{CD563DD8-32AB-41BE-B1C6-8EAC45222ACE}" type="slidenum">
+              <a:rPr lang="en-US" smtClean="0"/>
+              <a:t>26</a:t>
+            </a:fld>
+            <a:endParaRPr lang="en-US"/>
+          </a:p>
+        </p:txBody>
+      </p:sp>
+    </p:spTree>
+    <p:extLst>
+      <p:ext uri="{BB962C8B-B14F-4D97-AF65-F5344CB8AC3E}">
+        <p14:creationId xmlns:p14="http://schemas.microsoft.com/office/powerpoint/2010/main" val="3197594259"/>
+      </p:ext>
+    </p:extLst>
+  </p:cSld>
+  <p:clrMapOvr>
+    <a:masterClrMapping/>
+  </p:clrMapOvr>
+</p:notes>
+</file>
+
+<file path=ppt/notesSlides/notesSlide16.xml><?xml version="1.0" encoding="utf-8"?>
+<p:notes xmlns:a="http://schemas.openxmlformats.org/drawingml/2006/main" xmlns:r="http://schemas.openxmlformats.org/officeDocument/2006/relationships" xmlns:p="http://schemas.openxmlformats.org/presentationml/2006/main">
+  <p:cSld>
+    <p:spTree>
+      <p:nvGrpSpPr>
+        <p:cNvPr id="1" name=""/>
+        <p:cNvGrpSpPr/>
+        <p:nvPr/>
+      </p:nvGrpSpPr>
+      <p:grpSpPr>
+        <a:xfrm>
+          <a:off x="0" y="0"/>
+          <a:ext cx="0" cy="0"/>
+          <a:chOff x="0" y="0"/>
+          <a:chExt cx="0" cy="0"/>
+        </a:xfrm>
+      </p:grpSpPr>
+      <p:sp>
+        <p:nvSpPr>
+          <p:cNvPr id="2" name="Slide Image Placeholder 1"/>
+          <p:cNvSpPr>
+            <a:spLocks noGrp="1" noRot="1" noChangeAspect="1"/>
+          </p:cNvSpPr>
+          <p:nvPr>
+            <p:ph type="sldImg"/>
+          </p:nvPr>
+        </p:nvSpPr>
+        <p:spPr/>
+      </p:sp>
+      <p:sp>
+        <p:nvSpPr>
+          <p:cNvPr id="3" name="Notes Placeholder 2"/>
+          <p:cNvSpPr>
+            <a:spLocks noGrp="1"/>
+          </p:cNvSpPr>
+          <p:nvPr>
+            <p:ph type="body" idx="1"/>
+          </p:nvPr>
+        </p:nvSpPr>
+        <p:spPr/>
+        <p:txBody>
+          <a:bodyPr/>
+          <a:lstStyle/>
+          <a:p>
+            <a:r>
+              <a:rPr lang="en-US" dirty="0"/>
+              <a:t>Without global and nonlocal in the examples the variables x and y would be assumed (unbound) local variables since they are assigned new values</a:t>
+            </a:r>
+          </a:p>
+        </p:txBody>
+      </p:sp>
+      <p:sp>
+        <p:nvSpPr>
+          <p:cNvPr id="4" name="Slide Number Placeholder 3"/>
+          <p:cNvSpPr>
+            <a:spLocks noGrp="1"/>
+          </p:cNvSpPr>
+          <p:nvPr>
+            <p:ph type="sldNum" sz="quarter" idx="5"/>
+          </p:nvPr>
+        </p:nvSpPr>
+        <p:spPr/>
+        <p:txBody>
+          <a:bodyPr/>
+          <a:lstStyle/>
+          <a:p>
+            <a:fld id="{CD563DD8-32AB-41BE-B1C6-8EAC45222ACE}" type="slidenum">
+              <a:rPr lang="en-US" smtClean="0"/>
+              <a:t>28</a:t>
+            </a:fld>
+            <a:endParaRPr lang="en-US"/>
+          </a:p>
+        </p:txBody>
+      </p:sp>
+    </p:spTree>
+    <p:extLst>
+      <p:ext uri="{BB962C8B-B14F-4D97-AF65-F5344CB8AC3E}">
+        <p14:creationId xmlns:p14="http://schemas.microsoft.com/office/powerpoint/2010/main" val="1237157003"/>
+      </p:ext>
+    </p:extLst>
+  </p:cSld>
+  <p:clrMapOvr>
+    <a:masterClrMapping/>
+  </p:clrMapOvr>
+</p:notes>
+</file>
+
+<file path=ppt/notesSlides/notesSlide17.xml><?xml version="1.0" encoding="utf-8"?>
+<p:notes xmlns:a="http://schemas.openxmlformats.org/drawingml/2006/main" xmlns:r="http://schemas.openxmlformats.org/officeDocument/2006/relationships" xmlns:p="http://schemas.openxmlformats.org/presentationml/2006/main">
+  <p:cSld>
+    <p:spTree>
+      <p:nvGrpSpPr>
+        <p:cNvPr id="1" name=""/>
+        <p:cNvGrpSpPr/>
+        <p:nvPr/>
+      </p:nvGrpSpPr>
+      <p:grpSpPr>
+        <a:xfrm>
+          <a:off x="0" y="0"/>
+          <a:ext cx="0" cy="0"/>
+          <a:chOff x="0" y="0"/>
+          <a:chExt cx="0" cy="0"/>
+        </a:xfrm>
+      </p:grpSpPr>
+      <p:sp>
+        <p:nvSpPr>
+          <p:cNvPr id="2" name="Slide Image Placeholder 1"/>
+          <p:cNvSpPr>
+            <a:spLocks noGrp="1" noRot="1" noChangeAspect="1"/>
+          </p:cNvSpPr>
+          <p:nvPr>
+            <p:ph type="sldImg"/>
+          </p:nvPr>
+        </p:nvSpPr>
+        <p:spPr/>
+      </p:sp>
+      <p:sp>
+        <p:nvSpPr>
+          <p:cNvPr id="3" name="Notes Placeholder 2"/>
+          <p:cNvSpPr>
+            <a:spLocks noGrp="1"/>
+          </p:cNvSpPr>
+          <p:nvPr>
+            <p:ph type="body" idx="1"/>
+          </p:nvPr>
+        </p:nvSpPr>
+        <p:spPr/>
+        <p:txBody>
+          <a:bodyPr/>
+          <a:lstStyle/>
+          <a:p>
+            <a:r>
               <a:rPr lang="en-US" dirty="0"/>
               <a:t>At most one * and / argument, and * before /.</a:t>
             </a:r>
@@ -1685,7 +2373,7 @@
           <a:p>
             <a:fld id="{CD563DD8-32AB-41BE-B1C6-8EAC45222ACE}" type="slidenum">
               <a:rPr lang="en-US" smtClean="0"/>
-              <a:t>28</a:t>
+              <a:t>29</a:t>
             </a:fld>
             <a:endParaRPr lang="en-US"/>
           </a:p>
@@ -2207,91 +2895,106 @@
           <a:bodyPr/>
           <a:lstStyle/>
           <a:p>
-            <a:pPr marL="228600" indent="-228600">
-              <a:buAutoNum type="alphaLcParenR"/>
-            </a:pPr>
             <a:r>
               <a:rPr lang="da-DK" dirty="0"/>
-              <a:t>zip(zip(L))</a:t>
+              <a:t>Alternative:</a:t>
             </a:r>
           </a:p>
           <a:p>
-            <a:pPr marL="228600" marR="0" lvl="0" indent="-228600" algn="l" defTabSz="914400" rtl="0" eaLnBrk="1" fontAlgn="auto" latinLnBrk="0" hangingPunct="1">
-              <a:lnSpc>
-                <a:spcPct val="100000"/>
-              </a:lnSpc>
-              <a:spcBef>
-                <a:spcPts val="0"/>
-              </a:spcBef>
-              <a:spcAft>
-                <a:spcPts val="0"/>
-              </a:spcAft>
-              <a:buClrTx/>
-              <a:buSzTx/>
-              <a:buFontTx/>
-              <a:buAutoNum type="alphaLcParenR"/>
-              <a:tabLst/>
-              <a:defRPr/>
-            </a:pPr>
             <a:r>
               <a:rPr lang="da-DK" dirty="0"/>
-              <a:t>zip(zip(*L))</a:t>
-            </a:r>
-            <a:endParaRPr lang="en-US" dirty="0"/>
+              <a:t>def </a:t>
+            </a:r>
+            <a:r>
+              <a:rPr lang="da-DK" dirty="0" err="1"/>
+              <a:t>dist</a:t>
+            </a:r>
+            <a:r>
+              <a:rPr lang="da-DK" dirty="0"/>
+              <a:t>(p, q):</a:t>
+            </a:r>
           </a:p>
           <a:p>
-            <a:pPr marL="228600" marR="0" lvl="0" indent="-228600" algn="l" defTabSz="914400" rtl="0" eaLnBrk="1" fontAlgn="auto" latinLnBrk="0" hangingPunct="1">
-              <a:lnSpc>
-                <a:spcPct val="100000"/>
-              </a:lnSpc>
-              <a:spcBef>
-                <a:spcPts val="0"/>
-              </a:spcBef>
-              <a:spcAft>
-                <a:spcPts val="0"/>
-              </a:spcAft>
-              <a:buClrTx/>
-              <a:buSzTx/>
-              <a:buFontTx/>
-              <a:buAutoNum type="alphaLcParenR"/>
-              <a:tabLst/>
-              <a:defRPr/>
-            </a:pPr>
             <a:r>
               <a:rPr lang="da-DK" dirty="0"/>
-              <a:t>zip(*zip(*L))</a:t>
-            </a:r>
-            <a:endParaRPr lang="en-US" dirty="0"/>
+              <a:t>    </a:t>
+            </a:r>
+            <a:r>
+              <a:rPr lang="da-DK" dirty="0" err="1"/>
+              <a:t>x_p</a:t>
+            </a:r>
+            <a:r>
+              <a:rPr lang="da-DK" dirty="0"/>
+              <a:t>, </a:t>
+            </a:r>
+            <a:r>
+              <a:rPr lang="da-DK" dirty="0" err="1"/>
+              <a:t>y_p</a:t>
+            </a:r>
+            <a:r>
+              <a:rPr lang="da-DK" dirty="0"/>
+              <a:t> = p</a:t>
+            </a:r>
           </a:p>
           <a:p>
-            <a:pPr marL="228600" marR="0" lvl="0" indent="-228600" algn="l" defTabSz="914400" rtl="0" eaLnBrk="1" fontAlgn="auto" latinLnBrk="0" hangingPunct="1">
-              <a:lnSpc>
-                <a:spcPct val="100000"/>
-              </a:lnSpc>
-              <a:spcBef>
-                <a:spcPts val="0"/>
-              </a:spcBef>
-              <a:spcAft>
-                <a:spcPts val="0"/>
-              </a:spcAft>
-              <a:buClrTx/>
-              <a:buSzTx/>
-              <a:buFontTx/>
-              <a:buAutoNum type="alphaLcParenR"/>
-              <a:tabLst/>
-              <a:defRPr/>
-            </a:pPr>
             <a:r>
               <a:rPr lang="da-DK" dirty="0"/>
-              <a:t>zip(*zip(L))</a:t>
-            </a:r>
-            <a:endParaRPr lang="en-US" dirty="0"/>
+              <a:t>    </a:t>
+            </a:r>
+            <a:r>
+              <a:rPr lang="da-DK" dirty="0" err="1"/>
+              <a:t>x_q</a:t>
+            </a:r>
+            <a:r>
+              <a:rPr lang="da-DK" dirty="0"/>
+              <a:t>, </a:t>
+            </a:r>
+            <a:r>
+              <a:rPr lang="da-DK" dirty="0" err="1"/>
+              <a:t>y_q</a:t>
+            </a:r>
+            <a:r>
+              <a:rPr lang="da-DK" dirty="0"/>
+              <a:t> = q</a:t>
+            </a:r>
           </a:p>
           <a:p>
-            <a:pPr marL="228600" indent="-228600">
-              <a:buAutoNum type="alphaLcParenR"/>
-            </a:pPr>
-            <a:endParaRPr lang="da-DK" dirty="0"/>
+            <a:r>
+              <a:rPr lang="da-DK" dirty="0"/>
+              <a:t>    return norm(</a:t>
+            </a:r>
+            <a:r>
+              <a:rPr lang="da-DK" dirty="0" err="1"/>
+              <a:t>x_p</a:t>
+            </a:r>
+            <a:r>
+              <a:rPr lang="da-DK" dirty="0"/>
+              <a:t> - </a:t>
+            </a:r>
+            <a:r>
+              <a:rPr lang="da-DK" dirty="0" err="1"/>
+              <a:t>x_q</a:t>
+            </a:r>
+            <a:r>
+              <a:rPr lang="da-DK" dirty="0"/>
+              <a:t>, </a:t>
+            </a:r>
+            <a:r>
+              <a:rPr lang="da-DK" dirty="0" err="1"/>
+              <a:t>y_p</a:t>
+            </a:r>
+            <a:r>
+              <a:rPr lang="da-DK" dirty="0"/>
+              <a:t> - </a:t>
+            </a:r>
+            <a:r>
+              <a:rPr lang="da-DK" dirty="0" err="1"/>
+              <a:t>y_q</a:t>
+            </a:r>
+            <a:r>
+              <a:rPr lang="da-DK" dirty="0"/>
+              <a:t>)</a:t>
+            </a:r>
           </a:p>
         </p:txBody>
       </p:sp>
@@ -2302,7 +3005,7 @@
             <a:spLocks noGrp="1"/>
           </p:cNvSpPr>
           <p:nvPr>
-            <p:ph type="sldNum" sz="quarter" idx="10"/>
+            <p:ph type="sldNum" sz="quarter" idx="5"/>
           </p:nvPr>
         </p:nvSpPr>
         <p:spPr/>
@@ -2312,7 +3015,7 @@
           <a:p>
             <a:fld id="{CD563DD8-32AB-41BE-B1C6-8EAC45222ACE}" type="slidenum">
               <a:rPr lang="en-US" smtClean="0"/>
-              <a:t>14</a:t>
+              <a:t>12</a:t>
             </a:fld>
             <a:endParaRPr lang="en-US"/>
           </a:p>
@@ -2321,7 +3024,7 @@
     </p:spTree>
     <p:extLst>
       <p:ext uri="{BB962C8B-B14F-4D97-AF65-F5344CB8AC3E}">
-        <p14:creationId xmlns:p14="http://schemas.microsoft.com/office/powerpoint/2010/main" val="3647412460"/>
+        <p14:creationId xmlns:p14="http://schemas.microsoft.com/office/powerpoint/2010/main" val="3985455919"/>
       </p:ext>
     </p:extLst>
   </p:cSld>
@@ -2376,23 +3079,9 @@
           <a:lstStyle/>
           <a:p>
             <a:r>
-              <a:rPr lang="en-US" dirty="0" err="1"/>
-              <a:t>plt.plot</a:t>
-            </a:r>
-            <a:r>
               <a:rPr lang="en-US" dirty="0"/>
-              <a:t>(*zip(*points), linewidth=10, color='green', </a:t>
-            </a:r>
-            <a:r>
-              <a:rPr lang="en-US" dirty="0" err="1"/>
-              <a:t>solid_capstyle</a:t>
-            </a:r>
-            <a:r>
-              <a:rPr lang="en-US" dirty="0"/>
-              <a:t>='round')</a:t>
-            </a:r>
-          </a:p>
-          <a:p>
+              <a:t>“at least 7”</a:t>
+            </a:r>
             <a:endParaRPr lang="da-DK" dirty="0"/>
           </a:p>
         </p:txBody>
@@ -2414,7 +3103,7 @@
           <a:p>
             <a:fld id="{CD563DD8-32AB-41BE-B1C6-8EAC45222ACE}" type="slidenum">
               <a:rPr lang="en-US" smtClean="0"/>
-              <a:t>15</a:t>
+              <a:t>13</a:t>
             </a:fld>
             <a:endParaRPr lang="en-US"/>
           </a:p>
@@ -2423,7 +3112,7 @@
     </p:spTree>
     <p:extLst>
       <p:ext uri="{BB962C8B-B14F-4D97-AF65-F5344CB8AC3E}">
-        <p14:creationId xmlns:p14="http://schemas.microsoft.com/office/powerpoint/2010/main" val="1394045275"/>
+        <p14:creationId xmlns:p14="http://schemas.microsoft.com/office/powerpoint/2010/main" val="2854372917"/>
       </p:ext>
     </p:extLst>
   </p:cSld>
@@ -2477,7 +3166,91 @@
           <a:bodyPr/>
           <a:lstStyle/>
           <a:p>
+            <a:pPr marL="228600" indent="-228600">
+              <a:buAutoNum type="alphaLcParenR"/>
+            </a:pPr>
+            <a:r>
+              <a:rPr lang="da-DK" dirty="0"/>
+              <a:t>zip(zip(L))</a:t>
+            </a:r>
+          </a:p>
+          <a:p>
+            <a:pPr marL="228600" marR="0" lvl="0" indent="-228600" algn="l" defTabSz="914400" rtl="0" eaLnBrk="1" fontAlgn="auto" latinLnBrk="0" hangingPunct="1">
+              <a:lnSpc>
+                <a:spcPct val="100000"/>
+              </a:lnSpc>
+              <a:spcBef>
+                <a:spcPts val="0"/>
+              </a:spcBef>
+              <a:spcAft>
+                <a:spcPts val="0"/>
+              </a:spcAft>
+              <a:buClrTx/>
+              <a:buSzTx/>
+              <a:buFontTx/>
+              <a:buAutoNum type="alphaLcParenR"/>
+              <a:tabLst/>
+              <a:defRPr/>
+            </a:pPr>
+            <a:r>
+              <a:rPr lang="da-DK" dirty="0"/>
+              <a:t>zip(zip(*L))</a:t>
+            </a:r>
             <a:endParaRPr lang="en-US" dirty="0"/>
+          </a:p>
+          <a:p>
+            <a:pPr marL="228600" marR="0" lvl="0" indent="-228600" algn="l" defTabSz="914400" rtl="0" eaLnBrk="1" fontAlgn="auto" latinLnBrk="0" hangingPunct="1">
+              <a:lnSpc>
+                <a:spcPct val="100000"/>
+              </a:lnSpc>
+              <a:spcBef>
+                <a:spcPts val="0"/>
+              </a:spcBef>
+              <a:spcAft>
+                <a:spcPts val="0"/>
+              </a:spcAft>
+              <a:buClrTx/>
+              <a:buSzTx/>
+              <a:buFontTx/>
+              <a:buAutoNum type="alphaLcParenR"/>
+              <a:tabLst/>
+              <a:defRPr/>
+            </a:pPr>
+            <a:r>
+              <a:rPr lang="da-DK" dirty="0"/>
+              <a:t>zip(*zip(*L))</a:t>
+            </a:r>
+            <a:endParaRPr lang="en-US" dirty="0"/>
+          </a:p>
+          <a:p>
+            <a:pPr marL="228600" marR="0" lvl="0" indent="-228600" algn="l" defTabSz="914400" rtl="0" eaLnBrk="1" fontAlgn="auto" latinLnBrk="0" hangingPunct="1">
+              <a:lnSpc>
+                <a:spcPct val="100000"/>
+              </a:lnSpc>
+              <a:spcBef>
+                <a:spcPts val="0"/>
+              </a:spcBef>
+              <a:spcAft>
+                <a:spcPts val="0"/>
+              </a:spcAft>
+              <a:buClrTx/>
+              <a:buSzTx/>
+              <a:buFontTx/>
+              <a:buAutoNum type="alphaLcParenR"/>
+              <a:tabLst/>
+              <a:defRPr/>
+            </a:pPr>
+            <a:r>
+              <a:rPr lang="da-DK" dirty="0"/>
+              <a:t>zip(*zip(L))</a:t>
+            </a:r>
+            <a:endParaRPr lang="en-US" dirty="0"/>
+          </a:p>
+          <a:p>
+            <a:pPr marL="228600" indent="-228600">
+              <a:buAutoNum type="alphaLcParenR"/>
+            </a:pPr>
+            <a:endParaRPr lang="da-DK" dirty="0"/>
           </a:p>
         </p:txBody>
       </p:sp>
@@ -2498,7 +3271,7 @@
           <a:p>
             <a:fld id="{CD563DD8-32AB-41BE-B1C6-8EAC45222ACE}" type="slidenum">
               <a:rPr lang="en-US" smtClean="0"/>
-              <a:t>18</a:t>
+              <a:t>14</a:t>
             </a:fld>
             <a:endParaRPr lang="en-US"/>
           </a:p>
@@ -2507,7 +3280,7 @@
     </p:spTree>
     <p:extLst>
       <p:ext uri="{BB962C8B-B14F-4D97-AF65-F5344CB8AC3E}">
-        <p14:creationId xmlns:p14="http://schemas.microsoft.com/office/powerpoint/2010/main" val="555791814"/>
+        <p14:creationId xmlns:p14="http://schemas.microsoft.com/office/powerpoint/2010/main" val="3647412460"/>
       </p:ext>
     </p:extLst>
   </p:cSld>
@@ -2561,7 +3334,25 @@
           <a:bodyPr/>
           <a:lstStyle/>
           <a:p>
-            <a:endParaRPr lang="en-US" dirty="0"/>
+            <a:r>
+              <a:rPr lang="en-US" dirty="0" err="1"/>
+              <a:t>plt.plot</a:t>
+            </a:r>
+            <a:r>
+              <a:rPr lang="en-US" dirty="0"/>
+              <a:t>(*zip(*points), linewidth=10, color='green', </a:t>
+            </a:r>
+            <a:r>
+              <a:rPr lang="en-US" dirty="0" err="1"/>
+              <a:t>solid_capstyle</a:t>
+            </a:r>
+            <a:r>
+              <a:rPr lang="en-US" dirty="0"/>
+              <a:t>='round')</a:t>
+            </a:r>
+          </a:p>
+          <a:p>
+            <a:endParaRPr lang="da-DK" dirty="0"/>
           </a:p>
         </p:txBody>
       </p:sp>
@@ -2572,7 +3363,7 @@
             <a:spLocks noGrp="1"/>
           </p:cNvSpPr>
           <p:nvPr>
-            <p:ph type="sldNum" sz="quarter" idx="10"/>
+            <p:ph type="sldNum" sz="quarter" idx="5"/>
           </p:nvPr>
         </p:nvSpPr>
         <p:spPr/>
@@ -2582,7 +3373,7 @@
           <a:p>
             <a:fld id="{CD563DD8-32AB-41BE-B1C6-8EAC45222ACE}" type="slidenum">
               <a:rPr lang="en-US" smtClean="0"/>
-              <a:t>19</a:t>
+              <a:t>15</a:t>
             </a:fld>
             <a:endParaRPr lang="en-US"/>
           </a:p>
@@ -2591,7 +3382,7 @@
     </p:spTree>
     <p:extLst>
       <p:ext uri="{BB962C8B-B14F-4D97-AF65-F5344CB8AC3E}">
-        <p14:creationId xmlns:p14="http://schemas.microsoft.com/office/powerpoint/2010/main" val="1067241433"/>
+        <p14:creationId xmlns:p14="http://schemas.microsoft.com/office/powerpoint/2010/main" val="1394045275"/>
       </p:ext>
     </p:extLst>
   </p:cSld>
@@ -2738,7 +3529,7 @@
           <a:p>
             <a:fld id="{0560A9CD-0304-4E0B-9E82-E7E0115DE05B}" type="datetimeFigureOut">
               <a:rPr lang="en-US" smtClean="0"/>
-              <a:t>2/24/2022</a:t>
+              <a:t>2/18/2023</a:t>
             </a:fld>
             <a:endParaRPr lang="en-US"/>
           </a:p>
@@ -2906,7 +3697,7 @@
           <a:p>
             <a:fld id="{0560A9CD-0304-4E0B-9E82-E7E0115DE05B}" type="datetimeFigureOut">
               <a:rPr lang="en-US" smtClean="0"/>
-              <a:t>2/24/2022</a:t>
+              <a:t>2/18/2023</a:t>
             </a:fld>
             <a:endParaRPr lang="en-US"/>
           </a:p>
@@ -3084,7 +3875,7 @@
           <a:p>
             <a:fld id="{0560A9CD-0304-4E0B-9E82-E7E0115DE05B}" type="datetimeFigureOut">
               <a:rPr lang="en-US" smtClean="0"/>
-              <a:t>2/24/2022</a:t>
+              <a:t>2/18/2023</a:t>
             </a:fld>
             <a:endParaRPr lang="en-US"/>
           </a:p>
@@ -3267,7 +4058,7 @@
           <a:p>
             <a:fld id="{0560A9CD-0304-4E0B-9E82-E7E0115DE05B}" type="datetimeFigureOut">
               <a:rPr lang="en-US" smtClean="0"/>
-              <a:t>2/24/2022</a:t>
+              <a:t>2/18/2023</a:t>
             </a:fld>
             <a:endParaRPr lang="en-US"/>
           </a:p>
@@ -3512,7 +4303,7 @@
           <a:p>
             <a:fld id="{0560A9CD-0304-4E0B-9E82-E7E0115DE05B}" type="datetimeFigureOut">
               <a:rPr lang="en-US" smtClean="0"/>
-              <a:t>2/24/2022</a:t>
+              <a:t>2/18/2023</a:t>
             </a:fld>
             <a:endParaRPr lang="en-US"/>
           </a:p>
@@ -3741,7 +4532,7 @@
           <a:p>
             <a:fld id="{0560A9CD-0304-4E0B-9E82-E7E0115DE05B}" type="datetimeFigureOut">
               <a:rPr lang="en-US" smtClean="0"/>
-              <a:t>2/24/2022</a:t>
+              <a:t>2/18/2023</a:t>
             </a:fld>
             <a:endParaRPr lang="en-US"/>
           </a:p>
@@ -4105,7 +4896,7 @@
           <a:p>
             <a:fld id="{0560A9CD-0304-4E0B-9E82-E7E0115DE05B}" type="datetimeFigureOut">
               <a:rPr lang="en-US" smtClean="0"/>
-              <a:t>2/24/2022</a:t>
+              <a:t>2/18/2023</a:t>
             </a:fld>
             <a:endParaRPr lang="en-US"/>
           </a:p>
@@ -4222,7 +5013,7 @@
           <a:p>
             <a:fld id="{0560A9CD-0304-4E0B-9E82-E7E0115DE05B}" type="datetimeFigureOut">
               <a:rPr lang="en-US" smtClean="0"/>
-              <a:t>2/24/2022</a:t>
+              <a:t>2/18/2023</a:t>
             </a:fld>
             <a:endParaRPr lang="en-US"/>
           </a:p>
@@ -4317,7 +5108,7 @@
           <a:p>
             <a:fld id="{0560A9CD-0304-4E0B-9E82-E7E0115DE05B}" type="datetimeFigureOut">
               <a:rPr lang="en-US" smtClean="0"/>
-              <a:t>2/24/2022</a:t>
+              <a:t>2/18/2023</a:t>
             </a:fld>
             <a:endParaRPr lang="en-US"/>
           </a:p>
@@ -4592,7 +5383,7 @@
           <a:p>
             <a:fld id="{0560A9CD-0304-4E0B-9E82-E7E0115DE05B}" type="datetimeFigureOut">
               <a:rPr lang="en-US" smtClean="0"/>
-              <a:t>2/24/2022</a:t>
+              <a:t>2/18/2023</a:t>
             </a:fld>
             <a:endParaRPr lang="en-US"/>
           </a:p>
@@ -4844,7 +5635,7 @@
           <a:p>
             <a:fld id="{0560A9CD-0304-4E0B-9E82-E7E0115DE05B}" type="datetimeFigureOut">
               <a:rPr lang="en-US" smtClean="0"/>
-              <a:t>2/24/2022</a:t>
+              <a:t>2/18/2023</a:t>
             </a:fld>
             <a:endParaRPr lang="en-US"/>
           </a:p>
@@ -5055,7 +5846,7 @@
           <a:p>
             <a:fld id="{0560A9CD-0304-4E0B-9E82-E7E0115DE05B}" type="datetimeFigureOut">
               <a:rPr lang="en-US" smtClean="0"/>
-              <a:t>2/24/2022</a:t>
+              <a:t>2/18/2023</a:t>
             </a:fld>
             <a:endParaRPr lang="en-US"/>
           </a:p>
@@ -5652,15 +6443,7 @@
             </a:r>
             <a:r>
               <a:rPr lang="da-DK" dirty="0"/>
-              <a:t> </a:t>
-            </a:r>
-            <a:r>
-              <a:rPr lang="da-DK" dirty="0" err="1"/>
-              <a:t>like</a:t>
-            </a:r>
-            <a:r>
-              <a:rPr lang="da-DK" dirty="0"/>
-              <a:t> </a:t>
+              <a:t> like </a:t>
             </a:r>
             <a:r>
               <a:rPr lang="da-DK" dirty="0" err="1"/>
@@ -5755,7 +6538,7 @@
             </a:r>
             <a:r>
               <a:rPr lang="da-DK" dirty="0"/>
-              <a:t> as the last argument.</a:t>
+              <a:t> as the last argument</a:t>
             </a:r>
           </a:p>
           <a:p>
@@ -5835,7 +6618,7 @@
             </a:br>
             <a:r>
               <a:rPr lang="en-US" dirty="0"/>
-              <a:t>additional arguments.</a:t>
+              <a:t>additional arguments</a:t>
             </a:r>
             <a:endParaRPr lang="da-DK" dirty="0"/>
           </a:p>
@@ -8984,13 +9767,13 @@
         </p:nvSpPr>
         <p:spPr>
           <a:xfrm>
-            <a:off x="494382" y="1282637"/>
-            <a:ext cx="11203236" cy="5888416"/>
+            <a:off x="838200" y="1282637"/>
+            <a:ext cx="9947564" cy="5575363"/>
           </a:xfrm>
         </p:spPr>
         <p:txBody>
           <a:bodyPr>
-            <a:normAutofit fontScale="85000" lnSpcReduction="20000"/>
+            <a:normAutofit fontScale="77500" lnSpcReduction="20000"/>
           </a:bodyPr>
           <a:lstStyle/>
           <a:p>
@@ -9158,14 +9941,6 @@
                 <a:solidFill>
                   <a:srgbClr val="C00000"/>
                 </a:solidFill>
-              </a:rPr>
-              <a:t> </a:t>
-            </a:r>
-            <a:r>
-              <a:rPr lang="da-DK" dirty="0">
-                <a:solidFill>
-                  <a:srgbClr val="C00000"/>
-                </a:solidFill>
                 <a:latin typeface="Courier New" panose="02070309020205020404" pitchFamily="49" charset="0"/>
                 <a:cs typeface="Courier New" panose="02070309020205020404" pitchFamily="49" charset="0"/>
               </a:rPr>
@@ -9215,13 +9990,16 @@
               </a:rPr>
               <a:t> argument</a:t>
             </a:r>
-            <a:r>
-              <a:rPr lang="da-DK" dirty="0"/>
-              <a:t>. </a:t>
-            </a:r>
-            <a:br>
-              <a:rPr lang="da-DK" dirty="0"/>
-            </a:br>
+          </a:p>
+          <a:p>
+            <a:pPr>
+              <a:spcBef>
+                <a:spcPts val="1200"/>
+              </a:spcBef>
+              <a:spcAft>
+                <a:spcPts val="1200"/>
+              </a:spcAft>
+            </a:pPr>
             <a:r>
               <a:rPr lang="da-DK" dirty="0"/>
               <a:t>A </a:t>
@@ -9270,10 +10048,7 @@
               <a:rPr lang="da-DK" dirty="0" err="1"/>
               <a:t>call</a:t>
             </a:r>
-            <a:r>
-              <a:rPr lang="da-DK" dirty="0"/>
-              <a:t>.</a:t>
-            </a:r>
+            <a:endParaRPr lang="da-DK" dirty="0"/>
           </a:p>
           <a:p>
             <a:pPr>
@@ -9283,7 +10058,7 @@
             </a:pPr>
             <a:r>
               <a:rPr lang="en-US" dirty="0"/>
-              <a:t>In function calls, keyword arguments must follow positional arguments.</a:t>
+              <a:t>In function calls keyword arguments must follow positional arguments</a:t>
             </a:r>
             <a:endParaRPr lang="da-DK" sz="3200" dirty="0">
               <a:latin typeface="Courier New" panose="02070309020205020404" pitchFamily="49" charset="0"/>
@@ -9297,20 +10072,8 @@
               </a:spcAft>
             </a:pPr>
             <a:r>
-              <a:rPr lang="da-DK" dirty="0"/>
-              <a:t>Can </a:t>
-            </a:r>
-            <a:r>
               <a:rPr lang="da-DK" dirty="0" err="1"/>
-              <a:t>e.g</a:t>
-            </a:r>
-            <a:r>
-              <a:rPr lang="da-DK" dirty="0"/>
-              <a:t>. </a:t>
-            </a:r>
-            <a:r>
-              <a:rPr lang="da-DK" dirty="0" err="1"/>
-              <a:t>be</a:t>
+              <a:t>Improves</a:t>
             </a:r>
             <a:r>
               <a:rPr lang="da-DK" dirty="0"/>
@@ -9318,15 +10081,7 @@
             </a:r>
             <a:r>
               <a:rPr lang="da-DK" dirty="0" err="1"/>
-              <a:t>useful</a:t>
-            </a:r>
-            <a:r>
-              <a:rPr lang="da-DK" dirty="0"/>
-              <a:t> if </a:t>
-            </a:r>
-            <a:r>
-              <a:rPr lang="da-DK" dirty="0" err="1"/>
-              <a:t>there</a:t>
+              <a:t>readability</a:t>
             </a:r>
             <a:r>
               <a:rPr lang="da-DK" dirty="0"/>
@@ -9334,7 +10089,15 @@
             </a:r>
             <a:r>
               <a:rPr lang="da-DK" dirty="0" err="1"/>
-              <a:t>are</a:t>
+              <a:t>when</a:t>
+            </a:r>
+            <a:r>
+              <a:rPr lang="da-DK" dirty="0"/>
+              <a:t> arguments have non-</a:t>
+            </a:r>
+            <a:r>
+              <a:rPr lang="da-DK" dirty="0" err="1"/>
+              <a:t>obvious</a:t>
             </a:r>
             <a:r>
               <a:rPr lang="da-DK" dirty="0"/>
@@ -9342,59 +10105,9 @@
             </a:r>
             <a:r>
               <a:rPr lang="da-DK" dirty="0" err="1"/>
-              <a:t>many</a:t>
-            </a:r>
-            <a:r>
-              <a:rPr lang="da-DK" dirty="0"/>
-              <a:t> arguments,  and the </a:t>
-            </a:r>
-            <a:r>
-              <a:rPr lang="da-DK" dirty="0" err="1"/>
               <a:t>order</a:t>
             </a:r>
-            <a:r>
-              <a:rPr lang="da-DK" dirty="0"/>
-              <a:t> </a:t>
-            </a:r>
-            <a:br>
-              <a:rPr lang="da-DK" dirty="0"/>
-            </a:br>
-            <a:r>
-              <a:rPr lang="da-DK" dirty="0"/>
-              <a:t>is not </a:t>
-            </a:r>
-            <a:r>
-              <a:rPr lang="da-DK" dirty="0" err="1"/>
-              <a:t>obvious</a:t>
-            </a:r>
-            <a:r>
-              <a:rPr lang="da-DK" dirty="0"/>
-              <a:t>, i.e. </a:t>
-            </a:r>
-            <a:r>
-              <a:rPr lang="da-DK" dirty="0" err="1"/>
-              <a:t>improves</a:t>
-            </a:r>
-            <a:r>
-              <a:rPr lang="da-DK" dirty="0"/>
-              <a:t> </a:t>
-            </a:r>
-            <a:r>
-              <a:rPr lang="da-DK" dirty="0" err="1"/>
-              <a:t>readability</a:t>
-            </a:r>
-            <a:r>
-              <a:rPr lang="da-DK" dirty="0"/>
-              <a:t> of </a:t>
-            </a:r>
-            <a:r>
-              <a:rPr lang="da-DK" dirty="0" err="1"/>
-              <a:t>code</a:t>
-            </a:r>
-            <a:r>
-              <a:rPr lang="da-DK" dirty="0"/>
-              <a:t>.</a:t>
-            </a:r>
+            <a:endParaRPr lang="da-DK" dirty="0"/>
           </a:p>
           <a:p>
             <a:pPr marL="0" indent="0">
@@ -10056,7 +10769,12 @@
             <p:ph idx="1"/>
           </p:nvPr>
         </p:nvSpPr>
-        <p:spPr/>
+        <p:spPr>
+          <a:xfrm>
+            <a:off x="838200" y="1825625"/>
+            <a:ext cx="10515600" cy="2132421"/>
+          </a:xfrm>
+        </p:spPr>
         <p:txBody>
           <a:bodyPr/>
           <a:lstStyle/>
@@ -10150,7 +10868,7 @@
                 <a:latin typeface="Courier New" panose="02070309020205020404" pitchFamily="49" charset="0"/>
                 <a:cs typeface="Courier New" panose="02070309020205020404" pitchFamily="49" charset="0"/>
               </a:rPr>
-              <a:t> = </a:t>
+              <a:t>=</a:t>
             </a:r>
             <a:r>
               <a:rPr lang="da-DK" i="1" dirty="0" err="1">
@@ -10161,13 +10879,72 @@
               </a:rPr>
               <a:t>value</a:t>
             </a:r>
+            <a:endParaRPr lang="da-DK" dirty="0">
+              <a:cs typeface="Courier New" panose="02070309020205020404" pitchFamily="49" charset="0"/>
+            </a:endParaRPr>
+          </a:p>
+          <a:p>
             <a:r>
               <a:rPr lang="da-DK" dirty="0">
                 <a:cs typeface="Courier New" panose="02070309020205020404" pitchFamily="49" charset="0"/>
               </a:rPr>
-              <a:t>.</a:t>
-            </a:r>
-            <a:endParaRPr lang="da-DK" i="1" dirty="0">
+              <a:t>Arguments with default </a:t>
+            </a:r>
+            <a:r>
+              <a:rPr lang="da-DK" dirty="0" err="1">
+                <a:cs typeface="Courier New" panose="02070309020205020404" pitchFamily="49" charset="0"/>
+              </a:rPr>
+              <a:t>values</a:t>
+            </a:r>
+            <a:r>
+              <a:rPr lang="da-DK" dirty="0">
+                <a:cs typeface="Courier New" panose="02070309020205020404" pitchFamily="49" charset="0"/>
+              </a:rPr>
+              <a:t> must </a:t>
+            </a:r>
+            <a:r>
+              <a:rPr lang="da-DK" dirty="0" err="1">
+                <a:cs typeface="Courier New" panose="02070309020205020404" pitchFamily="49" charset="0"/>
+              </a:rPr>
+              <a:t>be</a:t>
+            </a:r>
+            <a:r>
+              <a:rPr lang="da-DK" dirty="0">
+                <a:cs typeface="Courier New" panose="02070309020205020404" pitchFamily="49" charset="0"/>
+              </a:rPr>
+              <a:t> </a:t>
+            </a:r>
+            <a:r>
+              <a:rPr lang="da-DK" dirty="0" err="1">
+                <a:cs typeface="Courier New" panose="02070309020205020404" pitchFamily="49" charset="0"/>
+              </a:rPr>
+              <a:t>after</a:t>
+            </a:r>
+            <a:r>
+              <a:rPr lang="da-DK" dirty="0">
+                <a:cs typeface="Courier New" panose="02070309020205020404" pitchFamily="49" charset="0"/>
+              </a:rPr>
+              <a:t> </a:t>
+            </a:r>
+            <a:r>
+              <a:rPr lang="da-DK" dirty="0" err="1">
+                <a:cs typeface="Courier New" panose="02070309020205020404" pitchFamily="49" charset="0"/>
+              </a:rPr>
+              <a:t>those</a:t>
+            </a:r>
+            <a:r>
+              <a:rPr lang="da-DK" dirty="0">
+                <a:cs typeface="Courier New" panose="02070309020205020404" pitchFamily="49" charset="0"/>
+              </a:rPr>
+              <a:t> </a:t>
+            </a:r>
+            <a:r>
+              <a:rPr lang="da-DK" dirty="0" err="1">
+                <a:cs typeface="Courier New" panose="02070309020205020404" pitchFamily="49" charset="0"/>
+              </a:rPr>
+              <a:t>without</a:t>
+            </a:r>
+            <a:endParaRPr lang="da-DK" dirty="0">
               <a:cs typeface="Courier New" panose="02070309020205020404" pitchFamily="49" charset="0"/>
             </a:endParaRPr>
           </a:p>
@@ -10182,13 +10959,13 @@
           <p:nvPr>
             <p:extLst>
               <p:ext uri="{D42A27DB-BD31-4B8C-83A1-F6EECF244321}">
-                <p14:modId xmlns:p14="http://schemas.microsoft.com/office/powerpoint/2010/main" val="627504285"/>
+                <p14:modId xmlns:p14="http://schemas.microsoft.com/office/powerpoint/2010/main" val="150902172"/>
               </p:ext>
             </p:extLst>
           </p:nvPr>
         </p:nvGraphicFramePr>
         <p:xfrm>
-          <a:off x="2339022" y="3679071"/>
+          <a:off x="2339022" y="4092983"/>
           <a:ext cx="7513955" cy="1706880"/>
         </p:xfrm>
         <a:graphic>
@@ -13650,11 +14427,11 @@
             </a:r>
             <a:r>
               <a:rPr lang="da-DK" sz="2400" dirty="0"/>
-              <a:t> or the </a:t>
+              <a:t> or the body </a:t>
             </a:r>
             <a:r>
               <a:rPr lang="da-DK" sz="2400" dirty="0" err="1"/>
-              <a:t>body</a:t>
+              <a:t>code</a:t>
             </a:r>
             <a:r>
               <a:rPr lang="da-DK" sz="2400" dirty="0"/>
@@ -13662,7 +14439,7 @@
             </a:r>
             <a:r>
               <a:rPr lang="da-DK" sz="2400" dirty="0" err="1"/>
-              <a:t>code</a:t>
+              <a:t>terminates</a:t>
             </a:r>
             <a:r>
               <a:rPr lang="da-DK" sz="2400" dirty="0"/>
@@ -13670,7 +14447,7 @@
             </a:r>
             <a:r>
               <a:rPr lang="da-DK" sz="2400" dirty="0" err="1"/>
-              <a:t>terminates</a:t>
+              <a:t>without</a:t>
             </a:r>
             <a:r>
               <a:rPr lang="da-DK" sz="2400" dirty="0"/>
@@ -13678,22 +14455,14 @@
             </a:r>
             <a:r>
               <a:rPr lang="da-DK" sz="2400" dirty="0" err="1"/>
-              <a:t>without</a:t>
+              <a:t>performing</a:t>
             </a:r>
             <a:r>
               <a:rPr lang="da-DK" sz="2400" dirty="0"/>
               <a:t> </a:t>
             </a:r>
             <a:r>
-              <a:rPr lang="da-DK" sz="2400" dirty="0" err="1"/>
-              <a:t>performing</a:t>
-            </a:r>
-            <a:r>
-              <a:rPr lang="da-DK" sz="2400" dirty="0"/>
-              <a:t> </a:t>
-            </a:r>
-            <a:r>
-              <a:rPr lang="da-DK" sz="2400" dirty="0" err="1">
+              <a:rPr lang="da-DK" sz="2400" dirty="0">
                 <a:latin typeface="Courier New" panose="02070309020205020404" pitchFamily="49" charset="0"/>
                 <a:cs typeface="Courier New" panose="02070309020205020404" pitchFamily="49" charset="0"/>
               </a:rPr>
@@ -13726,10 +14495,7 @@
               <a:rPr lang="da-DK" sz="2400" dirty="0" err="1"/>
               <a:t>returned</a:t>
             </a:r>
-            <a:r>
-              <a:rPr lang="da-DK" sz="2400" dirty="0"/>
-              <a:t>.</a:t>
-            </a:r>
+            <a:endParaRPr lang="da-DK" sz="2400" dirty="0"/>
           </a:p>
           <a:p>
             <a:pPr>
@@ -13880,7 +14646,7 @@
           <p:nvPr>
             <p:extLst>
               <p:ext uri="{D42A27DB-BD31-4B8C-83A1-F6EECF244321}">
-                <p14:modId xmlns:p14="http://schemas.microsoft.com/office/powerpoint/2010/main" val="778598773"/>
+                <p14:modId xmlns:p14="http://schemas.microsoft.com/office/powerpoint/2010/main" val="2948952920"/>
               </p:ext>
             </p:extLst>
           </p:nvPr>
@@ -14035,7 +14801,63 @@
                           <a:latin typeface="Courier New" panose="02070309020205020404" pitchFamily="49" charset="0"/>
                           <a:cs typeface="Courier New" panose="02070309020205020404" pitchFamily="49" charset="0"/>
                         </a:rPr>
-                        <a:t>return x+y+z</a:t>
+                        <a:t>return x</a:t>
+                      </a:r>
+                      <a:r>
+                        <a:rPr lang="en-US" sz="1800" b="1" baseline="0" dirty="0">
+                          <a:latin typeface="Courier New" panose="02070309020205020404" pitchFamily="49" charset="0"/>
+                          <a:cs typeface="Courier New" panose="02070309020205020404" pitchFamily="49" charset="0"/>
+                        </a:rPr>
+                        <a:t> </a:t>
+                      </a:r>
+                      <a:r>
+                        <a:rPr lang="pl-PL" sz="1800" b="1" baseline="0" dirty="0">
+                          <a:latin typeface="Courier New" panose="02070309020205020404" pitchFamily="49" charset="0"/>
+                          <a:cs typeface="Courier New" panose="02070309020205020404" pitchFamily="49" charset="0"/>
+                        </a:rPr>
+                        <a:t>+</a:t>
+                      </a:r>
+                      <a:r>
+                        <a:rPr lang="en-US" sz="1800" b="1" baseline="0" dirty="0">
+                          <a:latin typeface="Courier New" panose="02070309020205020404" pitchFamily="49" charset="0"/>
+                          <a:cs typeface="Courier New" panose="02070309020205020404" pitchFamily="49" charset="0"/>
+                        </a:rPr>
+                        <a:t> </a:t>
+                      </a:r>
+                      <a:r>
+                        <a:rPr lang="pl-PL" sz="1800" b="1" baseline="0" dirty="0">
+                          <a:latin typeface="Courier New" panose="02070309020205020404" pitchFamily="49" charset="0"/>
+                          <a:cs typeface="Courier New" panose="02070309020205020404" pitchFamily="49" charset="0"/>
+                        </a:rPr>
+                        <a:t>y</a:t>
+                      </a:r>
+                      <a:r>
+                        <a:rPr lang="en-US" sz="1800" b="1" baseline="0" dirty="0">
+                          <a:latin typeface="Courier New" panose="02070309020205020404" pitchFamily="49" charset="0"/>
+                          <a:cs typeface="Courier New" panose="02070309020205020404" pitchFamily="49" charset="0"/>
+                        </a:rPr>
+                        <a:t> </a:t>
+                      </a:r>
+                      <a:r>
+                        <a:rPr lang="pl-PL" sz="1800" b="1" baseline="0" dirty="0">
+                          <a:latin typeface="Courier New" panose="02070309020205020404" pitchFamily="49" charset="0"/>
+                          <a:cs typeface="Courier New" panose="02070309020205020404" pitchFamily="49" charset="0"/>
+                        </a:rPr>
+                        <a:t>+</a:t>
+                      </a:r>
+                      <a:r>
+                        <a:rPr lang="en-US" sz="1800" b="1" baseline="0" dirty="0">
+                          <a:latin typeface="Courier New" panose="02070309020205020404" pitchFamily="49" charset="0"/>
+                          <a:cs typeface="Courier New" panose="02070309020205020404" pitchFamily="49" charset="0"/>
+                        </a:rPr>
+                        <a:t> </a:t>
+                      </a:r>
+                      <a:r>
+                        <a:rPr lang="pl-PL" sz="1800" b="1" baseline="0" dirty="0">
+                          <a:latin typeface="Courier New" panose="02070309020205020404" pitchFamily="49" charset="0"/>
+                          <a:cs typeface="Courier New" panose="02070309020205020404" pitchFamily="49" charset="0"/>
+                        </a:rPr>
+                        <a:t>z</a:t>
                       </a:r>
                       <a:endParaRPr lang="pt-BR" sz="1800" b="1" baseline="0" dirty="0">
                         <a:latin typeface="Courier New" panose="02070309020205020404" pitchFamily="49" charset="0"/>
@@ -14471,7 +15293,7 @@
             </a:r>
             <a:r>
               <a:rPr lang="da-DK" dirty="0"/>
-              <a:t> definition. </a:t>
+              <a:t> definition</a:t>
             </a:r>
           </a:p>
           <a:p>
@@ -14565,7 +15387,7 @@
             </a:r>
             <a:r>
               <a:rPr lang="da-DK" dirty="0"/>
-              <a:t> arguments.</a:t>
+              <a:t> arguments</a:t>
             </a:r>
             <a:endParaRPr lang="en-US" dirty="0"/>
           </a:p>
@@ -15146,6 +15968,14 @@
             <a:r>
               <a:rPr lang="da-DK" sz="1800" dirty="0"/>
               <a:t>all arguments must have </a:t>
+            </a:r>
+            <a:r>
+              <a:rPr lang="da-DK" sz="1800" dirty="0" err="1"/>
+              <a:t>distinct</a:t>
+            </a:r>
+            <a:r>
+              <a:rPr lang="da-DK" sz="1800" dirty="0"/>
+              <a:t> </a:t>
             </a:r>
             <a:r>
               <a:rPr lang="da-DK" sz="1800" dirty="0" err="1"/>
@@ -17246,14 +18076,14 @@
           <p:nvPr>
             <p:extLst>
               <p:ext uri="{D42A27DB-BD31-4B8C-83A1-F6EECF244321}">
-                <p14:modId xmlns:p14="http://schemas.microsoft.com/office/powerpoint/2010/main" val="2571640294"/>
+                <p14:modId xmlns:p14="http://schemas.microsoft.com/office/powerpoint/2010/main" val="1211800444"/>
               </p:ext>
             </p:extLst>
           </p:nvPr>
         </p:nvGraphicFramePr>
         <p:xfrm>
-          <a:off x="6241774" y="2763000"/>
-          <a:ext cx="5780405" cy="3901440"/>
+          <a:off x="7013481" y="2746153"/>
+          <a:ext cx="4651669" cy="3901440"/>
         </p:xfrm>
         <a:graphic>
           <a:graphicData uri="http://schemas.openxmlformats.org/drawingml/2006/table">
@@ -17262,7 +18092,7 @@
                 <a:tableStyleId>{5C22544A-7EE6-4342-B048-85BDC9FD1C3A}</a:tableStyleId>
               </a:tblPr>
               <a:tblGrid>
-                <a:gridCol w="5780405">
+                <a:gridCol w="4651669">
                   <a:extLst>
                     <a:ext uri="{9D8B030D-6E8A-4147-A177-3AD203B41FA5}">
                       <a16:colId xmlns:a16="http://schemas.microsoft.com/office/drawing/2014/main" val="1873682825"/>
@@ -17495,7 +18325,21 @@
                           <a:latin typeface="Courier New" panose="02070309020205020404" pitchFamily="49" charset="0"/>
                           <a:cs typeface="Courier New" panose="02070309020205020404" pitchFamily="49" charset="0"/>
                         </a:rPr>
-                        <a:t>          print("b: y=%s x=%s" % (y, x))</a:t>
+                        <a:t>          print(</a:t>
+                      </a:r>
+                      <a:r>
+                        <a:rPr lang="en-US" sz="1800" b="1" baseline="0" dirty="0" err="1">
+                          <a:latin typeface="Courier New" panose="02070309020205020404" pitchFamily="49" charset="0"/>
+                          <a:cs typeface="Courier New" panose="02070309020205020404" pitchFamily="49" charset="0"/>
+                        </a:rPr>
+                        <a:t>f'b</a:t>
+                      </a:r>
+                      <a:r>
+                        <a:rPr lang="en-US" sz="1800" b="1" baseline="0" dirty="0">
+                          <a:latin typeface="Courier New" panose="02070309020205020404" pitchFamily="49" charset="0"/>
+                          <a:cs typeface="Courier New" panose="02070309020205020404" pitchFamily="49" charset="0"/>
+                        </a:rPr>
+                        <a:t>: {y=} {x=}')</a:t>
                       </a:r>
                     </a:p>
                     <a:p>
@@ -17617,7 +18461,21 @@
                           <a:latin typeface="Courier New" panose="02070309020205020404" pitchFamily="49" charset="0"/>
                           <a:cs typeface="Courier New" panose="02070309020205020404" pitchFamily="49" charset="0"/>
                         </a:rPr>
-                        <a:t>          print("c: z=%s x=%s" % (z, x))</a:t>
+                        <a:t>          print(</a:t>
+                      </a:r>
+                      <a:r>
+                        <a:rPr lang="en-US" sz="1800" b="1" baseline="0" dirty="0" err="1">
+                          <a:latin typeface="Courier New" panose="02070309020205020404" pitchFamily="49" charset="0"/>
+                          <a:cs typeface="Courier New" panose="02070309020205020404" pitchFamily="49" charset="0"/>
+                        </a:rPr>
+                        <a:t>f'c</a:t>
+                      </a:r>
+                      <a:r>
+                        <a:rPr lang="en-US" sz="1800" b="1" baseline="0" dirty="0">
+                          <a:latin typeface="Courier New" panose="02070309020205020404" pitchFamily="49" charset="0"/>
+                          <a:cs typeface="Courier New" panose="02070309020205020404" pitchFamily="49" charset="0"/>
+                        </a:rPr>
+                        <a:t>: {z=} {x=}')</a:t>
                       </a:r>
                     </a:p>
                     <a:p>
@@ -17640,7 +18498,21 @@
                           <a:latin typeface="Courier New" panose="02070309020205020404" pitchFamily="49" charset="0"/>
                           <a:cs typeface="Courier New" panose="02070309020205020404" pitchFamily="49" charset="0"/>
                         </a:rPr>
-                        <a:t>      print("a: x=%s" % x)</a:t>
+                        <a:t>      print(</a:t>
+                      </a:r>
+                      <a:r>
+                        <a:rPr lang="en-US" sz="1800" b="1" baseline="0" dirty="0" err="1">
+                          <a:latin typeface="Courier New" panose="02070309020205020404" pitchFamily="49" charset="0"/>
+                          <a:cs typeface="Courier New" panose="02070309020205020404" pitchFamily="49" charset="0"/>
+                        </a:rPr>
+                        <a:t>f'a</a:t>
+                      </a:r>
+                      <a:r>
+                        <a:rPr lang="en-US" sz="1800" b="1" baseline="0" dirty="0">
+                          <a:latin typeface="Courier New" panose="02070309020205020404" pitchFamily="49" charset="0"/>
+                          <a:cs typeface="Courier New" panose="02070309020205020404" pitchFamily="49" charset="0"/>
+                        </a:rPr>
+                        <a:t>: {x=}')</a:t>
                       </a:r>
                     </a:p>
                     <a:p>
@@ -17879,13 +18751,13 @@
           <p:nvPr>
             <p:extLst>
               <p:ext uri="{D42A27DB-BD31-4B8C-83A1-F6EECF244321}">
-                <p14:modId xmlns:p14="http://schemas.microsoft.com/office/powerpoint/2010/main" val="2638141664"/>
+                <p14:modId xmlns:p14="http://schemas.microsoft.com/office/powerpoint/2010/main" val="548482442"/>
               </p:ext>
             </p:extLst>
           </p:nvPr>
         </p:nvGraphicFramePr>
         <p:xfrm>
-          <a:off x="744330" y="3370333"/>
+          <a:off x="1088977" y="3353486"/>
           <a:ext cx="1956906" cy="3108960"/>
         </p:xfrm>
         <a:graphic>
@@ -21715,7 +22587,7 @@
         </p:nvSpPr>
         <p:spPr>
           <a:xfrm>
-            <a:off x="5880887" y="5550888"/>
+            <a:off x="6652594" y="5534041"/>
             <a:ext cx="288000" cy="288000"/>
           </a:xfrm>
           <a:prstGeom prst="ellipse">
@@ -21773,7 +22645,7 @@
         </p:nvSpPr>
         <p:spPr>
           <a:xfrm>
-            <a:off x="5880887" y="3967694"/>
+            <a:off x="6652594" y="3950847"/>
             <a:ext cx="288000" cy="288000"/>
           </a:xfrm>
           <a:prstGeom prst="ellipse">
@@ -21831,7 +22703,7 @@
         </p:nvSpPr>
         <p:spPr>
           <a:xfrm>
-            <a:off x="5880887" y="5070585"/>
+            <a:off x="6652594" y="5053738"/>
             <a:ext cx="288000" cy="288000"/>
           </a:xfrm>
           <a:prstGeom prst="ellipse">
@@ -21889,7 +22761,7 @@
         </p:nvSpPr>
         <p:spPr>
           <a:xfrm>
-            <a:off x="5880887" y="4529151"/>
+            <a:off x="6652594" y="4512304"/>
             <a:ext cx="288000" cy="288000"/>
           </a:xfrm>
           <a:prstGeom prst="ellipse">
@@ -21947,7 +22819,7 @@
         </p:nvSpPr>
         <p:spPr>
           <a:xfrm>
-            <a:off x="731078" y="6193855"/>
+            <a:off x="1075725" y="6177008"/>
             <a:ext cx="288000" cy="288000"/>
           </a:xfrm>
           <a:prstGeom prst="ellipse">
@@ -22005,7 +22877,7 @@
         </p:nvSpPr>
         <p:spPr>
           <a:xfrm>
-            <a:off x="1866036" y="6193855"/>
+            <a:off x="2210683" y="6177008"/>
             <a:ext cx="288000" cy="288000"/>
           </a:xfrm>
           <a:prstGeom prst="ellipse">
@@ -22063,7 +22935,7 @@
         </p:nvSpPr>
         <p:spPr>
           <a:xfrm>
-            <a:off x="1298557" y="6193855"/>
+            <a:off x="1643204" y="6177008"/>
             <a:ext cx="288000" cy="288000"/>
           </a:xfrm>
           <a:prstGeom prst="ellipse">
@@ -22121,7 +22993,7 @@
         </p:nvSpPr>
         <p:spPr>
           <a:xfrm>
-            <a:off x="2433514" y="6193855"/>
+            <a:off x="2778161" y="6177008"/>
             <a:ext cx="288000" cy="288000"/>
           </a:xfrm>
           <a:prstGeom prst="ellipse">
@@ -22179,7 +23051,7 @@
         </p:nvSpPr>
         <p:spPr>
           <a:xfrm>
-            <a:off x="2774123" y="5744663"/>
+            <a:off x="3118770" y="5727816"/>
             <a:ext cx="108000" cy="354967"/>
           </a:xfrm>
           <a:prstGeom prst="rightBrace">
@@ -22225,7 +23097,7 @@
         </p:nvSpPr>
         <p:spPr>
           <a:xfrm>
-            <a:off x="2774123" y="4470401"/>
+            <a:off x="3118770" y="4453554"/>
             <a:ext cx="108000" cy="1106932"/>
           </a:xfrm>
           <a:prstGeom prst="rightBrace">
@@ -22271,7 +23143,7 @@
         </p:nvSpPr>
         <p:spPr>
           <a:xfrm>
-            <a:off x="2774123" y="3934210"/>
+            <a:off x="3118770" y="3917363"/>
             <a:ext cx="108000" cy="354967"/>
           </a:xfrm>
           <a:prstGeom prst="rightBrace">
@@ -22317,7 +23189,7 @@
         </p:nvSpPr>
         <p:spPr>
           <a:xfrm>
-            <a:off x="2774123" y="3398019"/>
+            <a:off x="3118770" y="3381172"/>
             <a:ext cx="108000" cy="354967"/>
           </a:xfrm>
           <a:prstGeom prst="rightBrace">
@@ -22363,7 +23235,7 @@
         </p:nvSpPr>
         <p:spPr>
           <a:xfrm>
-            <a:off x="2882123" y="5744663"/>
+            <a:off x="3226770" y="5727816"/>
             <a:ext cx="2104800" cy="369332"/>
           </a:xfrm>
           <a:prstGeom prst="rect">
@@ -22401,7 +23273,7 @@
         </p:nvSpPr>
         <p:spPr>
           <a:xfrm>
-            <a:off x="2955009" y="4817151"/>
+            <a:off x="3299656" y="4800304"/>
             <a:ext cx="2584399" cy="369332"/>
           </a:xfrm>
           <a:prstGeom prst="rect">
@@ -22463,7 +23335,7 @@
         </p:nvSpPr>
         <p:spPr>
           <a:xfrm>
-            <a:off x="2955010" y="3891316"/>
+            <a:off x="3299657" y="3874469"/>
             <a:ext cx="2742036" cy="369332"/>
           </a:xfrm>
           <a:prstGeom prst="rect">
@@ -22525,7 +23397,7 @@
         </p:nvSpPr>
         <p:spPr>
           <a:xfrm>
-            <a:off x="2946733" y="3366933"/>
+            <a:off x="3291380" y="3350086"/>
             <a:ext cx="2446902" cy="369332"/>
           </a:xfrm>
           <a:prstGeom prst="rect">
@@ -22587,7 +23459,7 @@
         </p:nvCxnSpPr>
         <p:spPr>
           <a:xfrm>
-            <a:off x="1913917" y="3499124"/>
+            <a:off x="2258564" y="3482277"/>
             <a:ext cx="423478" cy="392192"/>
           </a:xfrm>
           <a:prstGeom prst="straightConnector1">
@@ -22623,7 +23495,7 @@
         </p:nvSpPr>
         <p:spPr>
           <a:xfrm>
-            <a:off x="415662" y="3013966"/>
+            <a:off x="760309" y="2997119"/>
             <a:ext cx="2240047" cy="584775"/>
           </a:xfrm>
           <a:prstGeom prst="rect">
@@ -22693,7 +23565,7 @@
         </p:nvSpPr>
         <p:spPr>
           <a:xfrm>
-            <a:off x="3185841" y="6437164"/>
+            <a:off x="3530488" y="6420317"/>
             <a:ext cx="2565512" cy="369332"/>
           </a:xfrm>
           <a:prstGeom prst="rect">
@@ -22763,7 +23635,7 @@
         </p:nvSpPr>
         <p:spPr>
           <a:xfrm>
-            <a:off x="2612711" y="6388821"/>
+            <a:off x="2957358" y="6371974"/>
             <a:ext cx="618335" cy="258772"/>
           </a:xfrm>
           <a:prstGeom prst="arc">
@@ -22810,7 +23682,7 @@
         </p:nvSpPr>
         <p:spPr>
           <a:xfrm>
-            <a:off x="3019011" y="6547847"/>
+            <a:off x="3363658" y="6531000"/>
             <a:ext cx="180000" cy="180000"/>
           </a:xfrm>
           <a:prstGeom prst="rect">
@@ -23772,7 +24644,7 @@
           <p:nvPr>
             <p:extLst>
               <p:ext uri="{D42A27DB-BD31-4B8C-83A1-F6EECF244321}">
-                <p14:modId xmlns:p14="http://schemas.microsoft.com/office/powerpoint/2010/main" val="115978161"/>
+                <p14:modId xmlns:p14="http://schemas.microsoft.com/office/powerpoint/2010/main" val="318020966"/>
               </p:ext>
             </p:extLst>
           </p:nvPr>
@@ -24089,7 +24961,21 @@
                           <a:latin typeface="Courier New" panose="02070309020205020404" pitchFamily="49" charset="0"/>
                           <a:cs typeface="Courier New" panose="02070309020205020404" pitchFamily="49" charset="0"/>
                         </a:rPr>
-                        <a:t>          print("Enter b (y=%s, x=%s)" % (y, x))</a:t>
+                        <a:t>          print(</a:t>
+                      </a:r>
+                      <a:r>
+                        <a:rPr lang="en-US" sz="1800" b="1" baseline="0" dirty="0" err="1">
+                          <a:latin typeface="Courier New" panose="02070309020205020404" pitchFamily="49" charset="0"/>
+                          <a:cs typeface="Courier New" panose="02070309020205020404" pitchFamily="49" charset="0"/>
+                        </a:rPr>
+                        <a:t>f'Enter</a:t>
+                      </a:r>
+                      <a:r>
+                        <a:rPr lang="en-US" sz="1800" b="1" baseline="0" dirty="0">
+                          <a:latin typeface="Courier New" panose="02070309020205020404" pitchFamily="49" charset="0"/>
+                          <a:cs typeface="Courier New" panose="02070309020205020404" pitchFamily="49" charset="0"/>
+                        </a:rPr>
+                        <a:t> b ({y=}, {x=})')</a:t>
                       </a:r>
                     </a:p>
                     <a:p>
@@ -24152,7 +25038,7 @@
                           <a:latin typeface="Courier New" panose="02070309020205020404" pitchFamily="49" charset="0"/>
                           <a:cs typeface="Courier New" panose="02070309020205020404" pitchFamily="49" charset="0"/>
                         </a:rPr>
-                        <a:t>          print("leaving b")        </a:t>
+                        <a:t>          print('leaving b')        </a:t>
                       </a:r>
                     </a:p>
                     <a:p>
@@ -24305,7 +25191,21 @@
                           <a:latin typeface="Courier New" panose="02070309020205020404" pitchFamily="49" charset="0"/>
                           <a:cs typeface="Courier New" panose="02070309020205020404" pitchFamily="49" charset="0"/>
                         </a:rPr>
-                        <a:t>              print("Enter d (z=%s, x=%s)" % (z, x))</a:t>
+                        <a:t>              print(</a:t>
+                      </a:r>
+                      <a:r>
+                        <a:rPr lang="en-US" sz="1800" b="1" baseline="0" dirty="0" err="1">
+                          <a:latin typeface="Courier New" panose="02070309020205020404" pitchFamily="49" charset="0"/>
+                          <a:cs typeface="Courier New" panose="02070309020205020404" pitchFamily="49" charset="0"/>
+                        </a:rPr>
+                        <a:t>f'Enter</a:t>
+                      </a:r>
+                      <a:r>
+                        <a:rPr lang="en-US" sz="1800" b="1" baseline="0" dirty="0">
+                          <a:latin typeface="Courier New" panose="02070309020205020404" pitchFamily="49" charset="0"/>
+                          <a:cs typeface="Courier New" panose="02070309020205020404" pitchFamily="49" charset="0"/>
+                        </a:rPr>
+                        <a:t> d ({z=}, {x=})')</a:t>
                       </a:r>
                     </a:p>
                     <a:p>
@@ -24328,7 +25228,7 @@
                           <a:latin typeface="Courier New" panose="02070309020205020404" pitchFamily="49" charset="0"/>
                           <a:cs typeface="Courier New" panose="02070309020205020404" pitchFamily="49" charset="0"/>
                         </a:rPr>
-                        <a:t>              print("leaving d")</a:t>
+                        <a:t>              print('leaving d')</a:t>
                       </a:r>
                     </a:p>
                     <a:p>
@@ -24351,7 +25251,21 @@
                           <a:latin typeface="Courier New" panose="02070309020205020404" pitchFamily="49" charset="0"/>
                           <a:cs typeface="Courier New" panose="02070309020205020404" pitchFamily="49" charset="0"/>
                         </a:rPr>
-                        <a:t>          print("Enter c (x=%s)" % x)</a:t>
+                        <a:t>          print(</a:t>
+                      </a:r>
+                      <a:r>
+                        <a:rPr lang="en-US" sz="1800" b="1" baseline="0" dirty="0" err="1">
+                          <a:latin typeface="Courier New" panose="02070309020205020404" pitchFamily="49" charset="0"/>
+                          <a:cs typeface="Courier New" panose="02070309020205020404" pitchFamily="49" charset="0"/>
+                        </a:rPr>
+                        <a:t>f'Enter</a:t>
+                      </a:r>
+                      <a:r>
+                        <a:rPr lang="en-US" sz="1800" b="1" baseline="0" dirty="0">
+                          <a:latin typeface="Courier New" panose="02070309020205020404" pitchFamily="49" charset="0"/>
+                          <a:cs typeface="Courier New" panose="02070309020205020404" pitchFamily="49" charset="0"/>
+                        </a:rPr>
+                        <a:t> c ({x=})')</a:t>
                       </a:r>
                     </a:p>
                     <a:p>
@@ -24414,7 +25328,7 @@
                           <a:latin typeface="Courier New" panose="02070309020205020404" pitchFamily="49" charset="0"/>
                           <a:cs typeface="Courier New" panose="02070309020205020404" pitchFamily="49" charset="0"/>
                         </a:rPr>
-                        <a:t>          print("leaving c")</a:t>
+                        <a:t>          print('leaving c')</a:t>
                       </a:r>
                     </a:p>
                     <a:p>
@@ -24437,7 +25351,21 @@
                           <a:latin typeface="Courier New" panose="02070309020205020404" pitchFamily="49" charset="0"/>
                           <a:cs typeface="Courier New" panose="02070309020205020404" pitchFamily="49" charset="0"/>
                         </a:rPr>
-                        <a:t>      print("Enter a (x=%s)" % x)</a:t>
+                        <a:t>      print(</a:t>
+                      </a:r>
+                      <a:r>
+                        <a:rPr lang="en-US" sz="1800" b="1" baseline="0" dirty="0" err="1">
+                          <a:latin typeface="Courier New" panose="02070309020205020404" pitchFamily="49" charset="0"/>
+                          <a:cs typeface="Courier New" panose="02070309020205020404" pitchFamily="49" charset="0"/>
+                        </a:rPr>
+                        <a:t>f'Enter</a:t>
+                      </a:r>
+                      <a:r>
+                        <a:rPr lang="en-US" sz="1800" b="1" baseline="0" dirty="0">
+                          <a:latin typeface="Courier New" panose="02070309020205020404" pitchFamily="49" charset="0"/>
+                          <a:cs typeface="Courier New" panose="02070309020205020404" pitchFamily="49" charset="0"/>
+                        </a:rPr>
+                        <a:t> a ({x=})')</a:t>
                       </a:r>
                     </a:p>
                     <a:p>
@@ -24500,7 +25428,7 @@
                           <a:latin typeface="Courier New" panose="02070309020205020404" pitchFamily="49" charset="0"/>
                           <a:cs typeface="Courier New" panose="02070309020205020404" pitchFamily="49" charset="0"/>
                         </a:rPr>
-                        <a:t>      print("leaving a")</a:t>
+                        <a:t>      print('leaving a')</a:t>
                       </a:r>
                     </a:p>
                   </a:txBody>
@@ -24912,6 +25840,912 @@
 </file>
 
 <file path=ppt/slides/slide26.xml><?xml version="1.0" encoding="utf-8"?>
+<p:sld xmlns:a="http://schemas.openxmlformats.org/drawingml/2006/main" xmlns:r="http://schemas.openxmlformats.org/officeDocument/2006/relationships" xmlns:p="http://schemas.openxmlformats.org/presentationml/2006/main">
+  <p:cSld>
+    <p:spTree>
+      <p:nvGrpSpPr>
+        <p:cNvPr id="1" name=""/>
+        <p:cNvGrpSpPr/>
+        <p:nvPr/>
+      </p:nvGrpSpPr>
+      <p:grpSpPr>
+        <a:xfrm>
+          <a:off x="0" y="0"/>
+          <a:ext cx="0" cy="0"/>
+          <a:chOff x="0" y="0"/>
+          <a:chExt cx="0" cy="0"/>
+        </a:xfrm>
+      </p:grpSpPr>
+      <p:sp>
+        <p:nvSpPr>
+          <p:cNvPr id="2" name="Title 1"/>
+          <p:cNvSpPr>
+            <a:spLocks noGrp="1"/>
+          </p:cNvSpPr>
+          <p:nvPr>
+            <p:ph type="title"/>
+          </p:nvPr>
+        </p:nvSpPr>
+        <p:spPr>
+          <a:xfrm>
+            <a:off x="0" y="365125"/>
+            <a:ext cx="12191999" cy="1325563"/>
+          </a:xfrm>
+        </p:spPr>
+        <p:txBody>
+          <a:bodyPr/>
+          <a:lstStyle/>
+          <a:p>
+            <a:pPr algn="ctr"/>
+            <a:r>
+              <a:rPr lang="da-DK" dirty="0" err="1"/>
+              <a:t>Functions</a:t>
+            </a:r>
+            <a:r>
+              <a:rPr lang="da-DK" dirty="0"/>
+              <a:t> must </a:t>
+            </a:r>
+            <a:r>
+              <a:rPr lang="da-DK" dirty="0" err="1"/>
+              <a:t>be</a:t>
+            </a:r>
+            <a:r>
+              <a:rPr lang="da-DK" dirty="0"/>
+              <a:t> </a:t>
+            </a:r>
+            <a:r>
+              <a:rPr lang="da-DK" dirty="0" err="1"/>
+              <a:t>defined</a:t>
+            </a:r>
+            <a:r>
+              <a:rPr lang="da-DK" dirty="0"/>
+              <a:t> </a:t>
+            </a:r>
+            <a:r>
+              <a:rPr lang="da-DK" dirty="0" err="1"/>
+              <a:t>before</a:t>
+            </a:r>
+            <a:r>
+              <a:rPr lang="da-DK" dirty="0"/>
+              <a:t> </a:t>
+            </a:r>
+            <a:r>
+              <a:rPr lang="da-DK" dirty="0" err="1"/>
+              <a:t>you</a:t>
+            </a:r>
+            <a:r>
+              <a:rPr lang="da-DK" dirty="0"/>
+              <a:t> </a:t>
+            </a:r>
+            <a:r>
+              <a:rPr lang="da-DK" dirty="0" err="1"/>
+              <a:t>can</a:t>
+            </a:r>
+            <a:r>
+              <a:rPr lang="da-DK" dirty="0"/>
+              <a:t> </a:t>
+            </a:r>
+            <a:r>
+              <a:rPr lang="da-DK" dirty="0" err="1"/>
+              <a:t>call</a:t>
+            </a:r>
+            <a:r>
+              <a:rPr lang="da-DK" dirty="0"/>
+              <a:t> </a:t>
+            </a:r>
+            <a:r>
+              <a:rPr lang="da-DK" dirty="0" err="1"/>
+              <a:t>them</a:t>
+            </a:r>
+            <a:r>
+              <a:rPr lang="da-DK" dirty="0"/>
+              <a:t>…</a:t>
+            </a:r>
+            <a:endParaRPr lang="en-US" dirty="0"/>
+          </a:p>
+        </p:txBody>
+      </p:sp>
+      <p:graphicFrame>
+        <p:nvGraphicFramePr>
+          <p:cNvPr id="4" name="Table 3"/>
+          <p:cNvGraphicFramePr>
+            <a:graphicFrameLocks noGrp="1"/>
+          </p:cNvGraphicFramePr>
+          <p:nvPr>
+            <p:extLst>
+              <p:ext uri="{D42A27DB-BD31-4B8C-83A1-F6EECF244321}">
+                <p14:modId xmlns:p14="http://schemas.microsoft.com/office/powerpoint/2010/main" val="2655794767"/>
+              </p:ext>
+            </p:extLst>
+          </p:nvPr>
+        </p:nvGraphicFramePr>
+        <p:xfrm>
+          <a:off x="248284" y="1690688"/>
+          <a:ext cx="11695430" cy="4827096"/>
+        </p:xfrm>
+        <a:graphic>
+          <a:graphicData uri="http://schemas.openxmlformats.org/drawingml/2006/table">
+            <a:tbl>
+              <a:tblPr firstRow="1" bandRow="1">
+                <a:tableStyleId>{5C22544A-7EE6-4342-B048-85BDC9FD1C3A}</a:tableStyleId>
+              </a:tblPr>
+              <a:tblGrid>
+                <a:gridCol w="11695430">
+                  <a:extLst>
+                    <a:ext uri="{9D8B030D-6E8A-4147-A177-3AD203B41FA5}">
+                      <a16:colId xmlns:a16="http://schemas.microsoft.com/office/drawing/2014/main" val="1873682825"/>
+                    </a:ext>
+                  </a:extLst>
+                </a:gridCol>
+              </a:tblGrid>
+              <a:tr h="346536">
+                <a:tc>
+                  <a:txBody>
+                    <a:bodyPr/>
+                    <a:lstStyle/>
+                    <a:p>
+                      <a:r>
+                        <a:rPr lang="da-DK" sz="1600" b="1" dirty="0" err="1">
+                          <a:latin typeface="Courier New" panose="02070309020205020404" pitchFamily="49" charset="0"/>
+                          <a:cs typeface="Courier New" panose="02070309020205020404" pitchFamily="49" charset="0"/>
+                        </a:rPr>
+                        <a:t>Python</a:t>
+                      </a:r>
+                      <a:r>
+                        <a:rPr lang="da-DK" sz="1600" b="1" dirty="0">
+                          <a:latin typeface="Courier New" panose="02070309020205020404" pitchFamily="49" charset="0"/>
+                          <a:cs typeface="Courier New" panose="02070309020205020404" pitchFamily="49" charset="0"/>
+                        </a:rPr>
+                        <a:t> </a:t>
+                      </a:r>
+                      <a:r>
+                        <a:rPr lang="da-DK" sz="1600" b="1" dirty="0" err="1">
+                          <a:latin typeface="Courier New" panose="02070309020205020404" pitchFamily="49" charset="0"/>
+                          <a:cs typeface="Courier New" panose="02070309020205020404" pitchFamily="49" charset="0"/>
+                        </a:rPr>
+                        <a:t>shell</a:t>
+                      </a:r>
+                      <a:endParaRPr lang="da-DK" sz="1600" b="1" dirty="0">
+                        <a:latin typeface="Courier New" panose="02070309020205020404" pitchFamily="49" charset="0"/>
+                        <a:cs typeface="Courier New" panose="02070309020205020404" pitchFamily="49" charset="0"/>
+                      </a:endParaRPr>
+                    </a:p>
+                  </a:txBody>
+                  <a:tcPr anchor="ctr">
+                    <a:lnL w="6350" cap="flat" cmpd="sng" algn="ctr">
+                      <a:solidFill>
+                        <a:schemeClr val="tx1"/>
+                      </a:solidFill>
+                      <a:prstDash val="solid"/>
+                      <a:round/>
+                      <a:headEnd type="none" w="med" len="med"/>
+                      <a:tailEnd type="none" w="med" len="med"/>
+                    </a:lnL>
+                    <a:lnR w="6350" cap="flat" cmpd="sng" algn="ctr">
+                      <a:solidFill>
+                        <a:schemeClr val="tx1"/>
+                      </a:solidFill>
+                      <a:prstDash val="solid"/>
+                      <a:round/>
+                      <a:headEnd type="none" w="med" len="med"/>
+                      <a:tailEnd type="none" w="med" len="med"/>
+                    </a:lnR>
+                    <a:lnT w="6350" cap="flat" cmpd="sng" algn="ctr">
+                      <a:solidFill>
+                        <a:schemeClr val="tx1"/>
+                      </a:solidFill>
+                      <a:prstDash val="solid"/>
+                      <a:round/>
+                      <a:headEnd type="none" w="med" len="med"/>
+                      <a:tailEnd type="none" w="med" len="med"/>
+                    </a:lnT>
+                    <a:lnB w="6350" cap="flat" cmpd="sng" algn="ctr">
+                      <a:solidFill>
+                        <a:schemeClr val="tx1"/>
+                      </a:solidFill>
+                      <a:prstDash val="solid"/>
+                      <a:round/>
+                      <a:headEnd type="none" w="med" len="med"/>
+                      <a:tailEnd type="none" w="med" len="med"/>
+                    </a:lnB>
+                    <a:lnTlToBr w="12700" cmpd="sng">
+                      <a:noFill/>
+                      <a:prstDash val="solid"/>
+                    </a:lnTlToBr>
+                    <a:lnBlToTr w="12700" cmpd="sng">
+                      <a:noFill/>
+                      <a:prstDash val="solid"/>
+                    </a:lnBlToTr>
+                    <a:solidFill>
+                      <a:srgbClr val="C00000"/>
+                    </a:solidFill>
+                  </a:tcPr>
+                </a:tc>
+                <a:extLst>
+                  <a:ext uri="{0D108BD9-81ED-4DB2-BD59-A6C34878D82A}">
+                    <a16:rowId xmlns:a16="http://schemas.microsoft.com/office/drawing/2014/main" val="3330819881"/>
+                  </a:ext>
+                </a:extLst>
+              </a:tr>
+              <a:tr h="4389453">
+                <a:tc>
+                  <a:txBody>
+                    <a:bodyPr/>
+                    <a:lstStyle/>
+                    <a:p>
+                      <a:pPr marL="266700" indent="-266700">
+                        <a:spcBef>
+                          <a:spcPts val="0"/>
+                        </a:spcBef>
+                        <a:spcAft>
+                          <a:spcPts val="0"/>
+                        </a:spcAft>
+                        <a:buClr>
+                          <a:srgbClr val="C00000"/>
+                        </a:buClr>
+                        <a:buSzPct val="100000"/>
+                        <a:buFont typeface="Courier New" panose="02070309020205020404" pitchFamily="49" charset="0"/>
+                        <a:buChar char="&gt;"/>
+                      </a:pPr>
+                      <a:r>
+                        <a:rPr lang="en-US" sz="1600" b="1" baseline="0" dirty="0">
+                          <a:solidFill>
+                            <a:srgbClr val="C00000"/>
+                          </a:solidFill>
+                          <a:latin typeface="Courier New" panose="02070309020205020404" pitchFamily="49" charset="0"/>
+                          <a:cs typeface="Courier New" panose="02070309020205020404" pitchFamily="49" charset="0"/>
+                        </a:rPr>
+                        <a:t>f</a:t>
+                      </a:r>
+                      <a:r>
+                        <a:rPr lang="en-US" sz="1600" b="1" baseline="0" dirty="0">
+                          <a:latin typeface="Courier New" panose="02070309020205020404" pitchFamily="49" charset="0"/>
+                          <a:cs typeface="Courier New" panose="02070309020205020404" pitchFamily="49" charset="0"/>
+                        </a:rPr>
+                        <a:t>() </a:t>
+                      </a:r>
+                    </a:p>
+                    <a:p>
+                      <a:pPr marL="266700" marR="0" lvl="0" indent="-266700" algn="l" defTabSz="914400" rtl="0" eaLnBrk="1" fontAlgn="auto" latinLnBrk="0" hangingPunct="1">
+                        <a:lnSpc>
+                          <a:spcPct val="100000"/>
+                        </a:lnSpc>
+                        <a:spcBef>
+                          <a:spcPts val="0"/>
+                        </a:spcBef>
+                        <a:spcAft>
+                          <a:spcPts val="0"/>
+                        </a:spcAft>
+                        <a:buClr>
+                          <a:schemeClr val="accent1">
+                            <a:lumMod val="50000"/>
+                          </a:schemeClr>
+                        </a:buClr>
+                        <a:buSzPct val="120000"/>
+                        <a:buFont typeface="Courier New" panose="02070309020205020404" pitchFamily="49" charset="0"/>
+                        <a:buChar char="|"/>
+                        <a:tabLst/>
+                        <a:defRPr/>
+                      </a:pPr>
+                      <a:r>
+                        <a:rPr lang="en-US" sz="1600" b="1" baseline="0" dirty="0" err="1">
+                          <a:latin typeface="Courier New" panose="02070309020205020404" pitchFamily="49" charset="0"/>
+                          <a:cs typeface="Courier New" panose="02070309020205020404" pitchFamily="49" charset="0"/>
+                        </a:rPr>
+                        <a:t>NameError</a:t>
+                      </a:r>
+                      <a:r>
+                        <a:rPr lang="en-US" sz="1600" b="1" baseline="0" dirty="0">
+                          <a:latin typeface="Courier New" panose="02070309020205020404" pitchFamily="49" charset="0"/>
+                          <a:cs typeface="Courier New" panose="02070309020205020404" pitchFamily="49" charset="0"/>
+                        </a:rPr>
+                        <a:t>: name 'f' is not defined</a:t>
+                      </a:r>
+                    </a:p>
+                    <a:p>
+                      <a:pPr marL="266700" indent="-266700">
+                        <a:spcBef>
+                          <a:spcPts val="0"/>
+                        </a:spcBef>
+                        <a:spcAft>
+                          <a:spcPts val="0"/>
+                        </a:spcAft>
+                        <a:buClr>
+                          <a:srgbClr val="C00000"/>
+                        </a:buClr>
+                        <a:buSzPct val="100000"/>
+                        <a:buFont typeface="Courier New" panose="02070309020205020404" pitchFamily="49" charset="0"/>
+                        <a:buChar char="&gt;"/>
+                      </a:pPr>
+                      <a:r>
+                        <a:rPr lang="en-US" sz="1600" b="1" baseline="0" dirty="0">
+                          <a:solidFill>
+                            <a:schemeClr val="accent1">
+                              <a:lumMod val="75000"/>
+                            </a:schemeClr>
+                          </a:solidFill>
+                          <a:latin typeface="Courier New" panose="02070309020205020404" pitchFamily="49" charset="0"/>
+                          <a:cs typeface="Courier New" panose="02070309020205020404" pitchFamily="49" charset="0"/>
+                        </a:rPr>
+                        <a:t>def</a:t>
+                      </a:r>
+                      <a:r>
+                        <a:rPr lang="en-US" sz="1600" b="1" baseline="0" dirty="0">
+                          <a:latin typeface="Courier New" panose="02070309020205020404" pitchFamily="49" charset="0"/>
+                          <a:cs typeface="Courier New" panose="02070309020205020404" pitchFamily="49" charset="0"/>
+                        </a:rPr>
+                        <a:t> f():</a:t>
+                      </a:r>
+                      <a:br>
+                        <a:rPr lang="en-US" sz="1600" b="1" baseline="0" dirty="0">
+                          <a:latin typeface="Courier New" panose="02070309020205020404" pitchFamily="49" charset="0"/>
+                          <a:cs typeface="Courier New" panose="02070309020205020404" pitchFamily="49" charset="0"/>
+                        </a:rPr>
+                      </a:br>
+                      <a:r>
+                        <a:rPr lang="en-US" sz="1600" b="1" baseline="0" dirty="0">
+                          <a:latin typeface="Courier New" panose="02070309020205020404" pitchFamily="49" charset="0"/>
+                          <a:cs typeface="Courier New" panose="02070309020205020404" pitchFamily="49" charset="0"/>
+                        </a:rPr>
+                        <a:t>    print('Hi')</a:t>
+                      </a:r>
+                    </a:p>
+                    <a:p>
+                      <a:pPr marL="266700" indent="-266700">
+                        <a:spcBef>
+                          <a:spcPts val="0"/>
+                        </a:spcBef>
+                        <a:spcAft>
+                          <a:spcPts val="0"/>
+                        </a:spcAft>
+                        <a:buClr>
+                          <a:srgbClr val="C00000"/>
+                        </a:buClr>
+                        <a:buSzPct val="100000"/>
+                        <a:buFont typeface="Courier New" panose="02070309020205020404" pitchFamily="49" charset="0"/>
+                        <a:buChar char="&gt;"/>
+                      </a:pPr>
+                      <a:r>
+                        <a:rPr lang="en-US" sz="1600" b="1" baseline="0" dirty="0">
+                          <a:solidFill>
+                            <a:srgbClr val="C00000"/>
+                          </a:solidFill>
+                          <a:latin typeface="Courier New" panose="02070309020205020404" pitchFamily="49" charset="0"/>
+                          <a:cs typeface="Courier New" panose="02070309020205020404" pitchFamily="49" charset="0"/>
+                        </a:rPr>
+                        <a:t>f</a:t>
+                      </a:r>
+                      <a:r>
+                        <a:rPr lang="en-US" sz="1600" b="1" baseline="0" dirty="0">
+                          <a:latin typeface="Courier New" panose="02070309020205020404" pitchFamily="49" charset="0"/>
+                          <a:cs typeface="Courier New" panose="02070309020205020404" pitchFamily="49" charset="0"/>
+                        </a:rPr>
+                        <a:t>() </a:t>
+                      </a:r>
+                    </a:p>
+                    <a:p>
+                      <a:pPr marL="266700" marR="0" lvl="0" indent="-266700" algn="l" defTabSz="914400" rtl="0" eaLnBrk="1" fontAlgn="auto" latinLnBrk="0" hangingPunct="1">
+                        <a:lnSpc>
+                          <a:spcPct val="100000"/>
+                        </a:lnSpc>
+                        <a:spcBef>
+                          <a:spcPts val="0"/>
+                        </a:spcBef>
+                        <a:spcAft>
+                          <a:spcPts val="0"/>
+                        </a:spcAft>
+                        <a:buClr>
+                          <a:schemeClr val="accent1">
+                            <a:lumMod val="50000"/>
+                          </a:schemeClr>
+                        </a:buClr>
+                        <a:buSzPct val="120000"/>
+                        <a:buFont typeface="Courier New" panose="02070309020205020404" pitchFamily="49" charset="0"/>
+                        <a:buChar char="|"/>
+                        <a:tabLst/>
+                        <a:defRPr/>
+                      </a:pPr>
+                      <a:r>
+                        <a:rPr lang="en-US" sz="1600" b="1" baseline="0" dirty="0">
+                          <a:latin typeface="Courier New" panose="02070309020205020404" pitchFamily="49" charset="0"/>
+                          <a:cs typeface="Courier New" panose="02070309020205020404" pitchFamily="49" charset="0"/>
+                        </a:rPr>
+                        <a:t>Hi</a:t>
+                      </a:r>
+                    </a:p>
+                    <a:p>
+                      <a:pPr marL="266700" indent="-266700">
+                        <a:spcBef>
+                          <a:spcPts val="0"/>
+                        </a:spcBef>
+                        <a:spcAft>
+                          <a:spcPts val="0"/>
+                        </a:spcAft>
+                        <a:buClr>
+                          <a:srgbClr val="C00000"/>
+                        </a:buClr>
+                        <a:buSzPct val="100000"/>
+                        <a:buFont typeface="Courier New" panose="02070309020205020404" pitchFamily="49" charset="0"/>
+                        <a:buChar char="&gt;"/>
+                      </a:pPr>
+                      <a:r>
+                        <a:rPr lang="en-US" sz="1600" b="1" baseline="0" dirty="0">
+                          <a:solidFill>
+                            <a:schemeClr val="accent1">
+                              <a:lumMod val="75000"/>
+                            </a:schemeClr>
+                          </a:solidFill>
+                          <a:latin typeface="Courier New" panose="02070309020205020404" pitchFamily="49" charset="0"/>
+                          <a:cs typeface="Courier New" panose="02070309020205020404" pitchFamily="49" charset="0"/>
+                        </a:rPr>
+                        <a:t>def</a:t>
+                      </a:r>
+                      <a:r>
+                        <a:rPr lang="en-US" sz="1600" b="1" baseline="0" dirty="0">
+                          <a:latin typeface="Courier New" panose="02070309020205020404" pitchFamily="49" charset="0"/>
+                          <a:cs typeface="Courier New" panose="02070309020205020404" pitchFamily="49" charset="0"/>
+                        </a:rPr>
+                        <a:t> f():</a:t>
+                      </a:r>
+                      <a:br>
+                        <a:rPr lang="en-US" sz="1600" b="1" baseline="0" dirty="0">
+                          <a:latin typeface="Courier New" panose="02070309020205020404" pitchFamily="49" charset="0"/>
+                          <a:cs typeface="Courier New" panose="02070309020205020404" pitchFamily="49" charset="0"/>
+                        </a:rPr>
+                      </a:br>
+                      <a:r>
+                        <a:rPr lang="en-US" sz="1600" b="1" baseline="0" dirty="0">
+                          <a:latin typeface="Courier New" panose="02070309020205020404" pitchFamily="49" charset="0"/>
+                          <a:cs typeface="Courier New" panose="02070309020205020404" pitchFamily="49" charset="0"/>
+                        </a:rPr>
+                        <a:t>    </a:t>
+                      </a:r>
+                      <a:r>
+                        <a:rPr lang="en-US" sz="1600" b="1" baseline="0" dirty="0">
+                          <a:solidFill>
+                            <a:srgbClr val="C00000"/>
+                          </a:solidFill>
+                          <a:latin typeface="Courier New" panose="02070309020205020404" pitchFamily="49" charset="0"/>
+                          <a:cs typeface="Courier New" panose="02070309020205020404" pitchFamily="49" charset="0"/>
+                        </a:rPr>
+                        <a:t>g</a:t>
+                      </a:r>
+                      <a:r>
+                        <a:rPr lang="en-US" sz="1600" b="1" baseline="0" dirty="0">
+                          <a:latin typeface="Courier New" panose="02070309020205020404" pitchFamily="49" charset="0"/>
+                          <a:cs typeface="Courier New" panose="02070309020205020404" pitchFamily="49" charset="0"/>
+                        </a:rPr>
+                        <a:t>()  </a:t>
+                      </a:r>
+                      <a:r>
+                        <a:rPr lang="en-US" sz="1600" b="1" baseline="0" dirty="0">
+                          <a:solidFill>
+                            <a:schemeClr val="bg1">
+                              <a:lumMod val="50000"/>
+                            </a:schemeClr>
+                          </a:solidFill>
+                          <a:latin typeface="Courier New" panose="02070309020205020404" pitchFamily="49" charset="0"/>
+                          <a:cs typeface="Courier New" panose="02070309020205020404" pitchFamily="49" charset="0"/>
+                        </a:rPr>
+                        <a:t># g not yet defined locally</a:t>
+                      </a:r>
+                      <a:br>
+                        <a:rPr lang="en-US" sz="1600" b="1" baseline="0" dirty="0">
+                          <a:latin typeface="Courier New" panose="02070309020205020404" pitchFamily="49" charset="0"/>
+                          <a:cs typeface="Courier New" panose="02070309020205020404" pitchFamily="49" charset="0"/>
+                        </a:rPr>
+                      </a:br>
+                      <a:r>
+                        <a:rPr lang="en-US" sz="1600" b="1" baseline="0" dirty="0">
+                          <a:latin typeface="Courier New" panose="02070309020205020404" pitchFamily="49" charset="0"/>
+                          <a:cs typeface="Courier New" panose="02070309020205020404" pitchFamily="49" charset="0"/>
+                        </a:rPr>
+                        <a:t>    </a:t>
+                      </a:r>
+                      <a:r>
+                        <a:rPr lang="en-US" sz="1600" b="1" baseline="0" dirty="0">
+                          <a:solidFill>
+                            <a:schemeClr val="accent1">
+                              <a:lumMod val="75000"/>
+                            </a:schemeClr>
+                          </a:solidFill>
+                          <a:latin typeface="Courier New" panose="02070309020205020404" pitchFamily="49" charset="0"/>
+                          <a:cs typeface="Courier New" panose="02070309020205020404" pitchFamily="49" charset="0"/>
+                        </a:rPr>
+                        <a:t>def</a:t>
+                      </a:r>
+                      <a:r>
+                        <a:rPr lang="en-US" sz="1600" b="1" baseline="0" dirty="0">
+                          <a:latin typeface="Courier New" panose="02070309020205020404" pitchFamily="49" charset="0"/>
+                          <a:cs typeface="Courier New" panose="02070309020205020404" pitchFamily="49" charset="0"/>
+                        </a:rPr>
+                        <a:t> </a:t>
+                      </a:r>
+                      <a:r>
+                        <a:rPr lang="en-US" sz="1600" b="1" baseline="0" dirty="0">
+                          <a:solidFill>
+                            <a:srgbClr val="C00000"/>
+                          </a:solidFill>
+                          <a:latin typeface="Courier New" panose="02070309020205020404" pitchFamily="49" charset="0"/>
+                          <a:cs typeface="Courier New" panose="02070309020205020404" pitchFamily="49" charset="0"/>
+                        </a:rPr>
+                        <a:t>g</a:t>
+                      </a:r>
+                      <a:r>
+                        <a:rPr lang="en-US" sz="1600" b="1" baseline="0" dirty="0">
+                          <a:latin typeface="Courier New" panose="02070309020205020404" pitchFamily="49" charset="0"/>
+                          <a:cs typeface="Courier New" panose="02070309020205020404" pitchFamily="49" charset="0"/>
+                        </a:rPr>
+                        <a:t>():</a:t>
+                      </a:r>
+                      <a:br>
+                        <a:rPr lang="en-US" sz="1600" b="1" baseline="0" dirty="0">
+                          <a:latin typeface="Courier New" panose="02070309020205020404" pitchFamily="49" charset="0"/>
+                          <a:cs typeface="Courier New" panose="02070309020205020404" pitchFamily="49" charset="0"/>
+                        </a:rPr>
+                      </a:br>
+                      <a:r>
+                        <a:rPr lang="en-US" sz="1600" b="1" baseline="0" dirty="0">
+                          <a:latin typeface="Courier New" panose="02070309020205020404" pitchFamily="49" charset="0"/>
+                          <a:cs typeface="Courier New" panose="02070309020205020404" pitchFamily="49" charset="0"/>
+                        </a:rPr>
+                        <a:t>        print('Howdy')</a:t>
+                      </a:r>
+                    </a:p>
+                    <a:p>
+                      <a:pPr marL="266700" indent="-266700">
+                        <a:spcBef>
+                          <a:spcPts val="0"/>
+                        </a:spcBef>
+                        <a:spcAft>
+                          <a:spcPts val="0"/>
+                        </a:spcAft>
+                        <a:buClr>
+                          <a:srgbClr val="C00000"/>
+                        </a:buClr>
+                        <a:buSzPct val="100000"/>
+                        <a:buFont typeface="Courier New" panose="02070309020205020404" pitchFamily="49" charset="0"/>
+                        <a:buChar char="&gt;"/>
+                      </a:pPr>
+                      <a:r>
+                        <a:rPr lang="en-US" sz="1600" b="1" baseline="0" dirty="0">
+                          <a:latin typeface="Courier New" panose="02070309020205020404" pitchFamily="49" charset="0"/>
+                          <a:cs typeface="Courier New" panose="02070309020205020404" pitchFamily="49" charset="0"/>
+                        </a:rPr>
+                        <a:t>f() </a:t>
+                      </a:r>
+                    </a:p>
+                    <a:p>
+                      <a:pPr marL="266700" marR="0" lvl="0" indent="-266700" algn="l" defTabSz="914400" rtl="0" eaLnBrk="1" fontAlgn="auto" latinLnBrk="0" hangingPunct="1">
+                        <a:lnSpc>
+                          <a:spcPct val="100000"/>
+                        </a:lnSpc>
+                        <a:spcBef>
+                          <a:spcPts val="0"/>
+                        </a:spcBef>
+                        <a:spcAft>
+                          <a:spcPts val="0"/>
+                        </a:spcAft>
+                        <a:buClr>
+                          <a:schemeClr val="accent1">
+                            <a:lumMod val="50000"/>
+                          </a:schemeClr>
+                        </a:buClr>
+                        <a:buSzPct val="120000"/>
+                        <a:buFont typeface="Courier New" panose="02070309020205020404" pitchFamily="49" charset="0"/>
+                        <a:buChar char="|"/>
+                        <a:tabLst/>
+                        <a:defRPr/>
+                      </a:pPr>
+                      <a:r>
+                        <a:rPr lang="en-US" sz="1600" b="1" baseline="0" dirty="0" err="1">
+                          <a:latin typeface="Courier New" panose="02070309020205020404" pitchFamily="49" charset="0"/>
+                          <a:cs typeface="Courier New" panose="02070309020205020404" pitchFamily="49" charset="0"/>
+                        </a:rPr>
+                        <a:t>UnboundLocalError</a:t>
+                      </a:r>
+                      <a:r>
+                        <a:rPr lang="en-US" sz="1600" b="1" baseline="0" dirty="0">
+                          <a:latin typeface="Courier New" panose="02070309020205020404" pitchFamily="49" charset="0"/>
+                          <a:cs typeface="Courier New" panose="02070309020205020404" pitchFamily="49" charset="0"/>
+                        </a:rPr>
+                        <a:t>: cannot access local variable 'g' where it is not associated with a value</a:t>
+                      </a:r>
+                    </a:p>
+                    <a:p>
+                      <a:pPr marL="266700" indent="-266700">
+                        <a:spcBef>
+                          <a:spcPts val="0"/>
+                        </a:spcBef>
+                        <a:spcAft>
+                          <a:spcPts val="0"/>
+                        </a:spcAft>
+                        <a:buClr>
+                          <a:srgbClr val="C00000"/>
+                        </a:buClr>
+                        <a:buSzPct val="100000"/>
+                        <a:buFont typeface="Courier New" panose="02070309020205020404" pitchFamily="49" charset="0"/>
+                        <a:buChar char="&gt;"/>
+                      </a:pPr>
+                      <a:r>
+                        <a:rPr lang="en-US" sz="1600" b="1" baseline="0" dirty="0">
+                          <a:solidFill>
+                            <a:schemeClr val="accent1">
+                              <a:lumMod val="75000"/>
+                            </a:schemeClr>
+                          </a:solidFill>
+                          <a:latin typeface="Courier New" panose="02070309020205020404" pitchFamily="49" charset="0"/>
+                          <a:cs typeface="Courier New" panose="02070309020205020404" pitchFamily="49" charset="0"/>
+                        </a:rPr>
+                        <a:t>def</a:t>
+                      </a:r>
+                      <a:r>
+                        <a:rPr lang="en-US" sz="1600" b="1" baseline="0" dirty="0">
+                          <a:latin typeface="Courier New" panose="02070309020205020404" pitchFamily="49" charset="0"/>
+                          <a:cs typeface="Courier New" panose="02070309020205020404" pitchFamily="49" charset="0"/>
+                        </a:rPr>
+                        <a:t> f():</a:t>
+                      </a:r>
+                      <a:br>
+                        <a:rPr lang="en-US" sz="1600" b="1" baseline="0" dirty="0">
+                          <a:latin typeface="Courier New" panose="02070309020205020404" pitchFamily="49" charset="0"/>
+                          <a:cs typeface="Courier New" panose="02070309020205020404" pitchFamily="49" charset="0"/>
+                        </a:rPr>
+                      </a:br>
+                      <a:r>
+                        <a:rPr lang="en-US" sz="1600" b="1" baseline="0" dirty="0">
+                          <a:latin typeface="Courier New" panose="02070309020205020404" pitchFamily="49" charset="0"/>
+                          <a:cs typeface="Courier New" panose="02070309020205020404" pitchFamily="49" charset="0"/>
+                        </a:rPr>
+                        <a:t>    </a:t>
+                      </a:r>
+                      <a:r>
+                        <a:rPr lang="en-US" sz="1600" b="1" baseline="0" dirty="0">
+                          <a:solidFill>
+                            <a:schemeClr val="accent1">
+                              <a:lumMod val="75000"/>
+                            </a:schemeClr>
+                          </a:solidFill>
+                          <a:latin typeface="Courier New" panose="02070309020205020404" pitchFamily="49" charset="0"/>
+                          <a:cs typeface="Courier New" panose="02070309020205020404" pitchFamily="49" charset="0"/>
+                        </a:rPr>
+                        <a:t>def</a:t>
+                      </a:r>
+                      <a:r>
+                        <a:rPr lang="en-US" sz="1600" b="1" baseline="0" dirty="0">
+                          <a:latin typeface="Courier New" panose="02070309020205020404" pitchFamily="49" charset="0"/>
+                          <a:cs typeface="Courier New" panose="02070309020205020404" pitchFamily="49" charset="0"/>
+                        </a:rPr>
+                        <a:t> </a:t>
+                      </a:r>
+                      <a:r>
+                        <a:rPr lang="en-US" sz="1600" b="1" baseline="0" dirty="0">
+                          <a:solidFill>
+                            <a:srgbClr val="C00000"/>
+                          </a:solidFill>
+                          <a:latin typeface="Courier New" panose="02070309020205020404" pitchFamily="49" charset="0"/>
+                          <a:cs typeface="Courier New" panose="02070309020205020404" pitchFamily="49" charset="0"/>
+                        </a:rPr>
+                        <a:t>g</a:t>
+                      </a:r>
+                      <a:r>
+                        <a:rPr lang="en-US" sz="1600" b="1" baseline="0" dirty="0">
+                          <a:latin typeface="Courier New" panose="02070309020205020404" pitchFamily="49" charset="0"/>
+                          <a:cs typeface="Courier New" panose="02070309020205020404" pitchFamily="49" charset="0"/>
+                        </a:rPr>
+                        <a:t>():</a:t>
+                      </a:r>
+                      <a:br>
+                        <a:rPr lang="en-US" sz="1600" b="1" baseline="0" dirty="0">
+                          <a:latin typeface="Courier New" panose="02070309020205020404" pitchFamily="49" charset="0"/>
+                          <a:cs typeface="Courier New" panose="02070309020205020404" pitchFamily="49" charset="0"/>
+                        </a:rPr>
+                      </a:br>
+                      <a:r>
+                        <a:rPr lang="en-US" sz="1600" b="1" baseline="0" dirty="0">
+                          <a:latin typeface="Courier New" panose="02070309020205020404" pitchFamily="49" charset="0"/>
+                          <a:cs typeface="Courier New" panose="02070309020205020404" pitchFamily="49" charset="0"/>
+                        </a:rPr>
+                        <a:t>        print('Howdy')</a:t>
+                      </a:r>
+                      <a:br>
+                        <a:rPr lang="en-US" sz="1600" b="1" baseline="0" dirty="0">
+                          <a:latin typeface="Courier New" panose="02070309020205020404" pitchFamily="49" charset="0"/>
+                          <a:cs typeface="Courier New" panose="02070309020205020404" pitchFamily="49" charset="0"/>
+                        </a:rPr>
+                      </a:br>
+                      <a:r>
+                        <a:rPr lang="en-US" sz="1600" b="1" baseline="0" dirty="0">
+                          <a:latin typeface="Courier New" panose="02070309020205020404" pitchFamily="49" charset="0"/>
+                          <a:cs typeface="Courier New" panose="02070309020205020404" pitchFamily="49" charset="0"/>
+                        </a:rPr>
+                        <a:t>    </a:t>
+                      </a:r>
+                      <a:r>
+                        <a:rPr lang="en-US" sz="1600" b="1" baseline="0" dirty="0">
+                          <a:solidFill>
+                            <a:srgbClr val="C00000"/>
+                          </a:solidFill>
+                          <a:latin typeface="Courier New" panose="02070309020205020404" pitchFamily="49" charset="0"/>
+                          <a:cs typeface="Courier New" panose="02070309020205020404" pitchFamily="49" charset="0"/>
+                        </a:rPr>
+                        <a:t>g</a:t>
+                      </a:r>
+                      <a:r>
+                        <a:rPr lang="en-US" sz="1600" b="1" baseline="0" dirty="0">
+                          <a:latin typeface="Courier New" panose="02070309020205020404" pitchFamily="49" charset="0"/>
+                          <a:cs typeface="Courier New" panose="02070309020205020404" pitchFamily="49" charset="0"/>
+                        </a:rPr>
+                        <a:t>()</a:t>
+                      </a:r>
+                    </a:p>
+                    <a:p>
+                      <a:pPr marL="266700" indent="-266700">
+                        <a:spcBef>
+                          <a:spcPts val="0"/>
+                        </a:spcBef>
+                        <a:spcAft>
+                          <a:spcPts val="0"/>
+                        </a:spcAft>
+                        <a:buClr>
+                          <a:srgbClr val="C00000"/>
+                        </a:buClr>
+                        <a:buSzPct val="100000"/>
+                        <a:buFont typeface="Courier New" panose="02070309020205020404" pitchFamily="49" charset="0"/>
+                        <a:buChar char="&gt;"/>
+                      </a:pPr>
+                      <a:r>
+                        <a:rPr lang="en-US" sz="1600" b="1" baseline="0" dirty="0">
+                          <a:latin typeface="Courier New" panose="02070309020205020404" pitchFamily="49" charset="0"/>
+                          <a:cs typeface="Courier New" panose="02070309020205020404" pitchFamily="49" charset="0"/>
+                        </a:rPr>
+                        <a:t>f() </a:t>
+                      </a:r>
+                    </a:p>
+                    <a:p>
+                      <a:pPr marL="266700" marR="0" lvl="0" indent="-266700" algn="l" defTabSz="914400" rtl="0" eaLnBrk="1" fontAlgn="auto" latinLnBrk="0" hangingPunct="1">
+                        <a:lnSpc>
+                          <a:spcPct val="100000"/>
+                        </a:lnSpc>
+                        <a:spcBef>
+                          <a:spcPts val="0"/>
+                        </a:spcBef>
+                        <a:spcAft>
+                          <a:spcPts val="0"/>
+                        </a:spcAft>
+                        <a:buClr>
+                          <a:schemeClr val="accent1">
+                            <a:lumMod val="50000"/>
+                          </a:schemeClr>
+                        </a:buClr>
+                        <a:buSzPct val="120000"/>
+                        <a:buFont typeface="Courier New" panose="02070309020205020404" pitchFamily="49" charset="0"/>
+                        <a:buChar char="|"/>
+                        <a:tabLst/>
+                        <a:defRPr/>
+                      </a:pPr>
+                      <a:r>
+                        <a:rPr lang="en-US" sz="1600" b="1" baseline="0" dirty="0">
+                          <a:latin typeface="Courier New" panose="02070309020205020404" pitchFamily="49" charset="0"/>
+                          <a:cs typeface="Courier New" panose="02070309020205020404" pitchFamily="49" charset="0"/>
+                        </a:rPr>
+                        <a:t>Howdy</a:t>
+                      </a:r>
+                    </a:p>
+                  </a:txBody>
+                  <a:tcPr>
+                    <a:lnL w="6350" cap="flat" cmpd="sng" algn="ctr">
+                      <a:solidFill>
+                        <a:schemeClr val="tx1"/>
+                      </a:solidFill>
+                      <a:prstDash val="solid"/>
+                      <a:round/>
+                      <a:headEnd type="none" w="med" len="med"/>
+                      <a:tailEnd type="none" w="med" len="med"/>
+                    </a:lnL>
+                    <a:lnR w="6350" cap="flat" cmpd="sng" algn="ctr">
+                      <a:solidFill>
+                        <a:schemeClr val="tx1"/>
+                      </a:solidFill>
+                      <a:prstDash val="solid"/>
+                      <a:round/>
+                      <a:headEnd type="none" w="med" len="med"/>
+                      <a:tailEnd type="none" w="med" len="med"/>
+                    </a:lnR>
+                    <a:lnT w="6350" cap="flat" cmpd="sng" algn="ctr">
+                      <a:solidFill>
+                        <a:schemeClr val="tx1"/>
+                      </a:solidFill>
+                      <a:prstDash val="solid"/>
+                      <a:round/>
+                      <a:headEnd type="none" w="med" len="med"/>
+                      <a:tailEnd type="none" w="med" len="med"/>
+                    </a:lnT>
+                    <a:lnB w="6350" cap="flat" cmpd="sng" algn="ctr">
+                      <a:solidFill>
+                        <a:schemeClr val="tx1"/>
+                      </a:solidFill>
+                      <a:prstDash val="solid"/>
+                      <a:round/>
+                      <a:headEnd type="none" w="med" len="med"/>
+                      <a:tailEnd type="none" w="med" len="med"/>
+                    </a:lnB>
+                    <a:lnTlToBr w="12700" cmpd="sng">
+                      <a:noFill/>
+                      <a:prstDash val="solid"/>
+                    </a:lnTlToBr>
+                    <a:lnBlToTr w="12700" cmpd="sng">
+                      <a:noFill/>
+                      <a:prstDash val="solid"/>
+                    </a:lnBlToTr>
+                    <a:solidFill>
+                      <a:schemeClr val="accent5">
+                        <a:lumMod val="20000"/>
+                        <a:lumOff val="80000"/>
+                      </a:schemeClr>
+                    </a:solidFill>
+                  </a:tcPr>
+                </a:tc>
+                <a:extLst>
+                  <a:ext uri="{0D108BD9-81ED-4DB2-BD59-A6C34878D82A}">
+                    <a16:rowId xmlns:a16="http://schemas.microsoft.com/office/drawing/2014/main" val="4112970457"/>
+                  </a:ext>
+                </a:extLst>
+              </a:tr>
+            </a:tbl>
+          </a:graphicData>
+        </a:graphic>
+      </p:graphicFrame>
+      <p:pic>
+        <p:nvPicPr>
+          <p:cNvPr id="3" name="Picture 2">
+            <a:extLst>
+              <a:ext uri="{FF2B5EF4-FFF2-40B4-BE49-F238E27FC236}">
+                <a16:creationId xmlns:a16="http://schemas.microsoft.com/office/drawing/2014/main" id="{2B43A2BC-779E-C234-99D4-577D483AB71A}"/>
+              </a:ext>
+            </a:extLst>
+          </p:cNvPr>
+          <p:cNvPicPr>
+            <a:picLocks noChangeAspect="1"/>
+          </p:cNvPicPr>
+          <p:nvPr/>
+        </p:nvPicPr>
+        <p:blipFill>
+          <a:blip r:embed="rId3" cstate="print">
+            <a:extLst>
+              <a:ext uri="{28A0092B-C50C-407E-A947-70E740481C1C}">
+                <a14:useLocalDpi xmlns:a14="http://schemas.microsoft.com/office/drawing/2010/main" val="0"/>
+              </a:ext>
+            </a:extLst>
+          </a:blip>
+          <a:stretch>
+            <a:fillRect/>
+          </a:stretch>
+        </p:blipFill>
+        <p:spPr>
+          <a:xfrm>
+            <a:off x="5112493" y="3708723"/>
+            <a:ext cx="487666" cy="405904"/>
+          </a:xfrm>
+          <a:prstGeom prst="rect">
+            <a:avLst/>
+          </a:prstGeom>
+        </p:spPr>
+      </p:pic>
+    </p:spTree>
+    <p:extLst>
+      <p:ext uri="{BB962C8B-B14F-4D97-AF65-F5344CB8AC3E}">
+        <p14:creationId xmlns:p14="http://schemas.microsoft.com/office/powerpoint/2010/main" val="4032496496"/>
+      </p:ext>
+    </p:extLst>
+  </p:cSld>
+  <p:clrMapOvr>
+    <a:masterClrMapping/>
+  </p:clrMapOvr>
+</p:sld>
+</file>
+
+<file path=ppt/slides/slide27.xml><?xml version="1.0" encoding="utf-8"?>
 <p:sld xmlns:a="http://schemas.openxmlformats.org/drawingml/2006/main" xmlns:r="http://schemas.openxmlformats.org/officeDocument/2006/relationships" xmlns:p="http://schemas.openxmlformats.org/presentationml/2006/main">
   <p:cSld>
     <p:spTree>
@@ -25821,7 +27655,7 @@
 </p:sld>
 </file>
 
-<file path=ppt/slides/slide27.xml><?xml version="1.0" encoding="utf-8"?>
+<file path=ppt/slides/slide28.xml><?xml version="1.0" encoding="utf-8"?>
 <p:sld xmlns:a="http://schemas.openxmlformats.org/drawingml/2006/main" xmlns:r="http://schemas.openxmlformats.org/officeDocument/2006/relationships" xmlns:p="http://schemas.openxmlformats.org/presentationml/2006/main">
   <p:cSld>
     <p:spTree>
@@ -25873,7 +27707,7 @@
         </p:nvSpPr>
         <p:spPr>
           <a:xfrm>
-            <a:off x="838200" y="1825625"/>
+            <a:off x="838200" y="1815234"/>
             <a:ext cx="5038518" cy="4351338"/>
           </a:xfrm>
         </p:spPr>
@@ -25885,7 +27719,7 @@
           <a:p>
             <a:r>
               <a:rPr lang="en-US" sz="2400" dirty="0"/>
-              <a:t>The </a:t>
+              <a:t>The keyword </a:t>
             </a:r>
             <a:r>
               <a:rPr lang="en-US" sz="2400" dirty="0">
@@ -25896,7 +27730,7 @@
             </a:r>
             <a:r>
               <a:rPr lang="en-US" sz="2400" dirty="0"/>
-              <a:t> statement causes the listed identifiers to refer to previously bound variables in the nearest </a:t>
+              <a:t> makes local identifiers refer to previously bound variables in the nearest </a:t>
             </a:r>
             <a:r>
               <a:rPr lang="en-US" sz="2400" i="1" dirty="0"/>
@@ -25906,10 +27740,7 @@
               <a:rPr lang="en-US" sz="2400" i="1" dirty="0" err="1"/>
               <a:t>globals</a:t>
             </a:r>
-            <a:r>
-              <a:rPr lang="en-US" sz="2400" dirty="0"/>
-              <a:t>. </a:t>
-            </a:r>
+            <a:endParaRPr lang="en-US" sz="2400" dirty="0"/>
           </a:p>
           <a:p>
             <a:endParaRPr lang="da-DK" sz="2400" dirty="0"/>
@@ -25995,14 +27826,14 @@
           <p:nvPr>
             <p:extLst>
               <p:ext uri="{D42A27DB-BD31-4B8C-83A1-F6EECF244321}">
-                <p14:modId xmlns:p14="http://schemas.microsoft.com/office/powerpoint/2010/main" val="2876099814"/>
+                <p14:modId xmlns:p14="http://schemas.microsoft.com/office/powerpoint/2010/main" val="3809246465"/>
               </p:ext>
             </p:extLst>
           </p:nvPr>
         </p:nvGraphicFramePr>
         <p:xfrm>
-          <a:off x="5876718" y="695592"/>
-          <a:ext cx="6096979" cy="5577840"/>
+          <a:off x="6529070" y="640080"/>
+          <a:ext cx="4824730" cy="5577840"/>
         </p:xfrm>
         <a:graphic>
           <a:graphicData uri="http://schemas.openxmlformats.org/drawingml/2006/table">
@@ -26011,7 +27842,7 @@
                 <a:tableStyleId>{5C22544A-7EE6-4342-B048-85BDC9FD1C3A}</a:tableStyleId>
               </a:tblPr>
               <a:tblGrid>
-                <a:gridCol w="6096979">
+                <a:gridCol w="4824730">
                   <a:extLst>
                     <a:ext uri="{9D8B030D-6E8A-4147-A177-3AD203B41FA5}">
                       <a16:colId xmlns:a16="http://schemas.microsoft.com/office/drawing/2014/main" val="1873682825"/>
@@ -26329,7 +28160,7 @@
                           <a:latin typeface="Courier New" panose="02070309020205020404" pitchFamily="49" charset="0"/>
                           <a:cs typeface="Courier New" panose="02070309020205020404" pitchFamily="49" charset="0"/>
                         </a:rPr>
-                        <a:t>          print("(%s:%s) %s" % (</a:t>
+                        <a:t>          print(f'({</a:t>
                       </a:r>
                       <a:r>
                         <a:rPr lang="en-US" sz="1800" b="1" baseline="0" dirty="0">
@@ -26348,7 +28179,7 @@
                           <a:latin typeface="Courier New" panose="02070309020205020404" pitchFamily="49" charset="0"/>
                           <a:cs typeface="Courier New" panose="02070309020205020404" pitchFamily="49" charset="0"/>
                         </a:rPr>
-                        <a:t>, </a:t>
+                        <a:t>}:{</a:t>
                       </a:r>
                       <a:r>
                         <a:rPr lang="en-US" sz="1800" b="1" baseline="0" dirty="0">
@@ -26365,7 +28196,7 @@
                           <a:latin typeface="Courier New" panose="02070309020205020404" pitchFamily="49" charset="0"/>
                           <a:cs typeface="Courier New" panose="02070309020205020404" pitchFamily="49" charset="0"/>
                         </a:rPr>
-                        <a:t>, z))</a:t>
+                        <a:t>}) {z}')</a:t>
                       </a:r>
                     </a:p>
                     <a:p>
@@ -26786,7 +28617,7 @@
 </p:sld>
 </file>
 
-<file path=ppt/slides/slide28.xml><?xml version="1.0" encoding="utf-8"?>
+<file path=ppt/slides/slide29.xml><?xml version="1.0" encoding="utf-8"?>
 <p:sld xmlns:a="http://schemas.openxmlformats.org/drawingml/2006/main" xmlns:r="http://schemas.openxmlformats.org/officeDocument/2006/relationships" xmlns:p="http://schemas.openxmlformats.org/presentationml/2006/main">
   <p:cSld>
     <p:spTree>
@@ -26854,7 +28685,9 @@
           </a:xfrm>
         </p:spPr>
         <p:txBody>
-          <a:bodyPr/>
+          <a:bodyPr>
+            <a:normAutofit/>
+          </a:bodyPr>
           <a:lstStyle/>
           <a:p>
             <a:r>
@@ -26887,11 +28720,10 @@
             </a:r>
             <a:r>
               <a:rPr lang="en-US" dirty="0"/>
-              <a:t> as arguments.</a:t>
-            </a:r>
-            <a:br>
-              <a:rPr lang="en-US" dirty="0"/>
-            </a:br>
+              <a:t> as arguments</a:t>
+            </a:r>
+          </a:p>
+          <a:p>
             <a:r>
               <a:rPr lang="en-US" dirty="0"/>
               <a:t>Arguments before </a:t>
@@ -26908,7 +28740,13 @@
             </a:r>
             <a:r>
               <a:rPr lang="en-US" dirty="0"/>
-              <a:t> must be provided as positional arguments in a call, and arguments after </a:t>
+              <a:t> must be provided as positional arguments in a call</a:t>
+            </a:r>
+          </a:p>
+          <a:p>
+            <a:r>
+              <a:rPr lang="en-US" dirty="0"/>
+              <a:t>Arguments after </a:t>
             </a:r>
             <a:r>
               <a:rPr lang="en-US" dirty="0">
@@ -27453,322 +29291,6 @@
     <p:extLst>
       <p:ext uri="{BB962C8B-B14F-4D97-AF65-F5344CB8AC3E}">
         <p14:creationId xmlns:p14="http://schemas.microsoft.com/office/powerpoint/2010/main" val="3860775354"/>
-      </p:ext>
-    </p:extLst>
-  </p:cSld>
-  <p:clrMapOvr>
-    <a:masterClrMapping/>
-  </p:clrMapOvr>
-</p:sld>
-</file>
-
-<file path=ppt/slides/slide29.xml><?xml version="1.0" encoding="utf-8"?>
-<p:sld xmlns:a="http://schemas.openxmlformats.org/drawingml/2006/main" xmlns:r="http://schemas.openxmlformats.org/officeDocument/2006/relationships" xmlns:p="http://schemas.openxmlformats.org/presentationml/2006/main">
-  <p:cSld>
-    <p:spTree>
-      <p:nvGrpSpPr>
-        <p:cNvPr id="1" name=""/>
-        <p:cNvGrpSpPr/>
-        <p:nvPr/>
-      </p:nvGrpSpPr>
-      <p:grpSpPr>
-        <a:xfrm>
-          <a:off x="0" y="0"/>
-          <a:ext cx="0" cy="0"/>
-          <a:chOff x="0" y="0"/>
-          <a:chExt cx="0" cy="0"/>
-        </a:xfrm>
-      </p:grpSpPr>
-      <p:sp>
-        <p:nvSpPr>
-          <p:cNvPr id="2" name="Title 1"/>
-          <p:cNvSpPr>
-            <a:spLocks noGrp="1"/>
-          </p:cNvSpPr>
-          <p:nvPr>
-            <p:ph type="title"/>
-          </p:nvPr>
-        </p:nvSpPr>
-        <p:spPr/>
-        <p:txBody>
-          <a:bodyPr/>
-          <a:lstStyle/>
-          <a:p>
-            <a:r>
-              <a:rPr lang="da-DK" dirty="0"/>
-              <a:t>A note on </a:t>
-            </a:r>
-            <a:r>
-              <a:rPr lang="da-DK" dirty="0" err="1"/>
-              <a:t>Python</a:t>
-            </a:r>
-            <a:r>
-              <a:rPr lang="da-DK" dirty="0"/>
-              <a:t> and </a:t>
-            </a:r>
-            <a:r>
-              <a:rPr lang="da-DK" dirty="0" err="1"/>
-              <a:t>functions</a:t>
-            </a:r>
-            <a:endParaRPr lang="en-US" dirty="0"/>
-          </a:p>
-        </p:txBody>
-      </p:sp>
-      <p:sp>
-        <p:nvSpPr>
-          <p:cNvPr id="3" name="Content Placeholder 2"/>
-          <p:cNvSpPr>
-            <a:spLocks noGrp="1"/>
-          </p:cNvSpPr>
-          <p:nvPr>
-            <p:ph idx="1"/>
-          </p:nvPr>
-        </p:nvSpPr>
-        <p:spPr/>
-        <p:txBody>
-          <a:bodyPr>
-            <a:normAutofit/>
-          </a:bodyPr>
-          <a:lstStyle/>
-          <a:p>
-            <a:r>
-              <a:rPr lang="da-DK" dirty="0" err="1"/>
-              <a:t>Similarities</a:t>
-            </a:r>
-            <a:r>
-              <a:rPr lang="da-DK" dirty="0"/>
-              <a:t> </a:t>
-            </a:r>
-            <a:r>
-              <a:rPr lang="da-DK" dirty="0" err="1"/>
-              <a:t>between</a:t>
-            </a:r>
-            <a:r>
-              <a:rPr lang="da-DK" dirty="0"/>
-              <a:t> </a:t>
-            </a:r>
-            <a:r>
-              <a:rPr lang="da-DK" dirty="0" err="1"/>
-              <a:t>Python</a:t>
-            </a:r>
-            <a:r>
-              <a:rPr lang="da-DK" dirty="0"/>
-              <a:t> and </a:t>
-            </a:r>
-            <a:r>
-              <a:rPr lang="da-DK" dirty="0" err="1"/>
-              <a:t>other</a:t>
-            </a:r>
-            <a:r>
-              <a:rPr lang="da-DK" dirty="0"/>
-              <a:t> </a:t>
-            </a:r>
-            <a:r>
-              <a:rPr lang="da-DK" dirty="0" err="1"/>
-              <a:t>languages</a:t>
-            </a:r>
-            <a:r>
-              <a:rPr lang="da-DK" dirty="0"/>
-              <a:t>:</a:t>
-            </a:r>
-          </a:p>
-          <a:p>
-            <a:pPr lvl="1"/>
-            <a:endParaRPr lang="da-DK" dirty="0"/>
-          </a:p>
-          <a:p>
-            <a:pPr lvl="1"/>
-            <a:r>
-              <a:rPr lang="da-DK" dirty="0" err="1"/>
-              <a:t>functions</a:t>
-            </a:r>
-            <a:r>
-              <a:rPr lang="da-DK" dirty="0"/>
-              <a:t> </a:t>
-            </a:r>
-            <a:r>
-              <a:rPr lang="da-DK" dirty="0" err="1"/>
-              <a:t>are</a:t>
-            </a:r>
-            <a:r>
-              <a:rPr lang="da-DK" dirty="0"/>
-              <a:t> </a:t>
-            </a:r>
-            <a:r>
-              <a:rPr lang="da-DK" dirty="0" err="1"/>
-              <a:t>widely</a:t>
-            </a:r>
-            <a:r>
-              <a:rPr lang="da-DK" dirty="0"/>
-              <a:t> </a:t>
-            </a:r>
-            <a:r>
-              <a:rPr lang="da-DK" dirty="0" err="1"/>
-              <a:t>supported</a:t>
-            </a:r>
-            <a:r>
-              <a:rPr lang="da-DK" dirty="0"/>
-              <a:t> (</a:t>
-            </a:r>
-            <a:r>
-              <a:rPr lang="da-DK" dirty="0" err="1"/>
-              <a:t>sometimes</a:t>
-            </a:r>
-            <a:r>
-              <a:rPr lang="da-DK" dirty="0"/>
-              <a:t> </a:t>
-            </a:r>
-            <a:r>
-              <a:rPr lang="da-DK" dirty="0" err="1"/>
-              <a:t>called</a:t>
-            </a:r>
-            <a:r>
-              <a:rPr lang="da-DK" dirty="0"/>
-              <a:t> </a:t>
-            </a:r>
-            <a:r>
-              <a:rPr lang="da-DK" dirty="0" err="1"/>
-              <a:t>methods</a:t>
-            </a:r>
-            <a:r>
-              <a:rPr lang="da-DK" dirty="0"/>
-              <a:t> and procedures)</a:t>
-            </a:r>
-          </a:p>
-          <a:p>
-            <a:pPr lvl="1"/>
-            <a:r>
-              <a:rPr lang="da-DK" dirty="0" err="1"/>
-              <a:t>scoping</a:t>
-            </a:r>
-            <a:r>
-              <a:rPr lang="da-DK" dirty="0"/>
-              <a:t> </a:t>
-            </a:r>
-            <a:r>
-              <a:rPr lang="da-DK" dirty="0" err="1"/>
-              <a:t>rules</a:t>
-            </a:r>
-            <a:r>
-              <a:rPr lang="da-DK" dirty="0"/>
-              <a:t> is present in </a:t>
-            </a:r>
-            <a:r>
-              <a:rPr lang="da-DK" dirty="0" err="1"/>
-              <a:t>many</a:t>
-            </a:r>
-            <a:r>
-              <a:rPr lang="da-DK" dirty="0"/>
-              <a:t> </a:t>
-            </a:r>
-            <a:r>
-              <a:rPr lang="da-DK" dirty="0" err="1"/>
-              <a:t>languages</a:t>
-            </a:r>
-            <a:r>
-              <a:rPr lang="da-DK" dirty="0"/>
-              <a:t> (but </a:t>
-            </a:r>
-            <a:r>
-              <a:rPr lang="da-DK" dirty="0" err="1"/>
-              <a:t>details</a:t>
-            </a:r>
-            <a:r>
-              <a:rPr lang="da-DK" dirty="0"/>
-              <a:t> </a:t>
-            </a:r>
-            <a:r>
-              <a:rPr lang="da-DK" dirty="0" err="1"/>
-              <a:t>differ</a:t>
-            </a:r>
-            <a:r>
-              <a:rPr lang="da-DK" dirty="0"/>
-              <a:t>)</a:t>
-            </a:r>
-          </a:p>
-          <a:p>
-            <a:pPr marL="457200" lvl="1" indent="0">
-              <a:buNone/>
-            </a:pPr>
-            <a:endParaRPr lang="da-DK" dirty="0"/>
-          </a:p>
-          <a:p>
-            <a:r>
-              <a:rPr lang="da-DK" dirty="0"/>
-              <a:t>Python </a:t>
-            </a:r>
-            <a:r>
-              <a:rPr lang="da-DK" dirty="0" err="1"/>
-              <a:t>specific</a:t>
-            </a:r>
-            <a:r>
-              <a:rPr lang="da-DK" dirty="0"/>
-              <a:t> (but </a:t>
-            </a:r>
-            <a:r>
-              <a:rPr lang="da-DK" dirty="0" err="1"/>
-              <a:t>nice</a:t>
-            </a:r>
-            <a:r>
-              <a:rPr lang="da-DK" dirty="0"/>
-              <a:t>):</a:t>
-            </a:r>
-          </a:p>
-          <a:p>
-            <a:pPr lvl="1"/>
-            <a:endParaRPr lang="da-DK" dirty="0"/>
-          </a:p>
-          <a:p>
-            <a:pPr lvl="1"/>
-            <a:r>
-              <a:rPr lang="da-DK" dirty="0" err="1"/>
-              <a:t>how</a:t>
-            </a:r>
-            <a:r>
-              <a:rPr lang="da-DK" dirty="0"/>
-              <a:t> to handle global, </a:t>
-            </a:r>
-            <a:r>
-              <a:rPr lang="da-DK" dirty="0" err="1"/>
-              <a:t>local</a:t>
-            </a:r>
-            <a:r>
-              <a:rPr lang="da-DK" dirty="0"/>
-              <a:t> and </a:t>
-            </a:r>
-            <a:r>
-              <a:rPr lang="da-DK" dirty="0" err="1"/>
-              <a:t>nonlocal</a:t>
-            </a:r>
-            <a:r>
-              <a:rPr lang="da-DK" dirty="0"/>
-              <a:t> variables</a:t>
-            </a:r>
-          </a:p>
-          <a:p>
-            <a:pPr lvl="1"/>
-            <a:r>
-              <a:rPr lang="da-DK" dirty="0" err="1"/>
-              <a:t>keyword</a:t>
-            </a:r>
-            <a:r>
-              <a:rPr lang="da-DK" dirty="0"/>
-              <a:t> arguments</a:t>
-            </a:r>
-          </a:p>
-          <a:p>
-            <a:pPr lvl="1"/>
-            <a:r>
-              <a:rPr lang="da-DK" dirty="0"/>
-              <a:t>*, **</a:t>
-            </a:r>
-          </a:p>
-        </p:txBody>
-      </p:sp>
-    </p:spTree>
-    <p:extLst>
-      <p:ext uri="{BB962C8B-B14F-4D97-AF65-F5344CB8AC3E}">
-        <p14:creationId xmlns:p14="http://schemas.microsoft.com/office/powerpoint/2010/main" val="3579293872"/>
       </p:ext>
     </p:extLst>
   </p:cSld>
@@ -28170,6 +29692,322 @@
 </p:sld>
 </file>
 
+<file path=ppt/slides/slide30.xml><?xml version="1.0" encoding="utf-8"?>
+<p:sld xmlns:a="http://schemas.openxmlformats.org/drawingml/2006/main" xmlns:r="http://schemas.openxmlformats.org/officeDocument/2006/relationships" xmlns:p="http://schemas.openxmlformats.org/presentationml/2006/main">
+  <p:cSld>
+    <p:spTree>
+      <p:nvGrpSpPr>
+        <p:cNvPr id="1" name=""/>
+        <p:cNvGrpSpPr/>
+        <p:nvPr/>
+      </p:nvGrpSpPr>
+      <p:grpSpPr>
+        <a:xfrm>
+          <a:off x="0" y="0"/>
+          <a:ext cx="0" cy="0"/>
+          <a:chOff x="0" y="0"/>
+          <a:chExt cx="0" cy="0"/>
+        </a:xfrm>
+      </p:grpSpPr>
+      <p:sp>
+        <p:nvSpPr>
+          <p:cNvPr id="2" name="Title 1"/>
+          <p:cNvSpPr>
+            <a:spLocks noGrp="1"/>
+          </p:cNvSpPr>
+          <p:nvPr>
+            <p:ph type="title"/>
+          </p:nvPr>
+        </p:nvSpPr>
+        <p:spPr/>
+        <p:txBody>
+          <a:bodyPr/>
+          <a:lstStyle/>
+          <a:p>
+            <a:r>
+              <a:rPr lang="da-DK" dirty="0"/>
+              <a:t>A note on </a:t>
+            </a:r>
+            <a:r>
+              <a:rPr lang="da-DK" dirty="0" err="1"/>
+              <a:t>Python</a:t>
+            </a:r>
+            <a:r>
+              <a:rPr lang="da-DK" dirty="0"/>
+              <a:t> and </a:t>
+            </a:r>
+            <a:r>
+              <a:rPr lang="da-DK" dirty="0" err="1"/>
+              <a:t>functions</a:t>
+            </a:r>
+            <a:endParaRPr lang="en-US" dirty="0"/>
+          </a:p>
+        </p:txBody>
+      </p:sp>
+      <p:sp>
+        <p:nvSpPr>
+          <p:cNvPr id="3" name="Content Placeholder 2"/>
+          <p:cNvSpPr>
+            <a:spLocks noGrp="1"/>
+          </p:cNvSpPr>
+          <p:nvPr>
+            <p:ph idx="1"/>
+          </p:nvPr>
+        </p:nvSpPr>
+        <p:spPr/>
+        <p:txBody>
+          <a:bodyPr>
+            <a:normAutofit/>
+          </a:bodyPr>
+          <a:lstStyle/>
+          <a:p>
+            <a:r>
+              <a:rPr lang="da-DK" dirty="0" err="1"/>
+              <a:t>Similarities</a:t>
+            </a:r>
+            <a:r>
+              <a:rPr lang="da-DK" dirty="0"/>
+              <a:t> </a:t>
+            </a:r>
+            <a:r>
+              <a:rPr lang="da-DK" dirty="0" err="1"/>
+              <a:t>between</a:t>
+            </a:r>
+            <a:r>
+              <a:rPr lang="da-DK" dirty="0"/>
+              <a:t> </a:t>
+            </a:r>
+            <a:r>
+              <a:rPr lang="da-DK" dirty="0" err="1"/>
+              <a:t>Python</a:t>
+            </a:r>
+            <a:r>
+              <a:rPr lang="da-DK" dirty="0"/>
+              <a:t> and </a:t>
+            </a:r>
+            <a:r>
+              <a:rPr lang="da-DK" dirty="0" err="1"/>
+              <a:t>other</a:t>
+            </a:r>
+            <a:r>
+              <a:rPr lang="da-DK" dirty="0"/>
+              <a:t> </a:t>
+            </a:r>
+            <a:r>
+              <a:rPr lang="da-DK" dirty="0" err="1"/>
+              <a:t>languages</a:t>
+            </a:r>
+            <a:r>
+              <a:rPr lang="da-DK" dirty="0"/>
+              <a:t>:</a:t>
+            </a:r>
+          </a:p>
+          <a:p>
+            <a:pPr lvl="1"/>
+            <a:endParaRPr lang="da-DK" dirty="0"/>
+          </a:p>
+          <a:p>
+            <a:pPr lvl="1"/>
+            <a:r>
+              <a:rPr lang="da-DK" dirty="0" err="1"/>
+              <a:t>functions</a:t>
+            </a:r>
+            <a:r>
+              <a:rPr lang="da-DK" dirty="0"/>
+              <a:t> </a:t>
+            </a:r>
+            <a:r>
+              <a:rPr lang="da-DK" dirty="0" err="1"/>
+              <a:t>are</a:t>
+            </a:r>
+            <a:r>
+              <a:rPr lang="da-DK" dirty="0"/>
+              <a:t> </a:t>
+            </a:r>
+            <a:r>
+              <a:rPr lang="da-DK" dirty="0" err="1"/>
+              <a:t>widely</a:t>
+            </a:r>
+            <a:r>
+              <a:rPr lang="da-DK" dirty="0"/>
+              <a:t> </a:t>
+            </a:r>
+            <a:r>
+              <a:rPr lang="da-DK" dirty="0" err="1"/>
+              <a:t>supported</a:t>
+            </a:r>
+            <a:r>
+              <a:rPr lang="da-DK" dirty="0"/>
+              <a:t> (</a:t>
+            </a:r>
+            <a:r>
+              <a:rPr lang="da-DK" dirty="0" err="1"/>
+              <a:t>sometimes</a:t>
+            </a:r>
+            <a:r>
+              <a:rPr lang="da-DK" dirty="0"/>
+              <a:t> </a:t>
+            </a:r>
+            <a:r>
+              <a:rPr lang="da-DK" dirty="0" err="1"/>
+              <a:t>called</a:t>
+            </a:r>
+            <a:r>
+              <a:rPr lang="da-DK" dirty="0"/>
+              <a:t> </a:t>
+            </a:r>
+            <a:r>
+              <a:rPr lang="da-DK" dirty="0" err="1"/>
+              <a:t>methods</a:t>
+            </a:r>
+            <a:r>
+              <a:rPr lang="da-DK" dirty="0"/>
+              <a:t> and procedures)</a:t>
+            </a:r>
+          </a:p>
+          <a:p>
+            <a:pPr lvl="1"/>
+            <a:r>
+              <a:rPr lang="da-DK" dirty="0" err="1"/>
+              <a:t>scoping</a:t>
+            </a:r>
+            <a:r>
+              <a:rPr lang="da-DK" dirty="0"/>
+              <a:t> </a:t>
+            </a:r>
+            <a:r>
+              <a:rPr lang="da-DK" dirty="0" err="1"/>
+              <a:t>rules</a:t>
+            </a:r>
+            <a:r>
+              <a:rPr lang="da-DK" dirty="0"/>
+              <a:t> is present in </a:t>
+            </a:r>
+            <a:r>
+              <a:rPr lang="da-DK" dirty="0" err="1"/>
+              <a:t>many</a:t>
+            </a:r>
+            <a:r>
+              <a:rPr lang="da-DK" dirty="0"/>
+              <a:t> </a:t>
+            </a:r>
+            <a:r>
+              <a:rPr lang="da-DK" dirty="0" err="1"/>
+              <a:t>languages</a:t>
+            </a:r>
+            <a:r>
+              <a:rPr lang="da-DK" dirty="0"/>
+              <a:t> (but </a:t>
+            </a:r>
+            <a:r>
+              <a:rPr lang="da-DK" dirty="0" err="1"/>
+              <a:t>details</a:t>
+            </a:r>
+            <a:r>
+              <a:rPr lang="da-DK" dirty="0"/>
+              <a:t> </a:t>
+            </a:r>
+            <a:r>
+              <a:rPr lang="da-DK" dirty="0" err="1"/>
+              <a:t>differ</a:t>
+            </a:r>
+            <a:r>
+              <a:rPr lang="da-DK" dirty="0"/>
+              <a:t>)</a:t>
+            </a:r>
+          </a:p>
+          <a:p>
+            <a:pPr marL="457200" lvl="1" indent="0">
+              <a:buNone/>
+            </a:pPr>
+            <a:endParaRPr lang="da-DK" dirty="0"/>
+          </a:p>
+          <a:p>
+            <a:r>
+              <a:rPr lang="da-DK" dirty="0"/>
+              <a:t>Python </a:t>
+            </a:r>
+            <a:r>
+              <a:rPr lang="da-DK" dirty="0" err="1"/>
+              <a:t>specific</a:t>
+            </a:r>
+            <a:r>
+              <a:rPr lang="da-DK" dirty="0"/>
+              <a:t> (but </a:t>
+            </a:r>
+            <a:r>
+              <a:rPr lang="da-DK" dirty="0" err="1"/>
+              <a:t>nice</a:t>
+            </a:r>
+            <a:r>
+              <a:rPr lang="da-DK" dirty="0"/>
+              <a:t>):</a:t>
+            </a:r>
+          </a:p>
+          <a:p>
+            <a:pPr lvl="1"/>
+            <a:endParaRPr lang="da-DK" dirty="0"/>
+          </a:p>
+          <a:p>
+            <a:pPr lvl="1"/>
+            <a:r>
+              <a:rPr lang="da-DK" dirty="0" err="1"/>
+              <a:t>how</a:t>
+            </a:r>
+            <a:r>
+              <a:rPr lang="da-DK" dirty="0"/>
+              <a:t> to handle global, </a:t>
+            </a:r>
+            <a:r>
+              <a:rPr lang="da-DK" dirty="0" err="1"/>
+              <a:t>local</a:t>
+            </a:r>
+            <a:r>
+              <a:rPr lang="da-DK" dirty="0"/>
+              <a:t> and </a:t>
+            </a:r>
+            <a:r>
+              <a:rPr lang="da-DK" dirty="0" err="1"/>
+              <a:t>nonlocal</a:t>
+            </a:r>
+            <a:r>
+              <a:rPr lang="da-DK" dirty="0"/>
+              <a:t> variables</a:t>
+            </a:r>
+          </a:p>
+          <a:p>
+            <a:pPr lvl="1"/>
+            <a:r>
+              <a:rPr lang="da-DK" dirty="0" err="1"/>
+              <a:t>keyword</a:t>
+            </a:r>
+            <a:r>
+              <a:rPr lang="da-DK" dirty="0"/>
+              <a:t> arguments</a:t>
+            </a:r>
+          </a:p>
+          <a:p>
+            <a:pPr lvl="1"/>
+            <a:r>
+              <a:rPr lang="da-DK" dirty="0"/>
+              <a:t>*, **</a:t>
+            </a:r>
+          </a:p>
+        </p:txBody>
+      </p:sp>
+    </p:spTree>
+    <p:extLst>
+      <p:ext uri="{BB962C8B-B14F-4D97-AF65-F5344CB8AC3E}">
+        <p14:creationId xmlns:p14="http://schemas.microsoft.com/office/powerpoint/2010/main" val="3579293872"/>
+      </p:ext>
+    </p:extLst>
+  </p:cSld>
+  <p:clrMapOvr>
+    <a:masterClrMapping/>
+  </p:clrMapOvr>
+</p:sld>
+</file>
+
 <file path=ppt/slides/slide4.xml><?xml version="1.0" encoding="utf-8"?>
 <p:sld xmlns:a="http://schemas.openxmlformats.org/drawingml/2006/main" xmlns:r="http://schemas.openxmlformats.org/officeDocument/2006/relationships" xmlns:p="http://schemas.openxmlformats.org/presentationml/2006/main">
   <p:cSld>
@@ -32314,7 +34152,7 @@
           <p:nvPr>
             <p:extLst>
               <p:ext uri="{D42A27DB-BD31-4B8C-83A1-F6EECF244321}">
-                <p14:modId xmlns:p14="http://schemas.microsoft.com/office/powerpoint/2010/main" val="3603636338"/>
+                <p14:modId xmlns:p14="http://schemas.microsoft.com/office/powerpoint/2010/main" val="3893261498"/>
               </p:ext>
             </p:extLst>
           </p:nvPr>
@@ -32513,7 +34351,7 @@
                           <a:latin typeface="Courier New" panose="02070309020205020404" pitchFamily="49" charset="0"/>
                           <a:cs typeface="Courier New" panose="02070309020205020404" pitchFamily="49" charset="0"/>
                         </a:rPr>
-                        <a:t>x = 7  </a:t>
+                        <a:t>x = 7     </a:t>
                       </a:r>
                       <a:r>
                         <a:rPr lang="en-US" sz="1800" b="1" baseline="0" dirty="0">

--- a/ipsa/slides/functions.pptx
+++ b/ipsa/slides/functions.pptx
@@ -147,7 +147,7 @@
 <file path=ppt/revisionInfo.xml><?xml version="1.0" encoding="utf-8"?>
 <p1510:revInfo xmlns:a="http://schemas.openxmlformats.org/drawingml/2006/main" xmlns:r="http://schemas.openxmlformats.org/officeDocument/2006/relationships" xmlns:p1510="http://schemas.microsoft.com/office/powerpoint/2015/10/main">
   <p1510:revLst>
-    <p1510:client id="{89EC5210-EF5D-482B-9301-5C971FABFA3E}" v="38" dt="2023-02-18T10:27:13.549"/>
+    <p1510:client id="{89EC5210-EF5D-482B-9301-5C971FABFA3E}" v="39" dt="2023-02-19T18:31:55.092"/>
   </p1510:revLst>
 </p1510:revInfo>
 </file>
@@ -549,8 +549,8 @@
   </pc:docChgLst>
   <pc:docChgLst>
     <pc:chgData name="Gerth Stølting Brodal" userId="04ef4784-6591-4f86-a140-f5c3b108582a" providerId="ADAL" clId="{89EC5210-EF5D-482B-9301-5C971FABFA3E}"/>
-    <pc:docChg chg="undo custSel addSld modSld">
-      <pc:chgData name="Gerth Stølting Brodal" userId="04ef4784-6591-4f86-a140-f5c3b108582a" providerId="ADAL" clId="{89EC5210-EF5D-482B-9301-5C971FABFA3E}" dt="2023-02-18T10:52:08.355" v="1148" actId="1035"/>
+    <pc:docChg chg="undo redo custSel addSld modSld">
+      <pc:chgData name="Gerth Stølting Brodal" userId="04ef4784-6591-4f86-a140-f5c3b108582a" providerId="ADAL" clId="{89EC5210-EF5D-482B-9301-5C971FABFA3E}" dt="2023-02-19T18:51:54.770" v="1472" actId="20577"/>
       <pc:docMkLst>
         <pc:docMk/>
       </pc:docMkLst>
@@ -578,13 +578,28 @@
         </pc:graphicFrameChg>
       </pc:sldChg>
       <pc:sldChg chg="modSp mod">
-        <pc:chgData name="Gerth Stølting Brodal" userId="04ef4784-6591-4f86-a140-f5c3b108582a" providerId="ADAL" clId="{89EC5210-EF5D-482B-9301-5C971FABFA3E}" dt="2023-02-18T10:49:11.683" v="1143" actId="14100"/>
+        <pc:chgData name="Gerth Stølting Brodal" userId="04ef4784-6591-4f86-a140-f5c3b108582a" providerId="ADAL" clId="{89EC5210-EF5D-482B-9301-5C971FABFA3E}" dt="2023-02-19T18:31:55.092" v="1214"/>
+        <pc:sldMkLst>
+          <pc:docMk/>
+          <pc:sldMk cId="3419193662" sldId="565"/>
+        </pc:sldMkLst>
+        <pc:graphicFrameChg chg="mod modGraphic">
+          <ac:chgData name="Gerth Stølting Brodal" userId="04ef4784-6591-4f86-a140-f5c3b108582a" providerId="ADAL" clId="{89EC5210-EF5D-482B-9301-5C971FABFA3E}" dt="2023-02-19T18:31:55.092" v="1214"/>
+          <ac:graphicFrameMkLst>
+            <pc:docMk/>
+            <pc:sldMk cId="3419193662" sldId="565"/>
+            <ac:graphicFrameMk id="4" creationId="{00000000-0000-0000-0000-000000000000}"/>
+          </ac:graphicFrameMkLst>
+        </pc:graphicFrameChg>
+      </pc:sldChg>
+      <pc:sldChg chg="modSp mod">
+        <pc:chgData name="Gerth Stølting Brodal" userId="04ef4784-6591-4f86-a140-f5c3b108582a" providerId="ADAL" clId="{89EC5210-EF5D-482B-9301-5C971FABFA3E}" dt="2023-02-19T18:35:09.228" v="1216" actId="207"/>
         <pc:sldMkLst>
           <pc:docMk/>
           <pc:sldMk cId="3627704936" sldId="566"/>
         </pc:sldMkLst>
         <pc:spChg chg="mod">
-          <ac:chgData name="Gerth Stølting Brodal" userId="04ef4784-6591-4f86-a140-f5c3b108582a" providerId="ADAL" clId="{89EC5210-EF5D-482B-9301-5C971FABFA3E}" dt="2023-02-18T10:49:11.683" v="1143" actId="14100"/>
+          <ac:chgData name="Gerth Stølting Brodal" userId="04ef4784-6591-4f86-a140-f5c3b108582a" providerId="ADAL" clId="{89EC5210-EF5D-482B-9301-5C971FABFA3E}" dt="2023-02-19T18:35:09.228" v="1216" actId="207"/>
           <ac:spMkLst>
             <pc:docMk/>
             <pc:sldMk cId="3627704936" sldId="566"/>
@@ -593,7 +608,7 @@
         </pc:spChg>
       </pc:sldChg>
       <pc:sldChg chg="modSp mod">
-        <pc:chgData name="Gerth Stølting Brodal" userId="04ef4784-6591-4f86-a140-f5c3b108582a" providerId="ADAL" clId="{89EC5210-EF5D-482B-9301-5C971FABFA3E}" dt="2023-02-18T08:42:02.465" v="183" actId="20577"/>
+        <pc:chgData name="Gerth Stølting Brodal" userId="04ef4784-6591-4f86-a140-f5c3b108582a" providerId="ADAL" clId="{89EC5210-EF5D-482B-9301-5C971FABFA3E}" dt="2023-02-19T18:38:43.530" v="1265" actId="1076"/>
         <pc:sldMkLst>
           <pc:docMk/>
           <pc:sldMk cId="2099313752" sldId="567"/>
@@ -606,8 +621,8 @@
             <ac:spMk id="3" creationId="{00000000-0000-0000-0000-000000000000}"/>
           </ac:spMkLst>
         </pc:spChg>
-        <pc:graphicFrameChg chg="mod">
-          <ac:chgData name="Gerth Stølting Brodal" userId="04ef4784-6591-4f86-a140-f5c3b108582a" providerId="ADAL" clId="{89EC5210-EF5D-482B-9301-5C971FABFA3E}" dt="2023-02-18T08:41:45.085" v="182" actId="1076"/>
+        <pc:graphicFrameChg chg="mod modGraphic">
+          <ac:chgData name="Gerth Stølting Brodal" userId="04ef4784-6591-4f86-a140-f5c3b108582a" providerId="ADAL" clId="{89EC5210-EF5D-482B-9301-5C971FABFA3E}" dt="2023-02-19T18:38:43.530" v="1265" actId="1076"/>
           <ac:graphicFrameMkLst>
             <pc:docMk/>
             <pc:sldMk cId="2099313752" sldId="567"/>
@@ -851,19 +866,42 @@
         </pc:spChg>
       </pc:sldChg>
       <pc:sldChg chg="modSp mod">
-        <pc:chgData name="Gerth Stølting Brodal" userId="04ef4784-6591-4f86-a140-f5c3b108582a" providerId="ADAL" clId="{89EC5210-EF5D-482B-9301-5C971FABFA3E}" dt="2023-02-18T09:22:50.725" v="192" actId="20577"/>
+        <pc:chgData name="Gerth Stølting Brodal" userId="04ef4784-6591-4f86-a140-f5c3b108582a" providerId="ADAL" clId="{89EC5210-EF5D-482B-9301-5C971FABFA3E}" dt="2023-02-19T18:40:28.609" v="1284" actId="1076"/>
+        <pc:sldMkLst>
+          <pc:docMk/>
+          <pc:sldMk cId="2854255146" sldId="575"/>
+        </pc:sldMkLst>
+        <pc:graphicFrameChg chg="mod modGraphic">
+          <ac:chgData name="Gerth Stølting Brodal" userId="04ef4784-6591-4f86-a140-f5c3b108582a" providerId="ADAL" clId="{89EC5210-EF5D-482B-9301-5C971FABFA3E}" dt="2023-02-19T18:40:28.609" v="1284" actId="1076"/>
+          <ac:graphicFrameMkLst>
+            <pc:docMk/>
+            <pc:sldMk cId="2854255146" sldId="575"/>
+            <ac:graphicFrameMk id="4" creationId="{00000000-0000-0000-0000-000000000000}"/>
+          </ac:graphicFrameMkLst>
+        </pc:graphicFrameChg>
+      </pc:sldChg>
+      <pc:sldChg chg="modSp mod">
+        <pc:chgData name="Gerth Stølting Brodal" userId="04ef4784-6591-4f86-a140-f5c3b108582a" providerId="ADAL" clId="{89EC5210-EF5D-482B-9301-5C971FABFA3E}" dt="2023-02-19T18:46:39.801" v="1399" actId="1076"/>
         <pc:sldMkLst>
           <pc:docMk/>
           <pc:sldMk cId="4009993959" sldId="582"/>
         </pc:sldMkLst>
         <pc:spChg chg="mod">
-          <ac:chgData name="Gerth Stølting Brodal" userId="04ef4784-6591-4f86-a140-f5c3b108582a" providerId="ADAL" clId="{89EC5210-EF5D-482B-9301-5C971FABFA3E}" dt="2023-02-18T09:22:50.725" v="192" actId="20577"/>
+          <ac:chgData name="Gerth Stølting Brodal" userId="04ef4784-6591-4f86-a140-f5c3b108582a" providerId="ADAL" clId="{89EC5210-EF5D-482B-9301-5C971FABFA3E}" dt="2023-02-19T18:46:39.801" v="1399" actId="1076"/>
           <ac:spMkLst>
             <pc:docMk/>
             <pc:sldMk cId="4009993959" sldId="582"/>
             <ac:spMk id="3" creationId="{00000000-0000-0000-0000-000000000000}"/>
           </ac:spMkLst>
         </pc:spChg>
+        <pc:graphicFrameChg chg="mod modGraphic">
+          <ac:chgData name="Gerth Stølting Brodal" userId="04ef4784-6591-4f86-a140-f5c3b108582a" providerId="ADAL" clId="{89EC5210-EF5D-482B-9301-5C971FABFA3E}" dt="2023-02-19T18:46:25.649" v="1398" actId="1076"/>
+          <ac:graphicFrameMkLst>
+            <pc:docMk/>
+            <pc:sldMk cId="4009993959" sldId="582"/>
+            <ac:graphicFrameMk id="4" creationId="{00000000-0000-0000-0000-000000000000}"/>
+          </ac:graphicFrameMkLst>
+        </pc:graphicFrameChg>
       </pc:sldChg>
       <pc:sldChg chg="modSp mod modNotesTx">
         <pc:chgData name="Gerth Stølting Brodal" userId="04ef4784-6591-4f86-a140-f5c3b108582a" providerId="ADAL" clId="{89EC5210-EF5D-482B-9301-5C971FABFA3E}" dt="2023-02-18T10:52:08.355" v="1148" actId="1035"/>
@@ -934,7 +972,7 @@
         </pc:spChg>
       </pc:sldChg>
       <pc:sldChg chg="addSp modSp add mod modNotesTx">
-        <pc:chgData name="Gerth Stølting Brodal" userId="04ef4784-6591-4f86-a140-f5c3b108582a" providerId="ADAL" clId="{89EC5210-EF5D-482B-9301-5C971FABFA3E}" dt="2023-02-18T10:40:07.227" v="962" actId="1036"/>
+        <pc:chgData name="Gerth Stølting Brodal" userId="04ef4784-6591-4f86-a140-f5c3b108582a" providerId="ADAL" clId="{89EC5210-EF5D-482B-9301-5C971FABFA3E}" dt="2023-02-19T18:51:54.770" v="1472" actId="20577"/>
         <pc:sldMkLst>
           <pc:docMk/>
           <pc:sldMk cId="4032496496" sldId="592"/>
@@ -1051,7 +1089,7 @@
           <a:p>
             <a:fld id="{FB1A172F-81D4-4DC4-9113-1DBD56EC3646}" type="datetimeFigureOut">
               <a:rPr lang="en-US" smtClean="0"/>
-              <a:t>2/18/2023</a:t>
+              <a:t>2/19/2023</a:t>
             </a:fld>
             <a:endParaRPr lang="en-US"/>
           </a:p>
@@ -2113,6 +2151,20 @@
           <a:p>
             <a:r>
               <a:rPr lang="en-US" dirty="0"/>
+              <a:t>The presence of “def g” makes Python aware that g is </a:t>
+            </a:r>
+            <a:r>
+              <a:rPr lang="en-US"/>
+              <a:t>local variable</a:t>
+            </a:r>
+            <a:endParaRPr lang="en-US" dirty="0"/>
+          </a:p>
+          <a:p>
+            <a:endParaRPr lang="en-US" dirty="0"/>
+          </a:p>
+          <a:p>
+            <a:r>
+              <a:rPr lang="en-US" dirty="0"/>
               <a:t>Some programming languages allow you to refer to names first defined further below</a:t>
             </a:r>
           </a:p>
@@ -3529,7 +3581,7 @@
           <a:p>
             <a:fld id="{0560A9CD-0304-4E0B-9E82-E7E0115DE05B}" type="datetimeFigureOut">
               <a:rPr lang="en-US" smtClean="0"/>
-              <a:t>2/18/2023</a:t>
+              <a:t>2/19/2023</a:t>
             </a:fld>
             <a:endParaRPr lang="en-US"/>
           </a:p>
@@ -3697,7 +3749,7 @@
           <a:p>
             <a:fld id="{0560A9CD-0304-4E0B-9E82-E7E0115DE05B}" type="datetimeFigureOut">
               <a:rPr lang="en-US" smtClean="0"/>
-              <a:t>2/18/2023</a:t>
+              <a:t>2/19/2023</a:t>
             </a:fld>
             <a:endParaRPr lang="en-US"/>
           </a:p>
@@ -3875,7 +3927,7 @@
           <a:p>
             <a:fld id="{0560A9CD-0304-4E0B-9E82-E7E0115DE05B}" type="datetimeFigureOut">
               <a:rPr lang="en-US" smtClean="0"/>
-              <a:t>2/18/2023</a:t>
+              <a:t>2/19/2023</a:t>
             </a:fld>
             <a:endParaRPr lang="en-US"/>
           </a:p>
@@ -4058,7 +4110,7 @@
           <a:p>
             <a:fld id="{0560A9CD-0304-4E0B-9E82-E7E0115DE05B}" type="datetimeFigureOut">
               <a:rPr lang="en-US" smtClean="0"/>
-              <a:t>2/18/2023</a:t>
+              <a:t>2/19/2023</a:t>
             </a:fld>
             <a:endParaRPr lang="en-US"/>
           </a:p>
@@ -4303,7 +4355,7 @@
           <a:p>
             <a:fld id="{0560A9CD-0304-4E0B-9E82-E7E0115DE05B}" type="datetimeFigureOut">
               <a:rPr lang="en-US" smtClean="0"/>
-              <a:t>2/18/2023</a:t>
+              <a:t>2/19/2023</a:t>
             </a:fld>
             <a:endParaRPr lang="en-US"/>
           </a:p>
@@ -4532,7 +4584,7 @@
           <a:p>
             <a:fld id="{0560A9CD-0304-4E0B-9E82-E7E0115DE05B}" type="datetimeFigureOut">
               <a:rPr lang="en-US" smtClean="0"/>
-              <a:t>2/18/2023</a:t>
+              <a:t>2/19/2023</a:t>
             </a:fld>
             <a:endParaRPr lang="en-US"/>
           </a:p>
@@ -4896,7 +4948,7 @@
           <a:p>
             <a:fld id="{0560A9CD-0304-4E0B-9E82-E7E0115DE05B}" type="datetimeFigureOut">
               <a:rPr lang="en-US" smtClean="0"/>
-              <a:t>2/18/2023</a:t>
+              <a:t>2/19/2023</a:t>
             </a:fld>
             <a:endParaRPr lang="en-US"/>
           </a:p>
@@ -5013,7 +5065,7 @@
           <a:p>
             <a:fld id="{0560A9CD-0304-4E0B-9E82-E7E0115DE05B}" type="datetimeFigureOut">
               <a:rPr lang="en-US" smtClean="0"/>
-              <a:t>2/18/2023</a:t>
+              <a:t>2/19/2023</a:t>
             </a:fld>
             <a:endParaRPr lang="en-US"/>
           </a:p>
@@ -5108,7 +5160,7 @@
           <a:p>
             <a:fld id="{0560A9CD-0304-4E0B-9E82-E7E0115DE05B}" type="datetimeFigureOut">
               <a:rPr lang="en-US" smtClean="0"/>
-              <a:t>2/18/2023</a:t>
+              <a:t>2/19/2023</a:t>
             </a:fld>
             <a:endParaRPr lang="en-US"/>
           </a:p>
@@ -5383,7 +5435,7 @@
           <a:p>
             <a:fld id="{0560A9CD-0304-4E0B-9E82-E7E0115DE05B}" type="datetimeFigureOut">
               <a:rPr lang="en-US" smtClean="0"/>
-              <a:t>2/18/2023</a:t>
+              <a:t>2/19/2023</a:t>
             </a:fld>
             <a:endParaRPr lang="en-US"/>
           </a:p>
@@ -5635,7 +5687,7 @@
           <a:p>
             <a:fld id="{0560A9CD-0304-4E0B-9E82-E7E0115DE05B}" type="datetimeFigureOut">
               <a:rPr lang="en-US" smtClean="0"/>
-              <a:t>2/18/2023</a:t>
+              <a:t>2/19/2023</a:t>
             </a:fld>
             <a:endParaRPr lang="en-US"/>
           </a:p>
@@ -5846,7 +5898,7 @@
           <a:p>
             <a:fld id="{0560A9CD-0304-4E0B-9E82-E7E0115DE05B}" type="datetimeFigureOut">
               <a:rPr lang="en-US" smtClean="0"/>
-              <a:t>2/18/2023</a:t>
+              <a:t>2/19/2023</a:t>
             </a:fld>
             <a:endParaRPr lang="en-US"/>
           </a:p>
@@ -9866,7 +9918,24 @@
                 <a:latin typeface="Courier New" panose="02070309020205020404" pitchFamily="49" charset="0"/>
                 <a:cs typeface="Courier New" panose="02070309020205020404" pitchFamily="49" charset="0"/>
               </a:rPr>
-              <a:t>=":", end="")</a:t>
+              <a:t>=":", </a:t>
+            </a:r>
+            <a:r>
+              <a:rPr lang="da-DK" sz="2600" dirty="0">
+                <a:solidFill>
+                  <a:srgbClr val="C00000"/>
+                </a:solidFill>
+                <a:latin typeface="Courier New" panose="02070309020205020404" pitchFamily="49" charset="0"/>
+                <a:cs typeface="Courier New" panose="02070309020205020404" pitchFamily="49" charset="0"/>
+              </a:rPr>
+              <a:t>end=</a:t>
+            </a:r>
+            <a:r>
+              <a:rPr lang="da-DK" sz="2600" dirty="0">
+                <a:latin typeface="Courier New" panose="02070309020205020404" pitchFamily="49" charset="0"/>
+                <a:cs typeface="Courier New" panose="02070309020205020404" pitchFamily="49" charset="0"/>
+              </a:rPr>
+              <a:t>"")</a:t>
             </a:r>
           </a:p>
           <a:p>
@@ -9912,7 +9981,24 @@
                 <a:latin typeface="Courier New" panose="02070309020205020404" pitchFamily="49" charset="0"/>
                 <a:cs typeface="Courier New" panose="02070309020205020404" pitchFamily="49" charset="0"/>
               </a:rPr>
-              <a:t>, start=1)</a:t>
+              <a:t>, </a:t>
+            </a:r>
+            <a:r>
+              <a:rPr lang="da-DK" sz="2600" dirty="0">
+                <a:solidFill>
+                  <a:srgbClr val="C00000"/>
+                </a:solidFill>
+                <a:latin typeface="Courier New" panose="02070309020205020404" pitchFamily="49" charset="0"/>
+                <a:cs typeface="Courier New" panose="02070309020205020404" pitchFamily="49" charset="0"/>
+              </a:rPr>
+              <a:t>start=</a:t>
+            </a:r>
+            <a:r>
+              <a:rPr lang="da-DK" sz="2600" dirty="0">
+                <a:latin typeface="Courier New" panose="02070309020205020404" pitchFamily="49" charset="0"/>
+                <a:cs typeface="Courier New" panose="02070309020205020404" pitchFamily="49" charset="0"/>
+              </a:rPr>
+              <a:t>1)</a:t>
             </a:r>
             <a:endParaRPr lang="en-US" dirty="0">
               <a:latin typeface="Courier New" panose="02070309020205020404" pitchFamily="49" charset="0"/>
@@ -10959,14 +11045,14 @@
           <p:nvPr>
             <p:extLst>
               <p:ext uri="{D42A27DB-BD31-4B8C-83A1-F6EECF244321}">
-                <p14:modId xmlns:p14="http://schemas.microsoft.com/office/powerpoint/2010/main" val="150902172"/>
+                <p14:modId xmlns:p14="http://schemas.microsoft.com/office/powerpoint/2010/main" val="1063123830"/>
               </p:ext>
             </p:extLst>
           </p:nvPr>
         </p:nvGraphicFramePr>
         <p:xfrm>
-          <a:off x="2339022" y="4092983"/>
-          <a:ext cx="7513955" cy="1706880"/>
+          <a:off x="3499485" y="4262800"/>
+          <a:ext cx="5193030" cy="1706880"/>
         </p:xfrm>
         <a:graphic>
           <a:graphicData uri="http://schemas.openxmlformats.org/drawingml/2006/table">
@@ -10975,7 +11061,7 @@
                 <a:tableStyleId>{5C22544A-7EE6-4342-B048-85BDC9FD1C3A}</a:tableStyleId>
               </a:tblPr>
               <a:tblGrid>
-                <a:gridCol w="7513955">
+                <a:gridCol w="5193030">
                   <a:extLst>
                     <a:ext uri="{9D8B030D-6E8A-4147-A177-3AD203B41FA5}">
                       <a16:colId xmlns:a16="http://schemas.microsoft.com/office/drawing/2014/main" val="1873682825"/>
@@ -11132,7 +11218,7 @@
                           <a:latin typeface="Courier New" panose="02070309020205020404" pitchFamily="49" charset="0"/>
                           <a:cs typeface="Courier New" panose="02070309020205020404" pitchFamily="49" charset="0"/>
                         </a:rPr>
-                        <a:t>	print("a=%s, b=%s, c=%s, d=%s" % (a, b, c, d))</a:t>
+                        <a:t>	print(f'{a=} {b=} {c=} {d=}')</a:t>
                       </a:r>
                       <a:endParaRPr lang="pt-BR" sz="1800" b="1" baseline="0" dirty="0">
                         <a:latin typeface="Courier New" panose="02070309020205020404" pitchFamily="49" charset="0"/>
@@ -13603,14 +13689,14 @@
           <p:nvPr>
             <p:extLst>
               <p:ext uri="{D42A27DB-BD31-4B8C-83A1-F6EECF244321}">
-                <p14:modId xmlns:p14="http://schemas.microsoft.com/office/powerpoint/2010/main" val="161440083"/>
+                <p14:modId xmlns:p14="http://schemas.microsoft.com/office/powerpoint/2010/main" val="3673450408"/>
               </p:ext>
             </p:extLst>
           </p:nvPr>
         </p:nvGraphicFramePr>
         <p:xfrm>
-          <a:off x="2339022" y="4001294"/>
-          <a:ext cx="7513955" cy="1828800"/>
+          <a:off x="3072447" y="4001294"/>
+          <a:ext cx="6047105" cy="1828800"/>
         </p:xfrm>
         <a:graphic>
           <a:graphicData uri="http://schemas.openxmlformats.org/drawingml/2006/table">
@@ -13619,7 +13705,7 @@
                 <a:tableStyleId>{5C22544A-7EE6-4342-B048-85BDC9FD1C3A}</a:tableStyleId>
               </a:tblPr>
               <a:tblGrid>
-                <a:gridCol w="7513955">
+                <a:gridCol w="6047105">
                   <a:extLst>
                     <a:ext uri="{9D8B030D-6E8A-4147-A177-3AD203B41FA5}">
                       <a16:colId xmlns:a16="http://schemas.microsoft.com/office/drawing/2014/main" val="1873682825"/>
@@ -13866,7 +13952,7 @@
                           <a:latin typeface="Courier New" panose="02070309020205020404" pitchFamily="49" charset="0"/>
                           <a:cs typeface="Courier New" panose="02070309020205020404" pitchFamily="49" charset="0"/>
                         </a:rPr>
-                        <a:t>: '#\n'}	   </a:t>
+                        <a:t>: '#\n'}</a:t>
                       </a:r>
                     </a:p>
                     <a:p>
@@ -15911,7 +15997,7 @@
         </p:nvSpPr>
         <p:spPr>
           <a:xfrm>
-            <a:off x="0" y="6107502"/>
+            <a:off x="0" y="5624177"/>
             <a:ext cx="12192000" cy="750498"/>
           </a:xfrm>
         </p:spPr>
@@ -15994,14 +16080,14 @@
           <p:nvPr>
             <p:extLst>
               <p:ext uri="{D42A27DB-BD31-4B8C-83A1-F6EECF244321}">
-                <p14:modId xmlns:p14="http://schemas.microsoft.com/office/powerpoint/2010/main" val="3746647201"/>
+                <p14:modId xmlns:p14="http://schemas.microsoft.com/office/powerpoint/2010/main" val="391444722"/>
               </p:ext>
             </p:extLst>
           </p:nvPr>
         </p:nvGraphicFramePr>
         <p:xfrm>
-          <a:off x="1428286" y="1690688"/>
-          <a:ext cx="9335428" cy="4328160"/>
+          <a:off x="2253297" y="2082574"/>
+          <a:ext cx="7685405" cy="3352800"/>
         </p:xfrm>
         <a:graphic>
           <a:graphicData uri="http://schemas.openxmlformats.org/drawingml/2006/table">
@@ -16010,7 +16096,7 @@
                 <a:tableStyleId>{5C22544A-7EE6-4342-B048-85BDC9FD1C3A}</a:tableStyleId>
               </a:tblPr>
               <a:tblGrid>
-                <a:gridCol w="9335428">
+                <a:gridCol w="7685405">
                   <a:extLst>
                     <a:ext uri="{9D8B030D-6E8A-4147-A177-3AD203B41FA5}">
                       <a16:colId xmlns:a16="http://schemas.microsoft.com/office/drawing/2014/main" val="1873682825"/>
@@ -16267,127 +16353,20 @@
                           <a:latin typeface="Courier New" panose="02070309020205020404" pitchFamily="49" charset="0"/>
                           <a:cs typeface="Courier New" panose="02070309020205020404" pitchFamily="49" charset="0"/>
                         </a:rPr>
-                        <a:t>      print("a=%s, b=%s, c=%s, d=%s, e=%s, " % (a, b, c, d, e),</a:t>
-                      </a:r>
-                    </a:p>
-                    <a:p>
-                      <a:pPr marL="0" indent="0">
-                        <a:spcBef>
-                          <a:spcPts val="0"/>
-                        </a:spcBef>
-                        <a:spcAft>
-                          <a:spcPts val="0"/>
-                        </a:spcAft>
-                        <a:buClr>
-                          <a:srgbClr val="C00000"/>
-                        </a:buClr>
-                        <a:buSzPct val="100000"/>
-                        <a:buFont typeface="Courier New" panose="02070309020205020404" pitchFamily="49" charset="0"/>
-                        <a:buNone/>
-                      </a:pPr>
-                      <a:r>
+                        <a:t>      print(f"{a=}, {b=}, {c=}, {d=}, {e=}, {f=}\n"</a:t>
+                      </a:r>
+                      <a:br>
                         <a:rPr lang="en-US" sz="1800" b="1" baseline="0" dirty="0">
                           <a:latin typeface="Courier New" panose="02070309020205020404" pitchFamily="49" charset="0"/>
                           <a:cs typeface="Courier New" panose="02070309020205020404" pitchFamily="49" charset="0"/>
                         </a:rPr>
-                        <a:t>            "f=%s\n" % </a:t>
-                      </a:r>
-                      <a:r>
-                        <a:rPr lang="en-US" sz="1800" b="1" baseline="0" dirty="0" err="1">
-                          <a:latin typeface="Courier New" panose="02070309020205020404" pitchFamily="49" charset="0"/>
-                          <a:cs typeface="Courier New" panose="02070309020205020404" pitchFamily="49" charset="0"/>
-                        </a:rPr>
-                        <a:t>str</a:t>
-                      </a:r>
+                      </a:br>
                       <a:r>
                         <a:rPr lang="en-US" sz="1800" b="1" baseline="0" dirty="0">
                           <a:latin typeface="Courier New" panose="02070309020205020404" pitchFamily="49" charset="0"/>
                           <a:cs typeface="Courier New" panose="02070309020205020404" pitchFamily="49" charset="0"/>
                         </a:rPr>
-                        <a:t>(f),</a:t>
-                      </a:r>
-                    </a:p>
-                    <a:p>
-                      <a:pPr marL="0" indent="0">
-                        <a:spcBef>
-                          <a:spcPts val="0"/>
-                        </a:spcBef>
-                        <a:spcAft>
-                          <a:spcPts val="0"/>
-                        </a:spcAft>
-                        <a:buClr>
-                          <a:srgbClr val="C00000"/>
-                        </a:buClr>
-                        <a:buSzPct val="100000"/>
-                        <a:buFont typeface="Courier New" panose="02070309020205020404" pitchFamily="49" charset="0"/>
-                        <a:buNone/>
-                      </a:pPr>
-                      <a:r>
-                        <a:rPr lang="en-US" sz="1800" b="1" baseline="0" dirty="0">
-                          <a:latin typeface="Courier New" panose="02070309020205020404" pitchFamily="49" charset="0"/>
-                          <a:cs typeface="Courier New" panose="02070309020205020404" pitchFamily="49" charset="0"/>
-                        </a:rPr>
-                        <a:t>            "q=%s, x=%s, y=%s, z=%s, " % (q, x, y, z),</a:t>
-                      </a:r>
-                    </a:p>
-                    <a:p>
-                      <a:pPr marL="0" indent="0">
-                        <a:spcBef>
-                          <a:spcPts val="0"/>
-                        </a:spcBef>
-                        <a:spcAft>
-                          <a:spcPts val="0"/>
-                        </a:spcAft>
-                        <a:buClr>
-                          <a:srgbClr val="C00000"/>
-                        </a:buClr>
-                        <a:buSzPct val="100000"/>
-                        <a:buFont typeface="Courier New" panose="02070309020205020404" pitchFamily="49" charset="0"/>
-                        <a:buNone/>
-                      </a:pPr>
-                      <a:r>
-                        <a:rPr lang="en-US" sz="1800" b="1" baseline="0" dirty="0">
-                          <a:latin typeface="Courier New" panose="02070309020205020404" pitchFamily="49" charset="0"/>
-                          <a:cs typeface="Courier New" panose="02070309020205020404" pitchFamily="49" charset="0"/>
-                        </a:rPr>
-                        <a:t>            "kw=%s" % kw,</a:t>
-                      </a:r>
-                    </a:p>
-                    <a:p>
-                      <a:pPr marL="0" indent="0">
-                        <a:spcBef>
-                          <a:spcPts val="0"/>
-                        </a:spcBef>
-                        <a:spcAft>
-                          <a:spcPts val="1200"/>
-                        </a:spcAft>
-                        <a:buClr>
-                          <a:srgbClr val="C00000"/>
-                        </a:buClr>
-                        <a:buSzPct val="100000"/>
-                        <a:buFont typeface="Courier New" panose="02070309020205020404" pitchFamily="49" charset="0"/>
-                        <a:buNone/>
-                      </a:pPr>
-                      <a:r>
-                        <a:rPr lang="en-US" sz="1800" b="1" baseline="0" dirty="0">
-                          <a:latin typeface="Courier New" panose="02070309020205020404" pitchFamily="49" charset="0"/>
-                          <a:cs typeface="Courier New" panose="02070309020205020404" pitchFamily="49" charset="0"/>
-                        </a:rPr>
-                        <a:t>            </a:t>
-                      </a:r>
-                      <a:r>
-                        <a:rPr lang="en-US" sz="1800" b="1" baseline="0" dirty="0" err="1">
-                          <a:latin typeface="Courier New" panose="02070309020205020404" pitchFamily="49" charset="0"/>
-                          <a:cs typeface="Courier New" panose="02070309020205020404" pitchFamily="49" charset="0"/>
-                        </a:rPr>
-                        <a:t>sep</a:t>
-                      </a:r>
-                      <a:r>
-                        <a:rPr lang="en-US" sz="1800" b="1" baseline="0" dirty="0">
-                          <a:latin typeface="Courier New" panose="02070309020205020404" pitchFamily="49" charset="0"/>
-                          <a:cs typeface="Courier New" panose="02070309020205020404" pitchFamily="49" charset="0"/>
-                        </a:rPr>
-                        <a:t>="")</a:t>
+                        <a:t>            f"{q=}, {x=}, {y=}, {z=}, {kw=}")</a:t>
                       </a:r>
                     </a:p>
                     <a:p>
@@ -34849,7 +34828,7 @@
           <p:nvPr>
             <p:extLst>
               <p:ext uri="{D42A27DB-BD31-4B8C-83A1-F6EECF244321}">
-                <p14:modId xmlns:p14="http://schemas.microsoft.com/office/powerpoint/2010/main" val="2403395687"/>
+                <p14:modId xmlns:p14="http://schemas.microsoft.com/office/powerpoint/2010/main" val="3251014408"/>
               </p:ext>
             </p:extLst>
           </p:nvPr>
@@ -35114,7 +35093,7 @@
                           <a:latin typeface="Courier New" panose="02070309020205020404" pitchFamily="49" charset="0"/>
                           <a:cs typeface="Courier New" panose="02070309020205020404" pitchFamily="49" charset="0"/>
                         </a:rPr>
-                        <a:t>	print("(%d)" % counter, x)</a:t>
+                        <a:t>	print(f'({counter}) {x}')</a:t>
                       </a:r>
                     </a:p>
                     <a:p>
@@ -35316,7 +35295,7 @@
                           <a:latin typeface="Courier New" panose="02070309020205020404" pitchFamily="49" charset="0"/>
                           <a:cs typeface="Courier New" panose="02070309020205020404" pitchFamily="49" charset="0"/>
                         </a:rPr>
-                        <a:t>	print("(%d)" % counter, x)</a:t>
+                        <a:t>	print(f'({counter}) {x}')</a:t>
                       </a:r>
                     </a:p>
                     <a:p>

--- a/ipsa/slides/functions.pptx
+++ b/ipsa/slides/functions.pptx
@@ -550,10 +550,17 @@
   <pc:docChgLst>
     <pc:chgData name="Gerth Stølting Brodal" userId="04ef4784-6591-4f86-a140-f5c3b108582a" providerId="ADAL" clId="{89EC5210-EF5D-482B-9301-5C971FABFA3E}"/>
     <pc:docChg chg="undo redo custSel addSld modSld">
-      <pc:chgData name="Gerth Stølting Brodal" userId="04ef4784-6591-4f86-a140-f5c3b108582a" providerId="ADAL" clId="{89EC5210-EF5D-482B-9301-5C971FABFA3E}" dt="2023-02-19T18:51:54.770" v="1472" actId="20577"/>
+      <pc:chgData name="Gerth Stølting Brodal" userId="04ef4784-6591-4f86-a140-f5c3b108582a" providerId="ADAL" clId="{89EC5210-EF5D-482B-9301-5C971FABFA3E}" dt="2023-02-22T12:37:41.659" v="1849" actId="27636"/>
       <pc:docMkLst>
         <pc:docMk/>
       </pc:docMkLst>
+      <pc:sldChg chg="modNotesTx">
+        <pc:chgData name="Gerth Stølting Brodal" userId="04ef4784-6591-4f86-a140-f5c3b108582a" providerId="ADAL" clId="{89EC5210-EF5D-482B-9301-5C971FABFA3E}" dt="2023-02-22T11:35:00.197" v="1665" actId="20577"/>
+        <pc:sldMkLst>
+          <pc:docMk/>
+          <pc:sldMk cId="3400112957" sldId="543"/>
+        </pc:sldMkLst>
+      </pc:sldChg>
       <pc:sldChg chg="modSp mod">
         <pc:chgData name="Gerth Stølting Brodal" userId="04ef4784-6591-4f86-a140-f5c3b108582a" providerId="ADAL" clId="{89EC5210-EF5D-482B-9301-5C971FABFA3E}" dt="2023-02-18T10:43:43.554" v="1027" actId="20577"/>
         <pc:sldMkLst>
@@ -645,8 +652,8 @@
           </ac:spMkLst>
         </pc:spChg>
       </pc:sldChg>
-      <pc:sldChg chg="modSp mod">
-        <pc:chgData name="Gerth Stølting Brodal" userId="04ef4784-6591-4f86-a140-f5c3b108582a" providerId="ADAL" clId="{89EC5210-EF5D-482B-9301-5C971FABFA3E}" dt="2023-02-18T09:43:22.806" v="206" actId="1076"/>
+      <pc:sldChg chg="modSp mod modNotesTx">
+        <pc:chgData name="Gerth Stølting Brodal" userId="04ef4784-6591-4f86-a140-f5c3b108582a" providerId="ADAL" clId="{89EC5210-EF5D-482B-9301-5C971FABFA3E}" dt="2023-02-22T12:23:42.801" v="1766" actId="20577"/>
         <pc:sldMkLst>
           <pc:docMk/>
           <pc:sldMk cId="4291965801" sldId="571"/>
@@ -865,8 +872,8 @@
           </ac:spMkLst>
         </pc:spChg>
       </pc:sldChg>
-      <pc:sldChg chg="modSp mod">
-        <pc:chgData name="Gerth Stølting Brodal" userId="04ef4784-6591-4f86-a140-f5c3b108582a" providerId="ADAL" clId="{89EC5210-EF5D-482B-9301-5C971FABFA3E}" dt="2023-02-19T18:40:28.609" v="1284" actId="1076"/>
+      <pc:sldChg chg="modSp mod modNotesTx">
+        <pc:chgData name="Gerth Stølting Brodal" userId="04ef4784-6591-4f86-a140-f5c3b108582a" providerId="ADAL" clId="{89EC5210-EF5D-482B-9301-5C971FABFA3E}" dt="2023-02-22T12:17:11.118" v="1730" actId="20577"/>
         <pc:sldMkLst>
           <pc:docMk/>
           <pc:sldMk cId="2854255146" sldId="575"/>
@@ -879,6 +886,21 @@
             <ac:graphicFrameMk id="4" creationId="{00000000-0000-0000-0000-000000000000}"/>
           </ac:graphicFrameMkLst>
         </pc:graphicFrameChg>
+      </pc:sldChg>
+      <pc:sldChg chg="modSp mod">
+        <pc:chgData name="Gerth Stølting Brodal" userId="04ef4784-6591-4f86-a140-f5c3b108582a" providerId="ADAL" clId="{89EC5210-EF5D-482B-9301-5C971FABFA3E}" dt="2023-02-22T12:37:41.659" v="1849" actId="27636"/>
+        <pc:sldMkLst>
+          <pc:docMk/>
+          <pc:sldMk cId="3579293872" sldId="577"/>
+        </pc:sldMkLst>
+        <pc:spChg chg="mod">
+          <ac:chgData name="Gerth Stølting Brodal" userId="04ef4784-6591-4f86-a140-f5c3b108582a" providerId="ADAL" clId="{89EC5210-EF5D-482B-9301-5C971FABFA3E}" dt="2023-02-22T12:37:41.659" v="1849" actId="27636"/>
+          <ac:spMkLst>
+            <pc:docMk/>
+            <pc:sldMk cId="3579293872" sldId="577"/>
+            <ac:spMk id="3" creationId="{00000000-0000-0000-0000-000000000000}"/>
+          </ac:spMkLst>
+        </pc:spChg>
       </pc:sldChg>
       <pc:sldChg chg="modSp mod">
         <pc:chgData name="Gerth Stølting Brodal" userId="04ef4784-6591-4f86-a140-f5c3b108582a" providerId="ADAL" clId="{89EC5210-EF5D-482B-9301-5C971FABFA3E}" dt="2023-02-19T18:46:39.801" v="1399" actId="1076"/>
@@ -926,8 +948,8 @@
           </ac:graphicFrameMkLst>
         </pc:graphicFrameChg>
       </pc:sldChg>
-      <pc:sldChg chg="modSp mod">
-        <pc:chgData name="Gerth Stølting Brodal" userId="04ef4784-6591-4f86-a140-f5c3b108582a" providerId="ADAL" clId="{89EC5210-EF5D-482B-9301-5C971FABFA3E}" dt="2023-02-18T09:49:05.144" v="328" actId="20577"/>
+      <pc:sldChg chg="modSp mod modNotesTx">
+        <pc:chgData name="Gerth Stølting Brodal" userId="04ef4784-6591-4f86-a140-f5c3b108582a" providerId="ADAL" clId="{89EC5210-EF5D-482B-9301-5C971FABFA3E}" dt="2023-02-22T12:28:01.782" v="1821" actId="20577"/>
         <pc:sldMkLst>
           <pc:docMk/>
           <pc:sldMk cId="653558519" sldId="586"/>
@@ -972,7 +994,7 @@
         </pc:spChg>
       </pc:sldChg>
       <pc:sldChg chg="addSp modSp add mod modNotesTx">
-        <pc:chgData name="Gerth Stølting Brodal" userId="04ef4784-6591-4f86-a140-f5c3b108582a" providerId="ADAL" clId="{89EC5210-EF5D-482B-9301-5C971FABFA3E}" dt="2023-02-19T18:51:54.770" v="1472" actId="20577"/>
+        <pc:chgData name="Gerth Stølting Brodal" userId="04ef4784-6591-4f86-a140-f5c3b108582a" providerId="ADAL" clId="{89EC5210-EF5D-482B-9301-5C971FABFA3E}" dt="2023-02-22T12:37:38.612" v="1843" actId="207"/>
         <pc:sldMkLst>
           <pc:docMk/>
           <pc:sldMk cId="4032496496" sldId="592"/>
@@ -986,7 +1008,7 @@
           </ac:spMkLst>
         </pc:spChg>
         <pc:graphicFrameChg chg="mod modGraphic">
-          <ac:chgData name="Gerth Stølting Brodal" userId="04ef4784-6591-4f86-a140-f5c3b108582a" providerId="ADAL" clId="{89EC5210-EF5D-482B-9301-5C971FABFA3E}" dt="2023-02-18T10:40:01.839" v="960" actId="20577"/>
+          <ac:chgData name="Gerth Stølting Brodal" userId="04ef4784-6591-4f86-a140-f5c3b108582a" providerId="ADAL" clId="{89EC5210-EF5D-482B-9301-5C971FABFA3E}" dt="2023-02-22T12:37:38.612" v="1843" actId="207"/>
           <ac:graphicFrameMkLst>
             <pc:docMk/>
             <pc:sldMk cId="4032496496" sldId="592"/>
@@ -1089,7 +1111,7 @@
           <a:p>
             <a:fld id="{FB1A172F-81D4-4DC4-9113-1DBD56EC3646}" type="datetimeFigureOut">
               <a:rPr lang="en-US" smtClean="0"/>
-              <a:t>2/19/2023</a:t>
+              <a:t>2/22/2023</a:t>
             </a:fld>
             <a:endParaRPr lang="en-US"/>
           </a:p>
@@ -1580,6 +1602,90 @@
           <a:bodyPr/>
           <a:lstStyle/>
           <a:p>
+            <a:r>
+              <a:rPr lang="en-US" dirty="0"/>
+              <a:t>Previously seen</a:t>
+            </a:r>
+          </a:p>
+          <a:p>
+            <a:r>
+              <a:rPr lang="en-US" dirty="0"/>
+              <a:t>D = {'a':1, 'b':2}</a:t>
+            </a:r>
+          </a:p>
+          <a:p>
+            <a:r>
+              <a:rPr lang="en-US" dirty="0"/>
+              <a:t>{'c': 3, **D}  # inserts all from dictionary in D</a:t>
+            </a:r>
+          </a:p>
+          <a:p>
+            <a:endParaRPr lang="en-US" dirty="0"/>
+          </a:p>
+          <a:p>
+            <a:r>
+              <a:rPr lang="en-US" dirty="0"/>
+              <a:t>import </a:t>
+            </a:r>
+            <a:r>
+              <a:rPr lang="en-US" dirty="0" err="1"/>
+              <a:t>matplotlib.pyplot</a:t>
+            </a:r>
+            <a:r>
+              <a:rPr lang="en-US" dirty="0"/>
+              <a:t> as </a:t>
+            </a:r>
+            <a:r>
+              <a:rPr lang="en-US" dirty="0" err="1"/>
+              <a:t>plt</a:t>
+            </a:r>
+            <a:endParaRPr lang="en-US" dirty="0"/>
+          </a:p>
+          <a:p>
+            <a:r>
+              <a:rPr lang="en-US" dirty="0" err="1"/>
+              <a:t>plt.ion</a:t>
+            </a:r>
+            <a:r>
+              <a:rPr lang="en-US" dirty="0"/>
+              <a:t>()</a:t>
+            </a:r>
+          </a:p>
+          <a:p>
+            <a:r>
+              <a:rPr lang="en-US" dirty="0" err="1"/>
+              <a:t>plt.plot</a:t>
+            </a:r>
+            <a:r>
+              <a:rPr lang="en-US" dirty="0"/>
+              <a:t>([1,5],[2,4], color='red', linewidth=5)</a:t>
+            </a:r>
+          </a:p>
+          <a:p>
+            <a:r>
+              <a:rPr lang="en-US" dirty="0"/>
+              <a:t>style = </a:t>
+            </a:r>
+            <a:r>
+              <a:rPr lang="en-US" dirty="0" err="1"/>
+              <a:t>dict</a:t>
+            </a:r>
+            <a:r>
+              <a:rPr lang="en-US" dirty="0"/>
+              <a:t>(color='blue', linewidth=5)</a:t>
+            </a:r>
+          </a:p>
+          <a:p>
+            <a:r>
+              <a:rPr lang="en-US" dirty="0" err="1"/>
+              <a:t>plt.plot</a:t>
+            </a:r>
+            <a:r>
+              <a:rPr lang="en-US" dirty="0"/>
+              <a:t>([1,5],[2,4], **style)</a:t>
+            </a:r>
+          </a:p>
+          <a:p>
             <a:endParaRPr lang="en-US" dirty="0"/>
           </a:p>
         </p:txBody>
@@ -1951,121 +2057,7 @@
           <a:bodyPr/>
           <a:lstStyle/>
           <a:p>
-            <a:r>
-              <a:rPr lang="da-DK" dirty="0"/>
-              <a:t>c </a:t>
-            </a:r>
-            <a:r>
-              <a:rPr lang="da-DK" dirty="0" err="1"/>
-              <a:t>can</a:t>
-            </a:r>
-            <a:r>
-              <a:rPr lang="da-DK" dirty="0"/>
-              <a:t> </a:t>
-            </a:r>
-            <a:r>
-              <a:rPr lang="da-DK" dirty="0" err="1"/>
-              <a:t>see</a:t>
-            </a:r>
-            <a:r>
-              <a:rPr lang="da-DK" baseline="0" dirty="0"/>
-              <a:t> </a:t>
-            </a:r>
-            <a:r>
-              <a:rPr lang="da-DK" baseline="0" dirty="0" err="1"/>
-              <a:t>itself</a:t>
-            </a:r>
-            <a:r>
-              <a:rPr lang="da-DK" baseline="0" dirty="0"/>
-              <a:t> </a:t>
-            </a:r>
-            <a:r>
-              <a:rPr lang="da-DK" baseline="0" dirty="0" err="1"/>
-              <a:t>since</a:t>
-            </a:r>
-            <a:r>
-              <a:rPr lang="da-DK" baseline="0" dirty="0"/>
-              <a:t> c is in b’s </a:t>
-            </a:r>
-            <a:r>
-              <a:rPr lang="da-DK" baseline="0" dirty="0" err="1"/>
-              <a:t>scope</a:t>
-            </a:r>
-            <a:endParaRPr lang="da-DK" baseline="0" dirty="0"/>
-          </a:p>
-          <a:p>
-            <a:endParaRPr lang="da-DK" baseline="0" dirty="0"/>
-          </a:p>
-          <a:p>
-            <a:r>
-              <a:rPr lang="da-DK" baseline="0" dirty="0"/>
-              <a:t>Java: </a:t>
-            </a:r>
-            <a:r>
-              <a:rPr lang="da-DK" baseline="0" dirty="0" err="1"/>
-              <a:t>Does</a:t>
-            </a:r>
-            <a:r>
-              <a:rPr lang="da-DK" baseline="0" dirty="0"/>
-              <a:t> not </a:t>
-            </a:r>
-            <a:r>
-              <a:rPr lang="da-DK" baseline="0" dirty="0" err="1"/>
-              <a:t>allow</a:t>
-            </a:r>
-            <a:r>
-              <a:rPr lang="da-DK" baseline="0" dirty="0"/>
-              <a:t> </a:t>
-            </a:r>
-            <a:r>
-              <a:rPr lang="da-DK" baseline="0" dirty="0" err="1"/>
-              <a:t>nested</a:t>
-            </a:r>
-            <a:r>
-              <a:rPr lang="da-DK" baseline="0" dirty="0"/>
-              <a:t> </a:t>
-            </a:r>
-            <a:r>
-              <a:rPr lang="da-DK" baseline="0" dirty="0" err="1"/>
-              <a:t>methos</a:t>
-            </a:r>
-            <a:r>
-              <a:rPr lang="da-DK" baseline="0" dirty="0"/>
-              <a:t> (</a:t>
-            </a:r>
-            <a:r>
-              <a:rPr lang="da-DK" baseline="0" dirty="0" err="1"/>
-              <a:t>needs</a:t>
-            </a:r>
-            <a:r>
-              <a:rPr lang="da-DK" baseline="0" dirty="0"/>
-              <a:t> to </a:t>
-            </a:r>
-            <a:r>
-              <a:rPr lang="da-DK" baseline="0" dirty="0" err="1"/>
-              <a:t>define</a:t>
-            </a:r>
-            <a:r>
-              <a:rPr lang="da-DK" baseline="0" dirty="0"/>
-              <a:t> a </a:t>
-            </a:r>
-            <a:r>
-              <a:rPr lang="da-DK" baseline="0" dirty="0" err="1"/>
-              <a:t>local</a:t>
-            </a:r>
-            <a:r>
-              <a:rPr lang="da-DK" baseline="0" dirty="0"/>
-              <a:t> </a:t>
-            </a:r>
-            <a:r>
-              <a:rPr lang="da-DK" baseline="0" dirty="0" err="1"/>
-              <a:t>class</a:t>
-            </a:r>
-            <a:r>
-              <a:rPr lang="da-DK" baseline="0" dirty="0"/>
-              <a:t>)</a:t>
-            </a:r>
-            <a:endParaRPr lang="en-US" dirty="0"/>
+            <a:endParaRPr lang="da-DK" dirty="0"/>
           </a:p>
         </p:txBody>
       </p:sp>
@@ -2076,7 +2068,7 @@
             <a:spLocks noGrp="1"/>
           </p:cNvSpPr>
           <p:nvPr>
-            <p:ph type="sldNum" sz="quarter" idx="10"/>
+            <p:ph type="sldNum" sz="quarter" idx="5"/>
           </p:nvPr>
         </p:nvSpPr>
         <p:spPr/>
@@ -2086,7 +2078,7 @@
           <a:p>
             <a:fld id="{CD563DD8-32AB-41BE-B1C6-8EAC45222ACE}" type="slidenum">
               <a:rPr lang="en-US" smtClean="0"/>
-              <a:t>24</a:t>
+              <a:t>23</a:t>
             </a:fld>
             <a:endParaRPr lang="en-US"/>
           </a:p>
@@ -2095,7 +2087,7 @@
     </p:spTree>
     <p:extLst>
       <p:ext uri="{BB962C8B-B14F-4D97-AF65-F5344CB8AC3E}">
-        <p14:creationId xmlns:p14="http://schemas.microsoft.com/office/powerpoint/2010/main" val="2083894679"/>
+        <p14:creationId xmlns:p14="http://schemas.microsoft.com/office/powerpoint/2010/main" val="4260694"/>
       </p:ext>
     </p:extLst>
   </p:cSld>
@@ -2150,36 +2142,138 @@
           <a:lstStyle/>
           <a:p>
             <a:r>
-              <a:rPr lang="en-US" dirty="0"/>
-              <a:t>The presence of “def g” makes Python aware that g is </a:t>
-            </a:r>
-            <a:r>
-              <a:rPr lang="en-US"/>
-              <a:t>local variable</a:t>
+              <a:rPr lang="da-DK" dirty="0"/>
+              <a:t>c </a:t>
+            </a:r>
+            <a:r>
+              <a:rPr lang="da-DK" dirty="0" err="1"/>
+              <a:t>can</a:t>
+            </a:r>
+            <a:r>
+              <a:rPr lang="da-DK" dirty="0"/>
+              <a:t> </a:t>
+            </a:r>
+            <a:r>
+              <a:rPr lang="da-DK" dirty="0" err="1"/>
+              <a:t>see</a:t>
+            </a:r>
+            <a:r>
+              <a:rPr lang="da-DK" baseline="0" dirty="0"/>
+              <a:t> </a:t>
+            </a:r>
+            <a:r>
+              <a:rPr lang="da-DK" baseline="0" dirty="0" err="1"/>
+              <a:t>itself</a:t>
+            </a:r>
+            <a:r>
+              <a:rPr lang="da-DK" baseline="0" dirty="0"/>
+              <a:t> </a:t>
+            </a:r>
+            <a:r>
+              <a:rPr lang="da-DK" baseline="0" dirty="0" err="1"/>
+              <a:t>since</a:t>
+            </a:r>
+            <a:r>
+              <a:rPr lang="da-DK" baseline="0" dirty="0"/>
+              <a:t> c is in b’s </a:t>
+            </a:r>
+            <a:r>
+              <a:rPr lang="da-DK" baseline="0" dirty="0" err="1"/>
+              <a:t>scope</a:t>
+            </a:r>
+            <a:endParaRPr lang="da-DK" baseline="0" dirty="0"/>
+          </a:p>
+          <a:p>
+            <a:endParaRPr lang="da-DK" baseline="0" dirty="0"/>
+          </a:p>
+          <a:p>
+            <a:r>
+              <a:rPr lang="da-DK" baseline="0" dirty="0"/>
+              <a:t>Java: </a:t>
+            </a:r>
+            <a:r>
+              <a:rPr lang="da-DK" baseline="0" dirty="0" err="1"/>
+              <a:t>Does</a:t>
+            </a:r>
+            <a:r>
+              <a:rPr lang="da-DK" baseline="0" dirty="0"/>
+              <a:t> not </a:t>
+            </a:r>
+            <a:r>
+              <a:rPr lang="da-DK" baseline="0" dirty="0" err="1"/>
+              <a:t>allow</a:t>
+            </a:r>
+            <a:r>
+              <a:rPr lang="da-DK" baseline="0" dirty="0"/>
+              <a:t> </a:t>
+            </a:r>
+            <a:r>
+              <a:rPr lang="da-DK" baseline="0" dirty="0" err="1"/>
+              <a:t>nested</a:t>
+            </a:r>
+            <a:r>
+              <a:rPr lang="da-DK" baseline="0" dirty="0"/>
+              <a:t> </a:t>
+            </a:r>
+            <a:r>
+              <a:rPr lang="da-DK" baseline="0" dirty="0" err="1"/>
+              <a:t>methos</a:t>
+            </a:r>
+            <a:r>
+              <a:rPr lang="da-DK" baseline="0" dirty="0"/>
+              <a:t> (</a:t>
+            </a:r>
+            <a:r>
+              <a:rPr lang="da-DK" baseline="0" dirty="0" err="1"/>
+              <a:t>needs</a:t>
+            </a:r>
+            <a:r>
+              <a:rPr lang="da-DK" baseline="0" dirty="0"/>
+              <a:t> to </a:t>
+            </a:r>
+            <a:r>
+              <a:rPr lang="da-DK" baseline="0" dirty="0" err="1"/>
+              <a:t>define</a:t>
+            </a:r>
+            <a:r>
+              <a:rPr lang="da-DK" baseline="0" dirty="0"/>
+              <a:t> a </a:t>
+            </a:r>
+            <a:r>
+              <a:rPr lang="da-DK" baseline="0" dirty="0" err="1"/>
+              <a:t>local</a:t>
+            </a:r>
+            <a:r>
+              <a:rPr lang="da-DK" baseline="0" dirty="0"/>
+              <a:t> class)</a:t>
+            </a:r>
+          </a:p>
+          <a:p>
+            <a:r>
+              <a:rPr lang="da-DK" baseline="0" dirty="0"/>
+              <a:t>C: </a:t>
+            </a:r>
+            <a:r>
+              <a:rPr lang="da-DK" baseline="0" dirty="0" err="1"/>
+              <a:t>Does</a:t>
+            </a:r>
+            <a:r>
+              <a:rPr lang="da-DK" baseline="0" dirty="0"/>
+              <a:t> not have </a:t>
+            </a:r>
+            <a:r>
+              <a:rPr lang="da-DK" baseline="0" dirty="0" err="1"/>
+              <a:t>nested</a:t>
+            </a:r>
+            <a:r>
+              <a:rPr lang="da-DK" baseline="0" dirty="0"/>
+              <a:t> </a:t>
+            </a:r>
+            <a:r>
+              <a:rPr lang="da-DK" baseline="0" dirty="0" err="1"/>
+              <a:t>functions</a:t>
             </a:r>
             <a:endParaRPr lang="en-US" dirty="0"/>
-          </a:p>
-          <a:p>
-            <a:endParaRPr lang="en-US" dirty="0"/>
-          </a:p>
-          <a:p>
-            <a:r>
-              <a:rPr lang="en-US" dirty="0"/>
-              <a:t>Some programming languages allow you to refer to names first defined further below</a:t>
-            </a:r>
-          </a:p>
-          <a:p>
-            <a:r>
-              <a:rPr lang="en-US" dirty="0"/>
-              <a:t>Java allows you to refer to classes defined further below in the file</a:t>
-            </a:r>
-          </a:p>
-          <a:p>
-            <a:r>
-              <a:rPr lang="en-US" dirty="0"/>
-              <a:t>In C functions need to be declared above the usage but can be defined below the usage</a:t>
-            </a:r>
-            <a:endParaRPr lang="da-DK" dirty="0"/>
           </a:p>
         </p:txBody>
       </p:sp>
@@ -2190,7 +2284,7 @@
             <a:spLocks noGrp="1"/>
           </p:cNvSpPr>
           <p:nvPr>
-            <p:ph type="sldNum" sz="quarter" idx="5"/>
+            <p:ph type="sldNum" sz="quarter" idx="10"/>
           </p:nvPr>
         </p:nvSpPr>
         <p:spPr/>
@@ -2200,7 +2294,7 @@
           <a:p>
             <a:fld id="{CD563DD8-32AB-41BE-B1C6-8EAC45222ACE}" type="slidenum">
               <a:rPr lang="en-US" smtClean="0"/>
-              <a:t>26</a:t>
+              <a:t>24</a:t>
             </a:fld>
             <a:endParaRPr lang="en-US"/>
           </a:p>
@@ -2209,7 +2303,7 @@
     </p:spTree>
     <p:extLst>
       <p:ext uri="{BB962C8B-B14F-4D97-AF65-F5344CB8AC3E}">
-        <p14:creationId xmlns:p14="http://schemas.microsoft.com/office/powerpoint/2010/main" val="3197594259"/>
+        <p14:creationId xmlns:p14="http://schemas.microsoft.com/office/powerpoint/2010/main" val="2083894679"/>
       </p:ext>
     </p:extLst>
   </p:cSld>
@@ -2265,8 +2359,15 @@
           <a:p>
             <a:r>
               <a:rPr lang="en-US" dirty="0"/>
-              <a:t>Without global and nonlocal in the examples the variables x and y would be assumed (unbound) local variables since they are assigned new values</a:t>
-            </a:r>
+              <a:t>Double nested function</a:t>
+            </a:r>
+          </a:p>
+          <a:p>
+            <a:r>
+              <a:rPr lang="en-US" dirty="0"/>
+              <a:t>x in c hides x in a</a:t>
+            </a:r>
+            <a:endParaRPr lang="da-DK" dirty="0"/>
           </a:p>
         </p:txBody>
       </p:sp>
@@ -2287,6 +2388,202 @@
           <a:p>
             <a:fld id="{CD563DD8-32AB-41BE-B1C6-8EAC45222ACE}" type="slidenum">
               <a:rPr lang="en-US" smtClean="0"/>
+              <a:t>25</a:t>
+            </a:fld>
+            <a:endParaRPr lang="en-US"/>
+          </a:p>
+        </p:txBody>
+      </p:sp>
+    </p:spTree>
+    <p:extLst>
+      <p:ext uri="{BB962C8B-B14F-4D97-AF65-F5344CB8AC3E}">
+        <p14:creationId xmlns:p14="http://schemas.microsoft.com/office/powerpoint/2010/main" val="428514027"/>
+      </p:ext>
+    </p:extLst>
+  </p:cSld>
+  <p:clrMapOvr>
+    <a:masterClrMapping/>
+  </p:clrMapOvr>
+</p:notes>
+</file>
+
+<file path=ppt/notesSlides/notesSlide17.xml><?xml version="1.0" encoding="utf-8"?>
+<p:notes xmlns:a="http://schemas.openxmlformats.org/drawingml/2006/main" xmlns:r="http://schemas.openxmlformats.org/officeDocument/2006/relationships" xmlns:p="http://schemas.openxmlformats.org/presentationml/2006/main">
+  <p:cSld>
+    <p:spTree>
+      <p:nvGrpSpPr>
+        <p:cNvPr id="1" name=""/>
+        <p:cNvGrpSpPr/>
+        <p:nvPr/>
+      </p:nvGrpSpPr>
+      <p:grpSpPr>
+        <a:xfrm>
+          <a:off x="0" y="0"/>
+          <a:ext cx="0" cy="0"/>
+          <a:chOff x="0" y="0"/>
+          <a:chExt cx="0" cy="0"/>
+        </a:xfrm>
+      </p:grpSpPr>
+      <p:sp>
+        <p:nvSpPr>
+          <p:cNvPr id="2" name="Slide Image Placeholder 1"/>
+          <p:cNvSpPr>
+            <a:spLocks noGrp="1" noRot="1" noChangeAspect="1"/>
+          </p:cNvSpPr>
+          <p:nvPr>
+            <p:ph type="sldImg"/>
+          </p:nvPr>
+        </p:nvSpPr>
+        <p:spPr/>
+      </p:sp>
+      <p:sp>
+        <p:nvSpPr>
+          <p:cNvPr id="3" name="Notes Placeholder 2"/>
+          <p:cNvSpPr>
+            <a:spLocks noGrp="1"/>
+          </p:cNvSpPr>
+          <p:nvPr>
+            <p:ph type="body" idx="1"/>
+          </p:nvPr>
+        </p:nvSpPr>
+        <p:spPr/>
+        <p:txBody>
+          <a:bodyPr/>
+          <a:lstStyle/>
+          <a:p>
+            <a:r>
+              <a:rPr lang="en-US" dirty="0"/>
+              <a:t>The presence of “def g” makes Python aware that g is local variable</a:t>
+            </a:r>
+          </a:p>
+          <a:p>
+            <a:endParaRPr lang="en-US" dirty="0"/>
+          </a:p>
+          <a:p>
+            <a:r>
+              <a:rPr lang="en-US" dirty="0"/>
+              <a:t>Some programming languages allow you to refer to names first defined further below</a:t>
+            </a:r>
+          </a:p>
+          <a:p>
+            <a:r>
+              <a:rPr lang="en-US" dirty="0"/>
+              <a:t>Java allows you to refer to classes defined further below in the file</a:t>
+            </a:r>
+          </a:p>
+          <a:p>
+            <a:r>
+              <a:rPr lang="en-US" dirty="0"/>
+              <a:t>In C functions need to be declared above the usage but can be defined below the usage</a:t>
+            </a:r>
+            <a:endParaRPr lang="da-DK" dirty="0"/>
+          </a:p>
+        </p:txBody>
+      </p:sp>
+      <p:sp>
+        <p:nvSpPr>
+          <p:cNvPr id="4" name="Slide Number Placeholder 3"/>
+          <p:cNvSpPr>
+            <a:spLocks noGrp="1"/>
+          </p:cNvSpPr>
+          <p:nvPr>
+            <p:ph type="sldNum" sz="quarter" idx="5"/>
+          </p:nvPr>
+        </p:nvSpPr>
+        <p:spPr/>
+        <p:txBody>
+          <a:bodyPr/>
+          <a:lstStyle/>
+          <a:p>
+            <a:fld id="{CD563DD8-32AB-41BE-B1C6-8EAC45222ACE}" type="slidenum">
+              <a:rPr lang="en-US" smtClean="0"/>
+              <a:t>26</a:t>
+            </a:fld>
+            <a:endParaRPr lang="en-US"/>
+          </a:p>
+        </p:txBody>
+      </p:sp>
+    </p:spTree>
+    <p:extLst>
+      <p:ext uri="{BB962C8B-B14F-4D97-AF65-F5344CB8AC3E}">
+        <p14:creationId xmlns:p14="http://schemas.microsoft.com/office/powerpoint/2010/main" val="3197594259"/>
+      </p:ext>
+    </p:extLst>
+  </p:cSld>
+  <p:clrMapOvr>
+    <a:masterClrMapping/>
+  </p:clrMapOvr>
+</p:notes>
+</file>
+
+<file path=ppt/notesSlides/notesSlide18.xml><?xml version="1.0" encoding="utf-8"?>
+<p:notes xmlns:a="http://schemas.openxmlformats.org/drawingml/2006/main" xmlns:r="http://schemas.openxmlformats.org/officeDocument/2006/relationships" xmlns:p="http://schemas.openxmlformats.org/presentationml/2006/main">
+  <p:cSld>
+    <p:spTree>
+      <p:nvGrpSpPr>
+        <p:cNvPr id="1" name=""/>
+        <p:cNvGrpSpPr/>
+        <p:nvPr/>
+      </p:nvGrpSpPr>
+      <p:grpSpPr>
+        <a:xfrm>
+          <a:off x="0" y="0"/>
+          <a:ext cx="0" cy="0"/>
+          <a:chOff x="0" y="0"/>
+          <a:chExt cx="0" cy="0"/>
+        </a:xfrm>
+      </p:grpSpPr>
+      <p:sp>
+        <p:nvSpPr>
+          <p:cNvPr id="2" name="Slide Image Placeholder 1"/>
+          <p:cNvSpPr>
+            <a:spLocks noGrp="1" noRot="1" noChangeAspect="1"/>
+          </p:cNvSpPr>
+          <p:nvPr>
+            <p:ph type="sldImg"/>
+          </p:nvPr>
+        </p:nvSpPr>
+        <p:spPr/>
+      </p:sp>
+      <p:sp>
+        <p:nvSpPr>
+          <p:cNvPr id="3" name="Notes Placeholder 2"/>
+          <p:cNvSpPr>
+            <a:spLocks noGrp="1"/>
+          </p:cNvSpPr>
+          <p:nvPr>
+            <p:ph type="body" idx="1"/>
+          </p:nvPr>
+        </p:nvSpPr>
+        <p:spPr/>
+        <p:txBody>
+          <a:bodyPr/>
+          <a:lstStyle/>
+          <a:p>
+            <a:r>
+              <a:rPr lang="en-US" dirty="0"/>
+              <a:t>Without global and nonlocal in the examples the variables x and y would be assumed (unbound) local variables since they are assigned new values</a:t>
+            </a:r>
+          </a:p>
+        </p:txBody>
+      </p:sp>
+      <p:sp>
+        <p:nvSpPr>
+          <p:cNvPr id="4" name="Slide Number Placeholder 3"/>
+          <p:cNvSpPr>
+            <a:spLocks noGrp="1"/>
+          </p:cNvSpPr>
+          <p:nvPr>
+            <p:ph type="sldNum" sz="quarter" idx="5"/>
+          </p:nvPr>
+        </p:nvSpPr>
+        <p:spPr/>
+        <p:txBody>
+          <a:bodyPr/>
+          <a:lstStyle/>
+          <a:p>
+            <a:fld id="{CD563DD8-32AB-41BE-B1C6-8EAC45222ACE}" type="slidenum">
+              <a:rPr lang="en-US" smtClean="0"/>
               <a:t>28</a:t>
             </a:fld>
             <a:endParaRPr lang="en-US"/>
@@ -2306,7 +2603,7 @@
 </p:notes>
 </file>
 
-<file path=ppt/notesSlides/notesSlide17.xml><?xml version="1.0" encoding="utf-8"?>
+<file path=ppt/notesSlides/notesSlide19.xml><?xml version="1.0" encoding="utf-8"?>
 <p:notes xmlns:a="http://schemas.openxmlformats.org/drawingml/2006/main" xmlns:r="http://schemas.openxmlformats.org/officeDocument/2006/relationships" xmlns:p="http://schemas.openxmlformats.org/presentationml/2006/main">
   <p:cSld>
     <p:spTree>
@@ -3303,6 +3600,89 @@
               <a:buAutoNum type="alphaLcParenR"/>
             </a:pPr>
             <a:endParaRPr lang="da-DK" dirty="0"/>
+          </a:p>
+          <a:p>
+            <a:pPr marL="0" indent="0">
+              <a:buNone/>
+            </a:pPr>
+            <a:r>
+              <a:rPr lang="da-DK" dirty="0"/>
+              <a:t>zip([1,2,3],[4,5]) </a:t>
+            </a:r>
+            <a:r>
+              <a:rPr lang="da-DK" dirty="0" err="1"/>
+              <a:t>ignores</a:t>
+            </a:r>
+            <a:r>
+              <a:rPr lang="da-DK" dirty="0"/>
+              <a:t> 3</a:t>
+            </a:r>
+          </a:p>
+          <a:p>
+            <a:pPr marL="0" indent="0">
+              <a:buNone/>
+            </a:pPr>
+            <a:r>
+              <a:rPr lang="da-DK" dirty="0"/>
+              <a:t>zip([1,2,3],[4,5], </a:t>
+            </a:r>
+            <a:r>
+              <a:rPr lang="da-DK" dirty="0" err="1"/>
+              <a:t>strict</a:t>
+            </a:r>
+            <a:r>
+              <a:rPr lang="da-DK" dirty="0"/>
+              <a:t>=True) </a:t>
+            </a:r>
+            <a:r>
+              <a:rPr lang="da-DK" dirty="0" err="1"/>
+              <a:t>reports</a:t>
+            </a:r>
+            <a:r>
+              <a:rPr lang="da-DK" dirty="0"/>
+              <a:t> </a:t>
+            </a:r>
+            <a:r>
+              <a:rPr lang="da-DK" dirty="0" err="1"/>
+              <a:t>error</a:t>
+            </a:r>
+            <a:r>
+              <a:rPr lang="da-DK" dirty="0"/>
+              <a:t> – </a:t>
+            </a:r>
+            <a:r>
+              <a:rPr lang="da-DK" dirty="0" err="1"/>
+              <a:t>Since</a:t>
+            </a:r>
+            <a:r>
+              <a:rPr lang="da-DK" dirty="0"/>
+              <a:t> Python 3.10</a:t>
+            </a:r>
+          </a:p>
+          <a:p>
+            <a:pPr marL="0" indent="0">
+              <a:buNone/>
+            </a:pPr>
+            <a:r>
+              <a:rPr lang="da-DK" dirty="0"/>
+              <a:t>for x, y in zip(L, L[1:])  </a:t>
+            </a:r>
+            <a:r>
+              <a:rPr lang="da-DK" dirty="0" err="1"/>
+              <a:t>usefull</a:t>
+            </a:r>
+            <a:r>
+              <a:rPr lang="da-DK" dirty="0"/>
+              <a:t> </a:t>
+            </a:r>
+            <a:r>
+              <a:rPr lang="da-DK" dirty="0" err="1"/>
+              <a:t>that</a:t>
+            </a:r>
+            <a:r>
+              <a:rPr lang="da-DK" dirty="0"/>
+              <a:t> default is False</a:t>
+            </a:r>
           </a:p>
         </p:txBody>
       </p:sp>
@@ -3581,7 +3961,7 @@
           <a:p>
             <a:fld id="{0560A9CD-0304-4E0B-9E82-E7E0115DE05B}" type="datetimeFigureOut">
               <a:rPr lang="en-US" smtClean="0"/>
-              <a:t>2/19/2023</a:t>
+              <a:t>2/22/2023</a:t>
             </a:fld>
             <a:endParaRPr lang="en-US"/>
           </a:p>
@@ -3749,7 +4129,7 @@
           <a:p>
             <a:fld id="{0560A9CD-0304-4E0B-9E82-E7E0115DE05B}" type="datetimeFigureOut">
               <a:rPr lang="en-US" smtClean="0"/>
-              <a:t>2/19/2023</a:t>
+              <a:t>2/22/2023</a:t>
             </a:fld>
             <a:endParaRPr lang="en-US"/>
           </a:p>
@@ -3927,7 +4307,7 @@
           <a:p>
             <a:fld id="{0560A9CD-0304-4E0B-9E82-E7E0115DE05B}" type="datetimeFigureOut">
               <a:rPr lang="en-US" smtClean="0"/>
-              <a:t>2/19/2023</a:t>
+              <a:t>2/22/2023</a:t>
             </a:fld>
             <a:endParaRPr lang="en-US"/>
           </a:p>
@@ -4110,7 +4490,7 @@
           <a:p>
             <a:fld id="{0560A9CD-0304-4E0B-9E82-E7E0115DE05B}" type="datetimeFigureOut">
               <a:rPr lang="en-US" smtClean="0"/>
-              <a:t>2/19/2023</a:t>
+              <a:t>2/22/2023</a:t>
             </a:fld>
             <a:endParaRPr lang="en-US"/>
           </a:p>
@@ -4355,7 +4735,7 @@
           <a:p>
             <a:fld id="{0560A9CD-0304-4E0B-9E82-E7E0115DE05B}" type="datetimeFigureOut">
               <a:rPr lang="en-US" smtClean="0"/>
-              <a:t>2/19/2023</a:t>
+              <a:t>2/22/2023</a:t>
             </a:fld>
             <a:endParaRPr lang="en-US"/>
           </a:p>
@@ -4584,7 +4964,7 @@
           <a:p>
             <a:fld id="{0560A9CD-0304-4E0B-9E82-E7E0115DE05B}" type="datetimeFigureOut">
               <a:rPr lang="en-US" smtClean="0"/>
-              <a:t>2/19/2023</a:t>
+              <a:t>2/22/2023</a:t>
             </a:fld>
             <a:endParaRPr lang="en-US"/>
           </a:p>
@@ -4948,7 +5328,7 @@
           <a:p>
             <a:fld id="{0560A9CD-0304-4E0B-9E82-E7E0115DE05B}" type="datetimeFigureOut">
               <a:rPr lang="en-US" smtClean="0"/>
-              <a:t>2/19/2023</a:t>
+              <a:t>2/22/2023</a:t>
             </a:fld>
             <a:endParaRPr lang="en-US"/>
           </a:p>
@@ -5065,7 +5445,7 @@
           <a:p>
             <a:fld id="{0560A9CD-0304-4E0B-9E82-E7E0115DE05B}" type="datetimeFigureOut">
               <a:rPr lang="en-US" smtClean="0"/>
-              <a:t>2/19/2023</a:t>
+              <a:t>2/22/2023</a:t>
             </a:fld>
             <a:endParaRPr lang="en-US"/>
           </a:p>
@@ -5160,7 +5540,7 @@
           <a:p>
             <a:fld id="{0560A9CD-0304-4E0B-9E82-E7E0115DE05B}" type="datetimeFigureOut">
               <a:rPr lang="en-US" smtClean="0"/>
-              <a:t>2/19/2023</a:t>
+              <a:t>2/22/2023</a:t>
             </a:fld>
             <a:endParaRPr lang="en-US"/>
           </a:p>
@@ -5435,7 +5815,7 @@
           <a:p>
             <a:fld id="{0560A9CD-0304-4E0B-9E82-E7E0115DE05B}" type="datetimeFigureOut">
               <a:rPr lang="en-US" smtClean="0"/>
-              <a:t>2/19/2023</a:t>
+              <a:t>2/22/2023</a:t>
             </a:fld>
             <a:endParaRPr lang="en-US"/>
           </a:p>
@@ -5687,7 +6067,7 @@
           <a:p>
             <a:fld id="{0560A9CD-0304-4E0B-9E82-E7E0115DE05B}" type="datetimeFigureOut">
               <a:rPr lang="en-US" smtClean="0"/>
-              <a:t>2/19/2023</a:t>
+              <a:t>2/22/2023</a:t>
             </a:fld>
             <a:endParaRPr lang="en-US"/>
           </a:p>
@@ -5898,7 +6278,7 @@
           <a:p>
             <a:fld id="{0560A9CD-0304-4E0B-9E82-E7E0115DE05B}" type="datetimeFigureOut">
               <a:rPr lang="en-US" smtClean="0"/>
-              <a:t>2/19/2023</a:t>
+              <a:t>2/22/2023</a:t>
             </a:fld>
             <a:endParaRPr lang="en-US"/>
           </a:p>
@@ -25933,7 +26313,7 @@
           <p:nvPr>
             <p:extLst>
               <p:ext uri="{D42A27DB-BD31-4B8C-83A1-F6EECF244321}">
-                <p14:modId xmlns:p14="http://schemas.microsoft.com/office/powerpoint/2010/main" val="2655794767"/>
+                <p14:modId xmlns:p14="http://schemas.microsoft.com/office/powerpoint/2010/main" val="4246669169"/>
               </p:ext>
             </p:extLst>
           </p:nvPr>
@@ -26153,7 +26533,24 @@
                           <a:latin typeface="Courier New" panose="02070309020205020404" pitchFamily="49" charset="0"/>
                           <a:cs typeface="Courier New" panose="02070309020205020404" pitchFamily="49" charset="0"/>
                         </a:rPr>
-                        <a:t> f():</a:t>
+                        <a:t> </a:t>
+                      </a:r>
+                      <a:r>
+                        <a:rPr lang="en-US" sz="1600" b="1" baseline="0" dirty="0">
+                          <a:solidFill>
+                            <a:srgbClr val="C00000"/>
+                          </a:solidFill>
+                          <a:latin typeface="Courier New" panose="02070309020205020404" pitchFamily="49" charset="0"/>
+                          <a:cs typeface="Courier New" panose="02070309020205020404" pitchFamily="49" charset="0"/>
+                        </a:rPr>
+                        <a:t>f</a:t>
+                      </a:r>
+                      <a:r>
+                        <a:rPr lang="en-US" sz="1600" b="1" baseline="0" dirty="0">
+                          <a:latin typeface="Courier New" panose="02070309020205020404" pitchFamily="49" charset="0"/>
+                          <a:cs typeface="Courier New" panose="02070309020205020404" pitchFamily="49" charset="0"/>
+                        </a:rPr>
+                        <a:t>():</a:t>
                       </a:r>
                       <a:br>
                         <a:rPr lang="en-US" sz="1600" b="1" baseline="0" dirty="0">
@@ -29891,9 +30288,10 @@
               <a:t>differ</a:t>
             </a:r>
             <a:r>
-              <a:rPr lang="da-DK" dirty="0"/>
+              <a:rPr lang="da-DK"/>
               <a:t>)</a:t>
             </a:r>
+            <a:endParaRPr lang="da-DK" dirty="0"/>
           </a:p>
           <a:p>
             <a:pPr marL="457200" lvl="1" indent="0">

--- a/ipsa/slides/functions.pptx
+++ b/ipsa/slides/functions.pptx
@@ -550,7 +550,7 @@
   <pc:docChgLst>
     <pc:chgData name="Gerth Stølting Brodal" userId="04ef4784-6591-4f86-a140-f5c3b108582a" providerId="ADAL" clId="{89EC5210-EF5D-482B-9301-5C971FABFA3E}"/>
     <pc:docChg chg="undo redo custSel addSld modSld">
-      <pc:chgData name="Gerth Stølting Brodal" userId="04ef4784-6591-4f86-a140-f5c3b108582a" providerId="ADAL" clId="{89EC5210-EF5D-482B-9301-5C971FABFA3E}" dt="2023-02-22T12:37:41.659" v="1849" actId="27636"/>
+      <pc:chgData name="Gerth Stølting Brodal" userId="04ef4784-6591-4f86-a140-f5c3b108582a" providerId="ADAL" clId="{89EC5210-EF5D-482B-9301-5C971FABFA3E}" dt="2023-03-01T09:03:13.754" v="1856" actId="6549"/>
       <pc:docMkLst>
         <pc:docMk/>
       </pc:docMkLst>
@@ -978,8 +978,8 @@
           </ac:graphicFrameMkLst>
         </pc:graphicFrameChg>
       </pc:sldChg>
-      <pc:sldChg chg="modSp mod">
-        <pc:chgData name="Gerth Stølting Brodal" userId="04ef4784-6591-4f86-a140-f5c3b108582a" providerId="ADAL" clId="{89EC5210-EF5D-482B-9301-5C971FABFA3E}" dt="2023-02-18T08:38:31.754" v="128" actId="20577"/>
+      <pc:sldChg chg="modSp mod modNotesTx">
+        <pc:chgData name="Gerth Stølting Brodal" userId="04ef4784-6591-4f86-a140-f5c3b108582a" providerId="ADAL" clId="{89EC5210-EF5D-482B-9301-5C971FABFA3E}" dt="2023-03-01T09:03:13.754" v="1856" actId="6549"/>
         <pc:sldMkLst>
           <pc:docMk/>
           <pc:sldMk cId="3860775354" sldId="590"/>
@@ -1111,7 +1111,7 @@
           <a:p>
             <a:fld id="{FB1A172F-81D4-4DC4-9113-1DBD56EC3646}" type="datetimeFigureOut">
               <a:rPr lang="en-US" smtClean="0"/>
-              <a:t>2/22/2023</a:t>
+              <a:t>3/1/2023</a:t>
             </a:fld>
             <a:endParaRPr lang="en-US"/>
           </a:p>
@@ -2681,15 +2681,7 @@
           <a:p>
             <a:r>
               <a:rPr lang="en-US" dirty="0"/>
-              <a:t>help(</a:t>
-            </a:r>
-            <a:r>
-              <a:rPr lang="en-US"/>
-              <a:t>sum):  sum</a:t>
-            </a:r>
-            <a:r>
-              <a:rPr lang="en-US" dirty="0"/>
-              <a:t>(</a:t>
+              <a:t>help(sum):  sum(</a:t>
             </a:r>
             <a:r>
               <a:rPr lang="en-US" dirty="0" err="1"/>
@@ -2698,6 +2690,20 @@
             <a:r>
               <a:rPr lang="en-US" dirty="0"/>
               <a:t>, /, start=0)</a:t>
+            </a:r>
+          </a:p>
+          <a:p>
+            <a:r>
+              <a:rPr lang="en-US" dirty="0"/>
+              <a:t>help(sorted): sorted(</a:t>
+            </a:r>
+            <a:r>
+              <a:rPr lang="en-US" dirty="0" err="1"/>
+              <a:t>iterable</a:t>
+            </a:r>
+            <a:r>
+              <a:rPr lang="en-US" dirty="0"/>
+              <a:t>, /, *, key=None, reverse=False)</a:t>
             </a:r>
           </a:p>
           <a:p>
@@ -3961,7 +3967,7 @@
           <a:p>
             <a:fld id="{0560A9CD-0304-4E0B-9E82-E7E0115DE05B}" type="datetimeFigureOut">
               <a:rPr lang="en-US" smtClean="0"/>
-              <a:t>2/22/2023</a:t>
+              <a:t>3/1/2023</a:t>
             </a:fld>
             <a:endParaRPr lang="en-US"/>
           </a:p>
@@ -4129,7 +4135,7 @@
           <a:p>
             <a:fld id="{0560A9CD-0304-4E0B-9E82-E7E0115DE05B}" type="datetimeFigureOut">
               <a:rPr lang="en-US" smtClean="0"/>
-              <a:t>2/22/2023</a:t>
+              <a:t>3/1/2023</a:t>
             </a:fld>
             <a:endParaRPr lang="en-US"/>
           </a:p>
@@ -4307,7 +4313,7 @@
           <a:p>
             <a:fld id="{0560A9CD-0304-4E0B-9E82-E7E0115DE05B}" type="datetimeFigureOut">
               <a:rPr lang="en-US" smtClean="0"/>
-              <a:t>2/22/2023</a:t>
+              <a:t>3/1/2023</a:t>
             </a:fld>
             <a:endParaRPr lang="en-US"/>
           </a:p>
@@ -4490,7 +4496,7 @@
           <a:p>
             <a:fld id="{0560A9CD-0304-4E0B-9E82-E7E0115DE05B}" type="datetimeFigureOut">
               <a:rPr lang="en-US" smtClean="0"/>
-              <a:t>2/22/2023</a:t>
+              <a:t>3/1/2023</a:t>
             </a:fld>
             <a:endParaRPr lang="en-US"/>
           </a:p>
@@ -4735,7 +4741,7 @@
           <a:p>
             <a:fld id="{0560A9CD-0304-4E0B-9E82-E7E0115DE05B}" type="datetimeFigureOut">
               <a:rPr lang="en-US" smtClean="0"/>
-              <a:t>2/22/2023</a:t>
+              <a:t>3/1/2023</a:t>
             </a:fld>
             <a:endParaRPr lang="en-US"/>
           </a:p>
@@ -4964,7 +4970,7 @@
           <a:p>
             <a:fld id="{0560A9CD-0304-4E0B-9E82-E7E0115DE05B}" type="datetimeFigureOut">
               <a:rPr lang="en-US" smtClean="0"/>
-              <a:t>2/22/2023</a:t>
+              <a:t>3/1/2023</a:t>
             </a:fld>
             <a:endParaRPr lang="en-US"/>
           </a:p>
@@ -5328,7 +5334,7 @@
           <a:p>
             <a:fld id="{0560A9CD-0304-4E0B-9E82-E7E0115DE05B}" type="datetimeFigureOut">
               <a:rPr lang="en-US" smtClean="0"/>
-              <a:t>2/22/2023</a:t>
+              <a:t>3/1/2023</a:t>
             </a:fld>
             <a:endParaRPr lang="en-US"/>
           </a:p>
@@ -5445,7 +5451,7 @@
           <a:p>
             <a:fld id="{0560A9CD-0304-4E0B-9E82-E7E0115DE05B}" type="datetimeFigureOut">
               <a:rPr lang="en-US" smtClean="0"/>
-              <a:t>2/22/2023</a:t>
+              <a:t>3/1/2023</a:t>
             </a:fld>
             <a:endParaRPr lang="en-US"/>
           </a:p>
@@ -5540,7 +5546,7 @@
           <a:p>
             <a:fld id="{0560A9CD-0304-4E0B-9E82-E7E0115DE05B}" type="datetimeFigureOut">
               <a:rPr lang="en-US" smtClean="0"/>
-              <a:t>2/22/2023</a:t>
+              <a:t>3/1/2023</a:t>
             </a:fld>
             <a:endParaRPr lang="en-US"/>
           </a:p>
@@ -5815,7 +5821,7 @@
           <a:p>
             <a:fld id="{0560A9CD-0304-4E0B-9E82-E7E0115DE05B}" type="datetimeFigureOut">
               <a:rPr lang="en-US" smtClean="0"/>
-              <a:t>2/22/2023</a:t>
+              <a:t>3/1/2023</a:t>
             </a:fld>
             <a:endParaRPr lang="en-US"/>
           </a:p>
@@ -6067,7 +6073,7 @@
           <a:p>
             <a:fld id="{0560A9CD-0304-4E0B-9E82-E7E0115DE05B}" type="datetimeFigureOut">
               <a:rPr lang="en-US" smtClean="0"/>
-              <a:t>2/22/2023</a:t>
+              <a:t>3/1/2023</a:t>
             </a:fld>
             <a:endParaRPr lang="en-US"/>
           </a:p>
@@ -6278,7 +6284,7 @@
           <a:p>
             <a:fld id="{0560A9CD-0304-4E0B-9E82-E7E0115DE05B}" type="datetimeFigureOut">
               <a:rPr lang="en-US" smtClean="0"/>
-              <a:t>2/22/2023</a:t>
+              <a:t>3/1/2023</a:t>
             </a:fld>
             <a:endParaRPr lang="en-US"/>
           </a:p>

--- a/ipsa/slides/functions.pptx
+++ b/ipsa/slides/functions.pptx
@@ -142,14 +142,6 @@
     </p:ext>
   </p:extLst>
 </p:presentation>
-</file>
-
-<file path=ppt/revisionInfo.xml><?xml version="1.0" encoding="utf-8"?>
-<p1510:revInfo xmlns:a="http://schemas.openxmlformats.org/drawingml/2006/main" xmlns:r="http://schemas.openxmlformats.org/officeDocument/2006/relationships" xmlns:p1510="http://schemas.microsoft.com/office/powerpoint/2015/10/main">
-  <p1510:revLst>
-    <p1510:client id="{89EC5210-EF5D-482B-9301-5C971FABFA3E}" v="39" dt="2023-02-19T18:31:55.092"/>
-  </p1510:revLst>
-</p1510:revInfo>
 </file>
 
 <file path=ppt/changesInfos/changesInfo1.xml><?xml version="1.0" encoding="utf-8"?>
@@ -541,6 +533,182 @@
           <ac:graphicFrameMkLst>
             <pc:docMk/>
             <pc:sldMk cId="3400063430" sldId="591"/>
+            <ac:graphicFrameMk id="4" creationId="{00000000-0000-0000-0000-000000000000}"/>
+          </ac:graphicFrameMkLst>
+        </pc:graphicFrameChg>
+      </pc:sldChg>
+    </pc:docChg>
+  </pc:docChgLst>
+  <pc:docChgLst>
+    <pc:chgData name="Gerth Stølting Brodal" userId="04ef4784-6591-4f86-a140-f5c3b108582a" providerId="ADAL" clId="{A438EBA1-DB7D-4DC5-9143-438EE3137945}"/>
+    <pc:docChg chg="undo custSel modSld">
+      <pc:chgData name="Gerth Stølting Brodal" userId="04ef4784-6591-4f86-a140-f5c3b108582a" providerId="ADAL" clId="{A438EBA1-DB7D-4DC5-9143-438EE3137945}" dt="2024-02-19T07:27:35.531" v="452" actId="20577"/>
+      <pc:docMkLst>
+        <pc:docMk/>
+      </pc:docMkLst>
+      <pc:sldChg chg="modSp mod">
+        <pc:chgData name="Gerth Stølting Brodal" userId="04ef4784-6591-4f86-a140-f5c3b108582a" providerId="ADAL" clId="{A438EBA1-DB7D-4DC5-9143-438EE3137945}" dt="2024-02-19T06:43:34.614" v="25" actId="313"/>
+        <pc:sldMkLst>
+          <pc:docMk/>
+          <pc:sldMk cId="188061130" sldId="564"/>
+        </pc:sldMkLst>
+        <pc:graphicFrameChg chg="modGraphic">
+          <ac:chgData name="Gerth Stølting Brodal" userId="04ef4784-6591-4f86-a140-f5c3b108582a" providerId="ADAL" clId="{A438EBA1-DB7D-4DC5-9143-438EE3137945}" dt="2024-02-19T06:43:24.980" v="17" actId="313"/>
+          <ac:graphicFrameMkLst>
+            <pc:docMk/>
+            <pc:sldMk cId="188061130" sldId="564"/>
+            <ac:graphicFrameMk id="4" creationId="{00000000-0000-0000-0000-000000000000}"/>
+          </ac:graphicFrameMkLst>
+        </pc:graphicFrameChg>
+        <pc:graphicFrameChg chg="modGraphic">
+          <ac:chgData name="Gerth Stølting Brodal" userId="04ef4784-6591-4f86-a140-f5c3b108582a" providerId="ADAL" clId="{A438EBA1-DB7D-4DC5-9143-438EE3137945}" dt="2024-02-19T06:43:34.614" v="25" actId="313"/>
+          <ac:graphicFrameMkLst>
+            <pc:docMk/>
+            <pc:sldMk cId="188061130" sldId="564"/>
+            <ac:graphicFrameMk id="6" creationId="{00000000-0000-0000-0000-000000000000}"/>
+          </ac:graphicFrameMkLst>
+        </pc:graphicFrameChg>
+      </pc:sldChg>
+      <pc:sldChg chg="modSp mod">
+        <pc:chgData name="Gerth Stølting Brodal" userId="04ef4784-6591-4f86-a140-f5c3b108582a" providerId="ADAL" clId="{A438EBA1-DB7D-4DC5-9143-438EE3137945}" dt="2024-02-19T07:13:25.896" v="267" actId="207"/>
+        <pc:sldMkLst>
+          <pc:docMk/>
+          <pc:sldMk cId="3627704936" sldId="566"/>
+        </pc:sldMkLst>
+        <pc:spChg chg="mod">
+          <ac:chgData name="Gerth Stølting Brodal" userId="04ef4784-6591-4f86-a140-f5c3b108582a" providerId="ADAL" clId="{A438EBA1-DB7D-4DC5-9143-438EE3137945}" dt="2024-02-19T07:13:25.896" v="267" actId="207"/>
+          <ac:spMkLst>
+            <pc:docMk/>
+            <pc:sldMk cId="3627704936" sldId="566"/>
+            <ac:spMk id="3" creationId="{00000000-0000-0000-0000-000000000000}"/>
+          </ac:spMkLst>
+        </pc:spChg>
+      </pc:sldChg>
+      <pc:sldChg chg="modSp mod modNotesTx">
+        <pc:chgData name="Gerth Stølting Brodal" userId="04ef4784-6591-4f86-a140-f5c3b108582a" providerId="ADAL" clId="{A438EBA1-DB7D-4DC5-9143-438EE3137945}" dt="2024-02-19T06:59:06.914" v="266" actId="20577"/>
+        <pc:sldMkLst>
+          <pc:docMk/>
+          <pc:sldMk cId="100858788" sldId="568"/>
+        </pc:sldMkLst>
+        <pc:spChg chg="mod">
+          <ac:chgData name="Gerth Stølting Brodal" userId="04ef4784-6591-4f86-a140-f5c3b108582a" providerId="ADAL" clId="{A438EBA1-DB7D-4DC5-9143-438EE3137945}" dt="2024-02-19T06:58:16.887" v="134" actId="114"/>
+          <ac:spMkLst>
+            <pc:docMk/>
+            <pc:sldMk cId="100858788" sldId="568"/>
+            <ac:spMk id="3" creationId="{00000000-0000-0000-0000-000000000000}"/>
+          </ac:spMkLst>
+        </pc:spChg>
+        <pc:graphicFrameChg chg="modGraphic">
+          <ac:chgData name="Gerth Stølting Brodal" userId="04ef4784-6591-4f86-a140-f5c3b108582a" providerId="ADAL" clId="{A438EBA1-DB7D-4DC5-9143-438EE3137945}" dt="2024-02-19T06:49:18.502" v="31" actId="313"/>
+          <ac:graphicFrameMkLst>
+            <pc:docMk/>
+            <pc:sldMk cId="100858788" sldId="568"/>
+            <ac:graphicFrameMk id="6" creationId="{00000000-0000-0000-0000-000000000000}"/>
+          </ac:graphicFrameMkLst>
+        </pc:graphicFrameChg>
+      </pc:sldChg>
+      <pc:sldChg chg="modSp mod">
+        <pc:chgData name="Gerth Stølting Brodal" userId="04ef4784-6591-4f86-a140-f5c3b108582a" providerId="ADAL" clId="{A438EBA1-DB7D-4DC5-9143-438EE3137945}" dt="2024-02-19T06:50:19.795" v="65" actId="313"/>
+        <pc:sldMkLst>
+          <pc:docMk/>
+          <pc:sldMk cId="1619579666" sldId="574"/>
+        </pc:sldMkLst>
+        <pc:graphicFrameChg chg="modGraphic">
+          <ac:chgData name="Gerth Stølting Brodal" userId="04ef4784-6591-4f86-a140-f5c3b108582a" providerId="ADAL" clId="{A438EBA1-DB7D-4DC5-9143-438EE3137945}" dt="2024-02-19T06:50:19.795" v="65" actId="313"/>
+          <ac:graphicFrameMkLst>
+            <pc:docMk/>
+            <pc:sldMk cId="1619579666" sldId="574"/>
+            <ac:graphicFrameMk id="4" creationId="{00000000-0000-0000-0000-000000000000}"/>
+          </ac:graphicFrameMkLst>
+        </pc:graphicFrameChg>
+      </pc:sldChg>
+      <pc:sldChg chg="modSp mod">
+        <pc:chgData name="Gerth Stølting Brodal" userId="04ef4784-6591-4f86-a140-f5c3b108582a" providerId="ADAL" clId="{A438EBA1-DB7D-4DC5-9143-438EE3137945}" dt="2024-02-19T07:17:50.360" v="269" actId="207"/>
+        <pc:sldMkLst>
+          <pc:docMk/>
+          <pc:sldMk cId="2854255146" sldId="575"/>
+        </pc:sldMkLst>
+        <pc:graphicFrameChg chg="modGraphic">
+          <ac:chgData name="Gerth Stølting Brodal" userId="04ef4784-6591-4f86-a140-f5c3b108582a" providerId="ADAL" clId="{A438EBA1-DB7D-4DC5-9143-438EE3137945}" dt="2024-02-19T07:17:50.360" v="269" actId="207"/>
+          <ac:graphicFrameMkLst>
+            <pc:docMk/>
+            <pc:sldMk cId="2854255146" sldId="575"/>
+            <ac:graphicFrameMk id="4" creationId="{00000000-0000-0000-0000-000000000000}"/>
+          </ac:graphicFrameMkLst>
+        </pc:graphicFrameChg>
+      </pc:sldChg>
+      <pc:sldChg chg="modSp mod">
+        <pc:chgData name="Gerth Stølting Brodal" userId="04ef4784-6591-4f86-a140-f5c3b108582a" providerId="ADAL" clId="{A438EBA1-DB7D-4DC5-9143-438EE3137945}" dt="2024-02-19T06:50:14.150" v="57" actId="313"/>
+        <pc:sldMkLst>
+          <pc:docMk/>
+          <pc:sldMk cId="826728691" sldId="578"/>
+        </pc:sldMkLst>
+        <pc:graphicFrameChg chg="modGraphic">
+          <ac:chgData name="Gerth Stølting Brodal" userId="04ef4784-6591-4f86-a140-f5c3b108582a" providerId="ADAL" clId="{A438EBA1-DB7D-4DC5-9143-438EE3137945}" dt="2024-02-19T06:49:53.433" v="45" actId="313"/>
+          <ac:graphicFrameMkLst>
+            <pc:docMk/>
+            <pc:sldMk cId="826728691" sldId="578"/>
+            <ac:graphicFrameMk id="7" creationId="{00000000-0000-0000-0000-000000000000}"/>
+          </ac:graphicFrameMkLst>
+        </pc:graphicFrameChg>
+        <pc:graphicFrameChg chg="modGraphic">
+          <ac:chgData name="Gerth Stølting Brodal" userId="04ef4784-6591-4f86-a140-f5c3b108582a" providerId="ADAL" clId="{A438EBA1-DB7D-4DC5-9143-438EE3137945}" dt="2024-02-19T06:50:11.240" v="51" actId="313"/>
+          <ac:graphicFrameMkLst>
+            <pc:docMk/>
+            <pc:sldMk cId="826728691" sldId="578"/>
+            <ac:graphicFrameMk id="8" creationId="{00000000-0000-0000-0000-000000000000}"/>
+          </ac:graphicFrameMkLst>
+        </pc:graphicFrameChg>
+        <pc:graphicFrameChg chg="modGraphic">
+          <ac:chgData name="Gerth Stølting Brodal" userId="04ef4784-6591-4f86-a140-f5c3b108582a" providerId="ADAL" clId="{A438EBA1-DB7D-4DC5-9143-438EE3137945}" dt="2024-02-19T06:50:14.150" v="57" actId="313"/>
+          <ac:graphicFrameMkLst>
+            <pc:docMk/>
+            <pc:sldMk cId="826728691" sldId="578"/>
+            <ac:graphicFrameMk id="9" creationId="{00000000-0000-0000-0000-000000000000}"/>
+          </ac:graphicFrameMkLst>
+        </pc:graphicFrameChg>
+      </pc:sldChg>
+      <pc:sldChg chg="modSp mod">
+        <pc:chgData name="Gerth Stølting Brodal" userId="04ef4784-6591-4f86-a140-f5c3b108582a" providerId="ADAL" clId="{A438EBA1-DB7D-4DC5-9143-438EE3137945}" dt="2024-02-19T06:50:24.770" v="69" actId="313"/>
+        <pc:sldMkLst>
+          <pc:docMk/>
+          <pc:sldMk cId="4009993959" sldId="582"/>
+        </pc:sldMkLst>
+        <pc:graphicFrameChg chg="modGraphic">
+          <ac:chgData name="Gerth Stølting Brodal" userId="04ef4784-6591-4f86-a140-f5c3b108582a" providerId="ADAL" clId="{A438EBA1-DB7D-4DC5-9143-438EE3137945}" dt="2024-02-19T06:50:24.770" v="69" actId="313"/>
+          <ac:graphicFrameMkLst>
+            <pc:docMk/>
+            <pc:sldMk cId="4009993959" sldId="582"/>
+            <ac:graphicFrameMk id="4" creationId="{00000000-0000-0000-0000-000000000000}"/>
+          </ac:graphicFrameMkLst>
+        </pc:graphicFrameChg>
+      </pc:sldChg>
+      <pc:sldChg chg="modSp mod modNotesTx">
+        <pc:chgData name="Gerth Stølting Brodal" userId="04ef4784-6591-4f86-a140-f5c3b108582a" providerId="ADAL" clId="{A438EBA1-DB7D-4DC5-9143-438EE3137945}" dt="2024-02-19T07:27:35.531" v="452" actId="20577"/>
+        <pc:sldMkLst>
+          <pc:docMk/>
+          <pc:sldMk cId="2874315793" sldId="587"/>
+        </pc:sldMkLst>
+        <pc:graphicFrameChg chg="modGraphic">
+          <ac:chgData name="Gerth Stølting Brodal" userId="04ef4784-6591-4f86-a140-f5c3b108582a" providerId="ADAL" clId="{A438EBA1-DB7D-4DC5-9143-438EE3137945}" dt="2024-02-19T06:50:47.786" v="85" actId="313"/>
+          <ac:graphicFrameMkLst>
+            <pc:docMk/>
+            <pc:sldMk cId="2874315793" sldId="587"/>
+            <ac:graphicFrameMk id="4" creationId="{00000000-0000-0000-0000-000000000000}"/>
+          </ac:graphicFrameMkLst>
+        </pc:graphicFrameChg>
+      </pc:sldChg>
+      <pc:sldChg chg="modSp mod">
+        <pc:chgData name="Gerth Stølting Brodal" userId="04ef4784-6591-4f86-a140-f5c3b108582a" providerId="ADAL" clId="{A438EBA1-DB7D-4DC5-9143-438EE3137945}" dt="2024-02-19T06:50:32.840" v="83" actId="313"/>
+        <pc:sldMkLst>
+          <pc:docMk/>
+          <pc:sldMk cId="1007572461" sldId="588"/>
+        </pc:sldMkLst>
+        <pc:graphicFrameChg chg="modGraphic">
+          <ac:chgData name="Gerth Stølting Brodal" userId="04ef4784-6591-4f86-a140-f5c3b108582a" providerId="ADAL" clId="{A438EBA1-DB7D-4DC5-9143-438EE3137945}" dt="2024-02-19T06:50:32.840" v="83" actId="313"/>
+          <ac:graphicFrameMkLst>
+            <pc:docMk/>
+            <pc:sldMk cId="1007572461" sldId="588"/>
             <ac:graphicFrameMk id="4" creationId="{00000000-0000-0000-0000-000000000000}"/>
           </ac:graphicFrameMkLst>
         </pc:graphicFrameChg>
@@ -1111,7 +1279,7 @@
           <a:p>
             <a:fld id="{FB1A172F-81D4-4DC4-9113-1DBD56EC3646}" type="datetimeFigureOut">
               <a:rPr lang="en-US" smtClean="0"/>
-              <a:t>3/1/2023</a:t>
+              <a:t>2/19/2024</a:t>
             </a:fld>
             <a:endParaRPr lang="en-US"/>
           </a:p>
@@ -2561,8 +2729,88 @@
           <a:lstStyle/>
           <a:p>
             <a:r>
-              <a:rPr lang="en-US" dirty="0"/>
-              <a:t>Without global and nonlocal in the examples the variables x and y would be assumed (unbound) local variables since they are assigned new values</a:t>
+              <a:rPr lang="da-DK" dirty="0"/>
+              <a:t>The </a:t>
+            </a:r>
+            <a:r>
+              <a:rPr lang="da-DK" dirty="0" err="1"/>
+              <a:t>initialization</a:t>
+            </a:r>
+            <a:r>
+              <a:rPr lang="da-DK" dirty="0"/>
+              <a:t> on </a:t>
+            </a:r>
+            <a:r>
+              <a:rPr lang="da-DK" dirty="0" err="1"/>
+              <a:t>construction</a:t>
+            </a:r>
+            <a:r>
+              <a:rPr lang="da-DK" dirty="0"/>
+              <a:t> time is a </a:t>
+            </a:r>
+            <a:r>
+              <a:rPr lang="da-DK" dirty="0" err="1"/>
+              <a:t>language</a:t>
+            </a:r>
+            <a:r>
+              <a:rPr lang="da-DK" dirty="0"/>
+              <a:t> design decision, but for </a:t>
+            </a:r>
+            <a:r>
+              <a:rPr lang="da-DK" dirty="0" err="1"/>
+              <a:t>efficiency</a:t>
+            </a:r>
+            <a:r>
+              <a:rPr lang="da-DK" dirty="0"/>
+              <a:t>, a default </a:t>
+            </a:r>
+            <a:r>
+              <a:rPr lang="da-DK" dirty="0" err="1"/>
+              <a:t>value</a:t>
+            </a:r>
+            <a:r>
+              <a:rPr lang="da-DK" dirty="0"/>
+              <a:t> is </a:t>
+            </a:r>
+            <a:r>
+              <a:rPr lang="da-DK" dirty="0" err="1"/>
+              <a:t>only</a:t>
+            </a:r>
+            <a:r>
+              <a:rPr lang="da-DK" dirty="0"/>
+              <a:t> </a:t>
+            </a:r>
+            <a:r>
+              <a:rPr lang="da-DK" dirty="0" err="1"/>
+              <a:t>constructed</a:t>
+            </a:r>
+            <a:r>
+              <a:rPr lang="da-DK" dirty="0"/>
+              <a:t> </a:t>
+            </a:r>
+            <a:r>
+              <a:rPr lang="da-DK" dirty="0" err="1"/>
+              <a:t>once</a:t>
+            </a:r>
+            <a:r>
+              <a:rPr lang="da-DK" dirty="0"/>
+              <a:t> (</a:t>
+            </a:r>
+            <a:r>
+              <a:rPr lang="da-DK" dirty="0" err="1"/>
+              <a:t>makes</a:t>
+            </a:r>
+            <a:r>
+              <a:rPr lang="da-DK" dirty="0"/>
+              <a:t> sense </a:t>
+            </a:r>
+            <a:r>
+              <a:rPr lang="da-DK" dirty="0" err="1"/>
+              <a:t>immutable</a:t>
+            </a:r>
+            <a:r>
+              <a:rPr lang="da-DK" dirty="0"/>
+              <a:t>)</a:t>
             </a:r>
           </a:p>
         </p:txBody>
@@ -2584,7 +2832,7 @@
           <a:p>
             <a:fld id="{CD563DD8-32AB-41BE-B1C6-8EAC45222ACE}" type="slidenum">
               <a:rPr lang="en-US" smtClean="0"/>
-              <a:t>28</a:t>
+              <a:t>27</a:t>
             </a:fld>
             <a:endParaRPr lang="en-US"/>
           </a:p>
@@ -2593,7 +2841,7 @@
     </p:spTree>
     <p:extLst>
       <p:ext uri="{BB962C8B-B14F-4D97-AF65-F5344CB8AC3E}">
-        <p14:creationId xmlns:p14="http://schemas.microsoft.com/office/powerpoint/2010/main" val="1237157003"/>
+        <p14:creationId xmlns:p14="http://schemas.microsoft.com/office/powerpoint/2010/main" val="1268976527"/>
       </p:ext>
     </p:extLst>
   </p:cSld>
@@ -2649,65 +2897,8 @@
           <a:p>
             <a:r>
               <a:rPr lang="en-US" dirty="0"/>
-              <a:t>At most one * and / argument, and * before /.</a:t>
-            </a:r>
-          </a:p>
-          <a:p>
-            <a:r>
-              <a:rPr lang="en-US" dirty="0"/>
-              <a:t>/ introduced in Python 3.8</a:t>
-            </a:r>
-          </a:p>
-          <a:p>
-            <a:r>
-              <a:rPr lang="en-US" dirty="0"/>
-              <a:t>* Introduced in Python 3.0</a:t>
-            </a:r>
-          </a:p>
-          <a:p>
-            <a:r>
-              <a:rPr lang="en-US" dirty="0"/>
-              <a:t>By forcing the usage of keyword only arguments *, the functions can be extended with new positional arguments, and encourage </a:t>
-            </a:r>
-            <a:r>
-              <a:rPr lang="en-US" b="1" dirty="0"/>
-              <a:t>backwards compatible</a:t>
-            </a:r>
-            <a:r>
-              <a:rPr lang="en-US" dirty="0"/>
-              <a:t> code</a:t>
-            </a:r>
-          </a:p>
-          <a:p>
-            <a:r>
-              <a:rPr lang="en-US" dirty="0"/>
-              <a:t>help(sum):  sum(</a:t>
-            </a:r>
-            <a:r>
-              <a:rPr lang="en-US" dirty="0" err="1"/>
-              <a:t>iterable</a:t>
-            </a:r>
-            <a:r>
-              <a:rPr lang="en-US" dirty="0"/>
-              <a:t>, /, start=0)</a:t>
-            </a:r>
-          </a:p>
-          <a:p>
-            <a:r>
-              <a:rPr lang="en-US" dirty="0"/>
-              <a:t>help(sorted): sorted(</a:t>
-            </a:r>
-            <a:r>
-              <a:rPr lang="en-US" dirty="0" err="1"/>
-              <a:t>iterable</a:t>
-            </a:r>
-            <a:r>
-              <a:rPr lang="en-US" dirty="0"/>
-              <a:t>, /, *, key=None, reverse=False)</a:t>
-            </a:r>
-          </a:p>
-          <a:p>
-            <a:endParaRPr lang="en-US" dirty="0"/>
+              <a:t>Without global and nonlocal in the examples the variables x and y would be assumed (unbound) local variables since they are assigned new values</a:t>
+            </a:r>
           </a:p>
         </p:txBody>
       </p:sp>
@@ -2728,7 +2919,7 @@
           <a:p>
             <a:fld id="{CD563DD8-32AB-41BE-B1C6-8EAC45222ACE}" type="slidenum">
               <a:rPr lang="en-US" smtClean="0"/>
-              <a:t>29</a:t>
+              <a:t>28</a:t>
             </a:fld>
             <a:endParaRPr lang="en-US"/>
           </a:p>
@@ -2737,7 +2928,7 @@
     </p:spTree>
     <p:extLst>
       <p:ext uri="{BB962C8B-B14F-4D97-AF65-F5344CB8AC3E}">
-        <p14:creationId xmlns:p14="http://schemas.microsoft.com/office/powerpoint/2010/main" val="1372089320"/>
+        <p14:creationId xmlns:p14="http://schemas.microsoft.com/office/powerpoint/2010/main" val="1237157003"/>
       </p:ext>
     </p:extLst>
   </p:cSld>
@@ -2822,6 +3013,150 @@
     <p:extLst>
       <p:ext uri="{BB962C8B-B14F-4D97-AF65-F5344CB8AC3E}">
         <p14:creationId xmlns:p14="http://schemas.microsoft.com/office/powerpoint/2010/main" val="2223631898"/>
+      </p:ext>
+    </p:extLst>
+  </p:cSld>
+  <p:clrMapOvr>
+    <a:masterClrMapping/>
+  </p:clrMapOvr>
+</p:notes>
+</file>
+
+<file path=ppt/notesSlides/notesSlide20.xml><?xml version="1.0" encoding="utf-8"?>
+<p:notes xmlns:a="http://schemas.openxmlformats.org/drawingml/2006/main" xmlns:r="http://schemas.openxmlformats.org/officeDocument/2006/relationships" xmlns:p="http://schemas.openxmlformats.org/presentationml/2006/main">
+  <p:cSld>
+    <p:spTree>
+      <p:nvGrpSpPr>
+        <p:cNvPr id="1" name=""/>
+        <p:cNvGrpSpPr/>
+        <p:nvPr/>
+      </p:nvGrpSpPr>
+      <p:grpSpPr>
+        <a:xfrm>
+          <a:off x="0" y="0"/>
+          <a:ext cx="0" cy="0"/>
+          <a:chOff x="0" y="0"/>
+          <a:chExt cx="0" cy="0"/>
+        </a:xfrm>
+      </p:grpSpPr>
+      <p:sp>
+        <p:nvSpPr>
+          <p:cNvPr id="2" name="Slide Image Placeholder 1"/>
+          <p:cNvSpPr>
+            <a:spLocks noGrp="1" noRot="1" noChangeAspect="1"/>
+          </p:cNvSpPr>
+          <p:nvPr>
+            <p:ph type="sldImg"/>
+          </p:nvPr>
+        </p:nvSpPr>
+        <p:spPr/>
+      </p:sp>
+      <p:sp>
+        <p:nvSpPr>
+          <p:cNvPr id="3" name="Notes Placeholder 2"/>
+          <p:cNvSpPr>
+            <a:spLocks noGrp="1"/>
+          </p:cNvSpPr>
+          <p:nvPr>
+            <p:ph type="body" idx="1"/>
+          </p:nvPr>
+        </p:nvSpPr>
+        <p:spPr/>
+        <p:txBody>
+          <a:bodyPr/>
+          <a:lstStyle/>
+          <a:p>
+            <a:r>
+              <a:rPr lang="en-US" dirty="0"/>
+              <a:t>At most one * and / argument, and * before /.</a:t>
+            </a:r>
+          </a:p>
+          <a:p>
+            <a:r>
+              <a:rPr lang="en-US" dirty="0"/>
+              <a:t>/ introduced in Python 3.8</a:t>
+            </a:r>
+          </a:p>
+          <a:p>
+            <a:r>
+              <a:rPr lang="en-US" dirty="0"/>
+              <a:t>* Introduced in Python 3.0</a:t>
+            </a:r>
+          </a:p>
+          <a:p>
+            <a:r>
+              <a:rPr lang="en-US" dirty="0"/>
+              <a:t>By forcing the usage of keyword only arguments *, the functions can be extended with new positional arguments, and encourage </a:t>
+            </a:r>
+            <a:r>
+              <a:rPr lang="en-US" b="1" dirty="0"/>
+              <a:t>backwards compatible</a:t>
+            </a:r>
+            <a:r>
+              <a:rPr lang="en-US" dirty="0"/>
+              <a:t> code</a:t>
+            </a:r>
+          </a:p>
+          <a:p>
+            <a:r>
+              <a:rPr lang="en-US" dirty="0"/>
+              <a:t>help(sum):  sum(</a:t>
+            </a:r>
+            <a:r>
+              <a:rPr lang="en-US" dirty="0" err="1"/>
+              <a:t>iterable</a:t>
+            </a:r>
+            <a:r>
+              <a:rPr lang="en-US" dirty="0"/>
+              <a:t>, /, start=0)</a:t>
+            </a:r>
+          </a:p>
+          <a:p>
+            <a:r>
+              <a:rPr lang="en-US" dirty="0"/>
+              <a:t>help(sorted): sorted(</a:t>
+            </a:r>
+            <a:r>
+              <a:rPr lang="en-US" dirty="0" err="1"/>
+              <a:t>iterable</a:t>
+            </a:r>
+            <a:r>
+              <a:rPr lang="en-US" dirty="0"/>
+              <a:t>, /, *, key=None, reverse=False)</a:t>
+            </a:r>
+          </a:p>
+          <a:p>
+            <a:endParaRPr lang="en-US" dirty="0"/>
+          </a:p>
+        </p:txBody>
+      </p:sp>
+      <p:sp>
+        <p:nvSpPr>
+          <p:cNvPr id="4" name="Slide Number Placeholder 3"/>
+          <p:cNvSpPr>
+            <a:spLocks noGrp="1"/>
+          </p:cNvSpPr>
+          <p:nvPr>
+            <p:ph type="sldNum" sz="quarter" idx="5"/>
+          </p:nvPr>
+        </p:nvSpPr>
+        <p:spPr/>
+        <p:txBody>
+          <a:bodyPr/>
+          <a:lstStyle/>
+          <a:p>
+            <a:fld id="{CD563DD8-32AB-41BE-B1C6-8EAC45222ACE}" type="slidenum">
+              <a:rPr lang="en-US" smtClean="0"/>
+              <a:t>29</a:t>
+            </a:fld>
+            <a:endParaRPr lang="en-US"/>
+          </a:p>
+        </p:txBody>
+      </p:sp>
+    </p:spTree>
+    <p:extLst>
+      <p:ext uri="{BB962C8B-B14F-4D97-AF65-F5344CB8AC3E}">
+        <p14:creationId xmlns:p14="http://schemas.microsoft.com/office/powerpoint/2010/main" val="1372089320"/>
       </p:ext>
     </p:extLst>
   </p:cSld>
@@ -3012,42 +3347,18 @@
           <a:lstStyle/>
           <a:p>
             <a:r>
-              <a:rPr lang="en-US" dirty="0" err="1"/>
-              <a:t>Argumenter</a:t>
-            </a:r>
-            <a:r>
               <a:rPr lang="en-US" dirty="0"/>
-              <a:t> </a:t>
-            </a:r>
-            <a:r>
-              <a:rPr lang="en-US" dirty="0" err="1"/>
-              <a:t>efter</a:t>
-            </a:r>
+              <a:t>Arguments after *L must be keyword arguments</a:t>
+            </a:r>
+          </a:p>
+          <a:p>
+            <a:endParaRPr lang="en-US" dirty="0"/>
+          </a:p>
+          <a:p>
             <a:r>
               <a:rPr lang="en-US" dirty="0"/>
-              <a:t> *L </a:t>
-            </a:r>
-            <a:r>
-              <a:rPr lang="en-US" dirty="0" err="1"/>
-              <a:t>vil</a:t>
-            </a:r>
-            <a:r>
-              <a:rPr lang="en-US" dirty="0"/>
-              <a:t> </a:t>
-            </a:r>
-            <a:r>
-              <a:rPr lang="en-US" dirty="0" err="1"/>
-              <a:t>være</a:t>
-            </a:r>
-            <a:r>
-              <a:rPr lang="en-US" dirty="0"/>
-              <a:t> keyword </a:t>
-            </a:r>
-            <a:r>
-              <a:rPr lang="en-US" dirty="0" err="1"/>
-              <a:t>argumenter</a:t>
-            </a:r>
-            <a:endParaRPr lang="en-US" dirty="0"/>
+              <a:t>Note that a,*b, c = 1,2,3,4,5 creates b as a list instead of a tuple, and there can be more variables after * </a:t>
+            </a:r>
           </a:p>
         </p:txBody>
       </p:sp>
@@ -3967,7 +4278,7 @@
           <a:p>
             <a:fld id="{0560A9CD-0304-4E0B-9E82-E7E0115DE05B}" type="datetimeFigureOut">
               <a:rPr lang="en-US" smtClean="0"/>
-              <a:t>3/1/2023</a:t>
+              <a:t>2/19/2024</a:t>
             </a:fld>
             <a:endParaRPr lang="en-US"/>
           </a:p>
@@ -4135,7 +4446,7 @@
           <a:p>
             <a:fld id="{0560A9CD-0304-4E0B-9E82-E7E0115DE05B}" type="datetimeFigureOut">
               <a:rPr lang="en-US" smtClean="0"/>
-              <a:t>3/1/2023</a:t>
+              <a:t>2/19/2024</a:t>
             </a:fld>
             <a:endParaRPr lang="en-US"/>
           </a:p>
@@ -4313,7 +4624,7 @@
           <a:p>
             <a:fld id="{0560A9CD-0304-4E0B-9E82-E7E0115DE05B}" type="datetimeFigureOut">
               <a:rPr lang="en-US" smtClean="0"/>
-              <a:t>3/1/2023</a:t>
+              <a:t>2/19/2024</a:t>
             </a:fld>
             <a:endParaRPr lang="en-US"/>
           </a:p>
@@ -4496,7 +4807,7 @@
           <a:p>
             <a:fld id="{0560A9CD-0304-4E0B-9E82-E7E0115DE05B}" type="datetimeFigureOut">
               <a:rPr lang="en-US" smtClean="0"/>
-              <a:t>3/1/2023</a:t>
+              <a:t>2/19/2024</a:t>
             </a:fld>
             <a:endParaRPr lang="en-US"/>
           </a:p>
@@ -4741,7 +5052,7 @@
           <a:p>
             <a:fld id="{0560A9CD-0304-4E0B-9E82-E7E0115DE05B}" type="datetimeFigureOut">
               <a:rPr lang="en-US" smtClean="0"/>
-              <a:t>3/1/2023</a:t>
+              <a:t>2/19/2024</a:t>
             </a:fld>
             <a:endParaRPr lang="en-US"/>
           </a:p>
@@ -4970,7 +5281,7 @@
           <a:p>
             <a:fld id="{0560A9CD-0304-4E0B-9E82-E7E0115DE05B}" type="datetimeFigureOut">
               <a:rPr lang="en-US" smtClean="0"/>
-              <a:t>3/1/2023</a:t>
+              <a:t>2/19/2024</a:t>
             </a:fld>
             <a:endParaRPr lang="en-US"/>
           </a:p>
@@ -5334,7 +5645,7 @@
           <a:p>
             <a:fld id="{0560A9CD-0304-4E0B-9E82-E7E0115DE05B}" type="datetimeFigureOut">
               <a:rPr lang="en-US" smtClean="0"/>
-              <a:t>3/1/2023</a:t>
+              <a:t>2/19/2024</a:t>
             </a:fld>
             <a:endParaRPr lang="en-US"/>
           </a:p>
@@ -5451,7 +5762,7 @@
           <a:p>
             <a:fld id="{0560A9CD-0304-4E0B-9E82-E7E0115DE05B}" type="datetimeFigureOut">
               <a:rPr lang="en-US" smtClean="0"/>
-              <a:t>3/1/2023</a:t>
+              <a:t>2/19/2024</a:t>
             </a:fld>
             <a:endParaRPr lang="en-US"/>
           </a:p>
@@ -5546,7 +5857,7 @@
           <a:p>
             <a:fld id="{0560A9CD-0304-4E0B-9E82-E7E0115DE05B}" type="datetimeFigureOut">
               <a:rPr lang="en-US" smtClean="0"/>
-              <a:t>3/1/2023</a:t>
+              <a:t>2/19/2024</a:t>
             </a:fld>
             <a:endParaRPr lang="en-US"/>
           </a:p>
@@ -5821,7 +6132,7 @@
           <a:p>
             <a:fld id="{0560A9CD-0304-4E0B-9E82-E7E0115DE05B}" type="datetimeFigureOut">
               <a:rPr lang="en-US" smtClean="0"/>
-              <a:t>3/1/2023</a:t>
+              <a:t>2/19/2024</a:t>
             </a:fld>
             <a:endParaRPr lang="en-US"/>
           </a:p>
@@ -6073,7 +6384,7 @@
           <a:p>
             <a:fld id="{0560A9CD-0304-4E0B-9E82-E7E0115DE05B}" type="datetimeFigureOut">
               <a:rPr lang="en-US" smtClean="0"/>
-              <a:t>3/1/2023</a:t>
+              <a:t>2/19/2024</a:t>
             </a:fld>
             <a:endParaRPr lang="en-US"/>
           </a:p>
@@ -6284,7 +6595,7 @@
           <a:p>
             <a:fld id="{0560A9CD-0304-4E0B-9E82-E7E0115DE05B}" type="datetimeFigureOut">
               <a:rPr lang="en-US" smtClean="0"/>
-              <a:t>3/1/2023</a:t>
+              <a:t>2/19/2024</a:t>
             </a:fld>
             <a:endParaRPr lang="en-US"/>
           </a:p>
@@ -6976,7 +7287,15 @@
             </a:r>
             <a:r>
               <a:rPr lang="da-DK" dirty="0"/>
-              <a:t> as the last argument</a:t>
+              <a:t> as the </a:t>
+            </a:r>
+            <a:r>
+              <a:rPr lang="da-DK" i="1" dirty="0"/>
+              <a:t>last</a:t>
+            </a:r>
+            <a:r>
+              <a:rPr lang="da-DK" dirty="0"/>
+              <a:t> argument</a:t>
             </a:r>
           </a:p>
           <a:p>
@@ -7071,7 +7390,7 @@
           <p:nvPr>
             <p:extLst>
               <p:ext uri="{D42A27DB-BD31-4B8C-83A1-F6EECF244321}">
-                <p14:modId xmlns:p14="http://schemas.microsoft.com/office/powerpoint/2010/main" val="2883907621"/>
+                <p14:modId xmlns:p14="http://schemas.microsoft.com/office/powerpoint/2010/main" val="3589723724"/>
               </p:ext>
             </p:extLst>
           </p:nvPr>
@@ -7261,7 +7580,7 @@
                           <a:latin typeface="Courier New" panose="02070309020205020404" pitchFamily="49" charset="0"/>
                           <a:cs typeface="Courier New" panose="02070309020205020404" pitchFamily="49" charset="0"/>
                         </a:rPr>
-                        <a:t>	print("x =", x)</a:t>
+                        <a:t>	print('x =', x)</a:t>
                       </a:r>
                     </a:p>
                     <a:p>
@@ -7278,7 +7597,7 @@
                           <a:latin typeface="Courier New" panose="02070309020205020404" pitchFamily="49" charset="0"/>
                           <a:cs typeface="Courier New" panose="02070309020205020404" pitchFamily="49" charset="0"/>
                         </a:rPr>
-                        <a:t>	print("y =", y)</a:t>
+                        <a:t>	print('y =', y)</a:t>
                       </a:r>
                     </a:p>
                     <a:p>
@@ -7298,7 +7617,7 @@
                           <a:latin typeface="Courier New" panose="02070309020205020404" pitchFamily="49" charset="0"/>
                           <a:cs typeface="Courier New" panose="02070309020205020404" pitchFamily="49" charset="0"/>
                         </a:rPr>
-                        <a:t>	print("L =", L)</a:t>
+                        <a:t>	print('L =', L)</a:t>
                       </a:r>
                     </a:p>
                     <a:p>
@@ -10294,6 +10613,9 @@
             </a:r>
             <a:r>
               <a:rPr lang="da-DK" sz="2600" dirty="0" err="1">
+                <a:solidFill>
+                  <a:srgbClr val="C00000"/>
+                </a:solidFill>
                 <a:latin typeface="Courier New" panose="02070309020205020404" pitchFamily="49" charset="0"/>
                 <a:cs typeface="Courier New" panose="02070309020205020404" pitchFamily="49" charset="0"/>
               </a:rPr>
@@ -10301,10 +10623,20 @@
             </a:r>
             <a:r>
               <a:rPr lang="da-DK" sz="2600" dirty="0">
+                <a:solidFill>
+                  <a:srgbClr val="C00000"/>
+                </a:solidFill>
                 <a:latin typeface="Courier New" panose="02070309020205020404" pitchFamily="49" charset="0"/>
                 <a:cs typeface="Courier New" panose="02070309020205020404" pitchFamily="49" charset="0"/>
               </a:rPr>
-              <a:t>=":", </a:t>
+              <a:t>=</a:t>
+            </a:r>
+            <a:r>
+              <a:rPr lang="da-DK" sz="2600" dirty="0">
+                <a:latin typeface="Courier New" panose="02070309020205020404" pitchFamily="49" charset="0"/>
+                <a:cs typeface="Courier New" panose="02070309020205020404" pitchFamily="49" charset="0"/>
+              </a:rPr>
+              <a:t>':', </a:t>
             </a:r>
             <a:r>
               <a:rPr lang="da-DK" sz="2600" dirty="0">
@@ -10321,7 +10653,7 @@
                 <a:latin typeface="Courier New" panose="02070309020205020404" pitchFamily="49" charset="0"/>
                 <a:cs typeface="Courier New" panose="02070309020205020404" pitchFamily="49" charset="0"/>
               </a:rPr>
-              <a:t>"")</a:t>
+              <a:t>'')</a:t>
             </a:r>
           </a:p>
           <a:p>
@@ -10636,7 +10968,7 @@
                 <a:latin typeface="Courier New" panose="02070309020205020404" pitchFamily="49" charset="0"/>
                 <a:cs typeface="Courier New" panose="02070309020205020404" pitchFamily="49" charset="0"/>
               </a:rPr>
-              <a:t>="Mickey",</a:t>
+              <a:t>='Mickey',</a:t>
             </a:r>
           </a:p>
           <a:p>
@@ -10651,7 +10983,7 @@
                 <a:latin typeface="Courier New" panose="02070309020205020404" pitchFamily="49" charset="0"/>
                 <a:cs typeface="Courier New" panose="02070309020205020404" pitchFamily="49" charset="0"/>
               </a:rPr>
-              <a:t>   	    city="</a:t>
+              <a:t>   	    city='</a:t>
             </a:r>
             <a:r>
               <a:rPr lang="da-DK" sz="2600" dirty="0" err="1">
@@ -10665,7 +10997,7 @@
                 <a:latin typeface="Courier New" panose="02070309020205020404" pitchFamily="49" charset="0"/>
                 <a:cs typeface="Courier New" panose="02070309020205020404" pitchFamily="49" charset="0"/>
               </a:rPr>
-              <a:t>",</a:t>
+              <a:t>',</a:t>
             </a:r>
           </a:p>
           <a:p>
@@ -10694,7 +11026,7 @@
                 <a:latin typeface="Courier New" panose="02070309020205020404" pitchFamily="49" charset="0"/>
                 <a:cs typeface="Courier New" panose="02070309020205020404" pitchFamily="49" charset="0"/>
               </a:rPr>
-              <a:t>="</a:t>
+              <a:t>='</a:t>
             </a:r>
             <a:r>
               <a:rPr lang="da-DK" sz="2600" dirty="0" err="1">
@@ -10708,7 +11040,7 @@
                 <a:latin typeface="Courier New" panose="02070309020205020404" pitchFamily="49" charset="0"/>
                 <a:cs typeface="Courier New" panose="02070309020205020404" pitchFamily="49" charset="0"/>
               </a:rPr>
-              <a:t>",</a:t>
+              <a:t>',</a:t>
             </a:r>
           </a:p>
           <a:p>
@@ -10737,7 +11069,7 @@
                 <a:latin typeface="Courier New" panose="02070309020205020404" pitchFamily="49" charset="0"/>
                 <a:cs typeface="Courier New" panose="02070309020205020404" pitchFamily="49" charset="0"/>
               </a:rPr>
-              <a:t>="</a:t>
+              <a:t>='</a:t>
             </a:r>
             <a:r>
               <a:rPr lang="da-DK" sz="2600" dirty="0" err="1">
@@ -10751,7 +11083,7 @@
                 <a:latin typeface="Courier New" panose="02070309020205020404" pitchFamily="49" charset="0"/>
                 <a:cs typeface="Courier New" panose="02070309020205020404" pitchFamily="49" charset="0"/>
               </a:rPr>
-              <a:t>",</a:t>
+              <a:t>',</a:t>
             </a:r>
           </a:p>
           <a:p>
@@ -10783,7 +11115,7 @@
                 <a:latin typeface="Courier New" panose="02070309020205020404" pitchFamily="49" charset="0"/>
                 <a:cs typeface="Courier New" panose="02070309020205020404" pitchFamily="49" charset="0"/>
               </a:rPr>
-              <a:t>="Male"</a:t>
+              <a:t>='Male'</a:t>
             </a:r>
             <a:br>
               <a:rPr lang="da-DK" sz="2600" dirty="0">
@@ -12367,7 +12699,7 @@
           <p:nvPr>
             <p:extLst>
               <p:ext uri="{D42A27DB-BD31-4B8C-83A1-F6EECF244321}">
-                <p14:modId xmlns:p14="http://schemas.microsoft.com/office/powerpoint/2010/main" val="3952215506"/>
+                <p14:modId xmlns:p14="http://schemas.microsoft.com/office/powerpoint/2010/main" val="3635408181"/>
               </p:ext>
             </p:extLst>
           </p:nvPr>
@@ -12617,7 +12949,7 @@
           <p:nvPr>
             <p:extLst>
               <p:ext uri="{D42A27DB-BD31-4B8C-83A1-F6EECF244321}">
-                <p14:modId xmlns:p14="http://schemas.microsoft.com/office/powerpoint/2010/main" val="700147718"/>
+                <p14:modId xmlns:p14="http://schemas.microsoft.com/office/powerpoint/2010/main" val="52096855"/>
               </p:ext>
             </p:extLst>
           </p:nvPr>
@@ -12916,7 +13248,7 @@
                           <a:latin typeface="Courier New" panose="02070309020205020404" pitchFamily="49" charset="0"/>
                           <a:cs typeface="Courier New" panose="02070309020205020404" pitchFamily="49" charset="0"/>
                         </a:rPr>
-                        <a:t>("a")</a:t>
+                        <a:t>('a')</a:t>
                       </a:r>
                     </a:p>
                     <a:p>
@@ -12970,7 +13302,7 @@
                           <a:latin typeface="Courier New" panose="02070309020205020404" pitchFamily="49" charset="0"/>
                           <a:cs typeface="Courier New" panose="02070309020205020404" pitchFamily="49" charset="0"/>
                         </a:rPr>
-                        <a:t>("b")</a:t>
+                        <a:t>('b')</a:t>
                       </a:r>
                     </a:p>
                     <a:p>
@@ -13057,7 +13389,7 @@
                           <a:latin typeface="Courier New" panose="02070309020205020404" pitchFamily="49" charset="0"/>
                           <a:cs typeface="Courier New" panose="02070309020205020404" pitchFamily="49" charset="0"/>
                         </a:rPr>
-                        <a:t>("c")</a:t>
+                        <a:t>('c')</a:t>
                       </a:r>
                     </a:p>
                     <a:p>
@@ -13213,7 +13545,7 @@
           <p:nvPr>
             <p:extLst>
               <p:ext uri="{D42A27DB-BD31-4B8C-83A1-F6EECF244321}">
-                <p14:modId xmlns:p14="http://schemas.microsoft.com/office/powerpoint/2010/main" val="1887487949"/>
+                <p14:modId xmlns:p14="http://schemas.microsoft.com/office/powerpoint/2010/main" val="3777547632"/>
               </p:ext>
             </p:extLst>
           </p:nvPr>
@@ -13559,7 +13891,7 @@
                           <a:latin typeface="Courier New" panose="02070309020205020404" pitchFamily="49" charset="0"/>
                           <a:cs typeface="Courier New" panose="02070309020205020404" pitchFamily="49" charset="0"/>
                         </a:rPr>
-                        <a:t>("a")</a:t>
+                        <a:t>('a')</a:t>
                       </a:r>
                     </a:p>
                     <a:p>
@@ -13613,7 +13945,7 @@
                           <a:latin typeface="Courier New" panose="02070309020205020404" pitchFamily="49" charset="0"/>
                           <a:cs typeface="Courier New" panose="02070309020205020404" pitchFamily="49" charset="0"/>
                         </a:rPr>
-                        <a:t>("b")</a:t>
+                        <a:t>('b')</a:t>
                       </a:r>
                     </a:p>
                     <a:p>
@@ -13667,7 +13999,7 @@
                           <a:latin typeface="Courier New" panose="02070309020205020404" pitchFamily="49" charset="0"/>
                           <a:cs typeface="Courier New" panose="02070309020205020404" pitchFamily="49" charset="0"/>
                         </a:rPr>
-                        <a:t>("c")</a:t>
+                        <a:t>('c')</a:t>
                       </a:r>
                     </a:p>
                     <a:p>
@@ -14075,7 +14407,7 @@
           <p:nvPr>
             <p:extLst>
               <p:ext uri="{D42A27DB-BD31-4B8C-83A1-F6EECF244321}">
-                <p14:modId xmlns:p14="http://schemas.microsoft.com/office/powerpoint/2010/main" val="3673450408"/>
+                <p14:modId xmlns:p14="http://schemas.microsoft.com/office/powerpoint/2010/main" val="2150689974"/>
               </p:ext>
             </p:extLst>
           </p:nvPr>
@@ -14213,7 +14545,7 @@
                           <a:latin typeface="Courier New" panose="02070309020205020404" pitchFamily="49" charset="0"/>
                           <a:cs typeface="Courier New" panose="02070309020205020404" pitchFamily="49" charset="0"/>
                         </a:rPr>
-                        <a:t>print(3, 4, 5, sep=":", end='#\n')</a:t>
+                        <a:t>print(3, 4, 5, sep=':', end='#\n')</a:t>
                       </a:r>
                       <a:endParaRPr lang="en-US" sz="1800" b="1" baseline="0" dirty="0">
                         <a:latin typeface="Courier New" panose="02070309020205020404" pitchFamily="49" charset="0"/>
@@ -14280,14 +14612,14 @@
                           <a:latin typeface="Courier New" panose="02070309020205020404" pitchFamily="49" charset="0"/>
                           <a:cs typeface="Courier New" panose="02070309020205020404" pitchFamily="49" charset="0"/>
                         </a:rPr>
-                        <a:t>'</a:t>
+                        <a:t>'sep'</a:t>
                       </a:r>
                       <a:r>
                         <a:rPr lang="nl-NL" sz="1800" b="1" baseline="0" dirty="0">
                           <a:latin typeface="Courier New" panose="02070309020205020404" pitchFamily="49" charset="0"/>
                           <a:cs typeface="Courier New" panose="02070309020205020404" pitchFamily="49" charset="0"/>
                         </a:rPr>
-                        <a:t>sep</a:t>
+                        <a:t>: ':', </a:t>
                       </a:r>
                       <a:r>
                         <a:rPr lang="nl-NL" sz="1800" b="1" baseline="0" dirty="0">
@@ -14297,41 +14629,7 @@
                           <a:latin typeface="Courier New" panose="02070309020205020404" pitchFamily="49" charset="0"/>
                           <a:cs typeface="Courier New" panose="02070309020205020404" pitchFamily="49" charset="0"/>
                         </a:rPr>
-                        <a:t>'</a:t>
-                      </a:r>
-                      <a:r>
-                        <a:rPr lang="nl-NL" sz="1800" b="1" baseline="0" dirty="0">
-                          <a:latin typeface="Courier New" panose="02070309020205020404" pitchFamily="49" charset="0"/>
-                          <a:cs typeface="Courier New" panose="02070309020205020404" pitchFamily="49" charset="0"/>
-                        </a:rPr>
-                        <a:t>: ':', </a:t>
-                      </a:r>
-                      <a:r>
-                        <a:rPr lang="nl-NL" sz="1800" b="1" baseline="0" dirty="0">
-                          <a:solidFill>
-                            <a:srgbClr val="C00000"/>
-                          </a:solidFill>
-                          <a:latin typeface="Courier New" panose="02070309020205020404" pitchFamily="49" charset="0"/>
-                          <a:cs typeface="Courier New" panose="02070309020205020404" pitchFamily="49" charset="0"/>
-                        </a:rPr>
-                        <a:t>'</a:t>
-                      </a:r>
-                      <a:r>
-                        <a:rPr lang="nl-NL" sz="1800" b="1" baseline="0" dirty="0">
-                          <a:latin typeface="Courier New" panose="02070309020205020404" pitchFamily="49" charset="0"/>
-                          <a:cs typeface="Courier New" panose="02070309020205020404" pitchFamily="49" charset="0"/>
-                        </a:rPr>
-                        <a:t>end</a:t>
-                      </a:r>
-                      <a:r>
-                        <a:rPr lang="nl-NL" sz="1800" b="1" baseline="0" dirty="0">
-                          <a:solidFill>
-                            <a:srgbClr val="C00000"/>
-                          </a:solidFill>
-                          <a:latin typeface="Courier New" panose="02070309020205020404" pitchFamily="49" charset="0"/>
-                          <a:cs typeface="Courier New" panose="02070309020205020404" pitchFamily="49" charset="0"/>
-                        </a:rPr>
-                        <a:t>'</a:t>
+                        <a:t>'end'</a:t>
                       </a:r>
                       <a:r>
                         <a:rPr lang="nl-NL" sz="1800" b="1" baseline="0" dirty="0">
@@ -15874,7 +16172,7 @@
           <p:nvPr>
             <p:extLst>
               <p:ext uri="{D42A27DB-BD31-4B8C-83A1-F6EECF244321}">
-                <p14:modId xmlns:p14="http://schemas.microsoft.com/office/powerpoint/2010/main" val="526948626"/>
+                <p14:modId xmlns:p14="http://schemas.microsoft.com/office/powerpoint/2010/main" val="1349418568"/>
               </p:ext>
             </p:extLst>
           </p:nvPr>
@@ -16073,7 +16371,7 @@
                           <a:latin typeface="Courier New" panose="02070309020205020404" pitchFamily="49" charset="0"/>
                           <a:cs typeface="Courier New" panose="02070309020205020404" pitchFamily="49" charset="0"/>
                         </a:rPr>
-                        <a:t>	  print("a =", a)</a:t>
+                        <a:t>	  print('a =', a)</a:t>
                       </a:r>
                     </a:p>
                     <a:p>
@@ -16096,7 +16394,7 @@
                           <a:latin typeface="Courier New" panose="02070309020205020404" pitchFamily="49" charset="0"/>
                           <a:cs typeface="Courier New" panose="02070309020205020404" pitchFamily="49" charset="0"/>
                         </a:rPr>
-                        <a:t>	  print("b =", b)</a:t>
+                        <a:t>	  print('b =', b)</a:t>
                       </a:r>
                     </a:p>
                     <a:p>
@@ -16119,7 +16417,7 @@
                           <a:latin typeface="Courier New" panose="02070309020205020404" pitchFamily="49" charset="0"/>
                           <a:cs typeface="Courier New" panose="02070309020205020404" pitchFamily="49" charset="0"/>
                         </a:rPr>
-                        <a:t>	  print("c =", c)</a:t>
+                        <a:t>	  print('c =', c)</a:t>
                       </a:r>
                       <a:endParaRPr lang="nl-NL" sz="1800" b="1" baseline="0" dirty="0">
                         <a:latin typeface="Courier New" panose="02070309020205020404" pitchFamily="49" charset="0"/>
@@ -16466,7 +16764,7 @@
           <p:nvPr>
             <p:extLst>
               <p:ext uri="{D42A27DB-BD31-4B8C-83A1-F6EECF244321}">
-                <p14:modId xmlns:p14="http://schemas.microsoft.com/office/powerpoint/2010/main" val="391444722"/>
+                <p14:modId xmlns:p14="http://schemas.microsoft.com/office/powerpoint/2010/main" val="4182361239"/>
               </p:ext>
             </p:extLst>
           </p:nvPr>
@@ -16739,7 +17037,7 @@
                           <a:latin typeface="Courier New" panose="02070309020205020404" pitchFamily="49" charset="0"/>
                           <a:cs typeface="Courier New" panose="02070309020205020404" pitchFamily="49" charset="0"/>
                         </a:rPr>
-                        <a:t>      print(f"{a=}, {b=}, {c=}, {d=}, {e=}, {f=}\n"</a:t>
+                        <a:t>      print(f'{a=}, {b=}, {c=}, {d=}, {e=}, {f=}\n'</a:t>
                       </a:r>
                       <a:br>
                         <a:rPr lang="en-US" sz="1800" b="1" baseline="0" dirty="0">
@@ -16752,7 +17050,7 @@
                           <a:latin typeface="Courier New" panose="02070309020205020404" pitchFamily="49" charset="0"/>
                           <a:cs typeface="Courier New" panose="02070309020205020404" pitchFamily="49" charset="0"/>
                         </a:rPr>
-                        <a:t>            f"{q=}, {x=}, {y=}, {z=}, {kw=}")</a:t>
+                        <a:t>            f'{q=}, {x=}, {y=}, {z=}, {kw=}')</a:t>
                       </a:r>
                     </a:p>
                     <a:p>
@@ -17504,7 +17802,7 @@
           <p:nvPr>
             <p:extLst>
               <p:ext uri="{D42A27DB-BD31-4B8C-83A1-F6EECF244321}">
-                <p14:modId xmlns:p14="http://schemas.microsoft.com/office/powerpoint/2010/main" val="3767561622"/>
+                <p14:modId xmlns:p14="http://schemas.microsoft.com/office/powerpoint/2010/main" val="4090118577"/>
               </p:ext>
             </p:extLst>
           </p:nvPr>
@@ -17638,18 +17936,6 @@
                         <a:buChar char="&gt;"/>
                       </a:pPr>
                       <a:r>
-                        <a:rPr lang="en-US" sz="1800" b="1" baseline="0" dirty="0" err="1">
-                          <a:solidFill>
-                            <a:schemeClr val="accent1">
-                              <a:lumMod val="75000"/>
-                            </a:schemeClr>
-                          </a:solidFill>
-                          <a:latin typeface="Courier New" panose="02070309020205020404" pitchFamily="49" charset="0"/>
-                          <a:cs typeface="Courier New" panose="02070309020205020404" pitchFamily="49" charset="0"/>
-                        </a:rPr>
-                        <a:t>def</a:t>
-                      </a:r>
-                      <a:r>
                         <a:rPr lang="en-US" sz="1800" b="1" baseline="0" dirty="0">
                           <a:solidFill>
                             <a:schemeClr val="accent1">
@@ -17659,7 +17945,7 @@
                           <a:latin typeface="Courier New" panose="02070309020205020404" pitchFamily="49" charset="0"/>
                           <a:cs typeface="Courier New" panose="02070309020205020404" pitchFamily="49" charset="0"/>
                         </a:rPr>
-                        <a:t> </a:t>
+                        <a:t>def </a:t>
                       </a:r>
                       <a:r>
                         <a:rPr lang="en-US" sz="1800" b="1" baseline="0" dirty="0" err="1">
@@ -17731,7 +18017,7 @@
                           <a:latin typeface="Courier New" panose="02070309020205020404" pitchFamily="49" charset="0"/>
                           <a:cs typeface="Courier New" panose="02070309020205020404" pitchFamily="49" charset="0"/>
                         </a:rPr>
-                        <a:t>=":", </a:t>
+                        <a:t>=':', </a:t>
                       </a:r>
                       <a:r>
                         <a:rPr lang="en-US" sz="1800" b="1" baseline="0" dirty="0">
@@ -18004,7 +18290,7 @@
                           <a:latin typeface="Courier New" panose="02070309020205020404" pitchFamily="49" charset="0"/>
                           <a:cs typeface="Courier New" panose="02070309020205020404" pitchFamily="49" charset="0"/>
                         </a:rPr>
-                        <a:t>("x", "y", end="&lt;")</a:t>
+                        <a:t>('x', 'y', end='&lt;')</a:t>
                       </a:r>
                     </a:p>
                     <a:p>
@@ -18070,7 +18356,7 @@
                           <a:latin typeface="Courier New" panose="02070309020205020404" pitchFamily="49" charset="0"/>
                           <a:cs typeface="Courier New" panose="02070309020205020404" pitchFamily="49" charset="0"/>
                         </a:rPr>
-                        <a:t>("x", "y", </a:t>
+                        <a:t>('x', 'y', </a:t>
                       </a:r>
                       <a:r>
                         <a:rPr lang="en-US" sz="1800" b="1" baseline="0" dirty="0" err="1">
@@ -18090,7 +18376,7 @@
                           <a:latin typeface="Courier New" panose="02070309020205020404" pitchFamily="49" charset="0"/>
                           <a:cs typeface="Courier New" panose="02070309020205020404" pitchFamily="49" charset="0"/>
                         </a:rPr>
-                        <a:t>="_") </a:t>
+                        <a:t>='_') </a:t>
                       </a:r>
                     </a:p>
                     <a:p>
@@ -27175,7 +27461,7 @@
           <p:nvPr>
             <p:extLst>
               <p:ext uri="{D42A27DB-BD31-4B8C-83A1-F6EECF244321}">
-                <p14:modId xmlns:p14="http://schemas.microsoft.com/office/powerpoint/2010/main" val="800284614"/>
+                <p14:modId xmlns:p14="http://schemas.microsoft.com/office/powerpoint/2010/main" val="1817185743"/>
               </p:ext>
             </p:extLst>
           </p:nvPr>
@@ -27712,7 +27998,7 @@
                           <a:latin typeface="Courier New" panose="02070309020205020404" pitchFamily="49" charset="0"/>
                           <a:cs typeface="Courier New" panose="02070309020205020404" pitchFamily="49" charset="0"/>
                         </a:rPr>
-                        <a:t>    print("a =", a)</a:t>
+                        <a:t>    print('a =', a)</a:t>
                       </a:r>
                     </a:p>
                     <a:p>
@@ -28003,7 +28289,7 @@
           <p:nvPr/>
         </p:nvPicPr>
         <p:blipFill>
-          <a:blip r:embed="rId2" cstate="print">
+          <a:blip r:embed="rId3" cstate="print">
             <a:extLst>
               <a:ext uri="{28A0092B-C50C-407E-A947-70E740481C1C}">
                 <a14:useLocalDpi xmlns:a14="http://schemas.microsoft.com/office/drawing/2010/main" val="0"/>
@@ -33222,7 +33508,7 @@
           <p:nvPr>
             <p:extLst>
               <p:ext uri="{D42A27DB-BD31-4B8C-83A1-F6EECF244321}">
-                <p14:modId xmlns:p14="http://schemas.microsoft.com/office/powerpoint/2010/main" val="1375671630"/>
+                <p14:modId xmlns:p14="http://schemas.microsoft.com/office/powerpoint/2010/main" val="3266492030"/>
               </p:ext>
             </p:extLst>
           </p:nvPr>
@@ -33364,7 +33650,7 @@
                           <a:latin typeface="Courier New" panose="02070309020205020404" pitchFamily="49" charset="0"/>
                           <a:cs typeface="Courier New" panose="02070309020205020404" pitchFamily="49" charset="0"/>
                         </a:rPr>
-                        <a:t> = "The value is"</a:t>
+                        <a:t> = 'The value is'</a:t>
                       </a:r>
                     </a:p>
                     <a:p>
@@ -33516,7 +33802,7 @@
                           <a:latin typeface="Courier New" panose="02070309020205020404" pitchFamily="49" charset="0"/>
                           <a:cs typeface="Courier New" panose="02070309020205020404" pitchFamily="49" charset="0"/>
                         </a:rPr>
-                        <a:t> = "Value ="</a:t>
+                        <a:t> = 'Value ='</a:t>
                       </a:r>
                     </a:p>
                     <a:p>
@@ -33639,7 +33925,7 @@
           <p:nvPr>
             <p:extLst>
               <p:ext uri="{D42A27DB-BD31-4B8C-83A1-F6EECF244321}">
-                <p14:modId xmlns:p14="http://schemas.microsoft.com/office/powerpoint/2010/main" val="890974267"/>
+                <p14:modId xmlns:p14="http://schemas.microsoft.com/office/powerpoint/2010/main" val="2173165135"/>
               </p:ext>
             </p:extLst>
           </p:nvPr>
@@ -34179,7 +34465,7 @@
                           <a:latin typeface="Courier New" panose="02070309020205020404" pitchFamily="49" charset="0"/>
                           <a:cs typeface="Courier New" panose="02070309020205020404" pitchFamily="49" charset="0"/>
                         </a:rPr>
-                        <a:t>"Value ="</a:t>
+                        <a:t>'Value ='</a:t>
                       </a:r>
                     </a:p>
                   </a:txBody>

--- a/ipsa/slides/functions.pptx
+++ b/ipsa/slides/functions.pptx
@@ -542,7 +542,7 @@
   <pc:docChgLst>
     <pc:chgData name="Gerth Stølting Brodal" userId="04ef4784-6591-4f86-a140-f5c3b108582a" providerId="ADAL" clId="{A438EBA1-DB7D-4DC5-9143-438EE3137945}"/>
     <pc:docChg chg="undo custSel modSld">
-      <pc:chgData name="Gerth Stølting Brodal" userId="04ef4784-6591-4f86-a140-f5c3b108582a" providerId="ADAL" clId="{A438EBA1-DB7D-4DC5-9143-438EE3137945}" dt="2024-02-19T07:27:35.531" v="452" actId="20577"/>
+      <pc:chgData name="Gerth Stølting Brodal" userId="04ef4784-6591-4f86-a140-f5c3b108582a" providerId="ADAL" clId="{A438EBA1-DB7D-4DC5-9143-438EE3137945}" dt="2024-02-21T08:39:08.710" v="607" actId="20577"/>
       <pc:docMkLst>
         <pc:docMk/>
       </pc:docMkLst>
@@ -622,8 +622,8 @@
           </ac:graphicFrameMkLst>
         </pc:graphicFrameChg>
       </pc:sldChg>
-      <pc:sldChg chg="modSp mod">
-        <pc:chgData name="Gerth Stølting Brodal" userId="04ef4784-6591-4f86-a140-f5c3b108582a" providerId="ADAL" clId="{A438EBA1-DB7D-4DC5-9143-438EE3137945}" dt="2024-02-19T07:17:50.360" v="269" actId="207"/>
+      <pc:sldChg chg="modSp mod modNotesTx">
+        <pc:chgData name="Gerth Stølting Brodal" userId="04ef4784-6591-4f86-a140-f5c3b108582a" providerId="ADAL" clId="{A438EBA1-DB7D-4DC5-9143-438EE3137945}" dt="2024-02-21T08:20:04.961" v="573" actId="20577"/>
         <pc:sldMkLst>
           <pc:docMk/>
           <pc:sldMk cId="2854255146" sldId="575"/>
@@ -698,8 +698,8 @@
           </ac:graphicFrameMkLst>
         </pc:graphicFrameChg>
       </pc:sldChg>
-      <pc:sldChg chg="modSp mod">
-        <pc:chgData name="Gerth Stølting Brodal" userId="04ef4784-6591-4f86-a140-f5c3b108582a" providerId="ADAL" clId="{A438EBA1-DB7D-4DC5-9143-438EE3137945}" dt="2024-02-19T06:50:32.840" v="83" actId="313"/>
+      <pc:sldChg chg="modSp mod modNotesTx">
+        <pc:chgData name="Gerth Stølting Brodal" userId="04ef4784-6591-4f86-a140-f5c3b108582a" providerId="ADAL" clId="{A438EBA1-DB7D-4DC5-9143-438EE3137945}" dt="2024-02-21T08:27:44.993" v="590" actId="20577"/>
         <pc:sldMkLst>
           <pc:docMk/>
           <pc:sldMk cId="1007572461" sldId="588"/>
@@ -712,6 +712,13 @@
             <ac:graphicFrameMk id="4" creationId="{00000000-0000-0000-0000-000000000000}"/>
           </ac:graphicFrameMkLst>
         </pc:graphicFrameChg>
+      </pc:sldChg>
+      <pc:sldChg chg="modNotesTx">
+        <pc:chgData name="Gerth Stølting Brodal" userId="04ef4784-6591-4f86-a140-f5c3b108582a" providerId="ADAL" clId="{A438EBA1-DB7D-4DC5-9143-438EE3137945}" dt="2024-02-21T08:39:08.710" v="607" actId="20577"/>
+        <pc:sldMkLst>
+          <pc:docMk/>
+          <pc:sldMk cId="3860775354" sldId="590"/>
+        </pc:sldMkLst>
       </pc:sldChg>
     </pc:docChg>
   </pc:docChgLst>
@@ -1279,7 +1286,7 @@
           <a:p>
             <a:fld id="{FB1A172F-81D4-4DC4-9113-1DBD56EC3646}" type="datetimeFigureOut">
               <a:rPr lang="en-US" smtClean="0"/>
-              <a:t>2/19/2024</a:t>
+              <a:t>2/21/2024</a:t>
             </a:fld>
             <a:endParaRPr lang="en-US"/>
           </a:p>
@@ -1792,6 +1799,27 @@
           </a:p>
           <a:p>
             <a:r>
+              <a:rPr lang="en-US" dirty="0" err="1"/>
+              <a:t>Techically</a:t>
+            </a:r>
+            <a:r>
+              <a:rPr lang="en-US" dirty="0"/>
+              <a:t>: for **object, object must be a mapping, i.e. implementing “.keys” and “.__</a:t>
+            </a:r>
+            <a:r>
+              <a:rPr lang="en-US" dirty="0" err="1"/>
+              <a:t>getitem</a:t>
+            </a:r>
+            <a:r>
+              <a:rPr lang="en-US" dirty="0"/>
+              <a:t>__”</a:t>
+            </a:r>
+          </a:p>
+          <a:p>
+            <a:endParaRPr lang="en-US" dirty="0"/>
+          </a:p>
+          <a:p>
+            <a:r>
               <a:rPr lang="en-US" dirty="0"/>
               <a:t>import </a:t>
             </a:r>
@@ -2225,7 +2253,72 @@
           <a:bodyPr/>
           <a:lstStyle/>
           <a:p>
-            <a:endParaRPr lang="da-DK" dirty="0"/>
+            <a:r>
+              <a:rPr lang="pl-PL" dirty="0"/>
+              <a:t>def mp(*arg, **kw):</a:t>
+            </a:r>
+          </a:p>
+          <a:p>
+            <a:r>
+              <a:rPr lang="pl-PL" dirty="0"/>
+              <a:t>    print(*arg, sep=':', **kw)</a:t>
+            </a:r>
+          </a:p>
+          <a:p>
+            <a:r>
+              <a:rPr lang="da-DK" dirty="0"/>
+              <a:t>mp(1, 2, </a:t>
+            </a:r>
+            <a:r>
+              <a:rPr lang="da-DK" dirty="0" err="1"/>
+              <a:t>sep</a:t>
+            </a:r>
+            <a:r>
+              <a:rPr lang="da-DK" dirty="0"/>
+              <a:t>=', ')</a:t>
+            </a:r>
+          </a:p>
+          <a:p>
+            <a:r>
+              <a:rPr lang="da-DK" dirty="0" err="1"/>
+              <a:t>TypeError</a:t>
+            </a:r>
+            <a:r>
+              <a:rPr lang="da-DK" dirty="0"/>
+              <a:t>: print() </a:t>
+            </a:r>
+            <a:r>
+              <a:rPr lang="da-DK" dirty="0" err="1"/>
+              <a:t>got</a:t>
+            </a:r>
+            <a:r>
+              <a:rPr lang="da-DK" dirty="0"/>
+              <a:t> multiple </a:t>
+            </a:r>
+            <a:r>
+              <a:rPr lang="da-DK" dirty="0" err="1"/>
+              <a:t>values</a:t>
+            </a:r>
+            <a:r>
+              <a:rPr lang="da-DK" dirty="0"/>
+              <a:t> for </a:t>
+            </a:r>
+            <a:r>
+              <a:rPr lang="da-DK" dirty="0" err="1"/>
+              <a:t>keyword</a:t>
+            </a:r>
+            <a:r>
+              <a:rPr lang="da-DK" dirty="0"/>
+              <a:t> argument '</a:t>
+            </a:r>
+            <a:r>
+              <a:rPr lang="da-DK" dirty="0" err="1"/>
+              <a:t>sep</a:t>
+            </a:r>
+            <a:r>
+              <a:rPr lang="da-DK" dirty="0"/>
+              <a:t>'</a:t>
+            </a:r>
           </a:p>
         </p:txBody>
       </p:sp>
@@ -3126,6 +3219,35 @@
             </a:r>
           </a:p>
           <a:p>
+            <a:endParaRPr lang="en-US" dirty="0"/>
+          </a:p>
+          <a:p>
+            <a:r>
+              <a:rPr lang="en-US" dirty="0"/>
+              <a:t>def f(a, /, **kw):</a:t>
+            </a:r>
+          </a:p>
+          <a:p>
+            <a:r>
+              <a:rPr lang="en-US" dirty="0"/>
+              <a:t>    print(f'{a=} {kw=}’)</a:t>
+            </a:r>
+          </a:p>
+          <a:p>
+            <a:r>
+              <a:rPr lang="da-DK" dirty="0"/>
+              <a:t>&gt;&gt;&gt; </a:t>
+            </a:r>
+            <a:r>
+              <a:rPr lang="pl-PL" dirty="0"/>
+              <a:t>f(5, a=7)</a:t>
+            </a:r>
+          </a:p>
+          <a:p>
+            <a:r>
+              <a:rPr lang="pl-PL" dirty="0"/>
+              <a:t>a=5 kw={'a': 7}</a:t>
+            </a:r>
             <a:endParaRPr lang="en-US" dirty="0"/>
           </a:p>
         </p:txBody>
@@ -4278,7 +4400,7 @@
           <a:p>
             <a:fld id="{0560A9CD-0304-4E0B-9E82-E7E0115DE05B}" type="datetimeFigureOut">
               <a:rPr lang="en-US" smtClean="0"/>
-              <a:t>2/19/2024</a:t>
+              <a:t>2/21/2024</a:t>
             </a:fld>
             <a:endParaRPr lang="en-US"/>
           </a:p>
@@ -4446,7 +4568,7 @@
           <a:p>
             <a:fld id="{0560A9CD-0304-4E0B-9E82-E7E0115DE05B}" type="datetimeFigureOut">
               <a:rPr lang="en-US" smtClean="0"/>
-              <a:t>2/19/2024</a:t>
+              <a:t>2/21/2024</a:t>
             </a:fld>
             <a:endParaRPr lang="en-US"/>
           </a:p>
@@ -4624,7 +4746,7 @@
           <a:p>
             <a:fld id="{0560A9CD-0304-4E0B-9E82-E7E0115DE05B}" type="datetimeFigureOut">
               <a:rPr lang="en-US" smtClean="0"/>
-              <a:t>2/19/2024</a:t>
+              <a:t>2/21/2024</a:t>
             </a:fld>
             <a:endParaRPr lang="en-US"/>
           </a:p>
@@ -4807,7 +4929,7 @@
           <a:p>
             <a:fld id="{0560A9CD-0304-4E0B-9E82-E7E0115DE05B}" type="datetimeFigureOut">
               <a:rPr lang="en-US" smtClean="0"/>
-              <a:t>2/19/2024</a:t>
+              <a:t>2/21/2024</a:t>
             </a:fld>
             <a:endParaRPr lang="en-US"/>
           </a:p>
@@ -5052,7 +5174,7 @@
           <a:p>
             <a:fld id="{0560A9CD-0304-4E0B-9E82-E7E0115DE05B}" type="datetimeFigureOut">
               <a:rPr lang="en-US" smtClean="0"/>
-              <a:t>2/19/2024</a:t>
+              <a:t>2/21/2024</a:t>
             </a:fld>
             <a:endParaRPr lang="en-US"/>
           </a:p>
@@ -5281,7 +5403,7 @@
           <a:p>
             <a:fld id="{0560A9CD-0304-4E0B-9E82-E7E0115DE05B}" type="datetimeFigureOut">
               <a:rPr lang="en-US" smtClean="0"/>
-              <a:t>2/19/2024</a:t>
+              <a:t>2/21/2024</a:t>
             </a:fld>
             <a:endParaRPr lang="en-US"/>
           </a:p>
@@ -5645,7 +5767,7 @@
           <a:p>
             <a:fld id="{0560A9CD-0304-4E0B-9E82-E7E0115DE05B}" type="datetimeFigureOut">
               <a:rPr lang="en-US" smtClean="0"/>
-              <a:t>2/19/2024</a:t>
+              <a:t>2/21/2024</a:t>
             </a:fld>
             <a:endParaRPr lang="en-US"/>
           </a:p>
@@ -5762,7 +5884,7 @@
           <a:p>
             <a:fld id="{0560A9CD-0304-4E0B-9E82-E7E0115DE05B}" type="datetimeFigureOut">
               <a:rPr lang="en-US" smtClean="0"/>
-              <a:t>2/19/2024</a:t>
+              <a:t>2/21/2024</a:t>
             </a:fld>
             <a:endParaRPr lang="en-US"/>
           </a:p>
@@ -5857,7 +5979,7 @@
           <a:p>
             <a:fld id="{0560A9CD-0304-4E0B-9E82-E7E0115DE05B}" type="datetimeFigureOut">
               <a:rPr lang="en-US" smtClean="0"/>
-              <a:t>2/19/2024</a:t>
+              <a:t>2/21/2024</a:t>
             </a:fld>
             <a:endParaRPr lang="en-US"/>
           </a:p>
@@ -6132,7 +6254,7 @@
           <a:p>
             <a:fld id="{0560A9CD-0304-4E0B-9E82-E7E0115DE05B}" type="datetimeFigureOut">
               <a:rPr lang="en-US" smtClean="0"/>
-              <a:t>2/19/2024</a:t>
+              <a:t>2/21/2024</a:t>
             </a:fld>
             <a:endParaRPr lang="en-US"/>
           </a:p>
@@ -6384,7 +6506,7 @@
           <a:p>
             <a:fld id="{0560A9CD-0304-4E0B-9E82-E7E0115DE05B}" type="datetimeFigureOut">
               <a:rPr lang="en-US" smtClean="0"/>
-              <a:t>2/19/2024</a:t>
+              <a:t>2/21/2024</a:t>
             </a:fld>
             <a:endParaRPr lang="en-US"/>
           </a:p>
@@ -6595,7 +6717,7 @@
           <a:p>
             <a:fld id="{0560A9CD-0304-4E0B-9E82-E7E0115DE05B}" type="datetimeFigureOut">
               <a:rPr lang="en-US" smtClean="0"/>
-              <a:t>2/19/2024</a:t>
+              <a:t>2/21/2024</a:t>
             </a:fld>
             <a:endParaRPr lang="en-US"/>
           </a:p>

--- a/ipsa/slides/functions.pptx
+++ b/ipsa/slides/functions.pptx
@@ -159,14 +159,6 @@
           <pc:docMk/>
           <pc:sldMk cId="3628447800" sldId="561"/>
         </pc:sldMkLst>
-        <pc:spChg chg="mod">
-          <ac:chgData name="Gerth Stølting Brodal" userId="04ef4784-6591-4f86-a140-f5c3b108582a" providerId="ADAL" clId="{6E9A0562-012B-4102-8D64-466128A30A98}" dt="2021-02-23T09:29:00.718" v="2" actId="114"/>
-          <ac:spMkLst>
-            <pc:docMk/>
-            <pc:sldMk cId="3628447800" sldId="561"/>
-            <ac:spMk id="3" creationId="{00000000-0000-0000-0000-000000000000}"/>
-          </ac:spMkLst>
-        </pc:spChg>
       </pc:sldChg>
       <pc:sldChg chg="modSp mod">
         <pc:chgData name="Gerth Stølting Brodal" userId="04ef4784-6591-4f86-a140-f5c3b108582a" providerId="ADAL" clId="{6E9A0562-012B-4102-8D64-466128A30A98}" dt="2021-02-23T09:55:54.848" v="515" actId="6549"/>
@@ -174,14 +166,6 @@
           <pc:docMk/>
           <pc:sldMk cId="188061130" sldId="564"/>
         </pc:sldMkLst>
-        <pc:graphicFrameChg chg="modGraphic">
-          <ac:chgData name="Gerth Stølting Brodal" userId="04ef4784-6591-4f86-a140-f5c3b108582a" providerId="ADAL" clId="{6E9A0562-012B-4102-8D64-466128A30A98}" dt="2021-02-23T09:55:54.848" v="515" actId="6549"/>
-          <ac:graphicFrameMkLst>
-            <pc:docMk/>
-            <pc:sldMk cId="188061130" sldId="564"/>
-            <ac:graphicFrameMk id="6" creationId="{00000000-0000-0000-0000-000000000000}"/>
-          </ac:graphicFrameMkLst>
-        </pc:graphicFrameChg>
       </pc:sldChg>
       <pc:sldChg chg="modSp mod">
         <pc:chgData name="Gerth Stølting Brodal" userId="04ef4784-6591-4f86-a140-f5c3b108582a" providerId="ADAL" clId="{6E9A0562-012B-4102-8D64-466128A30A98}" dt="2021-02-23T10:14:31.547" v="540" actId="20577"/>
@@ -189,22 +173,6 @@
           <pc:docMk/>
           <pc:sldMk cId="3627704936" sldId="566"/>
         </pc:sldMkLst>
-        <pc:spChg chg="mod">
-          <ac:chgData name="Gerth Stølting Brodal" userId="04ef4784-6591-4f86-a140-f5c3b108582a" providerId="ADAL" clId="{6E9A0562-012B-4102-8D64-466128A30A98}" dt="2021-02-23T10:14:31.547" v="540" actId="20577"/>
-          <ac:spMkLst>
-            <pc:docMk/>
-            <pc:sldMk cId="3627704936" sldId="566"/>
-            <ac:spMk id="3" creationId="{00000000-0000-0000-0000-000000000000}"/>
-          </ac:spMkLst>
-        </pc:spChg>
-        <pc:graphicFrameChg chg="mod">
-          <ac:chgData name="Gerth Stølting Brodal" userId="04ef4784-6591-4f86-a140-f5c3b108582a" providerId="ADAL" clId="{6E9A0562-012B-4102-8D64-466128A30A98}" dt="2021-02-23T10:02:55.287" v="538" actId="1076"/>
-          <ac:graphicFrameMkLst>
-            <pc:docMk/>
-            <pc:sldMk cId="3627704936" sldId="566"/>
-            <ac:graphicFrameMk id="4" creationId="{00000000-0000-0000-0000-000000000000}"/>
-          </ac:graphicFrameMkLst>
-        </pc:graphicFrameChg>
       </pc:sldChg>
       <pc:sldChg chg="modSp mod">
         <pc:chgData name="Gerth Stølting Brodal" userId="04ef4784-6591-4f86-a140-f5c3b108582a" providerId="ADAL" clId="{6E9A0562-012B-4102-8D64-466128A30A98}" dt="2021-02-23T11:20:05.903" v="1079" actId="20577"/>
@@ -212,14 +180,6 @@
           <pc:docMk/>
           <pc:sldMk cId="3579293872" sldId="577"/>
         </pc:sldMkLst>
-        <pc:spChg chg="mod">
-          <ac:chgData name="Gerth Stølting Brodal" userId="04ef4784-6591-4f86-a140-f5c3b108582a" providerId="ADAL" clId="{6E9A0562-012B-4102-8D64-466128A30A98}" dt="2021-02-23T11:20:05.903" v="1079" actId="20577"/>
-          <ac:spMkLst>
-            <pc:docMk/>
-            <pc:sldMk cId="3579293872" sldId="577"/>
-            <ac:spMk id="3" creationId="{00000000-0000-0000-0000-000000000000}"/>
-          </ac:spMkLst>
-        </pc:spChg>
       </pc:sldChg>
       <pc:sldChg chg="modNotesTx">
         <pc:chgData name="Gerth Stølting Brodal" userId="04ef4784-6591-4f86-a140-f5c3b108582a" providerId="ADAL" clId="{6E9A0562-012B-4102-8D64-466128A30A98}" dt="2021-02-23T10:35:56.560" v="699" actId="20577"/>
@@ -234,110 +194,6 @@
           <pc:docMk/>
           <pc:sldMk cId="4039368805" sldId="589"/>
         </pc:sldMkLst>
-        <pc:spChg chg="mod">
-          <ac:chgData name="Gerth Stølting Brodal" userId="04ef4784-6591-4f86-a140-f5c3b108582a" providerId="ADAL" clId="{6E9A0562-012B-4102-8D64-466128A30A98}" dt="2021-02-23T09:43:44.763" v="340" actId="26606"/>
-          <ac:spMkLst>
-            <pc:docMk/>
-            <pc:sldMk cId="4039368805" sldId="589"/>
-            <ac:spMk id="2" creationId="{00000000-0000-0000-0000-000000000000}"/>
-          </ac:spMkLst>
-        </pc:spChg>
-        <pc:spChg chg="mod">
-          <ac:chgData name="Gerth Stølting Brodal" userId="04ef4784-6591-4f86-a140-f5c3b108582a" providerId="ADAL" clId="{6E9A0562-012B-4102-8D64-466128A30A98}" dt="2021-02-23T09:54:05.032" v="450" actId="20577"/>
-          <ac:spMkLst>
-            <pc:docMk/>
-            <pc:sldMk cId="4039368805" sldId="589"/>
-            <ac:spMk id="3" creationId="{00000000-0000-0000-0000-000000000000}"/>
-          </ac:spMkLst>
-        </pc:spChg>
-        <pc:spChg chg="del">
-          <ac:chgData name="Gerth Stølting Brodal" userId="04ef4784-6591-4f86-a140-f5c3b108582a" providerId="ADAL" clId="{6E9A0562-012B-4102-8D64-466128A30A98}" dt="2021-02-23T09:39:01.872" v="40" actId="478"/>
-          <ac:spMkLst>
-            <pc:docMk/>
-            <pc:sldMk cId="4039368805" sldId="589"/>
-            <ac:spMk id="7" creationId="{00000000-0000-0000-0000-000000000000}"/>
-          </ac:spMkLst>
-        </pc:spChg>
-        <pc:spChg chg="add del">
-          <ac:chgData name="Gerth Stølting Brodal" userId="04ef4784-6591-4f86-a140-f5c3b108582a" providerId="ADAL" clId="{6E9A0562-012B-4102-8D64-466128A30A98}" dt="2021-02-23T09:43:42.540" v="338" actId="26606"/>
-          <ac:spMkLst>
-            <pc:docMk/>
-            <pc:sldMk cId="4039368805" sldId="589"/>
-            <ac:spMk id="10" creationId="{385E1BDC-A9B0-4A87-82E3-F3187F69A802}"/>
-          </ac:spMkLst>
-        </pc:spChg>
-        <pc:spChg chg="add del">
-          <ac:chgData name="Gerth Stølting Brodal" userId="04ef4784-6591-4f86-a140-f5c3b108582a" providerId="ADAL" clId="{6E9A0562-012B-4102-8D64-466128A30A98}" dt="2021-02-23T09:43:42.540" v="338" actId="26606"/>
-          <ac:spMkLst>
-            <pc:docMk/>
-            <pc:sldMk cId="4039368805" sldId="589"/>
-            <ac:spMk id="11" creationId="{0990C621-3B8B-4820-8328-D47EF7CE823C}"/>
-          </ac:spMkLst>
-        </pc:spChg>
-        <pc:spChg chg="add del">
-          <ac:chgData name="Gerth Stølting Brodal" userId="04ef4784-6591-4f86-a140-f5c3b108582a" providerId="ADAL" clId="{6E9A0562-012B-4102-8D64-466128A30A98}" dt="2021-02-23T09:43:44.763" v="340" actId="26606"/>
-          <ac:spMkLst>
-            <pc:docMk/>
-            <pc:sldMk cId="4039368805" sldId="589"/>
-            <ac:spMk id="12" creationId="{E02F3C71-C981-4614-98EA-D6C494F8091E}"/>
-          </ac:spMkLst>
-        </pc:spChg>
-        <pc:spChg chg="add del">
-          <ac:chgData name="Gerth Stølting Brodal" userId="04ef4784-6591-4f86-a140-f5c3b108582a" providerId="ADAL" clId="{6E9A0562-012B-4102-8D64-466128A30A98}" dt="2021-02-23T09:43:39.833" v="336" actId="26606"/>
-          <ac:spMkLst>
-            <pc:docMk/>
-            <pc:sldMk cId="4039368805" sldId="589"/>
-            <ac:spMk id="13" creationId="{5E52985E-2553-471E-82AA-5ED7A329890A}"/>
-          </ac:spMkLst>
-        </pc:spChg>
-        <pc:spChg chg="add del">
-          <ac:chgData name="Gerth Stølting Brodal" userId="04ef4784-6591-4f86-a140-f5c3b108582a" providerId="ADAL" clId="{6E9A0562-012B-4102-8D64-466128A30A98}" dt="2021-02-23T09:43:42.540" v="338" actId="26606"/>
-          <ac:spMkLst>
-            <pc:docMk/>
-            <pc:sldMk cId="4039368805" sldId="589"/>
-            <ac:spMk id="17" creationId="{C1A2385B-1D2A-4E17-84FA-6CB7F0AAE473}"/>
-          </ac:spMkLst>
-        </pc:spChg>
-        <pc:spChg chg="add del">
-          <ac:chgData name="Gerth Stølting Brodal" userId="04ef4784-6591-4f86-a140-f5c3b108582a" providerId="ADAL" clId="{6E9A0562-012B-4102-8D64-466128A30A98}" dt="2021-02-23T09:43:42.540" v="338" actId="26606"/>
-          <ac:spMkLst>
-            <pc:docMk/>
-            <pc:sldMk cId="4039368805" sldId="589"/>
-            <ac:spMk id="19" creationId="{5E791F2F-79DB-4CC0-9FA1-001E3E91E8B7}"/>
-          </ac:spMkLst>
-        </pc:spChg>
-        <pc:graphicFrameChg chg="add mod ord modGraphic">
-          <ac:chgData name="Gerth Stølting Brodal" userId="04ef4784-6591-4f86-a140-f5c3b108582a" providerId="ADAL" clId="{6E9A0562-012B-4102-8D64-466128A30A98}" dt="2021-02-23T10:49:22.669" v="725" actId="20577"/>
-          <ac:graphicFrameMkLst>
-            <pc:docMk/>
-            <pc:sldMk cId="4039368805" sldId="589"/>
-            <ac:graphicFrameMk id="4" creationId="{00000000-0000-0000-0000-000000000000}"/>
-          </ac:graphicFrameMkLst>
-        </pc:graphicFrameChg>
-        <pc:graphicFrameChg chg="del">
-          <ac:chgData name="Gerth Stølting Brodal" userId="04ef4784-6591-4f86-a140-f5c3b108582a" providerId="ADAL" clId="{6E9A0562-012B-4102-8D64-466128A30A98}" dt="2021-02-23T09:39:00.184" v="39" actId="478"/>
-          <ac:graphicFrameMkLst>
-            <pc:docMk/>
-            <pc:sldMk cId="4039368805" sldId="589"/>
-            <ac:graphicFrameMk id="6" creationId="{00000000-0000-0000-0000-000000000000}"/>
-          </ac:graphicFrameMkLst>
-        </pc:graphicFrameChg>
-        <pc:picChg chg="add mod">
-          <ac:chgData name="Gerth Stølting Brodal" userId="04ef4784-6591-4f86-a140-f5c3b108582a" providerId="ADAL" clId="{6E9A0562-012B-4102-8D64-466128A30A98}" dt="2021-02-23T09:55:13.412" v="509" actId="1076"/>
-          <ac:picMkLst>
-            <pc:docMk/>
-            <pc:sldMk cId="4039368805" sldId="589"/>
-            <ac:picMk id="8" creationId="{A96F7339-01C6-4D51-8A22-DF79E2AC0BA3}"/>
-          </ac:picMkLst>
-        </pc:picChg>
-        <pc:cxnChg chg="add del">
-          <ac:chgData name="Gerth Stølting Brodal" userId="04ef4784-6591-4f86-a140-f5c3b108582a" providerId="ADAL" clId="{6E9A0562-012B-4102-8D64-466128A30A98}" dt="2021-02-23T09:43:39.833" v="336" actId="26606"/>
-          <ac:cxnSpMkLst>
-            <pc:docMk/>
-            <pc:sldMk cId="4039368805" sldId="589"/>
-            <ac:cxnSpMk id="15" creationId="{DAE3ABC6-4042-4293-A7DF-F01181363B7E}"/>
-          </ac:cxnSpMkLst>
-        </pc:cxnChg>
       </pc:sldChg>
       <pc:sldChg chg="addSp modSp new mod modNotesTx">
         <pc:chgData name="Gerth Stølting Brodal" userId="04ef4784-6591-4f86-a140-f5c3b108582a" providerId="ADAL" clId="{6E9A0562-012B-4102-8D64-466128A30A98}" dt="2021-02-24T12:05:02.031" v="1363" actId="20577"/>
@@ -345,30 +201,6 @@
           <pc:docMk/>
           <pc:sldMk cId="3860775354" sldId="590"/>
         </pc:sldMkLst>
-        <pc:spChg chg="mod">
-          <ac:chgData name="Gerth Stølting Brodal" userId="04ef4784-6591-4f86-a140-f5c3b108582a" providerId="ADAL" clId="{6E9A0562-012B-4102-8D64-466128A30A98}" dt="2021-02-23T10:54:04.529" v="811" actId="20577"/>
-          <ac:spMkLst>
-            <pc:docMk/>
-            <pc:sldMk cId="3860775354" sldId="590"/>
-            <ac:spMk id="2" creationId="{E3CAA890-3D7B-4AF2-8EE3-A2330FDC93BB}"/>
-          </ac:spMkLst>
-        </pc:spChg>
-        <pc:spChg chg="mod">
-          <ac:chgData name="Gerth Stølting Brodal" userId="04ef4784-6591-4f86-a140-f5c3b108582a" providerId="ADAL" clId="{6E9A0562-012B-4102-8D64-466128A30A98}" dt="2021-02-23T11:18:53.290" v="1078" actId="14100"/>
-          <ac:spMkLst>
-            <pc:docMk/>
-            <pc:sldMk cId="3860775354" sldId="590"/>
-            <ac:spMk id="3" creationId="{833CE651-B63C-4186-9D3C-ECB731028B26}"/>
-          </ac:spMkLst>
-        </pc:spChg>
-        <pc:graphicFrameChg chg="add mod modGraphic">
-          <ac:chgData name="Gerth Stølting Brodal" userId="04ef4784-6591-4f86-a140-f5c3b108582a" providerId="ADAL" clId="{6E9A0562-012B-4102-8D64-466128A30A98}" dt="2021-02-23T11:42:02.995" v="1142" actId="20577"/>
-          <ac:graphicFrameMkLst>
-            <pc:docMk/>
-            <pc:sldMk cId="3860775354" sldId="590"/>
-            <ac:graphicFrameMk id="4" creationId="{6BED2BDB-4A2A-4BC5-9602-B2AE80CB68C7}"/>
-          </ac:graphicFrameMkLst>
-        </pc:graphicFrameChg>
       </pc:sldChg>
     </pc:docChg>
   </pc:docChgLst>
@@ -385,14 +217,6 @@
           <pc:docMk/>
           <pc:sldMk cId="328718495" sldId="401"/>
         </pc:sldMkLst>
-        <pc:spChg chg="mod">
-          <ac:chgData name="Gerth Stølting Brodal" userId="04ef4784-6591-4f86-a140-f5c3b108582a" providerId="ADAL" clId="{754E53C0-86C1-454F-8E62-4CC3B55D8DD3}" dt="2022-02-19T11:20:15.711" v="5" actId="1076"/>
-          <ac:spMkLst>
-            <pc:docMk/>
-            <pc:sldMk cId="328718495" sldId="401"/>
-            <ac:spMk id="3" creationId="{00000000-0000-0000-0000-000000000000}"/>
-          </ac:spMkLst>
-        </pc:spChg>
       </pc:sldChg>
       <pc:sldChg chg="modNotesTx">
         <pc:chgData name="Gerth Stølting Brodal" userId="04ef4784-6591-4f86-a140-f5c3b108582a" providerId="ADAL" clId="{754E53C0-86C1-454F-8E62-4CC3B55D8DD3}" dt="2022-02-23T08:18:55.822" v="64"/>
@@ -407,14 +231,6 @@
           <pc:docMk/>
           <pc:sldMk cId="905431858" sldId="569"/>
         </pc:sldMkLst>
-        <pc:spChg chg="mod">
-          <ac:chgData name="Gerth Stølting Brodal" userId="04ef4784-6591-4f86-a140-f5c3b108582a" providerId="ADAL" clId="{754E53C0-86C1-454F-8E62-4CC3B55D8DD3}" dt="2022-02-19T11:34:56.486" v="12" actId="948"/>
-          <ac:spMkLst>
-            <pc:docMk/>
-            <pc:sldMk cId="905431858" sldId="569"/>
-            <ac:spMk id="3" creationId="{00000000-0000-0000-0000-000000000000}"/>
-          </ac:spMkLst>
-        </pc:spChg>
       </pc:sldChg>
       <pc:sldChg chg="modSp mod">
         <pc:chgData name="Gerth Stølting Brodal" userId="04ef4784-6591-4f86-a140-f5c3b108582a" providerId="ADAL" clId="{754E53C0-86C1-454F-8E62-4CC3B55D8DD3}" dt="2022-02-19T11:46:40.373" v="22" actId="20577"/>
@@ -422,14 +238,6 @@
           <pc:docMk/>
           <pc:sldMk cId="826728691" sldId="578"/>
         </pc:sldMkLst>
-        <pc:graphicFrameChg chg="modGraphic">
-          <ac:chgData name="Gerth Stølting Brodal" userId="04ef4784-6591-4f86-a140-f5c3b108582a" providerId="ADAL" clId="{754E53C0-86C1-454F-8E62-4CC3B55D8DD3}" dt="2022-02-19T11:46:40.373" v="22" actId="20577"/>
-          <ac:graphicFrameMkLst>
-            <pc:docMk/>
-            <pc:sldMk cId="826728691" sldId="578"/>
-            <ac:graphicFrameMk id="7" creationId="{00000000-0000-0000-0000-000000000000}"/>
-          </ac:graphicFrameMkLst>
-        </pc:graphicFrameChg>
       </pc:sldChg>
       <pc:sldChg chg="modSp mod">
         <pc:chgData name="Gerth Stølting Brodal" userId="04ef4784-6591-4f86-a140-f5c3b108582a" providerId="ADAL" clId="{754E53C0-86C1-454F-8E62-4CC3B55D8DD3}" dt="2022-02-19T11:43:34.116" v="20" actId="313"/>
@@ -437,14 +245,6 @@
           <pc:docMk/>
           <pc:sldMk cId="1913637463" sldId="579"/>
         </pc:sldMkLst>
-        <pc:spChg chg="mod">
-          <ac:chgData name="Gerth Stølting Brodal" userId="04ef4784-6591-4f86-a140-f5c3b108582a" providerId="ADAL" clId="{754E53C0-86C1-454F-8E62-4CC3B55D8DD3}" dt="2022-02-19T11:43:34.116" v="20" actId="313"/>
-          <ac:spMkLst>
-            <pc:docMk/>
-            <pc:sldMk cId="1913637463" sldId="579"/>
-            <ac:spMk id="3" creationId="{00000000-0000-0000-0000-000000000000}"/>
-          </ac:spMkLst>
-        </pc:spChg>
       </pc:sldChg>
       <pc:sldChg chg="modSp mod">
         <pc:chgData name="Gerth Stølting Brodal" userId="04ef4784-6591-4f86-a140-f5c3b108582a" providerId="ADAL" clId="{754E53C0-86C1-454F-8E62-4CC3B55D8DD3}" dt="2022-02-23T10:18:56.906" v="135" actId="20577"/>
@@ -452,14 +252,6 @@
           <pc:docMk/>
           <pc:sldMk cId="4009993959" sldId="582"/>
         </pc:sldMkLst>
-        <pc:spChg chg="mod">
-          <ac:chgData name="Gerth Stølting Brodal" userId="04ef4784-6591-4f86-a140-f5c3b108582a" providerId="ADAL" clId="{754E53C0-86C1-454F-8E62-4CC3B55D8DD3}" dt="2022-02-23T10:18:56.906" v="135" actId="20577"/>
-          <ac:spMkLst>
-            <pc:docMk/>
-            <pc:sldMk cId="4009993959" sldId="582"/>
-            <ac:spMk id="3" creationId="{00000000-0000-0000-0000-000000000000}"/>
-          </ac:spMkLst>
-        </pc:spChg>
       </pc:sldChg>
       <pc:sldChg chg="modSp mod">
         <pc:chgData name="Gerth Stølting Brodal" userId="04ef4784-6591-4f86-a140-f5c3b108582a" providerId="ADAL" clId="{754E53C0-86C1-454F-8E62-4CC3B55D8DD3}" dt="2022-02-23T10:15:55.352" v="125" actId="207"/>
@@ -467,14 +259,6 @@
           <pc:docMk/>
           <pc:sldMk cId="1896777206" sldId="585"/>
         </pc:sldMkLst>
-        <pc:spChg chg="mod">
-          <ac:chgData name="Gerth Stølting Brodal" userId="04ef4784-6591-4f86-a140-f5c3b108582a" providerId="ADAL" clId="{754E53C0-86C1-454F-8E62-4CC3B55D8DD3}" dt="2022-02-23T10:15:55.352" v="125" actId="207"/>
-          <ac:spMkLst>
-            <pc:docMk/>
-            <pc:sldMk cId="1896777206" sldId="585"/>
-            <ac:spMk id="3" creationId="{00000000-0000-0000-0000-000000000000}"/>
-          </ac:spMkLst>
-        </pc:spChg>
       </pc:sldChg>
       <pc:sldChg chg="modSp mod">
         <pc:chgData name="Gerth Stølting Brodal" userId="04ef4784-6591-4f86-a140-f5c3b108582a" providerId="ADAL" clId="{754E53C0-86C1-454F-8E62-4CC3B55D8DD3}" dt="2022-02-23T10:12:18.240" v="124" actId="207"/>
@@ -482,14 +266,6 @@
           <pc:docMk/>
           <pc:sldMk cId="653558519" sldId="586"/>
         </pc:sldMkLst>
-        <pc:graphicFrameChg chg="modGraphic">
-          <ac:chgData name="Gerth Stølting Brodal" userId="04ef4784-6591-4f86-a140-f5c3b108582a" providerId="ADAL" clId="{754E53C0-86C1-454F-8E62-4CC3B55D8DD3}" dt="2022-02-23T10:12:18.240" v="124" actId="207"/>
-          <ac:graphicFrameMkLst>
-            <pc:docMk/>
-            <pc:sldMk cId="653558519" sldId="586"/>
-            <ac:graphicFrameMk id="4" creationId="{00000000-0000-0000-0000-000000000000}"/>
-          </ac:graphicFrameMkLst>
-        </pc:graphicFrameChg>
       </pc:sldChg>
       <pc:sldChg chg="modNotesTx">
         <pc:chgData name="Gerth Stølting Brodal" userId="04ef4784-6591-4f86-a140-f5c3b108582a" providerId="ADAL" clId="{754E53C0-86C1-454F-8E62-4CC3B55D8DD3}" dt="2022-02-20T21:10:59.090" v="53" actId="20577"/>
@@ -504,38 +280,6 @@
           <pc:docMk/>
           <pc:sldMk cId="3400063430" sldId="591"/>
         </pc:sldMkLst>
-        <pc:spChg chg="mod">
-          <ac:chgData name="Gerth Stølting Brodal" userId="04ef4784-6591-4f86-a140-f5c3b108582a" providerId="ADAL" clId="{754E53C0-86C1-454F-8E62-4CC3B55D8DD3}" dt="2022-02-24T08:31:14.780" v="150" actId="6549"/>
-          <ac:spMkLst>
-            <pc:docMk/>
-            <pc:sldMk cId="3400063430" sldId="591"/>
-            <ac:spMk id="2" creationId="{00000000-0000-0000-0000-000000000000}"/>
-          </ac:spMkLst>
-        </pc:spChg>
-        <pc:spChg chg="del">
-          <ac:chgData name="Gerth Stølting Brodal" userId="04ef4784-6591-4f86-a140-f5c3b108582a" providerId="ADAL" clId="{754E53C0-86C1-454F-8E62-4CC3B55D8DD3}" dt="2022-02-24T08:33:24.404" v="193" actId="478"/>
-          <ac:spMkLst>
-            <pc:docMk/>
-            <pc:sldMk cId="3400063430" sldId="591"/>
-            <ac:spMk id="3" creationId="{00000000-0000-0000-0000-000000000000}"/>
-          </ac:spMkLst>
-        </pc:spChg>
-        <pc:spChg chg="add del mod">
-          <ac:chgData name="Gerth Stølting Brodal" userId="04ef4784-6591-4f86-a140-f5c3b108582a" providerId="ADAL" clId="{754E53C0-86C1-454F-8E62-4CC3B55D8DD3}" dt="2022-02-24T08:33:26.760" v="194" actId="478"/>
-          <ac:spMkLst>
-            <pc:docMk/>
-            <pc:sldMk cId="3400063430" sldId="591"/>
-            <ac:spMk id="6" creationId="{029EB936-12AD-4170-A489-8AE2ECA7F9FB}"/>
-          </ac:spMkLst>
-        </pc:spChg>
-        <pc:graphicFrameChg chg="mod modGraphic">
-          <ac:chgData name="Gerth Stølting Brodal" userId="04ef4784-6591-4f86-a140-f5c3b108582a" providerId="ADAL" clId="{754E53C0-86C1-454F-8E62-4CC3B55D8DD3}" dt="2022-02-24T08:36:05.368" v="232" actId="1076"/>
-          <ac:graphicFrameMkLst>
-            <pc:docMk/>
-            <pc:sldMk cId="3400063430" sldId="591"/>
-            <ac:graphicFrameMk id="4" creationId="{00000000-0000-0000-0000-000000000000}"/>
-          </ac:graphicFrameMkLst>
-        </pc:graphicFrameChg>
       </pc:sldChg>
     </pc:docChg>
   </pc:docChgLst>
@@ -552,22 +296,6 @@
           <pc:docMk/>
           <pc:sldMk cId="188061130" sldId="564"/>
         </pc:sldMkLst>
-        <pc:graphicFrameChg chg="modGraphic">
-          <ac:chgData name="Gerth Stølting Brodal" userId="04ef4784-6591-4f86-a140-f5c3b108582a" providerId="ADAL" clId="{A438EBA1-DB7D-4DC5-9143-438EE3137945}" dt="2024-02-19T06:43:24.980" v="17" actId="313"/>
-          <ac:graphicFrameMkLst>
-            <pc:docMk/>
-            <pc:sldMk cId="188061130" sldId="564"/>
-            <ac:graphicFrameMk id="4" creationId="{00000000-0000-0000-0000-000000000000}"/>
-          </ac:graphicFrameMkLst>
-        </pc:graphicFrameChg>
-        <pc:graphicFrameChg chg="modGraphic">
-          <ac:chgData name="Gerth Stølting Brodal" userId="04ef4784-6591-4f86-a140-f5c3b108582a" providerId="ADAL" clId="{A438EBA1-DB7D-4DC5-9143-438EE3137945}" dt="2024-02-19T06:43:34.614" v="25" actId="313"/>
-          <ac:graphicFrameMkLst>
-            <pc:docMk/>
-            <pc:sldMk cId="188061130" sldId="564"/>
-            <ac:graphicFrameMk id="6" creationId="{00000000-0000-0000-0000-000000000000}"/>
-          </ac:graphicFrameMkLst>
-        </pc:graphicFrameChg>
       </pc:sldChg>
       <pc:sldChg chg="modSp mod">
         <pc:chgData name="Gerth Stølting Brodal" userId="04ef4784-6591-4f86-a140-f5c3b108582a" providerId="ADAL" clId="{A438EBA1-DB7D-4DC5-9143-438EE3137945}" dt="2024-02-19T07:13:25.896" v="267" actId="207"/>
@@ -575,14 +303,6 @@
           <pc:docMk/>
           <pc:sldMk cId="3627704936" sldId="566"/>
         </pc:sldMkLst>
-        <pc:spChg chg="mod">
-          <ac:chgData name="Gerth Stølting Brodal" userId="04ef4784-6591-4f86-a140-f5c3b108582a" providerId="ADAL" clId="{A438EBA1-DB7D-4DC5-9143-438EE3137945}" dt="2024-02-19T07:13:25.896" v="267" actId="207"/>
-          <ac:spMkLst>
-            <pc:docMk/>
-            <pc:sldMk cId="3627704936" sldId="566"/>
-            <ac:spMk id="3" creationId="{00000000-0000-0000-0000-000000000000}"/>
-          </ac:spMkLst>
-        </pc:spChg>
       </pc:sldChg>
       <pc:sldChg chg="modSp mod modNotesTx">
         <pc:chgData name="Gerth Stølting Brodal" userId="04ef4784-6591-4f86-a140-f5c3b108582a" providerId="ADAL" clId="{A438EBA1-DB7D-4DC5-9143-438EE3137945}" dt="2024-02-19T06:59:06.914" v="266" actId="20577"/>
@@ -590,22 +310,6 @@
           <pc:docMk/>
           <pc:sldMk cId="100858788" sldId="568"/>
         </pc:sldMkLst>
-        <pc:spChg chg="mod">
-          <ac:chgData name="Gerth Stølting Brodal" userId="04ef4784-6591-4f86-a140-f5c3b108582a" providerId="ADAL" clId="{A438EBA1-DB7D-4DC5-9143-438EE3137945}" dt="2024-02-19T06:58:16.887" v="134" actId="114"/>
-          <ac:spMkLst>
-            <pc:docMk/>
-            <pc:sldMk cId="100858788" sldId="568"/>
-            <ac:spMk id="3" creationId="{00000000-0000-0000-0000-000000000000}"/>
-          </ac:spMkLst>
-        </pc:spChg>
-        <pc:graphicFrameChg chg="modGraphic">
-          <ac:chgData name="Gerth Stølting Brodal" userId="04ef4784-6591-4f86-a140-f5c3b108582a" providerId="ADAL" clId="{A438EBA1-DB7D-4DC5-9143-438EE3137945}" dt="2024-02-19T06:49:18.502" v="31" actId="313"/>
-          <ac:graphicFrameMkLst>
-            <pc:docMk/>
-            <pc:sldMk cId="100858788" sldId="568"/>
-            <ac:graphicFrameMk id="6" creationId="{00000000-0000-0000-0000-000000000000}"/>
-          </ac:graphicFrameMkLst>
-        </pc:graphicFrameChg>
       </pc:sldChg>
       <pc:sldChg chg="modSp mod">
         <pc:chgData name="Gerth Stølting Brodal" userId="04ef4784-6591-4f86-a140-f5c3b108582a" providerId="ADAL" clId="{A438EBA1-DB7D-4DC5-9143-438EE3137945}" dt="2024-02-19T06:50:19.795" v="65" actId="313"/>
@@ -613,14 +317,6 @@
           <pc:docMk/>
           <pc:sldMk cId="1619579666" sldId="574"/>
         </pc:sldMkLst>
-        <pc:graphicFrameChg chg="modGraphic">
-          <ac:chgData name="Gerth Stølting Brodal" userId="04ef4784-6591-4f86-a140-f5c3b108582a" providerId="ADAL" clId="{A438EBA1-DB7D-4DC5-9143-438EE3137945}" dt="2024-02-19T06:50:19.795" v="65" actId="313"/>
-          <ac:graphicFrameMkLst>
-            <pc:docMk/>
-            <pc:sldMk cId="1619579666" sldId="574"/>
-            <ac:graphicFrameMk id="4" creationId="{00000000-0000-0000-0000-000000000000}"/>
-          </ac:graphicFrameMkLst>
-        </pc:graphicFrameChg>
       </pc:sldChg>
       <pc:sldChg chg="modSp mod modNotesTx">
         <pc:chgData name="Gerth Stølting Brodal" userId="04ef4784-6591-4f86-a140-f5c3b108582a" providerId="ADAL" clId="{A438EBA1-DB7D-4DC5-9143-438EE3137945}" dt="2024-02-21T08:20:04.961" v="573" actId="20577"/>
@@ -628,14 +324,6 @@
           <pc:docMk/>
           <pc:sldMk cId="2854255146" sldId="575"/>
         </pc:sldMkLst>
-        <pc:graphicFrameChg chg="modGraphic">
-          <ac:chgData name="Gerth Stølting Brodal" userId="04ef4784-6591-4f86-a140-f5c3b108582a" providerId="ADAL" clId="{A438EBA1-DB7D-4DC5-9143-438EE3137945}" dt="2024-02-19T07:17:50.360" v="269" actId="207"/>
-          <ac:graphicFrameMkLst>
-            <pc:docMk/>
-            <pc:sldMk cId="2854255146" sldId="575"/>
-            <ac:graphicFrameMk id="4" creationId="{00000000-0000-0000-0000-000000000000}"/>
-          </ac:graphicFrameMkLst>
-        </pc:graphicFrameChg>
       </pc:sldChg>
       <pc:sldChg chg="modSp mod">
         <pc:chgData name="Gerth Stølting Brodal" userId="04ef4784-6591-4f86-a140-f5c3b108582a" providerId="ADAL" clId="{A438EBA1-DB7D-4DC5-9143-438EE3137945}" dt="2024-02-19T06:50:14.150" v="57" actId="313"/>
@@ -643,30 +331,6 @@
           <pc:docMk/>
           <pc:sldMk cId="826728691" sldId="578"/>
         </pc:sldMkLst>
-        <pc:graphicFrameChg chg="modGraphic">
-          <ac:chgData name="Gerth Stølting Brodal" userId="04ef4784-6591-4f86-a140-f5c3b108582a" providerId="ADAL" clId="{A438EBA1-DB7D-4DC5-9143-438EE3137945}" dt="2024-02-19T06:49:53.433" v="45" actId="313"/>
-          <ac:graphicFrameMkLst>
-            <pc:docMk/>
-            <pc:sldMk cId="826728691" sldId="578"/>
-            <ac:graphicFrameMk id="7" creationId="{00000000-0000-0000-0000-000000000000}"/>
-          </ac:graphicFrameMkLst>
-        </pc:graphicFrameChg>
-        <pc:graphicFrameChg chg="modGraphic">
-          <ac:chgData name="Gerth Stølting Brodal" userId="04ef4784-6591-4f86-a140-f5c3b108582a" providerId="ADAL" clId="{A438EBA1-DB7D-4DC5-9143-438EE3137945}" dt="2024-02-19T06:50:11.240" v="51" actId="313"/>
-          <ac:graphicFrameMkLst>
-            <pc:docMk/>
-            <pc:sldMk cId="826728691" sldId="578"/>
-            <ac:graphicFrameMk id="8" creationId="{00000000-0000-0000-0000-000000000000}"/>
-          </ac:graphicFrameMkLst>
-        </pc:graphicFrameChg>
-        <pc:graphicFrameChg chg="modGraphic">
-          <ac:chgData name="Gerth Stølting Brodal" userId="04ef4784-6591-4f86-a140-f5c3b108582a" providerId="ADAL" clId="{A438EBA1-DB7D-4DC5-9143-438EE3137945}" dt="2024-02-19T06:50:14.150" v="57" actId="313"/>
-          <ac:graphicFrameMkLst>
-            <pc:docMk/>
-            <pc:sldMk cId="826728691" sldId="578"/>
-            <ac:graphicFrameMk id="9" creationId="{00000000-0000-0000-0000-000000000000}"/>
-          </ac:graphicFrameMkLst>
-        </pc:graphicFrameChg>
       </pc:sldChg>
       <pc:sldChg chg="modSp mod">
         <pc:chgData name="Gerth Stølting Brodal" userId="04ef4784-6591-4f86-a140-f5c3b108582a" providerId="ADAL" clId="{A438EBA1-DB7D-4DC5-9143-438EE3137945}" dt="2024-02-19T06:50:24.770" v="69" actId="313"/>
@@ -674,14 +338,6 @@
           <pc:docMk/>
           <pc:sldMk cId="4009993959" sldId="582"/>
         </pc:sldMkLst>
-        <pc:graphicFrameChg chg="modGraphic">
-          <ac:chgData name="Gerth Stølting Brodal" userId="04ef4784-6591-4f86-a140-f5c3b108582a" providerId="ADAL" clId="{A438EBA1-DB7D-4DC5-9143-438EE3137945}" dt="2024-02-19T06:50:24.770" v="69" actId="313"/>
-          <ac:graphicFrameMkLst>
-            <pc:docMk/>
-            <pc:sldMk cId="4009993959" sldId="582"/>
-            <ac:graphicFrameMk id="4" creationId="{00000000-0000-0000-0000-000000000000}"/>
-          </ac:graphicFrameMkLst>
-        </pc:graphicFrameChg>
       </pc:sldChg>
       <pc:sldChg chg="modSp mod modNotesTx">
         <pc:chgData name="Gerth Stølting Brodal" userId="04ef4784-6591-4f86-a140-f5c3b108582a" providerId="ADAL" clId="{A438EBA1-DB7D-4DC5-9143-438EE3137945}" dt="2024-02-19T07:27:35.531" v="452" actId="20577"/>
@@ -689,14 +345,6 @@
           <pc:docMk/>
           <pc:sldMk cId="2874315793" sldId="587"/>
         </pc:sldMkLst>
-        <pc:graphicFrameChg chg="modGraphic">
-          <ac:chgData name="Gerth Stølting Brodal" userId="04ef4784-6591-4f86-a140-f5c3b108582a" providerId="ADAL" clId="{A438EBA1-DB7D-4DC5-9143-438EE3137945}" dt="2024-02-19T06:50:47.786" v="85" actId="313"/>
-          <ac:graphicFrameMkLst>
-            <pc:docMk/>
-            <pc:sldMk cId="2874315793" sldId="587"/>
-            <ac:graphicFrameMk id="4" creationId="{00000000-0000-0000-0000-000000000000}"/>
-          </ac:graphicFrameMkLst>
-        </pc:graphicFrameChg>
       </pc:sldChg>
       <pc:sldChg chg="modSp mod modNotesTx">
         <pc:chgData name="Gerth Stølting Brodal" userId="04ef4784-6591-4f86-a140-f5c3b108582a" providerId="ADAL" clId="{A438EBA1-DB7D-4DC5-9143-438EE3137945}" dt="2024-02-21T08:27:44.993" v="590" actId="20577"/>
@@ -704,14 +352,6 @@
           <pc:docMk/>
           <pc:sldMk cId="1007572461" sldId="588"/>
         </pc:sldMkLst>
-        <pc:graphicFrameChg chg="modGraphic">
-          <ac:chgData name="Gerth Stølting Brodal" userId="04ef4784-6591-4f86-a140-f5c3b108582a" providerId="ADAL" clId="{A438EBA1-DB7D-4DC5-9143-438EE3137945}" dt="2024-02-19T06:50:32.840" v="83" actId="313"/>
-          <ac:graphicFrameMkLst>
-            <pc:docMk/>
-            <pc:sldMk cId="1007572461" sldId="588"/>
-            <ac:graphicFrameMk id="4" creationId="{00000000-0000-0000-0000-000000000000}"/>
-          </ac:graphicFrameMkLst>
-        </pc:graphicFrameChg>
       </pc:sldChg>
       <pc:sldChg chg="modNotesTx">
         <pc:chgData name="Gerth Stølting Brodal" userId="04ef4784-6591-4f86-a140-f5c3b108582a" providerId="ADAL" clId="{A438EBA1-DB7D-4DC5-9143-438EE3137945}" dt="2024-02-21T08:39:08.710" v="607" actId="20577"/>
@@ -742,22 +382,6 @@
           <pc:docMk/>
           <pc:sldMk cId="3628447800" sldId="561"/>
         </pc:sldMkLst>
-        <pc:spChg chg="mod">
-          <ac:chgData name="Gerth Stølting Brodal" userId="04ef4784-6591-4f86-a140-f5c3b108582a" providerId="ADAL" clId="{89EC5210-EF5D-482B-9301-5C971FABFA3E}" dt="2023-02-18T10:43:43.554" v="1027" actId="20577"/>
-          <ac:spMkLst>
-            <pc:docMk/>
-            <pc:sldMk cId="3628447800" sldId="561"/>
-            <ac:spMk id="3" creationId="{00000000-0000-0000-0000-000000000000}"/>
-          </ac:spMkLst>
-        </pc:spChg>
-        <pc:graphicFrameChg chg="modGraphic">
-          <ac:chgData name="Gerth Stølting Brodal" userId="04ef4784-6591-4f86-a140-f5c3b108582a" providerId="ADAL" clId="{89EC5210-EF5D-482B-9301-5C971FABFA3E}" dt="2023-02-18T08:04:18.900" v="3" actId="20577"/>
-          <ac:graphicFrameMkLst>
-            <pc:docMk/>
-            <pc:sldMk cId="3628447800" sldId="561"/>
-            <ac:graphicFrameMk id="4" creationId="{00000000-0000-0000-0000-000000000000}"/>
-          </ac:graphicFrameMkLst>
-        </pc:graphicFrameChg>
       </pc:sldChg>
       <pc:sldChg chg="modSp mod">
         <pc:chgData name="Gerth Stølting Brodal" userId="04ef4784-6591-4f86-a140-f5c3b108582a" providerId="ADAL" clId="{89EC5210-EF5D-482B-9301-5C971FABFA3E}" dt="2023-02-19T18:31:55.092" v="1214"/>
@@ -765,14 +389,6 @@
           <pc:docMk/>
           <pc:sldMk cId="3419193662" sldId="565"/>
         </pc:sldMkLst>
-        <pc:graphicFrameChg chg="mod modGraphic">
-          <ac:chgData name="Gerth Stølting Brodal" userId="04ef4784-6591-4f86-a140-f5c3b108582a" providerId="ADAL" clId="{89EC5210-EF5D-482B-9301-5C971FABFA3E}" dt="2023-02-19T18:31:55.092" v="1214"/>
-          <ac:graphicFrameMkLst>
-            <pc:docMk/>
-            <pc:sldMk cId="3419193662" sldId="565"/>
-            <ac:graphicFrameMk id="4" creationId="{00000000-0000-0000-0000-000000000000}"/>
-          </ac:graphicFrameMkLst>
-        </pc:graphicFrameChg>
       </pc:sldChg>
       <pc:sldChg chg="modSp mod">
         <pc:chgData name="Gerth Stølting Brodal" userId="04ef4784-6591-4f86-a140-f5c3b108582a" providerId="ADAL" clId="{89EC5210-EF5D-482B-9301-5C971FABFA3E}" dt="2023-02-19T18:35:09.228" v="1216" actId="207"/>
@@ -780,14 +396,6 @@
           <pc:docMk/>
           <pc:sldMk cId="3627704936" sldId="566"/>
         </pc:sldMkLst>
-        <pc:spChg chg="mod">
-          <ac:chgData name="Gerth Stølting Brodal" userId="04ef4784-6591-4f86-a140-f5c3b108582a" providerId="ADAL" clId="{89EC5210-EF5D-482B-9301-5C971FABFA3E}" dt="2023-02-19T18:35:09.228" v="1216" actId="207"/>
-          <ac:spMkLst>
-            <pc:docMk/>
-            <pc:sldMk cId="3627704936" sldId="566"/>
-            <ac:spMk id="3" creationId="{00000000-0000-0000-0000-000000000000}"/>
-          </ac:spMkLst>
-        </pc:spChg>
       </pc:sldChg>
       <pc:sldChg chg="modSp mod">
         <pc:chgData name="Gerth Stølting Brodal" userId="04ef4784-6591-4f86-a140-f5c3b108582a" providerId="ADAL" clId="{89EC5210-EF5D-482B-9301-5C971FABFA3E}" dt="2023-02-19T18:38:43.530" v="1265" actId="1076"/>
@@ -795,22 +403,6 @@
           <pc:docMk/>
           <pc:sldMk cId="2099313752" sldId="567"/>
         </pc:sldMkLst>
-        <pc:spChg chg="mod">
-          <ac:chgData name="Gerth Stølting Brodal" userId="04ef4784-6591-4f86-a140-f5c3b108582a" providerId="ADAL" clId="{89EC5210-EF5D-482B-9301-5C971FABFA3E}" dt="2023-02-18T08:42:02.465" v="183" actId="20577"/>
-          <ac:spMkLst>
-            <pc:docMk/>
-            <pc:sldMk cId="2099313752" sldId="567"/>
-            <ac:spMk id="3" creationId="{00000000-0000-0000-0000-000000000000}"/>
-          </ac:spMkLst>
-        </pc:spChg>
-        <pc:graphicFrameChg chg="mod modGraphic">
-          <ac:chgData name="Gerth Stølting Brodal" userId="04ef4784-6591-4f86-a140-f5c3b108582a" providerId="ADAL" clId="{89EC5210-EF5D-482B-9301-5C971FABFA3E}" dt="2023-02-19T18:38:43.530" v="1265" actId="1076"/>
-          <ac:graphicFrameMkLst>
-            <pc:docMk/>
-            <pc:sldMk cId="2099313752" sldId="567"/>
-            <ac:graphicFrameMk id="5" creationId="{00000000-0000-0000-0000-000000000000}"/>
-          </ac:graphicFrameMkLst>
-        </pc:graphicFrameChg>
       </pc:sldChg>
       <pc:sldChg chg="modSp mod">
         <pc:chgData name="Gerth Stølting Brodal" userId="04ef4784-6591-4f86-a140-f5c3b108582a" providerId="ADAL" clId="{89EC5210-EF5D-482B-9301-5C971FABFA3E}" dt="2023-02-18T10:44:22.250" v="1029" actId="20577"/>
@@ -818,14 +410,6 @@
           <pc:docMk/>
           <pc:sldMk cId="100858788" sldId="568"/>
         </pc:sldMkLst>
-        <pc:spChg chg="mod">
-          <ac:chgData name="Gerth Stølting Brodal" userId="04ef4784-6591-4f86-a140-f5c3b108582a" providerId="ADAL" clId="{89EC5210-EF5D-482B-9301-5C971FABFA3E}" dt="2023-02-18T10:44:22.250" v="1029" actId="20577"/>
-          <ac:spMkLst>
-            <pc:docMk/>
-            <pc:sldMk cId="100858788" sldId="568"/>
-            <ac:spMk id="3" creationId="{00000000-0000-0000-0000-000000000000}"/>
-          </ac:spMkLst>
-        </pc:spChg>
       </pc:sldChg>
       <pc:sldChg chg="modSp mod modNotesTx">
         <pc:chgData name="Gerth Stølting Brodal" userId="04ef4784-6591-4f86-a140-f5c3b108582a" providerId="ADAL" clId="{89EC5210-EF5D-482B-9301-5C971FABFA3E}" dt="2023-02-22T12:23:42.801" v="1766" actId="20577"/>
@@ -833,190 +417,6 @@
           <pc:docMk/>
           <pc:sldMk cId="4291965801" sldId="571"/>
         </pc:sldMkLst>
-        <pc:spChg chg="mod">
-          <ac:chgData name="Gerth Stølting Brodal" userId="04ef4784-6591-4f86-a140-f5c3b108582a" providerId="ADAL" clId="{89EC5210-EF5D-482B-9301-5C971FABFA3E}" dt="2023-02-18T09:43:16.124" v="205" actId="1076"/>
-          <ac:spMkLst>
-            <pc:docMk/>
-            <pc:sldMk cId="4291965801" sldId="571"/>
-            <ac:spMk id="6" creationId="{00000000-0000-0000-0000-000000000000}"/>
-          </ac:spMkLst>
-        </pc:spChg>
-        <pc:spChg chg="mod">
-          <ac:chgData name="Gerth Stølting Brodal" userId="04ef4784-6591-4f86-a140-f5c3b108582a" providerId="ADAL" clId="{89EC5210-EF5D-482B-9301-5C971FABFA3E}" dt="2023-02-18T09:43:16.124" v="205" actId="1076"/>
-          <ac:spMkLst>
-            <pc:docMk/>
-            <pc:sldMk cId="4291965801" sldId="571"/>
-            <ac:spMk id="7" creationId="{00000000-0000-0000-0000-000000000000}"/>
-          </ac:spMkLst>
-        </pc:spChg>
-        <pc:spChg chg="mod">
-          <ac:chgData name="Gerth Stølting Brodal" userId="04ef4784-6591-4f86-a140-f5c3b108582a" providerId="ADAL" clId="{89EC5210-EF5D-482B-9301-5C971FABFA3E}" dt="2023-02-18T09:43:16.124" v="205" actId="1076"/>
-          <ac:spMkLst>
-            <pc:docMk/>
-            <pc:sldMk cId="4291965801" sldId="571"/>
-            <ac:spMk id="8" creationId="{00000000-0000-0000-0000-000000000000}"/>
-          </ac:spMkLst>
-        </pc:spChg>
-        <pc:spChg chg="mod">
-          <ac:chgData name="Gerth Stølting Brodal" userId="04ef4784-6591-4f86-a140-f5c3b108582a" providerId="ADAL" clId="{89EC5210-EF5D-482B-9301-5C971FABFA3E}" dt="2023-02-18T09:43:16.124" v="205" actId="1076"/>
-          <ac:spMkLst>
-            <pc:docMk/>
-            <pc:sldMk cId="4291965801" sldId="571"/>
-            <ac:spMk id="9" creationId="{00000000-0000-0000-0000-000000000000}"/>
-          </ac:spMkLst>
-        </pc:spChg>
-        <pc:spChg chg="mod">
-          <ac:chgData name="Gerth Stølting Brodal" userId="04ef4784-6591-4f86-a140-f5c3b108582a" providerId="ADAL" clId="{89EC5210-EF5D-482B-9301-5C971FABFA3E}" dt="2023-02-18T09:43:22.806" v="206" actId="1076"/>
-          <ac:spMkLst>
-            <pc:docMk/>
-            <pc:sldMk cId="4291965801" sldId="571"/>
-            <ac:spMk id="10" creationId="{00000000-0000-0000-0000-000000000000}"/>
-          </ac:spMkLst>
-        </pc:spChg>
-        <pc:spChg chg="mod">
-          <ac:chgData name="Gerth Stølting Brodal" userId="04ef4784-6591-4f86-a140-f5c3b108582a" providerId="ADAL" clId="{89EC5210-EF5D-482B-9301-5C971FABFA3E}" dt="2023-02-18T09:43:22.806" v="206" actId="1076"/>
-          <ac:spMkLst>
-            <pc:docMk/>
-            <pc:sldMk cId="4291965801" sldId="571"/>
-            <ac:spMk id="11" creationId="{00000000-0000-0000-0000-000000000000}"/>
-          </ac:spMkLst>
-        </pc:spChg>
-        <pc:spChg chg="mod">
-          <ac:chgData name="Gerth Stølting Brodal" userId="04ef4784-6591-4f86-a140-f5c3b108582a" providerId="ADAL" clId="{89EC5210-EF5D-482B-9301-5C971FABFA3E}" dt="2023-02-18T09:43:22.806" v="206" actId="1076"/>
-          <ac:spMkLst>
-            <pc:docMk/>
-            <pc:sldMk cId="4291965801" sldId="571"/>
-            <ac:spMk id="12" creationId="{00000000-0000-0000-0000-000000000000}"/>
-          </ac:spMkLst>
-        </pc:spChg>
-        <pc:spChg chg="mod">
-          <ac:chgData name="Gerth Stølting Brodal" userId="04ef4784-6591-4f86-a140-f5c3b108582a" providerId="ADAL" clId="{89EC5210-EF5D-482B-9301-5C971FABFA3E}" dt="2023-02-18T09:43:22.806" v="206" actId="1076"/>
-          <ac:spMkLst>
-            <pc:docMk/>
-            <pc:sldMk cId="4291965801" sldId="571"/>
-            <ac:spMk id="13" creationId="{00000000-0000-0000-0000-000000000000}"/>
-          </ac:spMkLst>
-        </pc:spChg>
-        <pc:spChg chg="mod">
-          <ac:chgData name="Gerth Stølting Brodal" userId="04ef4784-6591-4f86-a140-f5c3b108582a" providerId="ADAL" clId="{89EC5210-EF5D-482B-9301-5C971FABFA3E}" dt="2023-02-18T09:43:22.806" v="206" actId="1076"/>
-          <ac:spMkLst>
-            <pc:docMk/>
-            <pc:sldMk cId="4291965801" sldId="571"/>
-            <ac:spMk id="14" creationId="{00000000-0000-0000-0000-000000000000}"/>
-          </ac:spMkLst>
-        </pc:spChg>
-        <pc:spChg chg="mod">
-          <ac:chgData name="Gerth Stølting Brodal" userId="04ef4784-6591-4f86-a140-f5c3b108582a" providerId="ADAL" clId="{89EC5210-EF5D-482B-9301-5C971FABFA3E}" dt="2023-02-18T09:43:22.806" v="206" actId="1076"/>
-          <ac:spMkLst>
-            <pc:docMk/>
-            <pc:sldMk cId="4291965801" sldId="571"/>
-            <ac:spMk id="15" creationId="{00000000-0000-0000-0000-000000000000}"/>
-          </ac:spMkLst>
-        </pc:spChg>
-        <pc:spChg chg="mod">
-          <ac:chgData name="Gerth Stølting Brodal" userId="04ef4784-6591-4f86-a140-f5c3b108582a" providerId="ADAL" clId="{89EC5210-EF5D-482B-9301-5C971FABFA3E}" dt="2023-02-18T09:43:22.806" v="206" actId="1076"/>
-          <ac:spMkLst>
-            <pc:docMk/>
-            <pc:sldMk cId="4291965801" sldId="571"/>
-            <ac:spMk id="16" creationId="{00000000-0000-0000-0000-000000000000}"/>
-          </ac:spMkLst>
-        </pc:spChg>
-        <pc:spChg chg="mod">
-          <ac:chgData name="Gerth Stølting Brodal" userId="04ef4784-6591-4f86-a140-f5c3b108582a" providerId="ADAL" clId="{89EC5210-EF5D-482B-9301-5C971FABFA3E}" dt="2023-02-18T09:43:22.806" v="206" actId="1076"/>
-          <ac:spMkLst>
-            <pc:docMk/>
-            <pc:sldMk cId="4291965801" sldId="571"/>
-            <ac:spMk id="17" creationId="{00000000-0000-0000-0000-000000000000}"/>
-          </ac:spMkLst>
-        </pc:spChg>
-        <pc:spChg chg="mod">
-          <ac:chgData name="Gerth Stølting Brodal" userId="04ef4784-6591-4f86-a140-f5c3b108582a" providerId="ADAL" clId="{89EC5210-EF5D-482B-9301-5C971FABFA3E}" dt="2023-02-18T09:43:22.806" v="206" actId="1076"/>
-          <ac:spMkLst>
-            <pc:docMk/>
-            <pc:sldMk cId="4291965801" sldId="571"/>
-            <ac:spMk id="18" creationId="{00000000-0000-0000-0000-000000000000}"/>
-          </ac:spMkLst>
-        </pc:spChg>
-        <pc:spChg chg="mod">
-          <ac:chgData name="Gerth Stølting Brodal" userId="04ef4784-6591-4f86-a140-f5c3b108582a" providerId="ADAL" clId="{89EC5210-EF5D-482B-9301-5C971FABFA3E}" dt="2023-02-18T09:43:22.806" v="206" actId="1076"/>
-          <ac:spMkLst>
-            <pc:docMk/>
-            <pc:sldMk cId="4291965801" sldId="571"/>
-            <ac:spMk id="19" creationId="{00000000-0000-0000-0000-000000000000}"/>
-          </ac:spMkLst>
-        </pc:spChg>
-        <pc:spChg chg="mod">
-          <ac:chgData name="Gerth Stølting Brodal" userId="04ef4784-6591-4f86-a140-f5c3b108582a" providerId="ADAL" clId="{89EC5210-EF5D-482B-9301-5C971FABFA3E}" dt="2023-02-18T09:43:22.806" v="206" actId="1076"/>
-          <ac:spMkLst>
-            <pc:docMk/>
-            <pc:sldMk cId="4291965801" sldId="571"/>
-            <ac:spMk id="20" creationId="{00000000-0000-0000-0000-000000000000}"/>
-          </ac:spMkLst>
-        </pc:spChg>
-        <pc:spChg chg="mod">
-          <ac:chgData name="Gerth Stølting Brodal" userId="04ef4784-6591-4f86-a140-f5c3b108582a" providerId="ADAL" clId="{89EC5210-EF5D-482B-9301-5C971FABFA3E}" dt="2023-02-18T09:43:22.806" v="206" actId="1076"/>
-          <ac:spMkLst>
-            <pc:docMk/>
-            <pc:sldMk cId="4291965801" sldId="571"/>
-            <ac:spMk id="21" creationId="{00000000-0000-0000-0000-000000000000}"/>
-          </ac:spMkLst>
-        </pc:spChg>
-        <pc:spChg chg="mod">
-          <ac:chgData name="Gerth Stølting Brodal" userId="04ef4784-6591-4f86-a140-f5c3b108582a" providerId="ADAL" clId="{89EC5210-EF5D-482B-9301-5C971FABFA3E}" dt="2023-02-18T09:43:22.806" v="206" actId="1076"/>
-          <ac:spMkLst>
-            <pc:docMk/>
-            <pc:sldMk cId="4291965801" sldId="571"/>
-            <ac:spMk id="24" creationId="{00000000-0000-0000-0000-000000000000}"/>
-          </ac:spMkLst>
-        </pc:spChg>
-        <pc:spChg chg="mod">
-          <ac:chgData name="Gerth Stølting Brodal" userId="04ef4784-6591-4f86-a140-f5c3b108582a" providerId="ADAL" clId="{89EC5210-EF5D-482B-9301-5C971FABFA3E}" dt="2023-02-18T09:43:22.806" v="206" actId="1076"/>
-          <ac:spMkLst>
-            <pc:docMk/>
-            <pc:sldMk cId="4291965801" sldId="571"/>
-            <ac:spMk id="25" creationId="{00000000-0000-0000-0000-000000000000}"/>
-          </ac:spMkLst>
-        </pc:spChg>
-        <pc:spChg chg="mod">
-          <ac:chgData name="Gerth Stølting Brodal" userId="04ef4784-6591-4f86-a140-f5c3b108582a" providerId="ADAL" clId="{89EC5210-EF5D-482B-9301-5C971FABFA3E}" dt="2023-02-18T09:43:22.806" v="206" actId="1076"/>
-          <ac:spMkLst>
-            <pc:docMk/>
-            <pc:sldMk cId="4291965801" sldId="571"/>
-            <ac:spMk id="27" creationId="{00000000-0000-0000-0000-000000000000}"/>
-          </ac:spMkLst>
-        </pc:spChg>
-        <pc:spChg chg="mod">
-          <ac:chgData name="Gerth Stølting Brodal" userId="04ef4784-6591-4f86-a140-f5c3b108582a" providerId="ADAL" clId="{89EC5210-EF5D-482B-9301-5C971FABFA3E}" dt="2023-02-18T09:43:22.806" v="206" actId="1076"/>
-          <ac:spMkLst>
-            <pc:docMk/>
-            <pc:sldMk cId="4291965801" sldId="571"/>
-            <ac:spMk id="28" creationId="{00000000-0000-0000-0000-000000000000}"/>
-          </ac:spMkLst>
-        </pc:spChg>
-        <pc:graphicFrameChg chg="mod modGraphic">
-          <ac:chgData name="Gerth Stølting Brodal" userId="04ef4784-6591-4f86-a140-f5c3b108582a" providerId="ADAL" clId="{89EC5210-EF5D-482B-9301-5C971FABFA3E}" dt="2023-02-18T09:43:16.124" v="205" actId="1076"/>
-          <ac:graphicFrameMkLst>
-            <pc:docMk/>
-            <pc:sldMk cId="4291965801" sldId="571"/>
-            <ac:graphicFrameMk id="4" creationId="{00000000-0000-0000-0000-000000000000}"/>
-          </ac:graphicFrameMkLst>
-        </pc:graphicFrameChg>
-        <pc:graphicFrameChg chg="mod">
-          <ac:chgData name="Gerth Stølting Brodal" userId="04ef4784-6591-4f86-a140-f5c3b108582a" providerId="ADAL" clId="{89EC5210-EF5D-482B-9301-5C971FABFA3E}" dt="2023-02-18T09:43:22.806" v="206" actId="1076"/>
-          <ac:graphicFrameMkLst>
-            <pc:docMk/>
-            <pc:sldMk cId="4291965801" sldId="571"/>
-            <ac:graphicFrameMk id="5" creationId="{00000000-0000-0000-0000-000000000000}"/>
-          </ac:graphicFrameMkLst>
-        </pc:graphicFrameChg>
-        <pc:cxnChg chg="mod">
-          <ac:chgData name="Gerth Stølting Brodal" userId="04ef4784-6591-4f86-a140-f5c3b108582a" providerId="ADAL" clId="{89EC5210-EF5D-482B-9301-5C971FABFA3E}" dt="2023-02-18T09:43:22.806" v="206" actId="1076"/>
-          <ac:cxnSpMkLst>
-            <pc:docMk/>
-            <pc:sldMk cId="4291965801" sldId="571"/>
-            <ac:cxnSpMk id="23" creationId="{00000000-0000-0000-0000-000000000000}"/>
-          </ac:cxnSpMkLst>
-        </pc:cxnChg>
       </pc:sldChg>
       <pc:sldChg chg="modNotesTx">
         <pc:chgData name="Gerth Stølting Brodal" userId="04ef4784-6591-4f86-a140-f5c3b108582a" providerId="ADAL" clId="{89EC5210-EF5D-482B-9301-5C971FABFA3E}" dt="2023-02-18T08:20:47.793" v="20" actId="20577"/>
@@ -1038,14 +438,6 @@
           <pc:docMk/>
           <pc:sldMk cId="1619579666" sldId="574"/>
         </pc:sldMkLst>
-        <pc:spChg chg="mod">
-          <ac:chgData name="Gerth Stølting Brodal" userId="04ef4784-6591-4f86-a140-f5c3b108582a" providerId="ADAL" clId="{89EC5210-EF5D-482B-9301-5C971FABFA3E}" dt="2023-02-18T08:37:20.565" v="114" actId="20577"/>
-          <ac:spMkLst>
-            <pc:docMk/>
-            <pc:sldMk cId="1619579666" sldId="574"/>
-            <ac:spMk id="3" creationId="{00000000-0000-0000-0000-000000000000}"/>
-          </ac:spMkLst>
-        </pc:spChg>
       </pc:sldChg>
       <pc:sldChg chg="modSp mod modNotesTx">
         <pc:chgData name="Gerth Stølting Brodal" userId="04ef4784-6591-4f86-a140-f5c3b108582a" providerId="ADAL" clId="{89EC5210-EF5D-482B-9301-5C971FABFA3E}" dt="2023-02-22T12:17:11.118" v="1730" actId="20577"/>
@@ -1053,14 +445,6 @@
           <pc:docMk/>
           <pc:sldMk cId="2854255146" sldId="575"/>
         </pc:sldMkLst>
-        <pc:graphicFrameChg chg="mod modGraphic">
-          <ac:chgData name="Gerth Stølting Brodal" userId="04ef4784-6591-4f86-a140-f5c3b108582a" providerId="ADAL" clId="{89EC5210-EF5D-482B-9301-5C971FABFA3E}" dt="2023-02-19T18:40:28.609" v="1284" actId="1076"/>
-          <ac:graphicFrameMkLst>
-            <pc:docMk/>
-            <pc:sldMk cId="2854255146" sldId="575"/>
-            <ac:graphicFrameMk id="4" creationId="{00000000-0000-0000-0000-000000000000}"/>
-          </ac:graphicFrameMkLst>
-        </pc:graphicFrameChg>
       </pc:sldChg>
       <pc:sldChg chg="modSp mod">
         <pc:chgData name="Gerth Stølting Brodal" userId="04ef4784-6591-4f86-a140-f5c3b108582a" providerId="ADAL" clId="{89EC5210-EF5D-482B-9301-5C971FABFA3E}" dt="2023-02-22T12:37:41.659" v="1849" actId="27636"/>
@@ -1068,14 +452,6 @@
           <pc:docMk/>
           <pc:sldMk cId="3579293872" sldId="577"/>
         </pc:sldMkLst>
-        <pc:spChg chg="mod">
-          <ac:chgData name="Gerth Stølting Brodal" userId="04ef4784-6591-4f86-a140-f5c3b108582a" providerId="ADAL" clId="{89EC5210-EF5D-482B-9301-5C971FABFA3E}" dt="2023-02-22T12:37:41.659" v="1849" actId="27636"/>
-          <ac:spMkLst>
-            <pc:docMk/>
-            <pc:sldMk cId="3579293872" sldId="577"/>
-            <ac:spMk id="3" creationId="{00000000-0000-0000-0000-000000000000}"/>
-          </ac:spMkLst>
-        </pc:spChg>
       </pc:sldChg>
       <pc:sldChg chg="modSp mod">
         <pc:chgData name="Gerth Stølting Brodal" userId="04ef4784-6591-4f86-a140-f5c3b108582a" providerId="ADAL" clId="{89EC5210-EF5D-482B-9301-5C971FABFA3E}" dt="2023-02-19T18:46:39.801" v="1399" actId="1076"/>
@@ -1083,22 +459,6 @@
           <pc:docMk/>
           <pc:sldMk cId="4009993959" sldId="582"/>
         </pc:sldMkLst>
-        <pc:spChg chg="mod">
-          <ac:chgData name="Gerth Stølting Brodal" userId="04ef4784-6591-4f86-a140-f5c3b108582a" providerId="ADAL" clId="{89EC5210-EF5D-482B-9301-5C971FABFA3E}" dt="2023-02-19T18:46:39.801" v="1399" actId="1076"/>
-          <ac:spMkLst>
-            <pc:docMk/>
-            <pc:sldMk cId="4009993959" sldId="582"/>
-            <ac:spMk id="3" creationId="{00000000-0000-0000-0000-000000000000}"/>
-          </ac:spMkLst>
-        </pc:spChg>
-        <pc:graphicFrameChg chg="mod modGraphic">
-          <ac:chgData name="Gerth Stølting Brodal" userId="04ef4784-6591-4f86-a140-f5c3b108582a" providerId="ADAL" clId="{89EC5210-EF5D-482B-9301-5C971FABFA3E}" dt="2023-02-19T18:46:25.649" v="1398" actId="1076"/>
-          <ac:graphicFrameMkLst>
-            <pc:docMk/>
-            <pc:sldMk cId="4009993959" sldId="582"/>
-            <ac:graphicFrameMk id="4" creationId="{00000000-0000-0000-0000-000000000000}"/>
-          </ac:graphicFrameMkLst>
-        </pc:graphicFrameChg>
       </pc:sldChg>
       <pc:sldChg chg="modSp mod modNotesTx">
         <pc:chgData name="Gerth Stølting Brodal" userId="04ef4784-6591-4f86-a140-f5c3b108582a" providerId="ADAL" clId="{89EC5210-EF5D-482B-9301-5C971FABFA3E}" dt="2023-02-18T10:52:08.355" v="1148" actId="1035"/>
@@ -1106,22 +466,6 @@
           <pc:docMk/>
           <pc:sldMk cId="1896777206" sldId="585"/>
         </pc:sldMkLst>
-        <pc:spChg chg="mod">
-          <ac:chgData name="Gerth Stølting Brodal" userId="04ef4784-6591-4f86-a140-f5c3b108582a" providerId="ADAL" clId="{89EC5210-EF5D-482B-9301-5C971FABFA3E}" dt="2023-02-18T10:52:08.355" v="1148" actId="1035"/>
-          <ac:spMkLst>
-            <pc:docMk/>
-            <pc:sldMk cId="1896777206" sldId="585"/>
-            <ac:spMk id="3" creationId="{00000000-0000-0000-0000-000000000000}"/>
-          </ac:spMkLst>
-        </pc:spChg>
-        <pc:graphicFrameChg chg="mod modGraphic">
-          <ac:chgData name="Gerth Stølting Brodal" userId="04ef4784-6591-4f86-a140-f5c3b108582a" providerId="ADAL" clId="{89EC5210-EF5D-482B-9301-5C971FABFA3E}" dt="2023-02-18T10:28:13.889" v="943" actId="1076"/>
-          <ac:graphicFrameMkLst>
-            <pc:docMk/>
-            <pc:sldMk cId="1896777206" sldId="585"/>
-            <ac:graphicFrameMk id="6" creationId="{00000000-0000-0000-0000-000000000000}"/>
-          </ac:graphicFrameMkLst>
-        </pc:graphicFrameChg>
       </pc:sldChg>
       <pc:sldChg chg="modSp mod modNotesTx">
         <pc:chgData name="Gerth Stølting Brodal" userId="04ef4784-6591-4f86-a140-f5c3b108582a" providerId="ADAL" clId="{89EC5210-EF5D-482B-9301-5C971FABFA3E}" dt="2023-02-22T12:28:01.782" v="1821" actId="20577"/>
@@ -1129,14 +473,6 @@
           <pc:docMk/>
           <pc:sldMk cId="653558519" sldId="586"/>
         </pc:sldMkLst>
-        <pc:graphicFrameChg chg="modGraphic">
-          <ac:chgData name="Gerth Stølting Brodal" userId="04ef4784-6591-4f86-a140-f5c3b108582a" providerId="ADAL" clId="{89EC5210-EF5D-482B-9301-5C971FABFA3E}" dt="2023-02-18T09:49:05.144" v="328" actId="20577"/>
-          <ac:graphicFrameMkLst>
-            <pc:docMk/>
-            <pc:sldMk cId="653558519" sldId="586"/>
-            <ac:graphicFrameMk id="4" creationId="{00000000-0000-0000-0000-000000000000}"/>
-          </ac:graphicFrameMkLst>
-        </pc:graphicFrameChg>
       </pc:sldChg>
       <pc:sldChg chg="modSp mod">
         <pc:chgData name="Gerth Stølting Brodal" userId="04ef4784-6591-4f86-a140-f5c3b108582a" providerId="ADAL" clId="{89EC5210-EF5D-482B-9301-5C971FABFA3E}" dt="2023-02-18T08:13:17.127" v="6" actId="20577"/>
@@ -1144,14 +480,6 @@
           <pc:docMk/>
           <pc:sldMk cId="4039368805" sldId="589"/>
         </pc:sldMkLst>
-        <pc:graphicFrameChg chg="modGraphic">
-          <ac:chgData name="Gerth Stølting Brodal" userId="04ef4784-6591-4f86-a140-f5c3b108582a" providerId="ADAL" clId="{89EC5210-EF5D-482B-9301-5C971FABFA3E}" dt="2023-02-18T08:13:17.127" v="6" actId="20577"/>
-          <ac:graphicFrameMkLst>
-            <pc:docMk/>
-            <pc:sldMk cId="4039368805" sldId="589"/>
-            <ac:graphicFrameMk id="4" creationId="{00000000-0000-0000-0000-000000000000}"/>
-          </ac:graphicFrameMkLst>
-        </pc:graphicFrameChg>
       </pc:sldChg>
       <pc:sldChg chg="modSp mod modNotesTx">
         <pc:chgData name="Gerth Stølting Brodal" userId="04ef4784-6591-4f86-a140-f5c3b108582a" providerId="ADAL" clId="{89EC5210-EF5D-482B-9301-5C971FABFA3E}" dt="2023-03-01T09:03:13.754" v="1856" actId="6549"/>
@@ -1159,14 +487,6 @@
           <pc:docMk/>
           <pc:sldMk cId="3860775354" sldId="590"/>
         </pc:sldMkLst>
-        <pc:spChg chg="mod">
-          <ac:chgData name="Gerth Stølting Brodal" userId="04ef4784-6591-4f86-a140-f5c3b108582a" providerId="ADAL" clId="{89EC5210-EF5D-482B-9301-5C971FABFA3E}" dt="2023-02-18T08:38:31.754" v="128" actId="20577"/>
-          <ac:spMkLst>
-            <pc:docMk/>
-            <pc:sldMk cId="3860775354" sldId="590"/>
-            <ac:spMk id="3" creationId="{833CE651-B63C-4186-9D3C-ECB731028B26}"/>
-          </ac:spMkLst>
-        </pc:spChg>
       </pc:sldChg>
       <pc:sldChg chg="addSp modSp add mod modNotesTx">
         <pc:chgData name="Gerth Stølting Brodal" userId="04ef4784-6591-4f86-a140-f5c3b108582a" providerId="ADAL" clId="{89EC5210-EF5D-482B-9301-5C971FABFA3E}" dt="2023-02-22T12:37:38.612" v="1843" actId="207"/>
@@ -1174,30 +494,30 @@
           <pc:docMk/>
           <pc:sldMk cId="4032496496" sldId="592"/>
         </pc:sldMkLst>
+      </pc:sldChg>
+    </pc:docChg>
+  </pc:docChgLst>
+  <pc:docChgLst>
+    <pc:chgData name="Gerth Stølting Brodal" userId="04ef4784-6591-4f86-a140-f5c3b108582a" providerId="ADAL" clId="{F3ECE93C-6A89-44E4-B55D-A95418A85687}"/>
+    <pc:docChg chg="modSld">
+      <pc:chgData name="Gerth Stølting Brodal" userId="04ef4784-6591-4f86-a140-f5c3b108582a" providerId="ADAL" clId="{F3ECE93C-6A89-44E4-B55D-A95418A85687}" dt="2025-02-19T08:39:04.683" v="0" actId="115"/>
+      <pc:docMkLst>
+        <pc:docMk/>
+      </pc:docMkLst>
+      <pc:sldChg chg="modSp mod">
+        <pc:chgData name="Gerth Stølting Brodal" userId="04ef4784-6591-4f86-a140-f5c3b108582a" providerId="ADAL" clId="{F3ECE93C-6A89-44E4-B55D-A95418A85687}" dt="2025-02-19T08:39:04.683" v="0" actId="115"/>
+        <pc:sldMkLst>
+          <pc:docMk/>
+          <pc:sldMk cId="905431858" sldId="569"/>
+        </pc:sldMkLst>
         <pc:spChg chg="mod">
-          <ac:chgData name="Gerth Stølting Brodal" userId="04ef4784-6591-4f86-a140-f5c3b108582a" providerId="ADAL" clId="{89EC5210-EF5D-482B-9301-5C971FABFA3E}" dt="2023-02-18T09:56:08.573" v="395" actId="5793"/>
+          <ac:chgData name="Gerth Stølting Brodal" userId="04ef4784-6591-4f86-a140-f5c3b108582a" providerId="ADAL" clId="{F3ECE93C-6A89-44E4-B55D-A95418A85687}" dt="2025-02-19T08:39:04.683" v="0" actId="115"/>
           <ac:spMkLst>
             <pc:docMk/>
-            <pc:sldMk cId="4032496496" sldId="592"/>
+            <pc:sldMk cId="905431858" sldId="569"/>
             <ac:spMk id="2" creationId="{00000000-0000-0000-0000-000000000000}"/>
           </ac:spMkLst>
         </pc:spChg>
-        <pc:graphicFrameChg chg="mod modGraphic">
-          <ac:chgData name="Gerth Stølting Brodal" userId="04ef4784-6591-4f86-a140-f5c3b108582a" providerId="ADAL" clId="{89EC5210-EF5D-482B-9301-5C971FABFA3E}" dt="2023-02-22T12:37:38.612" v="1843" actId="207"/>
-          <ac:graphicFrameMkLst>
-            <pc:docMk/>
-            <pc:sldMk cId="4032496496" sldId="592"/>
-            <ac:graphicFrameMk id="4" creationId="{00000000-0000-0000-0000-000000000000}"/>
-          </ac:graphicFrameMkLst>
-        </pc:graphicFrameChg>
-        <pc:picChg chg="add mod">
-          <ac:chgData name="Gerth Stølting Brodal" userId="04ef4784-6591-4f86-a140-f5c3b108582a" providerId="ADAL" clId="{89EC5210-EF5D-482B-9301-5C971FABFA3E}" dt="2023-02-18T10:40:07.227" v="962" actId="1036"/>
-          <ac:picMkLst>
-            <pc:docMk/>
-            <pc:sldMk cId="4032496496" sldId="592"/>
-            <ac:picMk id="3" creationId="{2B43A2BC-779E-C234-99D4-577D483AB71A}"/>
-          </ac:picMkLst>
-        </pc:picChg>
       </pc:sldChg>
     </pc:docChg>
   </pc:docChgLst>
@@ -1286,7 +606,7 @@
           <a:p>
             <a:fld id="{FB1A172F-81D4-4DC4-9113-1DBD56EC3646}" type="datetimeFigureOut">
               <a:rPr lang="en-US" smtClean="0"/>
-              <a:t>2/21/2024</a:t>
+              <a:t>2/19/2025</a:t>
             </a:fld>
             <a:endParaRPr lang="en-US"/>
           </a:p>
@@ -4400,7 +3720,7 @@
           <a:p>
             <a:fld id="{0560A9CD-0304-4E0B-9E82-E7E0115DE05B}" type="datetimeFigureOut">
               <a:rPr lang="en-US" smtClean="0"/>
-              <a:t>2/21/2024</a:t>
+              <a:t>2/19/2025</a:t>
             </a:fld>
             <a:endParaRPr lang="en-US"/>
           </a:p>
@@ -4568,7 +3888,7 @@
           <a:p>
             <a:fld id="{0560A9CD-0304-4E0B-9E82-E7E0115DE05B}" type="datetimeFigureOut">
               <a:rPr lang="en-US" smtClean="0"/>
-              <a:t>2/21/2024</a:t>
+              <a:t>2/19/2025</a:t>
             </a:fld>
             <a:endParaRPr lang="en-US"/>
           </a:p>
@@ -4746,7 +4066,7 @@
           <a:p>
             <a:fld id="{0560A9CD-0304-4E0B-9E82-E7E0115DE05B}" type="datetimeFigureOut">
               <a:rPr lang="en-US" smtClean="0"/>
-              <a:t>2/21/2024</a:t>
+              <a:t>2/19/2025</a:t>
             </a:fld>
             <a:endParaRPr lang="en-US"/>
           </a:p>
@@ -4929,7 +4249,7 @@
           <a:p>
             <a:fld id="{0560A9CD-0304-4E0B-9E82-E7E0115DE05B}" type="datetimeFigureOut">
               <a:rPr lang="en-US" smtClean="0"/>
-              <a:t>2/21/2024</a:t>
+              <a:t>2/19/2025</a:t>
             </a:fld>
             <a:endParaRPr lang="en-US"/>
           </a:p>
@@ -5174,7 +4494,7 @@
           <a:p>
             <a:fld id="{0560A9CD-0304-4E0B-9E82-E7E0115DE05B}" type="datetimeFigureOut">
               <a:rPr lang="en-US" smtClean="0"/>
-              <a:t>2/21/2024</a:t>
+              <a:t>2/19/2025</a:t>
             </a:fld>
             <a:endParaRPr lang="en-US"/>
           </a:p>
@@ -5403,7 +4723,7 @@
           <a:p>
             <a:fld id="{0560A9CD-0304-4E0B-9E82-E7E0115DE05B}" type="datetimeFigureOut">
               <a:rPr lang="en-US" smtClean="0"/>
-              <a:t>2/21/2024</a:t>
+              <a:t>2/19/2025</a:t>
             </a:fld>
             <a:endParaRPr lang="en-US"/>
           </a:p>
@@ -5767,7 +5087,7 @@
           <a:p>
             <a:fld id="{0560A9CD-0304-4E0B-9E82-E7E0115DE05B}" type="datetimeFigureOut">
               <a:rPr lang="en-US" smtClean="0"/>
-              <a:t>2/21/2024</a:t>
+              <a:t>2/19/2025</a:t>
             </a:fld>
             <a:endParaRPr lang="en-US"/>
           </a:p>
@@ -5884,7 +5204,7 @@
           <a:p>
             <a:fld id="{0560A9CD-0304-4E0B-9E82-E7E0115DE05B}" type="datetimeFigureOut">
               <a:rPr lang="en-US" smtClean="0"/>
-              <a:t>2/21/2024</a:t>
+              <a:t>2/19/2025</a:t>
             </a:fld>
             <a:endParaRPr lang="en-US"/>
           </a:p>
@@ -5979,7 +5299,7 @@
           <a:p>
             <a:fld id="{0560A9CD-0304-4E0B-9E82-E7E0115DE05B}" type="datetimeFigureOut">
               <a:rPr lang="en-US" smtClean="0"/>
-              <a:t>2/21/2024</a:t>
+              <a:t>2/19/2025</a:t>
             </a:fld>
             <a:endParaRPr lang="en-US"/>
           </a:p>
@@ -6254,7 +5574,7 @@
           <a:p>
             <a:fld id="{0560A9CD-0304-4E0B-9E82-E7E0115DE05B}" type="datetimeFigureOut">
               <a:rPr lang="en-US" smtClean="0"/>
-              <a:t>2/21/2024</a:t>
+              <a:t>2/19/2025</a:t>
             </a:fld>
             <a:endParaRPr lang="en-US"/>
           </a:p>
@@ -6506,7 +5826,7 @@
           <a:p>
             <a:fld id="{0560A9CD-0304-4E0B-9E82-E7E0115DE05B}" type="datetimeFigureOut">
               <a:rPr lang="en-US" smtClean="0"/>
-              <a:t>2/21/2024</a:t>
+              <a:t>2/19/2025</a:t>
             </a:fld>
             <a:endParaRPr lang="en-US"/>
           </a:p>
@@ -6717,7 +6037,7 @@
           <a:p>
             <a:fld id="{0560A9CD-0304-4E0B-9E82-E7E0115DE05B}" type="datetimeFigureOut">
               <a:rPr lang="en-US" smtClean="0"/>
-              <a:t>2/21/2024</a:t>
+              <a:t>2/19/2025</a:t>
             </a:fld>
             <a:endParaRPr lang="en-US"/>
           </a:p>
@@ -8028,18 +7348,18 @@
               <a:t> a list of arguments in a </a:t>
             </a:r>
             <a:r>
-              <a:rPr lang="da-DK" dirty="0" err="1"/>
+              <a:rPr lang="da-DK" u="sng" dirty="0" err="1"/>
               <a:t>function</a:t>
             </a:r>
             <a:r>
-              <a:rPr lang="da-DK" dirty="0"/>
+              <a:rPr lang="da-DK" u="sng" dirty="0"/>
               <a:t> </a:t>
             </a:r>
             <a:r>
-              <a:rPr lang="da-DK" dirty="0" err="1"/>
+              <a:rPr lang="da-DK" u="sng" dirty="0" err="1"/>
               <a:t>call</a:t>
             </a:r>
-            <a:endParaRPr lang="en-US" dirty="0"/>
+            <a:endParaRPr lang="en-US" u="sng" dirty="0"/>
           </a:p>
         </p:txBody>
       </p:sp>

--- a/ipsa/slides/functions.pptx
+++ b/ipsa/slides/functions.pptx
@@ -510,14 +510,6 @@
           <pc:docMk/>
           <pc:sldMk cId="905431858" sldId="569"/>
         </pc:sldMkLst>
-        <pc:spChg chg="mod">
-          <ac:chgData name="Gerth Stølting Brodal" userId="04ef4784-6591-4f86-a140-f5c3b108582a" providerId="ADAL" clId="{F3ECE93C-6A89-44E4-B55D-A95418A85687}" dt="2025-02-19T08:39:04.683" v="0" actId="115"/>
-          <ac:spMkLst>
-            <pc:docMk/>
-            <pc:sldMk cId="905431858" sldId="569"/>
-            <ac:spMk id="2" creationId="{00000000-0000-0000-0000-000000000000}"/>
-          </ac:spMkLst>
-        </pc:spChg>
       </pc:sldChg>
     </pc:docChg>
   </pc:docChgLst>
@@ -606,7 +598,7 @@
           <a:p>
             <a:fld id="{FB1A172F-81D4-4DC4-9113-1DBD56EC3646}" type="datetimeFigureOut">
               <a:rPr lang="en-US" smtClean="0"/>
-              <a:t>2/19/2025</a:t>
+              <a:t>6/14/2025</a:t>
             </a:fld>
             <a:endParaRPr lang="en-US"/>
           </a:p>
@@ -3720,7 +3712,7 @@
           <a:p>
             <a:fld id="{0560A9CD-0304-4E0B-9E82-E7E0115DE05B}" type="datetimeFigureOut">
               <a:rPr lang="en-US" smtClean="0"/>
-              <a:t>2/19/2025</a:t>
+              <a:t>6/14/2025</a:t>
             </a:fld>
             <a:endParaRPr lang="en-US"/>
           </a:p>
@@ -3888,7 +3880,7 @@
           <a:p>
             <a:fld id="{0560A9CD-0304-4E0B-9E82-E7E0115DE05B}" type="datetimeFigureOut">
               <a:rPr lang="en-US" smtClean="0"/>
-              <a:t>2/19/2025</a:t>
+              <a:t>6/14/2025</a:t>
             </a:fld>
             <a:endParaRPr lang="en-US"/>
           </a:p>
@@ -4066,7 +4058,7 @@
           <a:p>
             <a:fld id="{0560A9CD-0304-4E0B-9E82-E7E0115DE05B}" type="datetimeFigureOut">
               <a:rPr lang="en-US" smtClean="0"/>
-              <a:t>2/19/2025</a:t>
+              <a:t>6/14/2025</a:t>
             </a:fld>
             <a:endParaRPr lang="en-US"/>
           </a:p>
@@ -4249,7 +4241,7 @@
           <a:p>
             <a:fld id="{0560A9CD-0304-4E0B-9E82-E7E0115DE05B}" type="datetimeFigureOut">
               <a:rPr lang="en-US" smtClean="0"/>
-              <a:t>2/19/2025</a:t>
+              <a:t>6/14/2025</a:t>
             </a:fld>
             <a:endParaRPr lang="en-US"/>
           </a:p>
@@ -4494,7 +4486,7 @@
           <a:p>
             <a:fld id="{0560A9CD-0304-4E0B-9E82-E7E0115DE05B}" type="datetimeFigureOut">
               <a:rPr lang="en-US" smtClean="0"/>
-              <a:t>2/19/2025</a:t>
+              <a:t>6/14/2025</a:t>
             </a:fld>
             <a:endParaRPr lang="en-US"/>
           </a:p>
@@ -4723,7 +4715,7 @@
           <a:p>
             <a:fld id="{0560A9CD-0304-4E0B-9E82-E7E0115DE05B}" type="datetimeFigureOut">
               <a:rPr lang="en-US" smtClean="0"/>
-              <a:t>2/19/2025</a:t>
+              <a:t>6/14/2025</a:t>
             </a:fld>
             <a:endParaRPr lang="en-US"/>
           </a:p>
@@ -5087,7 +5079,7 @@
           <a:p>
             <a:fld id="{0560A9CD-0304-4E0B-9E82-E7E0115DE05B}" type="datetimeFigureOut">
               <a:rPr lang="en-US" smtClean="0"/>
-              <a:t>2/19/2025</a:t>
+              <a:t>6/14/2025</a:t>
             </a:fld>
             <a:endParaRPr lang="en-US"/>
           </a:p>
@@ -5204,7 +5196,7 @@
           <a:p>
             <a:fld id="{0560A9CD-0304-4E0B-9E82-E7E0115DE05B}" type="datetimeFigureOut">
               <a:rPr lang="en-US" smtClean="0"/>
-              <a:t>2/19/2025</a:t>
+              <a:t>6/14/2025</a:t>
             </a:fld>
             <a:endParaRPr lang="en-US"/>
           </a:p>
@@ -5299,7 +5291,7 @@
           <a:p>
             <a:fld id="{0560A9CD-0304-4E0B-9E82-E7E0115DE05B}" type="datetimeFigureOut">
               <a:rPr lang="en-US" smtClean="0"/>
-              <a:t>2/19/2025</a:t>
+              <a:t>6/14/2025</a:t>
             </a:fld>
             <a:endParaRPr lang="en-US"/>
           </a:p>
@@ -5574,7 +5566,7 @@
           <a:p>
             <a:fld id="{0560A9CD-0304-4E0B-9E82-E7E0115DE05B}" type="datetimeFigureOut">
               <a:rPr lang="en-US" smtClean="0"/>
-              <a:t>2/19/2025</a:t>
+              <a:t>6/14/2025</a:t>
             </a:fld>
             <a:endParaRPr lang="en-US"/>
           </a:p>
@@ -5826,7 +5818,7 @@
           <a:p>
             <a:fld id="{0560A9CD-0304-4E0B-9E82-E7E0115DE05B}" type="datetimeFigureOut">
               <a:rPr lang="en-US" smtClean="0"/>
-              <a:t>2/19/2025</a:t>
+              <a:t>6/14/2025</a:t>
             </a:fld>
             <a:endParaRPr lang="en-US"/>
           </a:p>
@@ -6037,7 +6029,7 @@
           <a:p>
             <a:fld id="{0560A9CD-0304-4E0B-9E82-E7E0115DE05B}" type="datetimeFigureOut">
               <a:rPr lang="en-US" smtClean="0"/>
-              <a:t>2/19/2025</a:t>
+              <a:t>6/14/2025</a:t>
             </a:fld>
             <a:endParaRPr lang="en-US"/>
           </a:p>
@@ -11017,12 +11009,14 @@
         </p:nvSpPr>
         <p:spPr>
           <a:xfrm>
-            <a:off x="838200" y="1825625"/>
-            <a:ext cx="10515600" cy="2132421"/>
+            <a:off x="838200" y="4038600"/>
+            <a:ext cx="10683240" cy="2819400"/>
           </a:xfrm>
         </p:spPr>
         <p:txBody>
-          <a:bodyPr/>
+          <a:bodyPr>
+            <a:normAutofit/>
+          </a:bodyPr>
           <a:lstStyle/>
           <a:p>
             <a:r>
@@ -11189,6 +11183,119 @@
                 <a:cs typeface="Courier New" panose="02070309020205020404" pitchFamily="49" charset="0"/>
               </a:rPr>
               <a:t>without</a:t>
+            </a:r>
+            <a:endParaRPr lang="da-DK" dirty="0">
+              <a:cs typeface="Courier New" panose="02070309020205020404" pitchFamily="49" charset="0"/>
+            </a:endParaRPr>
+          </a:p>
+          <a:p>
+            <a:r>
+              <a:rPr lang="da-DK" dirty="0">
+                <a:cs typeface="Courier New" panose="02070309020205020404" pitchFamily="49" charset="0"/>
+              </a:rPr>
+              <a:t>Default arguments </a:t>
+            </a:r>
+            <a:r>
+              <a:rPr lang="da-DK" dirty="0" err="1">
+                <a:cs typeface="Courier New" panose="02070309020205020404" pitchFamily="49" charset="0"/>
+              </a:rPr>
+              <a:t>are</a:t>
+            </a:r>
+            <a:r>
+              <a:rPr lang="da-DK" dirty="0">
+                <a:cs typeface="Courier New" panose="02070309020205020404" pitchFamily="49" charset="0"/>
+              </a:rPr>
+              <a:t> </a:t>
+            </a:r>
+            <a:r>
+              <a:rPr lang="da-DK" dirty="0" err="1">
+                <a:cs typeface="Courier New" panose="02070309020205020404" pitchFamily="49" charset="0"/>
+              </a:rPr>
+              <a:t>e.g</a:t>
+            </a:r>
+            <a:r>
+              <a:rPr lang="da-DK" dirty="0">
+                <a:cs typeface="Courier New" panose="02070309020205020404" pitchFamily="49" charset="0"/>
+              </a:rPr>
+              <a:t>. </a:t>
+            </a:r>
+            <a:r>
+              <a:rPr lang="da-DK" dirty="0" err="1">
+                <a:cs typeface="Courier New" panose="02070309020205020404" pitchFamily="49" charset="0"/>
+              </a:rPr>
+              <a:t>also</a:t>
+            </a:r>
+            <a:r>
+              <a:rPr lang="da-DK" dirty="0">
+                <a:cs typeface="Courier New" panose="02070309020205020404" pitchFamily="49" charset="0"/>
+              </a:rPr>
+              <a:t> </a:t>
+            </a:r>
+            <a:r>
+              <a:rPr lang="da-DK" dirty="0" err="1">
+                <a:cs typeface="Courier New" panose="02070309020205020404" pitchFamily="49" charset="0"/>
+              </a:rPr>
+              <a:t>available</a:t>
+            </a:r>
+            <a:r>
+              <a:rPr lang="da-DK" dirty="0">
+                <a:cs typeface="Courier New" panose="02070309020205020404" pitchFamily="49" charset="0"/>
+              </a:rPr>
+              <a:t> in </a:t>
+            </a:r>
+            <a:r>
+              <a:rPr lang="da-DK" dirty="0" err="1">
+                <a:cs typeface="Courier New" panose="02070309020205020404" pitchFamily="49" charset="0"/>
+              </a:rPr>
+              <a:t>Javascript</a:t>
+            </a:r>
+            <a:r>
+              <a:rPr lang="da-DK" dirty="0">
+                <a:cs typeface="Courier New" panose="02070309020205020404" pitchFamily="49" charset="0"/>
+              </a:rPr>
+              <a:t>, C++ and C#, and </a:t>
+            </a:r>
+            <a:r>
+              <a:rPr lang="da-DK" dirty="0" err="1">
+                <a:cs typeface="Courier New" panose="02070309020205020404" pitchFamily="49" charset="0"/>
+              </a:rPr>
+              <a:t>keyword</a:t>
+            </a:r>
+            <a:r>
+              <a:rPr lang="da-DK" dirty="0">
+                <a:cs typeface="Courier New" panose="02070309020205020404" pitchFamily="49" charset="0"/>
+              </a:rPr>
+              <a:t> arguments in </a:t>
+            </a:r>
+            <a:r>
+              <a:rPr lang="da-DK" dirty="0" err="1">
+                <a:cs typeface="Courier New" panose="02070309020205020404" pitchFamily="49" charset="0"/>
+              </a:rPr>
+              <a:t>e.g</a:t>
+            </a:r>
+            <a:r>
+              <a:rPr lang="da-DK" dirty="0">
+                <a:cs typeface="Courier New" panose="02070309020205020404" pitchFamily="49" charset="0"/>
+              </a:rPr>
+              <a:t>. </a:t>
+            </a:r>
+            <a:r>
+              <a:rPr lang="da-DK" dirty="0" err="1">
+                <a:cs typeface="Courier New" panose="02070309020205020404" pitchFamily="49" charset="0"/>
+              </a:rPr>
+              <a:t>Javascript</a:t>
+            </a:r>
+            <a:r>
+              <a:rPr lang="da-DK" dirty="0">
+                <a:cs typeface="Courier New" panose="02070309020205020404" pitchFamily="49" charset="0"/>
+              </a:rPr>
+              <a:t> and </a:t>
+            </a:r>
+            <a:r>
+              <a:rPr lang="da-DK" dirty="0" err="1">
+                <a:cs typeface="Courier New" panose="02070309020205020404" pitchFamily="49" charset="0"/>
+              </a:rPr>
+              <a:t>C#s</a:t>
             </a:r>
             <a:endParaRPr lang="da-DK" dirty="0">
               <a:cs typeface="Courier New" panose="02070309020205020404" pitchFamily="49" charset="0"/>
@@ -11205,13 +11312,13 @@
           <p:nvPr>
             <p:extLst>
               <p:ext uri="{D42A27DB-BD31-4B8C-83A1-F6EECF244321}">
-                <p14:modId xmlns:p14="http://schemas.microsoft.com/office/powerpoint/2010/main" val="1063123830"/>
+                <p14:modId xmlns:p14="http://schemas.microsoft.com/office/powerpoint/2010/main" val="3197314453"/>
               </p:ext>
             </p:extLst>
           </p:nvPr>
         </p:nvGraphicFramePr>
         <p:xfrm>
-          <a:off x="3499485" y="4262800"/>
+          <a:off x="3499485" y="1825625"/>
           <a:ext cx="5193030" cy="1706880"/>
         </p:xfrm>
         <a:graphic>
@@ -11358,7 +11465,41 @@
                           <a:latin typeface="Courier New" panose="02070309020205020404" pitchFamily="49" charset="0"/>
                           <a:cs typeface="Courier New" panose="02070309020205020404" pitchFamily="49" charset="0"/>
                         </a:rPr>
-                        <a:t>(a, b, c=5, d=7):</a:t>
+                        <a:t>(a, b, c</a:t>
+                      </a:r>
+                      <a:r>
+                        <a:rPr lang="en-US" sz="1800" b="1" baseline="0" dirty="0">
+                          <a:solidFill>
+                            <a:srgbClr val="C00000"/>
+                          </a:solidFill>
+                          <a:latin typeface="Courier New" panose="02070309020205020404" pitchFamily="49" charset="0"/>
+                          <a:cs typeface="Courier New" panose="02070309020205020404" pitchFamily="49" charset="0"/>
+                        </a:rPr>
+                        <a:t>=5</a:t>
+                      </a:r>
+                      <a:r>
+                        <a:rPr lang="en-US" sz="1800" b="1" baseline="0" dirty="0">
+                          <a:latin typeface="Courier New" panose="02070309020205020404" pitchFamily="49" charset="0"/>
+                          <a:cs typeface="Courier New" panose="02070309020205020404" pitchFamily="49" charset="0"/>
+                        </a:rPr>
+                        <a:t>, d</a:t>
+                      </a:r>
+                      <a:r>
+                        <a:rPr lang="en-US" sz="1800" b="1" baseline="0" dirty="0">
+                          <a:solidFill>
+                            <a:srgbClr val="C00000"/>
+                          </a:solidFill>
+                          <a:latin typeface="Courier New" panose="02070309020205020404" pitchFamily="49" charset="0"/>
+                          <a:cs typeface="Courier New" panose="02070309020205020404" pitchFamily="49" charset="0"/>
+                        </a:rPr>
+                        <a:t>=7</a:t>
+                      </a:r>
+                      <a:r>
+                        <a:rPr lang="en-US" sz="1800" b="1" baseline="0" dirty="0">
+                          <a:latin typeface="Courier New" panose="02070309020205020404" pitchFamily="49" charset="0"/>
+                          <a:cs typeface="Courier New" panose="02070309020205020404" pitchFamily="49" charset="0"/>
+                        </a:rPr>
+                        <a:t>):</a:t>
                       </a:r>
                     </a:p>
                     <a:p>
@@ -11412,7 +11553,41 @@
                           <a:latin typeface="Courier New" panose="02070309020205020404" pitchFamily="49" charset="0"/>
                           <a:cs typeface="Courier New" panose="02070309020205020404" pitchFamily="49" charset="0"/>
                         </a:rPr>
-                        <a:t>(2, d=3, b=4)</a:t>
+                        <a:t>(2, </a:t>
+                      </a:r>
+                      <a:r>
+                        <a:rPr lang="en-US" sz="1800" b="1" baseline="0" dirty="0">
+                          <a:solidFill>
+                            <a:srgbClr val="C00000"/>
+                          </a:solidFill>
+                          <a:latin typeface="Courier New" panose="02070309020205020404" pitchFamily="49" charset="0"/>
+                          <a:cs typeface="Courier New" panose="02070309020205020404" pitchFamily="49" charset="0"/>
+                        </a:rPr>
+                        <a:t>d=</a:t>
+                      </a:r>
+                      <a:r>
+                        <a:rPr lang="en-US" sz="1800" b="1" baseline="0" dirty="0">
+                          <a:latin typeface="Courier New" panose="02070309020205020404" pitchFamily="49" charset="0"/>
+                          <a:cs typeface="Courier New" panose="02070309020205020404" pitchFamily="49" charset="0"/>
+                        </a:rPr>
+                        <a:t>3, </a:t>
+                      </a:r>
+                      <a:r>
+                        <a:rPr lang="en-US" sz="1800" b="1" baseline="0" dirty="0">
+                          <a:solidFill>
+                            <a:srgbClr val="C00000"/>
+                          </a:solidFill>
+                          <a:latin typeface="Courier New" panose="02070309020205020404" pitchFamily="49" charset="0"/>
+                          <a:cs typeface="Courier New" panose="02070309020205020404" pitchFamily="49" charset="0"/>
+                        </a:rPr>
+                        <a:t>b=</a:t>
+                      </a:r>
+                      <a:r>
+                        <a:rPr lang="en-US" sz="1800" b="1" baseline="0" dirty="0">
+                          <a:latin typeface="Courier New" panose="02070309020205020404" pitchFamily="49" charset="0"/>
+                          <a:cs typeface="Courier New" panose="02070309020205020404" pitchFamily="49" charset="0"/>
+                        </a:rPr>
+                        <a:t>4)</a:t>
                       </a:r>
                     </a:p>
                     <a:p>

--- a/ipsa/slides/functions.pptx
+++ b/ipsa/slides/functions.pptx
@@ -144,6 +144,14 @@
 </p:presentation>
 </file>
 
+<file path=ppt/revisionInfo.xml><?xml version="1.0" encoding="utf-8"?>
+<p1510:revInfo xmlns:a="http://schemas.openxmlformats.org/drawingml/2006/main" xmlns:r="http://schemas.openxmlformats.org/officeDocument/2006/relationships" xmlns:p1510="http://schemas.microsoft.com/office/powerpoint/2015/10/main">
+  <p1510:revLst>
+    <p1510:client id="{6D2F9BD2-2A9D-4BE7-AE08-43A9C64180DC}" v="2" dt="2025-10-27T18:20:50.616"/>
+  </p1510:revLst>
+</p1510:revInfo>
+</file>
+
 <file path=ppt/changesInfos/changesInfo1.xml><?xml version="1.0" encoding="utf-8"?>
 <pc:chgInfo xmlns:a="http://schemas.openxmlformats.org/drawingml/2006/main" xmlns:r="http://schemas.openxmlformats.org/officeDocument/2006/relationships" xmlns:ac="http://schemas.microsoft.com/office/drawing/2013/main/command" xmlns:pc="http://schemas.microsoft.com/office/powerpoint/2013/main/command">
   <pc:docChgLst>
@@ -280,6 +288,90 @@
           <pc:docMk/>
           <pc:sldMk cId="3400063430" sldId="591"/>
         </pc:sldMkLst>
+      </pc:sldChg>
+    </pc:docChg>
+  </pc:docChgLst>
+  <pc:docChgLst>
+    <pc:chgData name="Gerth Stølting Brodal" userId="04ef4784-6591-4f86-a140-f5c3b108582a" providerId="ADAL" clId="{27124F44-A0F7-408A-AA2B-2C5136C1DC06}"/>
+    <pc:docChg chg="modSld">
+      <pc:chgData name="Gerth Stølting Brodal" userId="04ef4784-6591-4f86-a140-f5c3b108582a" providerId="ADAL" clId="{27124F44-A0F7-408A-AA2B-2C5136C1DC06}" dt="2025-10-27T18:21:46.484" v="21" actId="962"/>
+      <pc:docMkLst>
+        <pc:docMk/>
+      </pc:docMkLst>
+      <pc:sldChg chg="modSp mod">
+        <pc:chgData name="Gerth Stølting Brodal" userId="04ef4784-6591-4f86-a140-f5c3b108582a" providerId="ADAL" clId="{27124F44-A0F7-408A-AA2B-2C5136C1DC06}" dt="2025-10-27T18:20:44.328" v="12" actId="1037"/>
+        <pc:sldMkLst>
+          <pc:docMk/>
+          <pc:sldMk cId="328718495" sldId="401"/>
+        </pc:sldMkLst>
+        <pc:spChg chg="mod">
+          <ac:chgData name="Gerth Stølting Brodal" userId="04ef4784-6591-4f86-a140-f5c3b108582a" providerId="ADAL" clId="{27124F44-A0F7-408A-AA2B-2C5136C1DC06}" dt="2025-10-27T18:20:44.328" v="12" actId="1037"/>
+          <ac:spMkLst>
+            <pc:docMk/>
+            <pc:sldMk cId="328718495" sldId="401"/>
+            <ac:spMk id="4" creationId="{00000000-0000-0000-0000-000000000000}"/>
+          </ac:spMkLst>
+        </pc:spChg>
+      </pc:sldChg>
+      <pc:sldChg chg="modSp mod">
+        <pc:chgData name="Gerth Stølting Brodal" userId="04ef4784-6591-4f86-a140-f5c3b108582a" providerId="ADAL" clId="{27124F44-A0F7-408A-AA2B-2C5136C1DC06}" dt="2025-10-27T18:21:03.990" v="19" actId="962"/>
+        <pc:sldMkLst>
+          <pc:docMk/>
+          <pc:sldMk cId="3400112957" sldId="543"/>
+        </pc:sldMkLst>
+        <pc:spChg chg="mod">
+          <ac:chgData name="Gerth Stølting Brodal" userId="04ef4784-6591-4f86-a140-f5c3b108582a" providerId="ADAL" clId="{27124F44-A0F7-408A-AA2B-2C5136C1DC06}" dt="2025-10-27T18:21:03.990" v="19" actId="962"/>
+          <ac:spMkLst>
+            <pc:docMk/>
+            <pc:sldMk cId="3400112957" sldId="543"/>
+            <ac:spMk id="4" creationId="{00000000-0000-0000-0000-000000000000}"/>
+          </ac:spMkLst>
+        </pc:spChg>
+      </pc:sldChg>
+      <pc:sldChg chg="modSp mod">
+        <pc:chgData name="Gerth Stølting Brodal" userId="04ef4784-6591-4f86-a140-f5c3b108582a" providerId="ADAL" clId="{27124F44-A0F7-408A-AA2B-2C5136C1DC06}" dt="2025-10-27T18:20:59.524" v="17" actId="962"/>
+        <pc:sldMkLst>
+          <pc:docMk/>
+          <pc:sldMk cId="2250928843" sldId="573"/>
+        </pc:sldMkLst>
+        <pc:spChg chg="mod">
+          <ac:chgData name="Gerth Stølting Brodal" userId="04ef4784-6591-4f86-a140-f5c3b108582a" providerId="ADAL" clId="{27124F44-A0F7-408A-AA2B-2C5136C1DC06}" dt="2025-10-27T18:20:59.524" v="17" actId="962"/>
+          <ac:spMkLst>
+            <pc:docMk/>
+            <pc:sldMk cId="2250928843" sldId="573"/>
+            <ac:spMk id="4" creationId="{00000000-0000-0000-0000-000000000000}"/>
+          </ac:spMkLst>
+        </pc:spChg>
+      </pc:sldChg>
+      <pc:sldChg chg="modSp mod">
+        <pc:chgData name="Gerth Stølting Brodal" userId="04ef4784-6591-4f86-a140-f5c3b108582a" providerId="ADAL" clId="{27124F44-A0F7-408A-AA2B-2C5136C1DC06}" dt="2025-10-27T18:20:51.937" v="15" actId="962"/>
+        <pc:sldMkLst>
+          <pc:docMk/>
+          <pc:sldMk cId="4056481231" sldId="576"/>
+        </pc:sldMkLst>
+        <pc:spChg chg="mod">
+          <ac:chgData name="Gerth Stølting Brodal" userId="04ef4784-6591-4f86-a140-f5c3b108582a" providerId="ADAL" clId="{27124F44-A0F7-408A-AA2B-2C5136C1DC06}" dt="2025-10-27T18:20:51.937" v="15" actId="962"/>
+          <ac:spMkLst>
+            <pc:docMk/>
+            <pc:sldMk cId="4056481231" sldId="576"/>
+            <ac:spMk id="4" creationId="{00000000-0000-0000-0000-000000000000}"/>
+          </ac:spMkLst>
+        </pc:spChg>
+      </pc:sldChg>
+      <pc:sldChg chg="modSp mod">
+        <pc:chgData name="Gerth Stølting Brodal" userId="04ef4784-6591-4f86-a140-f5c3b108582a" providerId="ADAL" clId="{27124F44-A0F7-408A-AA2B-2C5136C1DC06}" dt="2025-10-27T18:21:46.484" v="21" actId="962"/>
+        <pc:sldMkLst>
+          <pc:docMk/>
+          <pc:sldMk cId="1913637463" sldId="579"/>
+        </pc:sldMkLst>
+        <pc:spChg chg="mod">
+          <ac:chgData name="Gerth Stølting Brodal" userId="04ef4784-6591-4f86-a140-f5c3b108582a" providerId="ADAL" clId="{27124F44-A0F7-408A-AA2B-2C5136C1DC06}" dt="2025-10-27T18:21:46.484" v="21" actId="962"/>
+          <ac:spMkLst>
+            <pc:docMk/>
+            <pc:sldMk cId="1913637463" sldId="579"/>
+            <ac:spMk id="4" creationId="{00000000-0000-0000-0000-000000000000}"/>
+          </ac:spMkLst>
+        </pc:spChg>
       </pc:sldChg>
     </pc:docChg>
   </pc:docChgLst>
@@ -598,7 +690,7 @@
           <a:p>
             <a:fld id="{FB1A172F-81D4-4DC4-9113-1DBD56EC3646}" type="datetimeFigureOut">
               <a:rPr lang="en-US" smtClean="0"/>
-              <a:t>6/14/2025</a:t>
+              <a:t>10/27/2025</a:t>
             </a:fld>
             <a:endParaRPr lang="en-US"/>
           </a:p>
@@ -3712,7 +3804,7 @@
           <a:p>
             <a:fld id="{0560A9CD-0304-4E0B-9E82-E7E0115DE05B}" type="datetimeFigureOut">
               <a:rPr lang="en-US" smtClean="0"/>
-              <a:t>6/14/2025</a:t>
+              <a:t>10/27/2025</a:t>
             </a:fld>
             <a:endParaRPr lang="en-US"/>
           </a:p>
@@ -3880,7 +3972,7 @@
           <a:p>
             <a:fld id="{0560A9CD-0304-4E0B-9E82-E7E0115DE05B}" type="datetimeFigureOut">
               <a:rPr lang="en-US" smtClean="0"/>
-              <a:t>6/14/2025</a:t>
+              <a:t>10/27/2025</a:t>
             </a:fld>
             <a:endParaRPr lang="en-US"/>
           </a:p>
@@ -4058,7 +4150,7 @@
           <a:p>
             <a:fld id="{0560A9CD-0304-4E0B-9E82-E7E0115DE05B}" type="datetimeFigureOut">
               <a:rPr lang="en-US" smtClean="0"/>
-              <a:t>6/14/2025</a:t>
+              <a:t>10/27/2025</a:t>
             </a:fld>
             <a:endParaRPr lang="en-US"/>
           </a:p>
@@ -4241,7 +4333,7 @@
           <a:p>
             <a:fld id="{0560A9CD-0304-4E0B-9E82-E7E0115DE05B}" type="datetimeFigureOut">
               <a:rPr lang="en-US" smtClean="0"/>
-              <a:t>6/14/2025</a:t>
+              <a:t>10/27/2025</a:t>
             </a:fld>
             <a:endParaRPr lang="en-US"/>
           </a:p>
@@ -4486,7 +4578,7 @@
           <a:p>
             <a:fld id="{0560A9CD-0304-4E0B-9E82-E7E0115DE05B}" type="datetimeFigureOut">
               <a:rPr lang="en-US" smtClean="0"/>
-              <a:t>6/14/2025</a:t>
+              <a:t>10/27/2025</a:t>
             </a:fld>
             <a:endParaRPr lang="en-US"/>
           </a:p>
@@ -4715,7 +4807,7 @@
           <a:p>
             <a:fld id="{0560A9CD-0304-4E0B-9E82-E7E0115DE05B}" type="datetimeFigureOut">
               <a:rPr lang="en-US" smtClean="0"/>
-              <a:t>6/14/2025</a:t>
+              <a:t>10/27/2025</a:t>
             </a:fld>
             <a:endParaRPr lang="en-US"/>
           </a:p>
@@ -5079,7 +5171,7 @@
           <a:p>
             <a:fld id="{0560A9CD-0304-4E0B-9E82-E7E0115DE05B}" type="datetimeFigureOut">
               <a:rPr lang="en-US" smtClean="0"/>
-              <a:t>6/14/2025</a:t>
+              <a:t>10/27/2025</a:t>
             </a:fld>
             <a:endParaRPr lang="en-US"/>
           </a:p>
@@ -5196,7 +5288,7 @@
           <a:p>
             <a:fld id="{0560A9CD-0304-4E0B-9E82-E7E0115DE05B}" type="datetimeFigureOut">
               <a:rPr lang="en-US" smtClean="0"/>
-              <a:t>6/14/2025</a:t>
+              <a:t>10/27/2025</a:t>
             </a:fld>
             <a:endParaRPr lang="en-US"/>
           </a:p>
@@ -5291,7 +5383,7 @@
           <a:p>
             <a:fld id="{0560A9CD-0304-4E0B-9E82-E7E0115DE05B}" type="datetimeFigureOut">
               <a:rPr lang="en-US" smtClean="0"/>
-              <a:t>6/14/2025</a:t>
+              <a:t>10/27/2025</a:t>
             </a:fld>
             <a:endParaRPr lang="en-US"/>
           </a:p>
@@ -5566,7 +5658,7 @@
           <a:p>
             <a:fld id="{0560A9CD-0304-4E0B-9E82-E7E0115DE05B}" type="datetimeFigureOut">
               <a:rPr lang="en-US" smtClean="0"/>
-              <a:t>6/14/2025</a:t>
+              <a:t>10/27/2025</a:t>
             </a:fld>
             <a:endParaRPr lang="en-US"/>
           </a:p>
@@ -5818,7 +5910,7 @@
           <a:p>
             <a:fld id="{0560A9CD-0304-4E0B-9E82-E7E0115DE05B}" type="datetimeFigureOut">
               <a:rPr lang="en-US" smtClean="0"/>
-              <a:t>6/14/2025</a:t>
+              <a:t>10/27/2025</a:t>
             </a:fld>
             <a:endParaRPr lang="en-US"/>
           </a:p>
@@ -6029,7 +6121,7 @@
           <a:p>
             <a:fld id="{0560A9CD-0304-4E0B-9E82-E7E0115DE05B}" type="datetimeFigureOut">
               <a:rPr lang="en-US" smtClean="0"/>
-              <a:t>6/14/2025</a:t>
+              <a:t>10/27/2025</a:t>
             </a:fld>
             <a:endParaRPr lang="en-US"/>
           </a:p>
@@ -8873,7 +8965,7 @@
       </p:sp>
       <p:sp>
         <p:nvSpPr>
-          <p:cNvPr id="4" name="Smiley Face 3"/>
+          <p:cNvPr id="4" name="Smiley Face 3" descr="QuizAnswer"/>
           <p:cNvSpPr/>
           <p:nvPr/>
         </p:nvSpPr>
@@ -9509,7 +9601,7 @@
       </p:sp>
       <p:sp>
         <p:nvSpPr>
-          <p:cNvPr id="4" name="Smiley Face 3"/>
+          <p:cNvPr id="4" name="Smiley Face 3" descr="QuizAnswer"/>
           <p:cNvSpPr/>
           <p:nvPr/>
         </p:nvSpPr>
@@ -11962,7 +12054,7 @@
       </p:sp>
       <p:sp>
         <p:nvSpPr>
-          <p:cNvPr id="4" name="Smiley Face 3"/>
+          <p:cNvPr id="4" name="Smiley Face 3" descr="QuizAnswer"/>
           <p:cNvSpPr/>
           <p:nvPr/>
         </p:nvSpPr>
@@ -29827,13 +29919,13 @@
       </p:sp>
       <p:sp>
         <p:nvSpPr>
-          <p:cNvPr id="4" name="Smiley Face 3"/>
+          <p:cNvPr id="4" name="Smiley Face 3" descr="QuizAnswer"/>
           <p:cNvSpPr/>
           <p:nvPr/>
         </p:nvSpPr>
         <p:spPr>
           <a:xfrm>
-            <a:off x="3404606" y="4792530"/>
+            <a:off x="3317893" y="4792530"/>
             <a:ext cx="374567" cy="363338"/>
           </a:xfrm>
           <a:prstGeom prst="smileyFace">
@@ -36246,7 +36338,7 @@
       </p:sp>
       <p:sp>
         <p:nvSpPr>
-          <p:cNvPr id="4" name="Smiley Face 3"/>
+          <p:cNvPr id="4" name="Smiley Face 3" descr="QuizAnswer"/>
           <p:cNvSpPr/>
           <p:nvPr/>
         </p:nvSpPr>

--- a/ipsa/slides/functions.pptx
+++ b/ipsa/slides/functions.pptx
@@ -147,7 +147,7 @@
 <file path=ppt/revisionInfo.xml><?xml version="1.0" encoding="utf-8"?>
 <p1510:revInfo xmlns:a="http://schemas.openxmlformats.org/drawingml/2006/main" xmlns:r="http://schemas.openxmlformats.org/officeDocument/2006/relationships" xmlns:p1510="http://schemas.microsoft.com/office/powerpoint/2015/10/main">
   <p1510:revLst>
-    <p1510:client id="{6D2F9BD2-2A9D-4BE7-AE08-43A9C64180DC}" v="2" dt="2025-10-27T18:20:50.616"/>
+    <p1510:client id="{66B0FE2B-5DFD-441C-B749-77C7754134CC}" v="2" dt="2026-02-15T20:43:41.227"/>
   </p1510:revLst>
 </p1510:revInfo>
 </file>
@@ -155,452 +155,46 @@
 <file path=ppt/changesInfos/changesInfo1.xml><?xml version="1.0" encoding="utf-8"?>
 <pc:chgInfo xmlns:a="http://schemas.openxmlformats.org/drawingml/2006/main" xmlns:r="http://schemas.openxmlformats.org/officeDocument/2006/relationships" xmlns:ac="http://schemas.microsoft.com/office/drawing/2013/main/command" xmlns:pc="http://schemas.microsoft.com/office/powerpoint/2013/main/command">
   <pc:docChgLst>
-    <pc:chgData name="Gerth Stølting Brodal" userId="04ef4784-6591-4f86-a140-f5c3b108582a" providerId="ADAL" clId="{6E9A0562-012B-4102-8D64-466128A30A98}"/>
-    <pc:docChg chg="undo custSel mod addSld modSld">
-      <pc:chgData name="Gerth Stølting Brodal" userId="04ef4784-6591-4f86-a140-f5c3b108582a" providerId="ADAL" clId="{6E9A0562-012B-4102-8D64-466128A30A98}" dt="2021-02-24T12:05:02.031" v="1363" actId="20577"/>
+    <pc:chgData name="Gerth Stølting Brodal" userId="04ef4784-6591-4f86-a140-f5c3b108582a" providerId="ADAL" clId="{73BAC7D6-516A-44B5-B4B0-C7B08CA8B392}"/>
+    <pc:docChg chg="undo custSel modSld">
+      <pc:chgData name="Gerth Stølting Brodal" userId="04ef4784-6591-4f86-a140-f5c3b108582a" providerId="ADAL" clId="{73BAC7D6-516A-44B5-B4B0-C7B08CA8B392}" dt="2026-02-18T08:07:40.404" v="72" actId="20577"/>
       <pc:docMkLst>
         <pc:docMk/>
       </pc:docMkLst>
       <pc:sldChg chg="modSp mod">
-        <pc:chgData name="Gerth Stølting Brodal" userId="04ef4784-6591-4f86-a140-f5c3b108582a" providerId="ADAL" clId="{6E9A0562-012B-4102-8D64-466128A30A98}" dt="2021-02-23T09:29:00.718" v="2" actId="114"/>
+        <pc:chgData name="Gerth Stølting Brodal" userId="04ef4784-6591-4f86-a140-f5c3b108582a" providerId="ADAL" clId="{73BAC7D6-516A-44B5-B4B0-C7B08CA8B392}" dt="2026-02-18T08:07:40.404" v="72" actId="20577"/>
         <pc:sldMkLst>
           <pc:docMk/>
-          <pc:sldMk cId="3628447800" sldId="561"/>
-        </pc:sldMkLst>
-      </pc:sldChg>
-      <pc:sldChg chg="modSp mod">
-        <pc:chgData name="Gerth Stølting Brodal" userId="04ef4784-6591-4f86-a140-f5c3b108582a" providerId="ADAL" clId="{6E9A0562-012B-4102-8D64-466128A30A98}" dt="2021-02-23T09:55:54.848" v="515" actId="6549"/>
-        <pc:sldMkLst>
-          <pc:docMk/>
-          <pc:sldMk cId="188061130" sldId="564"/>
-        </pc:sldMkLst>
-      </pc:sldChg>
-      <pc:sldChg chg="modSp mod">
-        <pc:chgData name="Gerth Stølting Brodal" userId="04ef4784-6591-4f86-a140-f5c3b108582a" providerId="ADAL" clId="{6E9A0562-012B-4102-8D64-466128A30A98}" dt="2021-02-23T10:14:31.547" v="540" actId="20577"/>
-        <pc:sldMkLst>
-          <pc:docMk/>
-          <pc:sldMk cId="3627704936" sldId="566"/>
-        </pc:sldMkLst>
-      </pc:sldChg>
-      <pc:sldChg chg="modSp mod">
-        <pc:chgData name="Gerth Stølting Brodal" userId="04ef4784-6591-4f86-a140-f5c3b108582a" providerId="ADAL" clId="{6E9A0562-012B-4102-8D64-466128A30A98}" dt="2021-02-23T11:20:05.903" v="1079" actId="20577"/>
-        <pc:sldMkLst>
-          <pc:docMk/>
-          <pc:sldMk cId="3579293872" sldId="577"/>
-        </pc:sldMkLst>
-      </pc:sldChg>
-      <pc:sldChg chg="modNotesTx">
-        <pc:chgData name="Gerth Stølting Brodal" userId="04ef4784-6591-4f86-a140-f5c3b108582a" providerId="ADAL" clId="{6E9A0562-012B-4102-8D64-466128A30A98}" dt="2021-02-23T10:35:56.560" v="699" actId="20577"/>
-        <pc:sldMkLst>
-          <pc:docMk/>
-          <pc:sldMk cId="1896777206" sldId="585"/>
-        </pc:sldMkLst>
-      </pc:sldChg>
-      <pc:sldChg chg="addSp delSp modSp add mod modTransition setBg">
-        <pc:chgData name="Gerth Stølting Brodal" userId="04ef4784-6591-4f86-a140-f5c3b108582a" providerId="ADAL" clId="{6E9A0562-012B-4102-8D64-466128A30A98}" dt="2021-02-23T10:49:22.669" v="725" actId="20577"/>
-        <pc:sldMkLst>
-          <pc:docMk/>
-          <pc:sldMk cId="4039368805" sldId="589"/>
-        </pc:sldMkLst>
-      </pc:sldChg>
-      <pc:sldChg chg="addSp modSp new mod modNotesTx">
-        <pc:chgData name="Gerth Stølting Brodal" userId="04ef4784-6591-4f86-a140-f5c3b108582a" providerId="ADAL" clId="{6E9A0562-012B-4102-8D64-466128A30A98}" dt="2021-02-24T12:05:02.031" v="1363" actId="20577"/>
-        <pc:sldMkLst>
-          <pc:docMk/>
-          <pc:sldMk cId="3860775354" sldId="590"/>
-        </pc:sldMkLst>
-      </pc:sldChg>
-    </pc:docChg>
-  </pc:docChgLst>
-  <pc:docChgLst>
-    <pc:chgData name="Gerth Stølting Brodal" userId="04ef4784-6591-4f86-a140-f5c3b108582a" providerId="ADAL" clId="{754E53C0-86C1-454F-8E62-4CC3B55D8DD3}"/>
-    <pc:docChg chg="undo custSel addSld modSld">
-      <pc:chgData name="Gerth Stølting Brodal" userId="04ef4784-6591-4f86-a140-f5c3b108582a" providerId="ADAL" clId="{754E53C0-86C1-454F-8E62-4CC3B55D8DD3}" dt="2022-02-24T08:36:05.368" v="232" actId="1076"/>
-      <pc:docMkLst>
-        <pc:docMk/>
-      </pc:docMkLst>
-      <pc:sldChg chg="modSp mod">
-        <pc:chgData name="Gerth Stølting Brodal" userId="04ef4784-6591-4f86-a140-f5c3b108582a" providerId="ADAL" clId="{754E53C0-86C1-454F-8E62-4CC3B55D8DD3}" dt="2022-02-19T11:20:15.711" v="5" actId="1076"/>
-        <pc:sldMkLst>
-          <pc:docMk/>
-          <pc:sldMk cId="328718495" sldId="401"/>
-        </pc:sldMkLst>
-      </pc:sldChg>
-      <pc:sldChg chg="modNotesTx">
-        <pc:chgData name="Gerth Stølting Brodal" userId="04ef4784-6591-4f86-a140-f5c3b108582a" providerId="ADAL" clId="{754E53C0-86C1-454F-8E62-4CC3B55D8DD3}" dt="2022-02-23T08:18:55.822" v="64"/>
-        <pc:sldMkLst>
-          <pc:docMk/>
-          <pc:sldMk cId="3627704936" sldId="566"/>
-        </pc:sldMkLst>
-      </pc:sldChg>
-      <pc:sldChg chg="modSp mod modNotesTx">
-        <pc:chgData name="Gerth Stølting Brodal" userId="04ef4784-6591-4f86-a140-f5c3b108582a" providerId="ADAL" clId="{754E53C0-86C1-454F-8E62-4CC3B55D8DD3}" dt="2022-02-23T08:11:35.358" v="62" actId="6549"/>
-        <pc:sldMkLst>
-          <pc:docMk/>
-          <pc:sldMk cId="905431858" sldId="569"/>
-        </pc:sldMkLst>
-      </pc:sldChg>
-      <pc:sldChg chg="modSp mod">
-        <pc:chgData name="Gerth Stølting Brodal" userId="04ef4784-6591-4f86-a140-f5c3b108582a" providerId="ADAL" clId="{754E53C0-86C1-454F-8E62-4CC3B55D8DD3}" dt="2022-02-19T11:46:40.373" v="22" actId="20577"/>
-        <pc:sldMkLst>
-          <pc:docMk/>
-          <pc:sldMk cId="826728691" sldId="578"/>
-        </pc:sldMkLst>
-      </pc:sldChg>
-      <pc:sldChg chg="modSp mod">
-        <pc:chgData name="Gerth Stølting Brodal" userId="04ef4784-6591-4f86-a140-f5c3b108582a" providerId="ADAL" clId="{754E53C0-86C1-454F-8E62-4CC3B55D8DD3}" dt="2022-02-19T11:43:34.116" v="20" actId="313"/>
-        <pc:sldMkLst>
-          <pc:docMk/>
-          <pc:sldMk cId="1913637463" sldId="579"/>
-        </pc:sldMkLst>
-      </pc:sldChg>
-      <pc:sldChg chg="modSp mod">
-        <pc:chgData name="Gerth Stølting Brodal" userId="04ef4784-6591-4f86-a140-f5c3b108582a" providerId="ADAL" clId="{754E53C0-86C1-454F-8E62-4CC3B55D8DD3}" dt="2022-02-23T10:18:56.906" v="135" actId="20577"/>
-        <pc:sldMkLst>
-          <pc:docMk/>
-          <pc:sldMk cId="4009993959" sldId="582"/>
-        </pc:sldMkLst>
-      </pc:sldChg>
-      <pc:sldChg chg="modSp mod">
-        <pc:chgData name="Gerth Stølting Brodal" userId="04ef4784-6591-4f86-a140-f5c3b108582a" providerId="ADAL" clId="{754E53C0-86C1-454F-8E62-4CC3B55D8DD3}" dt="2022-02-23T10:15:55.352" v="125" actId="207"/>
-        <pc:sldMkLst>
-          <pc:docMk/>
-          <pc:sldMk cId="1896777206" sldId="585"/>
-        </pc:sldMkLst>
-      </pc:sldChg>
-      <pc:sldChg chg="modSp mod">
-        <pc:chgData name="Gerth Stølting Brodal" userId="04ef4784-6591-4f86-a140-f5c3b108582a" providerId="ADAL" clId="{754E53C0-86C1-454F-8E62-4CC3B55D8DD3}" dt="2022-02-23T10:12:18.240" v="124" actId="207"/>
-        <pc:sldMkLst>
-          <pc:docMk/>
-          <pc:sldMk cId="653558519" sldId="586"/>
-        </pc:sldMkLst>
-      </pc:sldChg>
-      <pc:sldChg chg="modNotesTx">
-        <pc:chgData name="Gerth Stølting Brodal" userId="04ef4784-6591-4f86-a140-f5c3b108582a" providerId="ADAL" clId="{754E53C0-86C1-454F-8E62-4CC3B55D8DD3}" dt="2022-02-20T21:10:59.090" v="53" actId="20577"/>
-        <pc:sldMkLst>
-          <pc:docMk/>
-          <pc:sldMk cId="3860775354" sldId="590"/>
-        </pc:sldMkLst>
-      </pc:sldChg>
-      <pc:sldChg chg="addSp delSp modSp add mod modNotesTx">
-        <pc:chgData name="Gerth Stølting Brodal" userId="04ef4784-6591-4f86-a140-f5c3b108582a" providerId="ADAL" clId="{754E53C0-86C1-454F-8E62-4CC3B55D8DD3}" dt="2022-02-24T08:36:05.368" v="232" actId="1076"/>
-        <pc:sldMkLst>
-          <pc:docMk/>
-          <pc:sldMk cId="3400063430" sldId="591"/>
-        </pc:sldMkLst>
-      </pc:sldChg>
-    </pc:docChg>
-  </pc:docChgLst>
-  <pc:docChgLst>
-    <pc:chgData name="Gerth Stølting Brodal" userId="04ef4784-6591-4f86-a140-f5c3b108582a" providerId="ADAL" clId="{27124F44-A0F7-408A-AA2B-2C5136C1DC06}"/>
-    <pc:docChg chg="modSld">
-      <pc:chgData name="Gerth Stølting Brodal" userId="04ef4784-6591-4f86-a140-f5c3b108582a" providerId="ADAL" clId="{27124F44-A0F7-408A-AA2B-2C5136C1DC06}" dt="2025-10-27T18:21:46.484" v="21" actId="962"/>
-      <pc:docMkLst>
-        <pc:docMk/>
-      </pc:docMkLst>
-      <pc:sldChg chg="modSp mod">
-        <pc:chgData name="Gerth Stølting Brodal" userId="04ef4784-6591-4f86-a140-f5c3b108582a" providerId="ADAL" clId="{27124F44-A0F7-408A-AA2B-2C5136C1DC06}" dt="2025-10-27T18:20:44.328" v="12" actId="1037"/>
-        <pc:sldMkLst>
-          <pc:docMk/>
-          <pc:sldMk cId="328718495" sldId="401"/>
+          <pc:sldMk cId="2099313752" sldId="567"/>
         </pc:sldMkLst>
         <pc:spChg chg="mod">
-          <ac:chgData name="Gerth Stølting Brodal" userId="04ef4784-6591-4f86-a140-f5c3b108582a" providerId="ADAL" clId="{27124F44-A0F7-408A-AA2B-2C5136C1DC06}" dt="2025-10-27T18:20:44.328" v="12" actId="1037"/>
+          <ac:chgData name="Gerth Stølting Brodal" userId="04ef4784-6591-4f86-a140-f5c3b108582a" providerId="ADAL" clId="{73BAC7D6-516A-44B5-B4B0-C7B08CA8B392}" dt="2026-02-18T08:07:40.404" v="72" actId="20577"/>
           <ac:spMkLst>
             <pc:docMk/>
-            <pc:sldMk cId="328718495" sldId="401"/>
-            <ac:spMk id="4" creationId="{00000000-0000-0000-0000-000000000000}"/>
+            <pc:sldMk cId="2099313752" sldId="567"/>
+            <ac:spMk id="3" creationId="{00000000-0000-0000-0000-000000000000}"/>
           </ac:spMkLst>
         </pc:spChg>
       </pc:sldChg>
-      <pc:sldChg chg="modSp mod">
-        <pc:chgData name="Gerth Stølting Brodal" userId="04ef4784-6591-4f86-a140-f5c3b108582a" providerId="ADAL" clId="{27124F44-A0F7-408A-AA2B-2C5136C1DC06}" dt="2025-10-27T18:21:03.990" v="19" actId="962"/>
-        <pc:sldMkLst>
-          <pc:docMk/>
-          <pc:sldMk cId="3400112957" sldId="543"/>
-        </pc:sldMkLst>
-        <pc:spChg chg="mod">
-          <ac:chgData name="Gerth Stølting Brodal" userId="04ef4784-6591-4f86-a140-f5c3b108582a" providerId="ADAL" clId="{27124F44-A0F7-408A-AA2B-2C5136C1DC06}" dt="2025-10-27T18:21:03.990" v="19" actId="962"/>
-          <ac:spMkLst>
-            <pc:docMk/>
-            <pc:sldMk cId="3400112957" sldId="543"/>
-            <ac:spMk id="4" creationId="{00000000-0000-0000-0000-000000000000}"/>
-          </ac:spMkLst>
-        </pc:spChg>
-      </pc:sldChg>
-      <pc:sldChg chg="modSp mod">
-        <pc:chgData name="Gerth Stølting Brodal" userId="04ef4784-6591-4f86-a140-f5c3b108582a" providerId="ADAL" clId="{27124F44-A0F7-408A-AA2B-2C5136C1DC06}" dt="2025-10-27T18:20:59.524" v="17" actId="962"/>
-        <pc:sldMkLst>
-          <pc:docMk/>
-          <pc:sldMk cId="2250928843" sldId="573"/>
-        </pc:sldMkLst>
-        <pc:spChg chg="mod">
-          <ac:chgData name="Gerth Stølting Brodal" userId="04ef4784-6591-4f86-a140-f5c3b108582a" providerId="ADAL" clId="{27124F44-A0F7-408A-AA2B-2C5136C1DC06}" dt="2025-10-27T18:20:59.524" v="17" actId="962"/>
-          <ac:spMkLst>
-            <pc:docMk/>
-            <pc:sldMk cId="2250928843" sldId="573"/>
-            <ac:spMk id="4" creationId="{00000000-0000-0000-0000-000000000000}"/>
-          </ac:spMkLst>
-        </pc:spChg>
-      </pc:sldChg>
-      <pc:sldChg chg="modSp mod">
-        <pc:chgData name="Gerth Stølting Brodal" userId="04ef4784-6591-4f86-a140-f5c3b108582a" providerId="ADAL" clId="{27124F44-A0F7-408A-AA2B-2C5136C1DC06}" dt="2025-10-27T18:20:51.937" v="15" actId="962"/>
-        <pc:sldMkLst>
-          <pc:docMk/>
-          <pc:sldMk cId="4056481231" sldId="576"/>
-        </pc:sldMkLst>
-        <pc:spChg chg="mod">
-          <ac:chgData name="Gerth Stølting Brodal" userId="04ef4784-6591-4f86-a140-f5c3b108582a" providerId="ADAL" clId="{27124F44-A0F7-408A-AA2B-2C5136C1DC06}" dt="2025-10-27T18:20:51.937" v="15" actId="962"/>
-          <ac:spMkLst>
-            <pc:docMk/>
-            <pc:sldMk cId="4056481231" sldId="576"/>
-            <ac:spMk id="4" creationId="{00000000-0000-0000-0000-000000000000}"/>
-          </ac:spMkLst>
-        </pc:spChg>
-      </pc:sldChg>
-      <pc:sldChg chg="modSp mod">
-        <pc:chgData name="Gerth Stølting Brodal" userId="04ef4784-6591-4f86-a140-f5c3b108582a" providerId="ADAL" clId="{27124F44-A0F7-408A-AA2B-2C5136C1DC06}" dt="2025-10-27T18:21:46.484" v="21" actId="962"/>
-        <pc:sldMkLst>
-          <pc:docMk/>
-          <pc:sldMk cId="1913637463" sldId="579"/>
-        </pc:sldMkLst>
-        <pc:spChg chg="mod">
-          <ac:chgData name="Gerth Stølting Brodal" userId="04ef4784-6591-4f86-a140-f5c3b108582a" providerId="ADAL" clId="{27124F44-A0F7-408A-AA2B-2C5136C1DC06}" dt="2025-10-27T18:21:46.484" v="21" actId="962"/>
-          <ac:spMkLst>
-            <pc:docMk/>
-            <pc:sldMk cId="1913637463" sldId="579"/>
-            <ac:spMk id="4" creationId="{00000000-0000-0000-0000-000000000000}"/>
-          </ac:spMkLst>
-        </pc:spChg>
-      </pc:sldChg>
-    </pc:docChg>
-  </pc:docChgLst>
-  <pc:docChgLst>
-    <pc:chgData name="Gerth Stølting Brodal" userId="04ef4784-6591-4f86-a140-f5c3b108582a" providerId="ADAL" clId="{A438EBA1-DB7D-4DC5-9143-438EE3137945}"/>
-    <pc:docChg chg="undo custSel modSld">
-      <pc:chgData name="Gerth Stølting Brodal" userId="04ef4784-6591-4f86-a140-f5c3b108582a" providerId="ADAL" clId="{A438EBA1-DB7D-4DC5-9143-438EE3137945}" dt="2024-02-21T08:39:08.710" v="607" actId="20577"/>
-      <pc:docMkLst>
-        <pc:docMk/>
-      </pc:docMkLst>
-      <pc:sldChg chg="modSp mod">
-        <pc:chgData name="Gerth Stølting Brodal" userId="04ef4784-6591-4f86-a140-f5c3b108582a" providerId="ADAL" clId="{A438EBA1-DB7D-4DC5-9143-438EE3137945}" dt="2024-02-19T06:43:34.614" v="25" actId="313"/>
-        <pc:sldMkLst>
-          <pc:docMk/>
-          <pc:sldMk cId="188061130" sldId="564"/>
-        </pc:sldMkLst>
-      </pc:sldChg>
-      <pc:sldChg chg="modSp mod">
-        <pc:chgData name="Gerth Stølting Brodal" userId="04ef4784-6591-4f86-a140-f5c3b108582a" providerId="ADAL" clId="{A438EBA1-DB7D-4DC5-9143-438EE3137945}" dt="2024-02-19T07:13:25.896" v="267" actId="207"/>
-        <pc:sldMkLst>
-          <pc:docMk/>
-          <pc:sldMk cId="3627704936" sldId="566"/>
-        </pc:sldMkLst>
-      </pc:sldChg>
-      <pc:sldChg chg="modSp mod modNotesTx">
-        <pc:chgData name="Gerth Stølting Brodal" userId="04ef4784-6591-4f86-a140-f5c3b108582a" providerId="ADAL" clId="{A438EBA1-DB7D-4DC5-9143-438EE3137945}" dt="2024-02-19T06:59:06.914" v="266" actId="20577"/>
+      <pc:sldChg chg="modNotesTx">
+        <pc:chgData name="Gerth Stølting Brodal" userId="04ef4784-6591-4f86-a140-f5c3b108582a" providerId="ADAL" clId="{73BAC7D6-516A-44B5-B4B0-C7B08CA8B392}" dt="2026-02-15T19:50:40.076" v="4" actId="113"/>
         <pc:sldMkLst>
           <pc:docMk/>
           <pc:sldMk cId="100858788" sldId="568"/>
         </pc:sldMkLst>
       </pc:sldChg>
-      <pc:sldChg chg="modSp mod">
-        <pc:chgData name="Gerth Stølting Brodal" userId="04ef4784-6591-4f86-a140-f5c3b108582a" providerId="ADAL" clId="{A438EBA1-DB7D-4DC5-9143-438EE3137945}" dt="2024-02-19T06:50:19.795" v="65" actId="313"/>
-        <pc:sldMkLst>
-          <pc:docMk/>
-          <pc:sldMk cId="1619579666" sldId="574"/>
-        </pc:sldMkLst>
-      </pc:sldChg>
-      <pc:sldChg chg="modSp mod modNotesTx">
-        <pc:chgData name="Gerth Stølting Brodal" userId="04ef4784-6591-4f86-a140-f5c3b108582a" providerId="ADAL" clId="{A438EBA1-DB7D-4DC5-9143-438EE3137945}" dt="2024-02-21T08:20:04.961" v="573" actId="20577"/>
-        <pc:sldMkLst>
-          <pc:docMk/>
-          <pc:sldMk cId="2854255146" sldId="575"/>
-        </pc:sldMkLst>
-      </pc:sldChg>
-      <pc:sldChg chg="modSp mod">
-        <pc:chgData name="Gerth Stølting Brodal" userId="04ef4784-6591-4f86-a140-f5c3b108582a" providerId="ADAL" clId="{A438EBA1-DB7D-4DC5-9143-438EE3137945}" dt="2024-02-19T06:50:14.150" v="57" actId="313"/>
-        <pc:sldMkLst>
-          <pc:docMk/>
-          <pc:sldMk cId="826728691" sldId="578"/>
-        </pc:sldMkLst>
-      </pc:sldChg>
-      <pc:sldChg chg="modSp mod">
-        <pc:chgData name="Gerth Stølting Brodal" userId="04ef4784-6591-4f86-a140-f5c3b108582a" providerId="ADAL" clId="{A438EBA1-DB7D-4DC5-9143-438EE3137945}" dt="2024-02-19T06:50:24.770" v="69" actId="313"/>
-        <pc:sldMkLst>
-          <pc:docMk/>
-          <pc:sldMk cId="4009993959" sldId="582"/>
-        </pc:sldMkLst>
-      </pc:sldChg>
-      <pc:sldChg chg="modSp mod modNotesTx">
-        <pc:chgData name="Gerth Stølting Brodal" userId="04ef4784-6591-4f86-a140-f5c3b108582a" providerId="ADAL" clId="{A438EBA1-DB7D-4DC5-9143-438EE3137945}" dt="2024-02-19T07:27:35.531" v="452" actId="20577"/>
+      <pc:sldChg chg="modNotesTx">
+        <pc:chgData name="Gerth Stølting Brodal" userId="04ef4784-6591-4f86-a140-f5c3b108582a" providerId="ADAL" clId="{73BAC7D6-516A-44B5-B4B0-C7B08CA8B392}" dt="2026-02-15T19:25:44.981" v="2" actId="20577"/>
         <pc:sldMkLst>
           <pc:docMk/>
           <pc:sldMk cId="2874315793" sldId="587"/>
         </pc:sldMkLst>
       </pc:sldChg>
-      <pc:sldChg chg="modSp mod modNotesTx">
-        <pc:chgData name="Gerth Stølting Brodal" userId="04ef4784-6591-4f86-a140-f5c3b108582a" providerId="ADAL" clId="{A438EBA1-DB7D-4DC5-9143-438EE3137945}" dt="2024-02-21T08:27:44.993" v="590" actId="20577"/>
+      <pc:sldChg chg="modNotesTx">
+        <pc:chgData name="Gerth Stølting Brodal" userId="04ef4784-6591-4f86-a140-f5c3b108582a" providerId="ADAL" clId="{73BAC7D6-516A-44B5-B4B0-C7B08CA8B392}" dt="2026-02-15T20:43:41.978" v="58" actId="113"/>
         <pc:sldMkLst>
           <pc:docMk/>
           <pc:sldMk cId="1007572461" sldId="588"/>
-        </pc:sldMkLst>
-      </pc:sldChg>
-      <pc:sldChg chg="modNotesTx">
-        <pc:chgData name="Gerth Stølting Brodal" userId="04ef4784-6591-4f86-a140-f5c3b108582a" providerId="ADAL" clId="{A438EBA1-DB7D-4DC5-9143-438EE3137945}" dt="2024-02-21T08:39:08.710" v="607" actId="20577"/>
-        <pc:sldMkLst>
-          <pc:docMk/>
-          <pc:sldMk cId="3860775354" sldId="590"/>
-        </pc:sldMkLst>
-      </pc:sldChg>
-    </pc:docChg>
-  </pc:docChgLst>
-  <pc:docChgLst>
-    <pc:chgData name="Gerth Stølting Brodal" userId="04ef4784-6591-4f86-a140-f5c3b108582a" providerId="ADAL" clId="{89EC5210-EF5D-482B-9301-5C971FABFA3E}"/>
-    <pc:docChg chg="undo redo custSel addSld modSld">
-      <pc:chgData name="Gerth Stølting Brodal" userId="04ef4784-6591-4f86-a140-f5c3b108582a" providerId="ADAL" clId="{89EC5210-EF5D-482B-9301-5C971FABFA3E}" dt="2023-03-01T09:03:13.754" v="1856" actId="6549"/>
-      <pc:docMkLst>
-        <pc:docMk/>
-      </pc:docMkLst>
-      <pc:sldChg chg="modNotesTx">
-        <pc:chgData name="Gerth Stølting Brodal" userId="04ef4784-6591-4f86-a140-f5c3b108582a" providerId="ADAL" clId="{89EC5210-EF5D-482B-9301-5C971FABFA3E}" dt="2023-02-22T11:35:00.197" v="1665" actId="20577"/>
-        <pc:sldMkLst>
-          <pc:docMk/>
-          <pc:sldMk cId="3400112957" sldId="543"/>
-        </pc:sldMkLst>
-      </pc:sldChg>
-      <pc:sldChg chg="modSp mod">
-        <pc:chgData name="Gerth Stølting Brodal" userId="04ef4784-6591-4f86-a140-f5c3b108582a" providerId="ADAL" clId="{89EC5210-EF5D-482B-9301-5C971FABFA3E}" dt="2023-02-18T10:43:43.554" v="1027" actId="20577"/>
-        <pc:sldMkLst>
-          <pc:docMk/>
-          <pc:sldMk cId="3628447800" sldId="561"/>
-        </pc:sldMkLst>
-      </pc:sldChg>
-      <pc:sldChg chg="modSp mod">
-        <pc:chgData name="Gerth Stølting Brodal" userId="04ef4784-6591-4f86-a140-f5c3b108582a" providerId="ADAL" clId="{89EC5210-EF5D-482B-9301-5C971FABFA3E}" dt="2023-02-19T18:31:55.092" v="1214"/>
-        <pc:sldMkLst>
-          <pc:docMk/>
-          <pc:sldMk cId="3419193662" sldId="565"/>
-        </pc:sldMkLst>
-      </pc:sldChg>
-      <pc:sldChg chg="modSp mod">
-        <pc:chgData name="Gerth Stølting Brodal" userId="04ef4784-6591-4f86-a140-f5c3b108582a" providerId="ADAL" clId="{89EC5210-EF5D-482B-9301-5C971FABFA3E}" dt="2023-02-19T18:35:09.228" v="1216" actId="207"/>
-        <pc:sldMkLst>
-          <pc:docMk/>
-          <pc:sldMk cId="3627704936" sldId="566"/>
-        </pc:sldMkLst>
-      </pc:sldChg>
-      <pc:sldChg chg="modSp mod">
-        <pc:chgData name="Gerth Stølting Brodal" userId="04ef4784-6591-4f86-a140-f5c3b108582a" providerId="ADAL" clId="{89EC5210-EF5D-482B-9301-5C971FABFA3E}" dt="2023-02-19T18:38:43.530" v="1265" actId="1076"/>
-        <pc:sldMkLst>
-          <pc:docMk/>
-          <pc:sldMk cId="2099313752" sldId="567"/>
-        </pc:sldMkLst>
-      </pc:sldChg>
-      <pc:sldChg chg="modSp mod">
-        <pc:chgData name="Gerth Stølting Brodal" userId="04ef4784-6591-4f86-a140-f5c3b108582a" providerId="ADAL" clId="{89EC5210-EF5D-482B-9301-5C971FABFA3E}" dt="2023-02-18T10:44:22.250" v="1029" actId="20577"/>
-        <pc:sldMkLst>
-          <pc:docMk/>
-          <pc:sldMk cId="100858788" sldId="568"/>
-        </pc:sldMkLst>
-      </pc:sldChg>
-      <pc:sldChg chg="modSp mod modNotesTx">
-        <pc:chgData name="Gerth Stølting Brodal" userId="04ef4784-6591-4f86-a140-f5c3b108582a" providerId="ADAL" clId="{89EC5210-EF5D-482B-9301-5C971FABFA3E}" dt="2023-02-22T12:23:42.801" v="1766" actId="20577"/>
-        <pc:sldMkLst>
-          <pc:docMk/>
-          <pc:sldMk cId="4291965801" sldId="571"/>
-        </pc:sldMkLst>
-      </pc:sldChg>
-      <pc:sldChg chg="modNotesTx">
-        <pc:chgData name="Gerth Stølting Brodal" userId="04ef4784-6591-4f86-a140-f5c3b108582a" providerId="ADAL" clId="{89EC5210-EF5D-482B-9301-5C971FABFA3E}" dt="2023-02-18T08:20:47.793" v="20" actId="20577"/>
-        <pc:sldMkLst>
-          <pc:docMk/>
-          <pc:sldMk cId="1437013171" sldId="572"/>
-        </pc:sldMkLst>
-      </pc:sldChg>
-      <pc:sldChg chg="modNotesTx">
-        <pc:chgData name="Gerth Stølting Brodal" userId="04ef4784-6591-4f86-a140-f5c3b108582a" providerId="ADAL" clId="{89EC5210-EF5D-482B-9301-5C971FABFA3E}" dt="2023-02-18T08:21:34.319" v="34" actId="313"/>
-        <pc:sldMkLst>
-          <pc:docMk/>
-          <pc:sldMk cId="2250928843" sldId="573"/>
-        </pc:sldMkLst>
-      </pc:sldChg>
-      <pc:sldChg chg="modSp mod">
-        <pc:chgData name="Gerth Stølting Brodal" userId="04ef4784-6591-4f86-a140-f5c3b108582a" providerId="ADAL" clId="{89EC5210-EF5D-482B-9301-5C971FABFA3E}" dt="2023-02-18T08:37:20.565" v="114" actId="20577"/>
-        <pc:sldMkLst>
-          <pc:docMk/>
-          <pc:sldMk cId="1619579666" sldId="574"/>
-        </pc:sldMkLst>
-      </pc:sldChg>
-      <pc:sldChg chg="modSp mod modNotesTx">
-        <pc:chgData name="Gerth Stølting Brodal" userId="04ef4784-6591-4f86-a140-f5c3b108582a" providerId="ADAL" clId="{89EC5210-EF5D-482B-9301-5C971FABFA3E}" dt="2023-02-22T12:17:11.118" v="1730" actId="20577"/>
-        <pc:sldMkLst>
-          <pc:docMk/>
-          <pc:sldMk cId="2854255146" sldId="575"/>
-        </pc:sldMkLst>
-      </pc:sldChg>
-      <pc:sldChg chg="modSp mod">
-        <pc:chgData name="Gerth Stølting Brodal" userId="04ef4784-6591-4f86-a140-f5c3b108582a" providerId="ADAL" clId="{89EC5210-EF5D-482B-9301-5C971FABFA3E}" dt="2023-02-22T12:37:41.659" v="1849" actId="27636"/>
-        <pc:sldMkLst>
-          <pc:docMk/>
-          <pc:sldMk cId="3579293872" sldId="577"/>
-        </pc:sldMkLst>
-      </pc:sldChg>
-      <pc:sldChg chg="modSp mod">
-        <pc:chgData name="Gerth Stølting Brodal" userId="04ef4784-6591-4f86-a140-f5c3b108582a" providerId="ADAL" clId="{89EC5210-EF5D-482B-9301-5C971FABFA3E}" dt="2023-02-19T18:46:39.801" v="1399" actId="1076"/>
-        <pc:sldMkLst>
-          <pc:docMk/>
-          <pc:sldMk cId="4009993959" sldId="582"/>
-        </pc:sldMkLst>
-      </pc:sldChg>
-      <pc:sldChg chg="modSp mod modNotesTx">
-        <pc:chgData name="Gerth Stølting Brodal" userId="04ef4784-6591-4f86-a140-f5c3b108582a" providerId="ADAL" clId="{89EC5210-EF5D-482B-9301-5C971FABFA3E}" dt="2023-02-18T10:52:08.355" v="1148" actId="1035"/>
-        <pc:sldMkLst>
-          <pc:docMk/>
-          <pc:sldMk cId="1896777206" sldId="585"/>
-        </pc:sldMkLst>
-      </pc:sldChg>
-      <pc:sldChg chg="modSp mod modNotesTx">
-        <pc:chgData name="Gerth Stølting Brodal" userId="04ef4784-6591-4f86-a140-f5c3b108582a" providerId="ADAL" clId="{89EC5210-EF5D-482B-9301-5C971FABFA3E}" dt="2023-02-22T12:28:01.782" v="1821" actId="20577"/>
-        <pc:sldMkLst>
-          <pc:docMk/>
-          <pc:sldMk cId="653558519" sldId="586"/>
-        </pc:sldMkLst>
-      </pc:sldChg>
-      <pc:sldChg chg="modSp mod">
-        <pc:chgData name="Gerth Stølting Brodal" userId="04ef4784-6591-4f86-a140-f5c3b108582a" providerId="ADAL" clId="{89EC5210-EF5D-482B-9301-5C971FABFA3E}" dt="2023-02-18T08:13:17.127" v="6" actId="20577"/>
-        <pc:sldMkLst>
-          <pc:docMk/>
-          <pc:sldMk cId="4039368805" sldId="589"/>
-        </pc:sldMkLst>
-      </pc:sldChg>
-      <pc:sldChg chg="modSp mod modNotesTx">
-        <pc:chgData name="Gerth Stølting Brodal" userId="04ef4784-6591-4f86-a140-f5c3b108582a" providerId="ADAL" clId="{89EC5210-EF5D-482B-9301-5C971FABFA3E}" dt="2023-03-01T09:03:13.754" v="1856" actId="6549"/>
-        <pc:sldMkLst>
-          <pc:docMk/>
-          <pc:sldMk cId="3860775354" sldId="590"/>
-        </pc:sldMkLst>
-      </pc:sldChg>
-      <pc:sldChg chg="addSp modSp add mod modNotesTx">
-        <pc:chgData name="Gerth Stølting Brodal" userId="04ef4784-6591-4f86-a140-f5c3b108582a" providerId="ADAL" clId="{89EC5210-EF5D-482B-9301-5C971FABFA3E}" dt="2023-02-22T12:37:38.612" v="1843" actId="207"/>
-        <pc:sldMkLst>
-          <pc:docMk/>
-          <pc:sldMk cId="4032496496" sldId="592"/>
-        </pc:sldMkLst>
-      </pc:sldChg>
-    </pc:docChg>
-  </pc:docChgLst>
-  <pc:docChgLst>
-    <pc:chgData name="Gerth Stølting Brodal" userId="04ef4784-6591-4f86-a140-f5c3b108582a" providerId="ADAL" clId="{F3ECE93C-6A89-44E4-B55D-A95418A85687}"/>
-    <pc:docChg chg="modSld">
-      <pc:chgData name="Gerth Stølting Brodal" userId="04ef4784-6591-4f86-a140-f5c3b108582a" providerId="ADAL" clId="{F3ECE93C-6A89-44E4-B55D-A95418A85687}" dt="2025-02-19T08:39:04.683" v="0" actId="115"/>
-      <pc:docMkLst>
-        <pc:docMk/>
-      </pc:docMkLst>
-      <pc:sldChg chg="modSp mod">
-        <pc:chgData name="Gerth Stølting Brodal" userId="04ef4784-6591-4f86-a140-f5c3b108582a" providerId="ADAL" clId="{F3ECE93C-6A89-44E4-B55D-A95418A85687}" dt="2025-02-19T08:39:04.683" v="0" actId="115"/>
-        <pc:sldMkLst>
-          <pc:docMk/>
-          <pc:sldMk cId="905431858" sldId="569"/>
         </pc:sldMkLst>
       </pc:sldChg>
     </pc:docChg>
@@ -690,7 +284,7 @@
           <a:p>
             <a:fld id="{FB1A172F-81D4-4DC4-9113-1DBD56EC3646}" type="datetimeFigureOut">
               <a:rPr lang="en-US" smtClean="0"/>
-              <a:t>10/27/2025</a:t>
+              <a:t>2/18/2026</a:t>
             </a:fld>
             <a:endParaRPr lang="en-US"/>
           </a:p>
@@ -1658,6 +1252,24 @@
           <a:lstStyle/>
           <a:p>
             <a:r>
+              <a:rPr lang="en-US" dirty="0"/>
+              <a:t>print also has keyword arguments </a:t>
+            </a:r>
+            <a:r>
+              <a:rPr lang="en-US" b="1" dirty="0"/>
+              <a:t>flush</a:t>
+            </a:r>
+            <a:r>
+              <a:rPr lang="en-US" dirty="0"/>
+              <a:t> and </a:t>
+            </a:r>
+            <a:r>
+              <a:rPr lang="en-US" b="1" dirty="0"/>
+              <a:t>file</a:t>
+            </a:r>
+          </a:p>
+          <a:p>
+            <a:r>
               <a:rPr lang="pl-PL" dirty="0"/>
               <a:t>def mp(*arg, **kw):</a:t>
             </a:r>
@@ -2303,6 +1915,14 @@
             </a:r>
             <a:r>
               <a:rPr lang="da-DK" dirty="0" err="1"/>
+              <a:t>if</a:t>
+            </a:r>
+            <a:r>
+              <a:rPr lang="da-DK" dirty="0"/>
+              <a:t> </a:t>
+            </a:r>
+            <a:r>
+              <a:rPr lang="da-DK" dirty="0" err="1"/>
               <a:t>immutable</a:t>
             </a:r>
             <a:r>
@@ -2883,7 +2503,23 @@
           <a:p>
             <a:r>
               <a:rPr lang="en-US" dirty="0"/>
-              <a:t>Note that a,*b, c = 1,2,3,4,5 creates b as a list instead of a tuple, and there can be more variables after * </a:t>
+              <a:t>Note that a</a:t>
+            </a:r>
+            <a:r>
+              <a:rPr lang="en-US" b="1" dirty="0"/>
+              <a:t>,*b</a:t>
+            </a:r>
+            <a:r>
+              <a:rPr lang="en-US" dirty="0"/>
+              <a:t>, c = 1,2,3,4,5 creates b as a </a:t>
+            </a:r>
+            <a:r>
+              <a:rPr lang="en-US" b="1" dirty="0"/>
+              <a:t>list</a:t>
+            </a:r>
+            <a:r>
+              <a:rPr lang="en-US" dirty="0"/>
+              <a:t> instead of a tuple, and there can be more variables after * </a:t>
             </a:r>
           </a:p>
         </p:txBody>
@@ -3804,7 +3440,7 @@
           <a:p>
             <a:fld id="{0560A9CD-0304-4E0B-9E82-E7E0115DE05B}" type="datetimeFigureOut">
               <a:rPr lang="en-US" smtClean="0"/>
-              <a:t>10/27/2025</a:t>
+              <a:t>2/18/2026</a:t>
             </a:fld>
             <a:endParaRPr lang="en-US"/>
           </a:p>
@@ -3972,7 +3608,7 @@
           <a:p>
             <a:fld id="{0560A9CD-0304-4E0B-9E82-E7E0115DE05B}" type="datetimeFigureOut">
               <a:rPr lang="en-US" smtClean="0"/>
-              <a:t>10/27/2025</a:t>
+              <a:t>2/18/2026</a:t>
             </a:fld>
             <a:endParaRPr lang="en-US"/>
           </a:p>
@@ -4150,7 +3786,7 @@
           <a:p>
             <a:fld id="{0560A9CD-0304-4E0B-9E82-E7E0115DE05B}" type="datetimeFigureOut">
               <a:rPr lang="en-US" smtClean="0"/>
-              <a:t>10/27/2025</a:t>
+              <a:t>2/18/2026</a:t>
             </a:fld>
             <a:endParaRPr lang="en-US"/>
           </a:p>
@@ -4333,7 +3969,7 @@
           <a:p>
             <a:fld id="{0560A9CD-0304-4E0B-9E82-E7E0115DE05B}" type="datetimeFigureOut">
               <a:rPr lang="en-US" smtClean="0"/>
-              <a:t>10/27/2025</a:t>
+              <a:t>2/18/2026</a:t>
             </a:fld>
             <a:endParaRPr lang="en-US"/>
           </a:p>
@@ -4578,7 +4214,7 @@
           <a:p>
             <a:fld id="{0560A9CD-0304-4E0B-9E82-E7E0115DE05B}" type="datetimeFigureOut">
               <a:rPr lang="en-US" smtClean="0"/>
-              <a:t>10/27/2025</a:t>
+              <a:t>2/18/2026</a:t>
             </a:fld>
             <a:endParaRPr lang="en-US"/>
           </a:p>
@@ -4807,7 +4443,7 @@
           <a:p>
             <a:fld id="{0560A9CD-0304-4E0B-9E82-E7E0115DE05B}" type="datetimeFigureOut">
               <a:rPr lang="en-US" smtClean="0"/>
-              <a:t>10/27/2025</a:t>
+              <a:t>2/18/2026</a:t>
             </a:fld>
             <a:endParaRPr lang="en-US"/>
           </a:p>
@@ -5171,7 +4807,7 @@
           <a:p>
             <a:fld id="{0560A9CD-0304-4E0B-9E82-E7E0115DE05B}" type="datetimeFigureOut">
               <a:rPr lang="en-US" smtClean="0"/>
-              <a:t>10/27/2025</a:t>
+              <a:t>2/18/2026</a:t>
             </a:fld>
             <a:endParaRPr lang="en-US"/>
           </a:p>
@@ -5288,7 +4924,7 @@
           <a:p>
             <a:fld id="{0560A9CD-0304-4E0B-9E82-E7E0115DE05B}" type="datetimeFigureOut">
               <a:rPr lang="en-US" smtClean="0"/>
-              <a:t>10/27/2025</a:t>
+              <a:t>2/18/2026</a:t>
             </a:fld>
             <a:endParaRPr lang="en-US"/>
           </a:p>
@@ -5383,7 +5019,7 @@
           <a:p>
             <a:fld id="{0560A9CD-0304-4E0B-9E82-E7E0115DE05B}" type="datetimeFigureOut">
               <a:rPr lang="en-US" smtClean="0"/>
-              <a:t>10/27/2025</a:t>
+              <a:t>2/18/2026</a:t>
             </a:fld>
             <a:endParaRPr lang="en-US"/>
           </a:p>
@@ -5658,7 +5294,7 @@
           <a:p>
             <a:fld id="{0560A9CD-0304-4E0B-9E82-E7E0115DE05B}" type="datetimeFigureOut">
               <a:rPr lang="en-US" smtClean="0"/>
-              <a:t>10/27/2025</a:t>
+              <a:t>2/18/2026</a:t>
             </a:fld>
             <a:endParaRPr lang="en-US"/>
           </a:p>
@@ -5910,7 +5546,7 @@
           <a:p>
             <a:fld id="{0560A9CD-0304-4E0B-9E82-E7E0115DE05B}" type="datetimeFigureOut">
               <a:rPr lang="en-US" smtClean="0"/>
-              <a:t>10/27/2025</a:t>
+              <a:t>2/18/2026</a:t>
             </a:fld>
             <a:endParaRPr lang="en-US"/>
           </a:p>
@@ -6121,7 +5757,7 @@
           <a:p>
             <a:fld id="{0560A9CD-0304-4E0B-9E82-E7E0115DE05B}" type="datetimeFigureOut">
               <a:rPr lang="en-US" smtClean="0"/>
-              <a:t>10/27/2025</a:t>
+              <a:t>2/18/2026</a:t>
             </a:fld>
             <a:endParaRPr lang="en-US"/>
           </a:p>
@@ -11285,7 +10921,19 @@
               <a:rPr lang="da-DK" dirty="0">
                 <a:cs typeface="Courier New" panose="02070309020205020404" pitchFamily="49" charset="0"/>
               </a:rPr>
-              <a:t>Default arguments </a:t>
+              <a:t>Default </a:t>
+            </a:r>
+            <a:r>
+              <a:rPr lang="da-DK" dirty="0" err="1">
+                <a:cs typeface="Courier New" panose="02070309020205020404" pitchFamily="49" charset="0"/>
+              </a:rPr>
+              <a:t>values</a:t>
+            </a:r>
+            <a:r>
+              <a:rPr lang="da-DK" dirty="0">
+                <a:cs typeface="Courier New" panose="02070309020205020404" pitchFamily="49" charset="0"/>
+              </a:rPr>
+              <a:t> </a:t>
             </a:r>
             <a:r>
               <a:rPr lang="da-DK" dirty="0" err="1">
